--- a/Host&Startup&Di.pptx
+++ b/Host&Startup&Di.pptx
@@ -5,15 +5,20 @@
     <p:sldMasterId id="2147483648" r:id="rId1"/>
   </p:sldMasterIdLst>
   <p:notesMasterIdLst>
-    <p:notesMasterId r:id="rId8"/>
+    <p:notesMasterId r:id="rId13"/>
   </p:notesMasterIdLst>
   <p:sldIdLst>
     <p:sldId id="256" r:id="rId2"/>
     <p:sldId id="275" r:id="rId3"/>
     <p:sldId id="331" r:id="rId4"/>
     <p:sldId id="332" r:id="rId5"/>
-    <p:sldId id="333" r:id="rId6"/>
-    <p:sldId id="330" r:id="rId7"/>
+    <p:sldId id="334" r:id="rId6"/>
+    <p:sldId id="335" r:id="rId7"/>
+    <p:sldId id="333" r:id="rId8"/>
+    <p:sldId id="336" r:id="rId9"/>
+    <p:sldId id="337" r:id="rId10"/>
+    <p:sldId id="338" r:id="rId11"/>
+    <p:sldId id="330" r:id="rId12"/>
   </p:sldIdLst>
   <p:sldSz cx="12192000" cy="6858000"/>
   <p:notesSz cx="6858000" cy="9144000"/>
@@ -202,7 +207,7 @@
           <a:p>
             <a:fld id="{1747B90C-FE49-44DE-93E7-FA9DDECBEA03}" type="datetimeFigureOut">
               <a:rPr lang="en-US" smtClean="0"/>
-              <a:t>22-Nov-19</a:t>
+              <a:t>25-Nov-19</a:t>
             </a:fld>
             <a:endParaRPr lang="en-US"/>
           </a:p>
@@ -598,6 +603,84 @@
           <a:bodyPr/>
           <a:lstStyle/>
           <a:p>
+            <a:pPr marL="0" marR="0" lvl="0" indent="0" algn="l" defTabSz="914400" rtl="0" eaLnBrk="1" fontAlgn="auto" latinLnBrk="0" hangingPunct="1">
+              <a:lnSpc>
+                <a:spcPct val="100000"/>
+              </a:lnSpc>
+              <a:spcBef>
+                <a:spcPts val="0"/>
+              </a:spcBef>
+              <a:spcAft>
+                <a:spcPts val="0"/>
+              </a:spcAft>
+              <a:buClrTx/>
+              <a:buSzTx/>
+              <a:buFontTx/>
+              <a:buNone/>
+              <a:tabLst/>
+              <a:defRPr/>
+            </a:pPr>
+            <a:r>
+              <a:rPr lang="en-US" dirty="0" smtClean="0"/>
+              <a:t>Program</a:t>
+            </a:r>
+            <a:r>
+              <a:rPr lang="en-US" baseline="0" dirty="0" smtClean="0"/>
+              <a:t> class, main method</a:t>
+            </a:r>
+          </a:p>
+          <a:p>
+            <a:endParaRPr lang="en-US" sz="1200" b="0" i="1" kern="1200" dirty="0" smtClean="0">
+              <a:solidFill>
+                <a:schemeClr val="tx1"/>
+              </a:solidFill>
+              <a:effectLst/>
+              <a:latin typeface="+mn-lt"/>
+              <a:ea typeface="+mn-ea"/>
+              <a:cs typeface="+mn-cs"/>
+            </a:endParaRPr>
+          </a:p>
+          <a:p>
+            <a:r>
+              <a:rPr lang="en-US" sz="1200" b="0" i="1" kern="1200" dirty="0" err="1" smtClean="0">
+                <a:solidFill>
+                  <a:schemeClr val="tx1"/>
+                </a:solidFill>
+                <a:effectLst/>
+                <a:latin typeface="+mn-lt"/>
+                <a:ea typeface="+mn-ea"/>
+                <a:cs typeface="+mn-cs"/>
+              </a:rPr>
+              <a:t>Program.cs</a:t>
+            </a:r>
+            <a:r>
+              <a:rPr lang="en-US" sz="1200" b="0" i="0" kern="1200" dirty="0" smtClean="0">
+                <a:solidFill>
+                  <a:schemeClr val="tx1"/>
+                </a:solidFill>
+                <a:effectLst/>
+                <a:latin typeface="+mn-lt"/>
+                <a:ea typeface="+mn-ea"/>
+                <a:cs typeface="+mn-cs"/>
+              </a:rPr>
+              <a:t> code for a non-HTTP workload, with a single </a:t>
+            </a:r>
+            <a:r>
+              <a:rPr lang="en-US" dirty="0" err="1" smtClean="0"/>
+              <a:t>IHostedService</a:t>
+            </a:r>
+            <a:r>
+              <a:rPr lang="en-US" sz="1200" b="0" i="0" kern="1200" dirty="0" smtClean="0">
+                <a:solidFill>
+                  <a:schemeClr val="tx1"/>
+                </a:solidFill>
+                <a:effectLst/>
+                <a:latin typeface="+mn-lt"/>
+                <a:ea typeface="+mn-ea"/>
+                <a:cs typeface="+mn-cs"/>
+              </a:rPr>
+              <a:t> implementation added to the DI container.</a:t>
+            </a:r>
             <a:endParaRPr lang="en-US" dirty="0"/>
           </a:p>
         </p:txBody>
@@ -619,7 +702,673 @@
           <a:p>
             <a:fld id="{BA1D5B97-ACF5-4677-A104-92B2393AA446}" type="slidenum">
               <a:rPr lang="en-US" smtClean="0"/>
+              <a:t>5</a:t>
+            </a:fld>
+            <a:endParaRPr lang="en-US"/>
+          </a:p>
+        </p:txBody>
+      </p:sp>
+    </p:spTree>
+    <p:extLst>
+      <p:ext uri="{BB962C8B-B14F-4D97-AF65-F5344CB8AC3E}">
+        <p14:creationId xmlns:p14="http://schemas.microsoft.com/office/powerpoint/2010/main" val="1322853122"/>
+      </p:ext>
+    </p:extLst>
+  </p:cSld>
+  <p:clrMapOvr>
+    <a:masterClrMapping/>
+  </p:clrMapOvr>
+</p:notes>
+</file>
+
+<file path=ppt/notesSlides/notesSlide3.xml><?xml version="1.0" encoding="utf-8"?>
+<p:notes xmlns:a="http://schemas.openxmlformats.org/drawingml/2006/main" xmlns:r="http://schemas.openxmlformats.org/officeDocument/2006/relationships" xmlns:p="http://schemas.openxmlformats.org/presentationml/2006/main">
+  <p:cSld>
+    <p:spTree>
+      <p:nvGrpSpPr>
+        <p:cNvPr id="1" name=""/>
+        <p:cNvGrpSpPr/>
+        <p:nvPr/>
+      </p:nvGrpSpPr>
+      <p:grpSpPr>
+        <a:xfrm>
+          <a:off x="0" y="0"/>
+          <a:ext cx="0" cy="0"/>
+          <a:chOff x="0" y="0"/>
+          <a:chExt cx="0" cy="0"/>
+        </a:xfrm>
+      </p:grpSpPr>
+      <p:sp>
+        <p:nvSpPr>
+          <p:cNvPr id="2" name="Slide Image Placeholder 1"/>
+          <p:cNvSpPr>
+            <a:spLocks noGrp="1" noRot="1" noChangeAspect="1"/>
+          </p:cNvSpPr>
+          <p:nvPr>
+            <p:ph type="sldImg"/>
+          </p:nvPr>
+        </p:nvSpPr>
+        <p:spPr/>
+      </p:sp>
+      <p:sp>
+        <p:nvSpPr>
+          <p:cNvPr id="3" name="Notes Placeholder 2"/>
+          <p:cNvSpPr>
+            <a:spLocks noGrp="1"/>
+          </p:cNvSpPr>
+          <p:nvPr>
+            <p:ph type="body" idx="1"/>
+          </p:nvPr>
+        </p:nvSpPr>
+        <p:spPr/>
+        <p:txBody>
+          <a:bodyPr/>
+          <a:lstStyle/>
+          <a:p>
+            <a:endParaRPr lang="en-US" dirty="0"/>
+          </a:p>
+        </p:txBody>
+      </p:sp>
+      <p:sp>
+        <p:nvSpPr>
+          <p:cNvPr id="4" name="Slide Number Placeholder 3"/>
+          <p:cNvSpPr>
+            <a:spLocks noGrp="1"/>
+          </p:cNvSpPr>
+          <p:nvPr>
+            <p:ph type="sldNum" sz="quarter" idx="10"/>
+          </p:nvPr>
+        </p:nvSpPr>
+        <p:spPr/>
+        <p:txBody>
+          <a:bodyPr/>
+          <a:lstStyle/>
+          <a:p>
+            <a:fld id="{BA1D5B97-ACF5-4677-A104-92B2393AA446}" type="slidenum">
+              <a:rPr lang="en-US" smtClean="0"/>
               <a:t>6</a:t>
+            </a:fld>
+            <a:endParaRPr lang="en-US"/>
+          </a:p>
+        </p:txBody>
+      </p:sp>
+    </p:spTree>
+    <p:extLst>
+      <p:ext uri="{BB962C8B-B14F-4D97-AF65-F5344CB8AC3E}">
+        <p14:creationId xmlns:p14="http://schemas.microsoft.com/office/powerpoint/2010/main" val="3886403668"/>
+      </p:ext>
+    </p:extLst>
+  </p:cSld>
+  <p:clrMapOvr>
+    <a:masterClrMapping/>
+  </p:clrMapOvr>
+</p:notes>
+</file>
+
+<file path=ppt/notesSlides/notesSlide4.xml><?xml version="1.0" encoding="utf-8"?>
+<p:notes xmlns:a="http://schemas.openxmlformats.org/drawingml/2006/main" xmlns:r="http://schemas.openxmlformats.org/officeDocument/2006/relationships" xmlns:p="http://schemas.openxmlformats.org/presentationml/2006/main">
+  <p:cSld>
+    <p:spTree>
+      <p:nvGrpSpPr>
+        <p:cNvPr id="1" name=""/>
+        <p:cNvGrpSpPr/>
+        <p:nvPr/>
+      </p:nvGrpSpPr>
+      <p:grpSpPr>
+        <a:xfrm>
+          <a:off x="0" y="0"/>
+          <a:ext cx="0" cy="0"/>
+          <a:chOff x="0" y="0"/>
+          <a:chExt cx="0" cy="0"/>
+        </a:xfrm>
+      </p:grpSpPr>
+      <p:sp>
+        <p:nvSpPr>
+          <p:cNvPr id="2" name="Slide Image Placeholder 1"/>
+          <p:cNvSpPr>
+            <a:spLocks noGrp="1" noRot="1" noChangeAspect="1"/>
+          </p:cNvSpPr>
+          <p:nvPr>
+            <p:ph type="sldImg"/>
+          </p:nvPr>
+        </p:nvSpPr>
+        <p:spPr/>
+      </p:sp>
+      <p:sp>
+        <p:nvSpPr>
+          <p:cNvPr id="3" name="Notes Placeholder 2"/>
+          <p:cNvSpPr>
+            <a:spLocks noGrp="1"/>
+          </p:cNvSpPr>
+          <p:nvPr>
+            <p:ph type="body" idx="1"/>
+          </p:nvPr>
+        </p:nvSpPr>
+        <p:spPr/>
+        <p:txBody>
+          <a:bodyPr/>
+          <a:lstStyle/>
+          <a:p>
+            <a:r>
+              <a:rPr lang="en-US" sz="1200" b="0" i="0" kern="1200" dirty="0" smtClean="0">
+                <a:solidFill>
+                  <a:schemeClr val="tx1"/>
+                </a:solidFill>
+                <a:effectLst/>
+                <a:latin typeface="+mn-lt"/>
+                <a:ea typeface="+mn-ea"/>
+                <a:cs typeface="+mn-cs"/>
+              </a:rPr>
+              <a:t>If the app uses Entity Framework Core, don't change the name or signature of the </a:t>
+            </a:r>
+            <a:r>
+              <a:rPr lang="en-US" dirty="0" err="1" smtClean="0"/>
+              <a:t>CreateHostBuilder</a:t>
+            </a:r>
+            <a:r>
+              <a:rPr lang="en-US" sz="1200" b="0" i="0" kern="1200" dirty="0" smtClean="0">
+                <a:solidFill>
+                  <a:schemeClr val="tx1"/>
+                </a:solidFill>
+                <a:effectLst/>
+                <a:latin typeface="+mn-lt"/>
+                <a:ea typeface="+mn-ea"/>
+                <a:cs typeface="+mn-cs"/>
+              </a:rPr>
+              <a:t> method. The </a:t>
+            </a:r>
+            <a:r>
+              <a:rPr lang="en-US" sz="1200" b="0" i="0" u="sng" kern="1200" dirty="0" smtClean="0">
+                <a:solidFill>
+                  <a:schemeClr val="tx1"/>
+                </a:solidFill>
+                <a:effectLst/>
+                <a:latin typeface="+mn-lt"/>
+                <a:ea typeface="+mn-ea"/>
+                <a:cs typeface="+mn-cs"/>
+                <a:hlinkClick r:id="rId3"/>
+              </a:rPr>
+              <a:t>Entity Framework Core tools</a:t>
+            </a:r>
+            <a:r>
+              <a:rPr lang="en-US" sz="1200" b="0" i="0" kern="1200" dirty="0" smtClean="0">
+                <a:solidFill>
+                  <a:schemeClr val="tx1"/>
+                </a:solidFill>
+                <a:effectLst/>
+                <a:latin typeface="+mn-lt"/>
+                <a:ea typeface="+mn-ea"/>
+                <a:cs typeface="+mn-cs"/>
+              </a:rPr>
+              <a:t> expect to find a </a:t>
+            </a:r>
+            <a:r>
+              <a:rPr lang="en-US" dirty="0" err="1" smtClean="0"/>
+              <a:t>CreateHostBuilder</a:t>
+            </a:r>
+            <a:r>
+              <a:rPr lang="en-US" sz="1200" b="0" i="0" kern="1200" dirty="0" smtClean="0">
+                <a:solidFill>
+                  <a:schemeClr val="tx1"/>
+                </a:solidFill>
+                <a:effectLst/>
+                <a:latin typeface="+mn-lt"/>
+                <a:ea typeface="+mn-ea"/>
+                <a:cs typeface="+mn-cs"/>
+              </a:rPr>
+              <a:t> method that configures the host without running the app.</a:t>
+            </a:r>
+            <a:endParaRPr lang="en-US" dirty="0"/>
+          </a:p>
+        </p:txBody>
+      </p:sp>
+      <p:sp>
+        <p:nvSpPr>
+          <p:cNvPr id="4" name="Slide Number Placeholder 3"/>
+          <p:cNvSpPr>
+            <a:spLocks noGrp="1"/>
+          </p:cNvSpPr>
+          <p:nvPr>
+            <p:ph type="sldNum" sz="quarter" idx="10"/>
+          </p:nvPr>
+        </p:nvSpPr>
+        <p:spPr/>
+        <p:txBody>
+          <a:bodyPr/>
+          <a:lstStyle/>
+          <a:p>
+            <a:fld id="{BA1D5B97-ACF5-4677-A104-92B2393AA446}" type="slidenum">
+              <a:rPr lang="en-US" smtClean="0"/>
+              <a:t>7</a:t>
+            </a:fld>
+            <a:endParaRPr lang="en-US"/>
+          </a:p>
+        </p:txBody>
+      </p:sp>
+    </p:spTree>
+    <p:extLst>
+      <p:ext uri="{BB962C8B-B14F-4D97-AF65-F5344CB8AC3E}">
+        <p14:creationId xmlns:p14="http://schemas.microsoft.com/office/powerpoint/2010/main" val="3483866304"/>
+      </p:ext>
+    </p:extLst>
+  </p:cSld>
+  <p:clrMapOvr>
+    <a:masterClrMapping/>
+  </p:clrMapOvr>
+</p:notes>
+</file>
+
+<file path=ppt/notesSlides/notesSlide5.xml><?xml version="1.0" encoding="utf-8"?>
+<p:notes xmlns:a="http://schemas.openxmlformats.org/drawingml/2006/main" xmlns:r="http://schemas.openxmlformats.org/officeDocument/2006/relationships" xmlns:p="http://schemas.openxmlformats.org/presentationml/2006/main">
+  <p:cSld>
+    <p:spTree>
+      <p:nvGrpSpPr>
+        <p:cNvPr id="1" name=""/>
+        <p:cNvGrpSpPr/>
+        <p:nvPr/>
+      </p:nvGrpSpPr>
+      <p:grpSpPr>
+        <a:xfrm>
+          <a:off x="0" y="0"/>
+          <a:ext cx="0" cy="0"/>
+          <a:chOff x="0" y="0"/>
+          <a:chExt cx="0" cy="0"/>
+        </a:xfrm>
+      </p:grpSpPr>
+      <p:sp>
+        <p:nvSpPr>
+          <p:cNvPr id="2" name="Slide Image Placeholder 1"/>
+          <p:cNvSpPr>
+            <a:spLocks noGrp="1" noRot="1" noChangeAspect="1"/>
+          </p:cNvSpPr>
+          <p:nvPr>
+            <p:ph type="sldImg"/>
+          </p:nvPr>
+        </p:nvSpPr>
+        <p:spPr/>
+      </p:sp>
+      <p:sp>
+        <p:nvSpPr>
+          <p:cNvPr id="3" name="Notes Placeholder 2"/>
+          <p:cNvSpPr>
+            <a:spLocks noGrp="1"/>
+          </p:cNvSpPr>
+          <p:nvPr>
+            <p:ph type="body" idx="1"/>
+          </p:nvPr>
+        </p:nvSpPr>
+        <p:spPr/>
+        <p:txBody>
+          <a:bodyPr/>
+          <a:lstStyle/>
+          <a:p>
+            <a:endParaRPr lang="en-US" dirty="0"/>
+          </a:p>
+        </p:txBody>
+      </p:sp>
+      <p:sp>
+        <p:nvSpPr>
+          <p:cNvPr id="4" name="Slide Number Placeholder 3"/>
+          <p:cNvSpPr>
+            <a:spLocks noGrp="1"/>
+          </p:cNvSpPr>
+          <p:nvPr>
+            <p:ph type="sldNum" sz="quarter" idx="10"/>
+          </p:nvPr>
+        </p:nvSpPr>
+        <p:spPr/>
+        <p:txBody>
+          <a:bodyPr/>
+          <a:lstStyle/>
+          <a:p>
+            <a:fld id="{BA1D5B97-ACF5-4677-A104-92B2393AA446}" type="slidenum">
+              <a:rPr lang="en-US" smtClean="0"/>
+              <a:t>8</a:t>
+            </a:fld>
+            <a:endParaRPr lang="en-US"/>
+          </a:p>
+        </p:txBody>
+      </p:sp>
+    </p:spTree>
+    <p:extLst>
+      <p:ext uri="{BB962C8B-B14F-4D97-AF65-F5344CB8AC3E}">
+        <p14:creationId xmlns:p14="http://schemas.microsoft.com/office/powerpoint/2010/main" val="1930051297"/>
+      </p:ext>
+    </p:extLst>
+  </p:cSld>
+  <p:clrMapOvr>
+    <a:masterClrMapping/>
+  </p:clrMapOvr>
+</p:notes>
+</file>
+
+<file path=ppt/notesSlides/notesSlide6.xml><?xml version="1.0" encoding="utf-8"?>
+<p:notes xmlns:a="http://schemas.openxmlformats.org/drawingml/2006/main" xmlns:r="http://schemas.openxmlformats.org/officeDocument/2006/relationships" xmlns:p="http://schemas.openxmlformats.org/presentationml/2006/main">
+  <p:cSld>
+    <p:spTree>
+      <p:nvGrpSpPr>
+        <p:cNvPr id="1" name=""/>
+        <p:cNvGrpSpPr/>
+        <p:nvPr/>
+      </p:nvGrpSpPr>
+      <p:grpSpPr>
+        <a:xfrm>
+          <a:off x="0" y="0"/>
+          <a:ext cx="0" cy="0"/>
+          <a:chOff x="0" y="0"/>
+          <a:chExt cx="0" cy="0"/>
+        </a:xfrm>
+      </p:grpSpPr>
+      <p:sp>
+        <p:nvSpPr>
+          <p:cNvPr id="2" name="Slide Image Placeholder 1"/>
+          <p:cNvSpPr>
+            <a:spLocks noGrp="1" noRot="1" noChangeAspect="1"/>
+          </p:cNvSpPr>
+          <p:nvPr>
+            <p:ph type="sldImg"/>
+          </p:nvPr>
+        </p:nvSpPr>
+        <p:spPr/>
+      </p:sp>
+      <p:sp>
+        <p:nvSpPr>
+          <p:cNvPr id="3" name="Notes Placeholder 2"/>
+          <p:cNvSpPr>
+            <a:spLocks noGrp="1"/>
+          </p:cNvSpPr>
+          <p:nvPr>
+            <p:ph type="body" idx="1"/>
+          </p:nvPr>
+        </p:nvSpPr>
+        <p:spPr/>
+        <p:txBody>
+          <a:bodyPr/>
+          <a:lstStyle/>
+          <a:p>
+            <a:r>
+              <a:rPr lang="en-US" sz="1200" b="0" i="0" kern="1200" dirty="0" smtClean="0">
+                <a:solidFill>
+                  <a:schemeClr val="tx1"/>
+                </a:solidFill>
+                <a:effectLst/>
+                <a:latin typeface="+mn-lt"/>
+                <a:ea typeface="+mn-ea"/>
+                <a:cs typeface="+mn-cs"/>
+              </a:rPr>
+              <a:t>Scope validation:</a:t>
+            </a:r>
+          </a:p>
+          <a:p>
+            <a:r>
+              <a:rPr lang="en-US" sz="1200" b="0" i="0" kern="1200" dirty="0" smtClean="0">
+                <a:solidFill>
+                  <a:schemeClr val="tx1"/>
+                </a:solidFill>
+                <a:effectLst/>
+                <a:latin typeface="+mn-lt"/>
+                <a:ea typeface="+mn-ea"/>
+                <a:cs typeface="+mn-cs"/>
+              </a:rPr>
+              <a:t>When the app is running in the Development environment, the default service provider performs checks to verify that:</a:t>
+            </a:r>
+          </a:p>
+          <a:p>
+            <a:r>
+              <a:rPr lang="en-US" sz="1200" b="0" i="0" kern="1200" dirty="0" smtClean="0">
+                <a:solidFill>
+                  <a:schemeClr val="tx1"/>
+                </a:solidFill>
+                <a:effectLst/>
+                <a:latin typeface="+mn-lt"/>
+                <a:ea typeface="+mn-ea"/>
+                <a:cs typeface="+mn-cs"/>
+              </a:rPr>
+              <a:t>Scoped services aren't directly or indirectly resolved from the root service provider.</a:t>
+            </a:r>
+          </a:p>
+          <a:p>
+            <a:r>
+              <a:rPr lang="en-US" sz="1200" b="0" i="0" kern="1200" dirty="0" smtClean="0">
+                <a:solidFill>
+                  <a:schemeClr val="tx1"/>
+                </a:solidFill>
+                <a:effectLst/>
+                <a:latin typeface="+mn-lt"/>
+                <a:ea typeface="+mn-ea"/>
+                <a:cs typeface="+mn-cs"/>
+              </a:rPr>
+              <a:t>Scoped services aren't directly or indirectly injected into singletons.</a:t>
+            </a:r>
+          </a:p>
+          <a:p>
+            <a:endParaRPr lang="en-US" dirty="0" smtClean="0"/>
+          </a:p>
+          <a:p>
+            <a:endParaRPr lang="en-US" dirty="0" smtClean="0"/>
+          </a:p>
+          <a:p>
+            <a:endParaRPr lang="en-US" dirty="0"/>
+          </a:p>
+        </p:txBody>
+      </p:sp>
+      <p:sp>
+        <p:nvSpPr>
+          <p:cNvPr id="4" name="Slide Number Placeholder 3"/>
+          <p:cNvSpPr>
+            <a:spLocks noGrp="1"/>
+          </p:cNvSpPr>
+          <p:nvPr>
+            <p:ph type="sldNum" sz="quarter" idx="10"/>
+          </p:nvPr>
+        </p:nvSpPr>
+        <p:spPr/>
+        <p:txBody>
+          <a:bodyPr/>
+          <a:lstStyle/>
+          <a:p>
+            <a:fld id="{BA1D5B97-ACF5-4677-A104-92B2393AA446}" type="slidenum">
+              <a:rPr lang="en-US" smtClean="0"/>
+              <a:t>9</a:t>
+            </a:fld>
+            <a:endParaRPr lang="en-US"/>
+          </a:p>
+        </p:txBody>
+      </p:sp>
+    </p:spTree>
+    <p:extLst>
+      <p:ext uri="{BB962C8B-B14F-4D97-AF65-F5344CB8AC3E}">
+        <p14:creationId xmlns:p14="http://schemas.microsoft.com/office/powerpoint/2010/main" val="2802544589"/>
+      </p:ext>
+    </p:extLst>
+  </p:cSld>
+  <p:clrMapOvr>
+    <a:masterClrMapping/>
+  </p:clrMapOvr>
+</p:notes>
+</file>
+
+<file path=ppt/notesSlides/notesSlide7.xml><?xml version="1.0" encoding="utf-8"?>
+<p:notes xmlns:a="http://schemas.openxmlformats.org/drawingml/2006/main" xmlns:r="http://schemas.openxmlformats.org/officeDocument/2006/relationships" xmlns:p="http://schemas.openxmlformats.org/presentationml/2006/main">
+  <p:cSld>
+    <p:spTree>
+      <p:nvGrpSpPr>
+        <p:cNvPr id="1" name=""/>
+        <p:cNvGrpSpPr/>
+        <p:nvPr/>
+      </p:nvGrpSpPr>
+      <p:grpSpPr>
+        <a:xfrm>
+          <a:off x="0" y="0"/>
+          <a:ext cx="0" cy="0"/>
+          <a:chOff x="0" y="0"/>
+          <a:chExt cx="0" cy="0"/>
+        </a:xfrm>
+      </p:grpSpPr>
+      <p:sp>
+        <p:nvSpPr>
+          <p:cNvPr id="2" name="Slide Image Placeholder 1"/>
+          <p:cNvSpPr>
+            <a:spLocks noGrp="1" noRot="1" noChangeAspect="1"/>
+          </p:cNvSpPr>
+          <p:nvPr>
+            <p:ph type="sldImg"/>
+          </p:nvPr>
+        </p:nvSpPr>
+        <p:spPr/>
+      </p:sp>
+      <p:sp>
+        <p:nvSpPr>
+          <p:cNvPr id="3" name="Notes Placeholder 2"/>
+          <p:cNvSpPr>
+            <a:spLocks noGrp="1"/>
+          </p:cNvSpPr>
+          <p:nvPr>
+            <p:ph type="body" idx="1"/>
+          </p:nvPr>
+        </p:nvSpPr>
+        <p:spPr/>
+        <p:txBody>
+          <a:bodyPr/>
+          <a:lstStyle/>
+          <a:p>
+            <a:r>
+              <a:rPr lang="en-US" sz="1200" b="1" i="0" kern="1200" dirty="0" smtClean="0">
+                <a:solidFill>
+                  <a:schemeClr val="tx1"/>
+                </a:solidFill>
+                <a:effectLst/>
+                <a:latin typeface="+mn-lt"/>
+                <a:ea typeface="+mn-ea"/>
+                <a:cs typeface="+mn-cs"/>
+              </a:rPr>
+              <a:t>Forwarded headers</a:t>
+            </a:r>
+          </a:p>
+          <a:p>
+            <a:r>
+              <a:rPr lang="en-US" sz="1200" b="0" i="0" kern="1200" dirty="0" smtClean="0">
+                <a:solidFill>
+                  <a:schemeClr val="tx1"/>
+                </a:solidFill>
+                <a:effectLst/>
+                <a:latin typeface="+mn-lt"/>
+                <a:ea typeface="+mn-ea"/>
+                <a:cs typeface="+mn-cs"/>
+              </a:rPr>
+              <a:t>By convention, proxies forward information in HTTP headers.</a:t>
+            </a:r>
+          </a:p>
+          <a:p>
+            <a:endParaRPr lang="en-US" dirty="0" smtClean="0"/>
+          </a:p>
+          <a:p>
+            <a:endParaRPr lang="en-US" dirty="0"/>
+          </a:p>
+        </p:txBody>
+      </p:sp>
+      <p:sp>
+        <p:nvSpPr>
+          <p:cNvPr id="4" name="Slide Number Placeholder 3"/>
+          <p:cNvSpPr>
+            <a:spLocks noGrp="1"/>
+          </p:cNvSpPr>
+          <p:nvPr>
+            <p:ph type="sldNum" sz="quarter" idx="10"/>
+          </p:nvPr>
+        </p:nvSpPr>
+        <p:spPr/>
+        <p:txBody>
+          <a:bodyPr/>
+          <a:lstStyle/>
+          <a:p>
+            <a:fld id="{BA1D5B97-ACF5-4677-A104-92B2393AA446}" type="slidenum">
+              <a:rPr lang="en-US" smtClean="0"/>
+              <a:t>10</a:t>
+            </a:fld>
+            <a:endParaRPr lang="en-US"/>
+          </a:p>
+        </p:txBody>
+      </p:sp>
+    </p:spTree>
+    <p:extLst>
+      <p:ext uri="{BB962C8B-B14F-4D97-AF65-F5344CB8AC3E}">
+        <p14:creationId xmlns:p14="http://schemas.microsoft.com/office/powerpoint/2010/main" val="3332554574"/>
+      </p:ext>
+    </p:extLst>
+  </p:cSld>
+  <p:clrMapOvr>
+    <a:masterClrMapping/>
+  </p:clrMapOvr>
+</p:notes>
+</file>
+
+<file path=ppt/notesSlides/notesSlide8.xml><?xml version="1.0" encoding="utf-8"?>
+<p:notes xmlns:a="http://schemas.openxmlformats.org/drawingml/2006/main" xmlns:r="http://schemas.openxmlformats.org/officeDocument/2006/relationships" xmlns:p="http://schemas.openxmlformats.org/presentationml/2006/main">
+  <p:cSld>
+    <p:spTree>
+      <p:nvGrpSpPr>
+        <p:cNvPr id="1" name=""/>
+        <p:cNvGrpSpPr/>
+        <p:nvPr/>
+      </p:nvGrpSpPr>
+      <p:grpSpPr>
+        <a:xfrm>
+          <a:off x="0" y="0"/>
+          <a:ext cx="0" cy="0"/>
+          <a:chOff x="0" y="0"/>
+          <a:chExt cx="0" cy="0"/>
+        </a:xfrm>
+      </p:grpSpPr>
+      <p:sp>
+        <p:nvSpPr>
+          <p:cNvPr id="2" name="Slide Image Placeholder 1"/>
+          <p:cNvSpPr>
+            <a:spLocks noGrp="1" noRot="1" noChangeAspect="1"/>
+          </p:cNvSpPr>
+          <p:nvPr>
+            <p:ph type="sldImg"/>
+          </p:nvPr>
+        </p:nvSpPr>
+        <p:spPr/>
+      </p:sp>
+      <p:sp>
+        <p:nvSpPr>
+          <p:cNvPr id="3" name="Notes Placeholder 2"/>
+          <p:cNvSpPr>
+            <a:spLocks noGrp="1"/>
+          </p:cNvSpPr>
+          <p:nvPr>
+            <p:ph type="body" idx="1"/>
+          </p:nvPr>
+        </p:nvSpPr>
+        <p:spPr/>
+        <p:txBody>
+          <a:bodyPr/>
+          <a:lstStyle/>
+          <a:p>
+            <a:endParaRPr lang="en-US" dirty="0"/>
+          </a:p>
+        </p:txBody>
+      </p:sp>
+      <p:sp>
+        <p:nvSpPr>
+          <p:cNvPr id="4" name="Slide Number Placeholder 3"/>
+          <p:cNvSpPr>
+            <a:spLocks noGrp="1"/>
+          </p:cNvSpPr>
+          <p:nvPr>
+            <p:ph type="sldNum" sz="quarter" idx="10"/>
+          </p:nvPr>
+        </p:nvSpPr>
+        <p:spPr/>
+        <p:txBody>
+          <a:bodyPr/>
+          <a:lstStyle/>
+          <a:p>
+            <a:fld id="{BA1D5B97-ACF5-4677-A104-92B2393AA446}" type="slidenum">
+              <a:rPr lang="en-US" smtClean="0"/>
+              <a:t>11</a:t>
             </a:fld>
             <a:endParaRPr lang="en-US"/>
           </a:p>
@@ -769,7 +1518,7 @@
           <a:p>
             <a:fld id="{622E22BE-79DE-4FFF-A515-BF1CA8DF801A}" type="datetimeFigureOut">
               <a:rPr lang="en-US" smtClean="0"/>
-              <a:t>22-Nov-19</a:t>
+              <a:t>25-Nov-19</a:t>
             </a:fld>
             <a:endParaRPr lang="en-US"/>
           </a:p>
@@ -939,7 +1688,7 @@
           <a:p>
             <a:fld id="{622E22BE-79DE-4FFF-A515-BF1CA8DF801A}" type="datetimeFigureOut">
               <a:rPr lang="en-US" smtClean="0"/>
-              <a:t>22-Nov-19</a:t>
+              <a:t>25-Nov-19</a:t>
             </a:fld>
             <a:endParaRPr lang="en-US"/>
           </a:p>
@@ -1119,7 +1868,7 @@
           <a:p>
             <a:fld id="{622E22BE-79DE-4FFF-A515-BF1CA8DF801A}" type="datetimeFigureOut">
               <a:rPr lang="en-US" smtClean="0"/>
-              <a:t>22-Nov-19</a:t>
+              <a:t>25-Nov-19</a:t>
             </a:fld>
             <a:endParaRPr lang="en-US"/>
           </a:p>
@@ -1289,7 +2038,7 @@
           <a:p>
             <a:fld id="{622E22BE-79DE-4FFF-A515-BF1CA8DF801A}" type="datetimeFigureOut">
               <a:rPr lang="en-US" smtClean="0"/>
-              <a:t>22-Nov-19</a:t>
+              <a:t>25-Nov-19</a:t>
             </a:fld>
             <a:endParaRPr lang="en-US"/>
           </a:p>
@@ -1535,7 +2284,7 @@
           <a:p>
             <a:fld id="{622E22BE-79DE-4FFF-A515-BF1CA8DF801A}" type="datetimeFigureOut">
               <a:rPr lang="en-US" smtClean="0"/>
-              <a:t>22-Nov-19</a:t>
+              <a:t>25-Nov-19</a:t>
             </a:fld>
             <a:endParaRPr lang="en-US"/>
           </a:p>
@@ -1767,7 +2516,7 @@
           <a:p>
             <a:fld id="{622E22BE-79DE-4FFF-A515-BF1CA8DF801A}" type="datetimeFigureOut">
               <a:rPr lang="en-US" smtClean="0"/>
-              <a:t>22-Nov-19</a:t>
+              <a:t>25-Nov-19</a:t>
             </a:fld>
             <a:endParaRPr lang="en-US"/>
           </a:p>
@@ -2134,7 +2883,7 @@
           <a:p>
             <a:fld id="{622E22BE-79DE-4FFF-A515-BF1CA8DF801A}" type="datetimeFigureOut">
               <a:rPr lang="en-US" smtClean="0"/>
-              <a:t>22-Nov-19</a:t>
+              <a:t>25-Nov-19</a:t>
             </a:fld>
             <a:endParaRPr lang="en-US"/>
           </a:p>
@@ -2252,7 +3001,7 @@
           <a:p>
             <a:fld id="{622E22BE-79DE-4FFF-A515-BF1CA8DF801A}" type="datetimeFigureOut">
               <a:rPr lang="en-US" smtClean="0"/>
-              <a:t>22-Nov-19</a:t>
+              <a:t>25-Nov-19</a:t>
             </a:fld>
             <a:endParaRPr lang="en-US"/>
           </a:p>
@@ -2347,7 +3096,7 @@
           <a:p>
             <a:fld id="{622E22BE-79DE-4FFF-A515-BF1CA8DF801A}" type="datetimeFigureOut">
               <a:rPr lang="en-US" smtClean="0"/>
-              <a:t>22-Nov-19</a:t>
+              <a:t>25-Nov-19</a:t>
             </a:fld>
             <a:endParaRPr lang="en-US"/>
           </a:p>
@@ -2624,7 +3373,7 @@
           <a:p>
             <a:fld id="{622E22BE-79DE-4FFF-A515-BF1CA8DF801A}" type="datetimeFigureOut">
               <a:rPr lang="en-US" smtClean="0"/>
-              <a:t>22-Nov-19</a:t>
+              <a:t>25-Nov-19</a:t>
             </a:fld>
             <a:endParaRPr lang="en-US"/>
           </a:p>
@@ -2877,7 +3626,7 @@
           <a:p>
             <a:fld id="{622E22BE-79DE-4FFF-A515-BF1CA8DF801A}" type="datetimeFigureOut">
               <a:rPr lang="en-US" smtClean="0"/>
-              <a:t>22-Nov-19</a:t>
+              <a:t>25-Nov-19</a:t>
             </a:fld>
             <a:endParaRPr lang="en-US"/>
           </a:p>
@@ -3090,7 +3839,7 @@
           <a:p>
             <a:fld id="{622E22BE-79DE-4FFF-A515-BF1CA8DF801A}" type="datetimeFigureOut">
               <a:rPr lang="en-US" smtClean="0"/>
-              <a:t>22-Nov-19</a:t>
+              <a:t>25-Nov-19</a:t>
             </a:fld>
             <a:endParaRPr lang="en-US"/>
           </a:p>
@@ -3560,10 +4309,6 @@
               <a:rPr lang="en-US" dirty="0" smtClean="0"/>
               <a:t>in</a:t>
             </a:r>
-            <a:r>
-              <a:rPr lang="en-US" dirty="0" smtClean="0"/>
-              <a:t/>
-            </a:r>
             <a:br>
               <a:rPr lang="en-US" dirty="0" smtClean="0"/>
             </a:br>
@@ -3577,11 +4322,7 @@
             </a:r>
             <a:r>
               <a:rPr lang="en-US" dirty="0" smtClean="0"/>
-              <a:t> Core </a:t>
-            </a:r>
-            <a:r>
-              <a:rPr lang="en-US" dirty="0" smtClean="0"/>
-              <a:t>3.0</a:t>
+              <a:t> Core 3.0</a:t>
             </a:r>
             <a:endParaRPr lang="en-US" dirty="0"/>
           </a:p>
@@ -3623,6 +4364,404 @@
     <p:extLst>
       <p:ext uri="{BB962C8B-B14F-4D97-AF65-F5344CB8AC3E}">
         <p14:creationId xmlns:p14="http://schemas.microsoft.com/office/powerpoint/2010/main" val="1481623763"/>
+      </p:ext>
+    </p:extLst>
+  </p:cSld>
+  <p:clrMapOvr>
+    <a:masterClrMapping/>
+  </p:clrMapOvr>
+  <p:timing>
+    <p:tnLst>
+      <p:par>
+        <p:cTn id="1" dur="indefinite" restart="never" nodeType="tmRoot"/>
+      </p:par>
+    </p:tnLst>
+  </p:timing>
+</p:sld>
+</file>
+
+<file path=ppt/slides/slide10.xml><?xml version="1.0" encoding="utf-8"?>
+<p:sld xmlns:a="http://schemas.openxmlformats.org/drawingml/2006/main" xmlns:r="http://schemas.openxmlformats.org/officeDocument/2006/relationships" xmlns:p="http://schemas.openxmlformats.org/presentationml/2006/main">
+  <p:cSld>
+    <p:bg>
+      <p:bgPr>
+        <a:gradFill>
+          <a:gsLst>
+            <a:gs pos="0">
+              <a:schemeClr val="accent1">
+                <a:lumMod val="5000"/>
+                <a:lumOff val="95000"/>
+              </a:schemeClr>
+            </a:gs>
+            <a:gs pos="42000">
+              <a:schemeClr val="accent1">
+                <a:lumMod val="45000"/>
+                <a:lumOff val="55000"/>
+              </a:schemeClr>
+            </a:gs>
+            <a:gs pos="83000">
+              <a:schemeClr val="accent1">
+                <a:lumMod val="45000"/>
+                <a:lumOff val="55000"/>
+              </a:schemeClr>
+            </a:gs>
+            <a:gs pos="100000">
+              <a:schemeClr val="accent1">
+                <a:lumMod val="30000"/>
+                <a:lumOff val="70000"/>
+              </a:schemeClr>
+            </a:gs>
+          </a:gsLst>
+          <a:lin ang="5400000" scaled="1"/>
+        </a:gradFill>
+        <a:effectLst/>
+      </p:bgPr>
+    </p:bg>
+    <p:spTree>
+      <p:nvGrpSpPr>
+        <p:cNvPr id="1" name=""/>
+        <p:cNvGrpSpPr/>
+        <p:nvPr/>
+      </p:nvGrpSpPr>
+      <p:grpSpPr>
+        <a:xfrm>
+          <a:off x="0" y="0"/>
+          <a:ext cx="0" cy="0"/>
+          <a:chOff x="0" y="0"/>
+          <a:chExt cx="0" cy="0"/>
+        </a:xfrm>
+      </p:grpSpPr>
+      <p:sp>
+        <p:nvSpPr>
+          <p:cNvPr id="2" name="Title 1"/>
+          <p:cNvSpPr>
+            <a:spLocks noGrp="1"/>
+          </p:cNvSpPr>
+          <p:nvPr>
+            <p:ph type="title"/>
+          </p:nvPr>
+        </p:nvSpPr>
+        <p:spPr>
+          <a:xfrm>
+            <a:off x="181708" y="60325"/>
+            <a:ext cx="10515600" cy="1325563"/>
+          </a:xfrm>
+        </p:spPr>
+        <p:txBody>
+          <a:bodyPr/>
+          <a:lstStyle/>
+          <a:p>
+            <a:r>
+              <a:rPr lang="en-US" dirty="0" err="1" smtClean="0"/>
+              <a:t>ConfigureWebHostsDefault</a:t>
+            </a:r>
+            <a:r>
+              <a:rPr lang="en-US" dirty="0" smtClean="0"/>
+              <a:t>:</a:t>
+            </a:r>
+            <a:endParaRPr lang="en-US" dirty="0"/>
+          </a:p>
+        </p:txBody>
+      </p:sp>
+      <p:sp>
+        <p:nvSpPr>
+          <p:cNvPr id="4" name="TextBox 3"/>
+          <p:cNvSpPr txBox="1"/>
+          <p:nvPr/>
+        </p:nvSpPr>
+        <p:spPr>
+          <a:xfrm>
+            <a:off x="791308" y="1749300"/>
+            <a:ext cx="11588261" cy="4154984"/>
+          </a:xfrm>
+          <a:prstGeom prst="rect">
+            <a:avLst/>
+          </a:prstGeom>
+          <a:noFill/>
+        </p:spPr>
+        <p:txBody>
+          <a:bodyPr wrap="square" rtlCol="0">
+            <a:spAutoFit/>
+          </a:bodyPr>
+          <a:lstStyle/>
+          <a:p>
+            <a:pPr marL="285750" indent="-285750">
+              <a:buFont typeface="Arial" panose="020B0604020202020204" pitchFamily="34" charset="0"/>
+              <a:buChar char="•"/>
+            </a:pPr>
+            <a:r>
+              <a:rPr lang="en-US" sz="2400" dirty="0"/>
+              <a:t>Loads host configuration from environment variables prefixed with "ASPNETCORE</a:t>
+            </a:r>
+            <a:r>
+              <a:rPr lang="en-US" sz="2400" dirty="0" smtClean="0"/>
+              <a:t>_".</a:t>
+            </a:r>
+          </a:p>
+          <a:p>
+            <a:pPr marL="285750" indent="-285750">
+              <a:buFont typeface="Arial" panose="020B0604020202020204" pitchFamily="34" charset="0"/>
+              <a:buChar char="•"/>
+            </a:pPr>
+            <a:endParaRPr lang="en-US" sz="2400" dirty="0"/>
+          </a:p>
+          <a:p>
+            <a:pPr marL="285750" indent="-285750">
+              <a:buFont typeface="Arial" panose="020B0604020202020204" pitchFamily="34" charset="0"/>
+              <a:buChar char="•"/>
+            </a:pPr>
+            <a:r>
+              <a:rPr lang="en-US" sz="2400" dirty="0"/>
+              <a:t>Sets Kestrel server as the web server and configures it using the app's hosting configuration providers. </a:t>
+            </a:r>
+            <a:endParaRPr lang="en-US" sz="2400" dirty="0" smtClean="0"/>
+          </a:p>
+          <a:p>
+            <a:pPr marL="285750" indent="-285750">
+              <a:buFont typeface="Arial" panose="020B0604020202020204" pitchFamily="34" charset="0"/>
+              <a:buChar char="•"/>
+            </a:pPr>
+            <a:endParaRPr lang="en-US" sz="2400" dirty="0"/>
+          </a:p>
+          <a:p>
+            <a:pPr marL="285750" indent="-285750">
+              <a:buFont typeface="Arial" panose="020B0604020202020204" pitchFamily="34" charset="0"/>
+              <a:buChar char="•"/>
+            </a:pPr>
+            <a:r>
+              <a:rPr lang="en-US" sz="2400" dirty="0" smtClean="0"/>
+              <a:t>Adds </a:t>
+            </a:r>
+            <a:r>
+              <a:rPr lang="en-US" sz="2400" dirty="0"/>
+              <a:t>Host Filtering middleware</a:t>
+            </a:r>
+            <a:r>
+              <a:rPr lang="en-US" sz="2400" dirty="0" smtClean="0"/>
+              <a:t>.</a:t>
+            </a:r>
+          </a:p>
+          <a:p>
+            <a:pPr marL="285750" indent="-285750">
+              <a:buFont typeface="Arial" panose="020B0604020202020204" pitchFamily="34" charset="0"/>
+              <a:buChar char="•"/>
+            </a:pPr>
+            <a:endParaRPr lang="en-US" sz="2400" dirty="0"/>
+          </a:p>
+          <a:p>
+            <a:pPr marL="285750" indent="-285750">
+              <a:buFont typeface="Arial" panose="020B0604020202020204" pitchFamily="34" charset="0"/>
+              <a:buChar char="•"/>
+            </a:pPr>
+            <a:r>
+              <a:rPr lang="en-US" sz="2400" dirty="0"/>
+              <a:t>Adds Forwarded Headers middleware if ASPNETCORE_FORWARDEDHEADERS_ENABLED=true</a:t>
+            </a:r>
+            <a:r>
+              <a:rPr lang="en-US" sz="2400" dirty="0" smtClean="0"/>
+              <a:t>.</a:t>
+            </a:r>
+          </a:p>
+          <a:p>
+            <a:pPr marL="285750" indent="-285750">
+              <a:buFont typeface="Arial" panose="020B0604020202020204" pitchFamily="34" charset="0"/>
+              <a:buChar char="•"/>
+            </a:pPr>
+            <a:endParaRPr lang="en-US" sz="2400" dirty="0"/>
+          </a:p>
+          <a:p>
+            <a:pPr marL="285750" indent="-285750">
+              <a:buFont typeface="Arial" panose="020B0604020202020204" pitchFamily="34" charset="0"/>
+              <a:buChar char="•"/>
+            </a:pPr>
+            <a:r>
+              <a:rPr lang="en-US" sz="2400" dirty="0"/>
+              <a:t>Enables IIS integration.</a:t>
+            </a:r>
+            <a:endParaRPr lang="en-US" sz="2400" dirty="0"/>
+          </a:p>
+        </p:txBody>
+      </p:sp>
+    </p:spTree>
+    <p:extLst>
+      <p:ext uri="{BB962C8B-B14F-4D97-AF65-F5344CB8AC3E}">
+        <p14:creationId xmlns:p14="http://schemas.microsoft.com/office/powerpoint/2010/main" val="2428344997"/>
+      </p:ext>
+    </p:extLst>
+  </p:cSld>
+  <p:clrMapOvr>
+    <a:masterClrMapping/>
+  </p:clrMapOvr>
+  <p:timing>
+    <p:tnLst>
+      <p:par>
+        <p:cTn id="1" dur="indefinite" restart="never" nodeType="tmRoot"/>
+      </p:par>
+    </p:tnLst>
+  </p:timing>
+</p:sld>
+</file>
+
+<file path=ppt/slides/slide11.xml><?xml version="1.0" encoding="utf-8"?>
+<p:sld xmlns:a="http://schemas.openxmlformats.org/drawingml/2006/main" xmlns:r="http://schemas.openxmlformats.org/officeDocument/2006/relationships" xmlns:p="http://schemas.openxmlformats.org/presentationml/2006/main">
+  <p:cSld>
+    <p:bg>
+      <p:bgPr>
+        <a:gradFill>
+          <a:gsLst>
+            <a:gs pos="0">
+              <a:schemeClr val="accent1">
+                <a:lumMod val="5000"/>
+                <a:lumOff val="95000"/>
+              </a:schemeClr>
+            </a:gs>
+            <a:gs pos="42000">
+              <a:schemeClr val="accent1">
+                <a:lumMod val="45000"/>
+                <a:lumOff val="55000"/>
+              </a:schemeClr>
+            </a:gs>
+            <a:gs pos="83000">
+              <a:schemeClr val="accent1">
+                <a:lumMod val="45000"/>
+                <a:lumOff val="55000"/>
+              </a:schemeClr>
+            </a:gs>
+            <a:gs pos="100000">
+              <a:schemeClr val="accent1">
+                <a:lumMod val="30000"/>
+                <a:lumOff val="70000"/>
+              </a:schemeClr>
+            </a:gs>
+          </a:gsLst>
+          <a:lin ang="5400000" scaled="1"/>
+        </a:gradFill>
+        <a:effectLst/>
+      </p:bgPr>
+    </p:bg>
+    <p:spTree>
+      <p:nvGrpSpPr>
+        <p:cNvPr id="1" name=""/>
+        <p:cNvGrpSpPr/>
+        <p:nvPr/>
+      </p:nvGrpSpPr>
+      <p:grpSpPr>
+        <a:xfrm>
+          <a:off x="0" y="0"/>
+          <a:ext cx="0" cy="0"/>
+          <a:chOff x="0" y="0"/>
+          <a:chExt cx="0" cy="0"/>
+        </a:xfrm>
+      </p:grpSpPr>
+      <p:sp>
+        <p:nvSpPr>
+          <p:cNvPr id="2" name="Title 1"/>
+          <p:cNvSpPr>
+            <a:spLocks noGrp="1"/>
+          </p:cNvSpPr>
+          <p:nvPr>
+            <p:ph type="title"/>
+          </p:nvPr>
+        </p:nvSpPr>
+        <p:spPr>
+          <a:xfrm>
+            <a:off x="723130" y="784994"/>
+            <a:ext cx="10515600" cy="4689683"/>
+          </a:xfrm>
+        </p:spPr>
+        <p:txBody>
+          <a:bodyPr>
+            <a:normAutofit/>
+          </a:bodyPr>
+          <a:lstStyle/>
+          <a:p>
+            <a:pPr algn="ctr"/>
+            <a:r>
+              <a:rPr lang="en-US" dirty="0" smtClean="0"/>
+              <a:t>Thanks for attention</a:t>
+            </a:r>
+            <a:br>
+              <a:rPr lang="en-US" dirty="0" smtClean="0"/>
+            </a:br>
+            <a:r>
+              <a:rPr lang="en-US" dirty="0"/>
+              <a:t/>
+            </a:r>
+            <a:br>
+              <a:rPr lang="en-US" dirty="0"/>
+            </a:br>
+            <a:r>
+              <a:rPr lang="en-US" dirty="0" smtClean="0"/>
+              <a:t>Evgeniy </a:t>
+            </a:r>
+            <a:r>
+              <a:rPr lang="en-US" dirty="0" err="1" smtClean="0"/>
+              <a:t>Pilyaev</a:t>
+            </a:r>
+            <a:r>
+              <a:rPr lang="en-US" dirty="0" smtClean="0"/>
+              <a:t/>
+            </a:r>
+            <a:br>
+              <a:rPr lang="en-US" dirty="0" smtClean="0"/>
+            </a:br>
+            <a:r>
+              <a:rPr lang="en-US" dirty="0" smtClean="0"/>
+              <a:t/>
+            </a:r>
+            <a:br>
+              <a:rPr lang="en-US" dirty="0" smtClean="0"/>
+            </a:br>
+            <a:r>
+              <a:rPr lang="en-US" dirty="0">
+                <a:hlinkClick r:id="rId3"/>
+              </a:rPr>
+              <a:t>https://</a:t>
+            </a:r>
+            <a:r>
+              <a:rPr lang="en-US" dirty="0" smtClean="0">
+                <a:hlinkClick r:id="rId3"/>
+              </a:rPr>
+              <a:t>github.com/EPilyaev/ASPNetCoreMVC</a:t>
+            </a:r>
+            <a:r>
+              <a:rPr lang="en-US" dirty="0" smtClean="0"/>
+              <a:t/>
+            </a:r>
+            <a:br>
+              <a:rPr lang="en-US" dirty="0" smtClean="0"/>
+            </a:br>
+            <a:r>
+              <a:rPr lang="en-US" dirty="0" smtClean="0"/>
+              <a:t/>
+            </a:r>
+            <a:br>
+              <a:rPr lang="en-US" dirty="0" smtClean="0"/>
+            </a:br>
+            <a:r>
+              <a:rPr lang="en-US" dirty="0"/>
+              <a:t>(</a:t>
+            </a:r>
+            <a:r>
+              <a:rPr lang="en-US" dirty="0" err="1"/>
+              <a:t>Host&amp;Startup&amp;Di</a:t>
+            </a:r>
+            <a:r>
+              <a:rPr lang="en-US" dirty="0"/>
+              <a:t> </a:t>
+            </a:r>
+            <a:r>
+              <a:rPr lang="en-US" dirty="0" smtClean="0"/>
+              <a:t>presentation)</a:t>
+            </a:r>
+            <a:endParaRPr lang="en-US" dirty="0"/>
+          </a:p>
+        </p:txBody>
+      </p:sp>
+    </p:spTree>
+    <p:extLst>
+      <p:ext uri="{BB962C8B-B14F-4D97-AF65-F5344CB8AC3E}">
+        <p14:creationId xmlns:p14="http://schemas.microsoft.com/office/powerpoint/2010/main" val="979259589"/>
       </p:ext>
     </p:extLst>
   </p:cSld>
@@ -3776,7 +4915,6 @@
               <a:rPr lang="en-US" sz="3200" dirty="0"/>
               <a:t> implementations</a:t>
             </a:r>
-            <a:endParaRPr lang="en-US" sz="3200" dirty="0"/>
           </a:p>
         </p:txBody>
       </p:sp>
@@ -4201,42 +5339,56 @@
             <p:ph type="title"/>
           </p:nvPr>
         </p:nvSpPr>
-        <p:spPr/>
+        <p:spPr>
+          <a:xfrm>
+            <a:off x="181708" y="60325"/>
+            <a:ext cx="10515600" cy="1325563"/>
+          </a:xfrm>
+        </p:spPr>
         <p:txBody>
           <a:bodyPr/>
           <a:lstStyle/>
           <a:p>
             <a:r>
               <a:rPr lang="en-US" dirty="0" smtClean="0"/>
-              <a:t>Generic Host</a:t>
+              <a:t>Generic </a:t>
+            </a:r>
+            <a:r>
+              <a:rPr lang="en-US" dirty="0" smtClean="0"/>
+              <a:t>Host (non-http workload)</a:t>
             </a:r>
             <a:endParaRPr lang="en-US" dirty="0"/>
           </a:p>
         </p:txBody>
       </p:sp>
-      <p:sp>
-        <p:nvSpPr>
-          <p:cNvPr id="4" name="Content Placeholder 3"/>
-          <p:cNvSpPr>
-            <a:spLocks noGrp="1"/>
-          </p:cNvSpPr>
-          <p:nvPr>
-            <p:ph idx="1"/>
-          </p:nvPr>
-        </p:nvSpPr>
-        <p:spPr/>
-        <p:txBody>
-          <a:bodyPr/>
-          <a:lstStyle/>
-          <a:p>
-            <a:endParaRPr lang="en-US"/>
-          </a:p>
-        </p:txBody>
-      </p:sp>
+      <p:pic>
+        <p:nvPicPr>
+          <p:cNvPr id="4" name="Picture 3"/>
+          <p:cNvPicPr>
+            <a:picLocks noChangeAspect="1"/>
+          </p:cNvPicPr>
+          <p:nvPr/>
+        </p:nvPicPr>
+        <p:blipFill>
+          <a:blip r:embed="rId3"/>
+          <a:stretch>
+            <a:fillRect/>
+          </a:stretch>
+        </p:blipFill>
+        <p:spPr>
+          <a:xfrm>
+            <a:off x="1795279" y="1268657"/>
+            <a:ext cx="8554550" cy="5385281"/>
+          </a:xfrm>
+          <a:prstGeom prst="rect">
+            <a:avLst/>
+          </a:prstGeom>
+        </p:spPr>
+      </p:pic>
     </p:spTree>
     <p:extLst>
       <p:ext uri="{BB962C8B-B14F-4D97-AF65-F5344CB8AC3E}">
-        <p14:creationId xmlns:p14="http://schemas.microsoft.com/office/powerpoint/2010/main" val="3775740677"/>
+        <p14:creationId xmlns:p14="http://schemas.microsoft.com/office/powerpoint/2010/main" val="1754374620"/>
       </p:ext>
     </p:extLst>
   </p:cSld>
@@ -4316,103 +5468,652 @@
         </p:nvSpPr>
         <p:spPr>
           <a:xfrm>
-            <a:off x="723130" y="784994"/>
-            <a:ext cx="10515600" cy="4689683"/>
+            <a:off x="181708" y="60325"/>
+            <a:ext cx="10515600" cy="1325563"/>
           </a:xfrm>
         </p:spPr>
         <p:txBody>
-          <a:bodyPr>
-            <a:normAutofit/>
-          </a:bodyPr>
-          <a:lstStyle/>
-          <a:p>
-            <a:pPr algn="ctr"/>
+          <a:bodyPr/>
+          <a:lstStyle/>
+          <a:p>
+            <a:r>
+              <a:rPr lang="en-US" dirty="0" err="1" smtClean="0"/>
+              <a:t>IHostedService</a:t>
+            </a:r>
             <a:r>
               <a:rPr lang="en-US" dirty="0" smtClean="0"/>
-              <a:t>Thanks for attention</a:t>
-            </a:r>
-            <a:br>
-              <a:rPr lang="en-US" dirty="0" smtClean="0"/>
-            </a:br>
-            <a:r>
-              <a:rPr lang="en-US" dirty="0"/>
-              <a:t/>
-            </a:r>
-            <a:br>
-              <a:rPr lang="en-US" dirty="0"/>
-            </a:br>
-            <a:r>
-              <a:rPr lang="en-US" dirty="0" smtClean="0"/>
-              <a:t>Evgeniy </a:t>
-            </a:r>
-            <a:r>
-              <a:rPr lang="en-US" dirty="0" err="1" smtClean="0"/>
-              <a:t>Pilyaev</a:t>
-            </a:r>
-            <a:r>
-              <a:rPr lang="en-US" dirty="0" smtClean="0"/>
-              <a:t/>
-            </a:r>
-            <a:br>
-              <a:rPr lang="en-US" dirty="0" smtClean="0"/>
-            </a:br>
-            <a:r>
-              <a:rPr lang="en-US" dirty="0" smtClean="0"/>
-              <a:t/>
-            </a:r>
-            <a:br>
-              <a:rPr lang="en-US" dirty="0" smtClean="0"/>
-            </a:br>
-            <a:r>
-              <a:rPr lang="en-US" dirty="0">
-                <a:hlinkClick r:id="rId3"/>
-              </a:rPr>
-              <a:t>https://</a:t>
-            </a:r>
-            <a:r>
-              <a:rPr lang="en-US" dirty="0" smtClean="0">
-                <a:hlinkClick r:id="rId3"/>
-              </a:rPr>
-              <a:t>github.com/EPilyaev/ASPNetCoreMVC</a:t>
-            </a:r>
-            <a:r>
-              <a:rPr lang="en-US" dirty="0" smtClean="0"/>
-              <a:t/>
-            </a:r>
-            <a:br>
-              <a:rPr lang="en-US" dirty="0" smtClean="0"/>
-            </a:br>
-            <a:r>
-              <a:rPr lang="en-US" dirty="0" smtClean="0"/>
-              <a:t/>
-            </a:r>
-            <a:br>
-              <a:rPr lang="en-US" dirty="0" smtClean="0"/>
-            </a:br>
-            <a:r>
-              <a:rPr lang="en-US" dirty="0"/>
-              <a:t>(</a:t>
-            </a:r>
-            <a:r>
-              <a:rPr lang="en-US" dirty="0" err="1"/>
-              <a:t>Host&amp;Startup&amp;Di</a:t>
-            </a:r>
-            <a:r>
-              <a:rPr lang="en-US" dirty="0"/>
-              <a:t> </a:t>
-            </a:r>
-            <a:r>
-              <a:rPr lang="en-US" dirty="0" smtClean="0"/>
-              <a:t>presentation)</a:t>
+              <a:t> implementation</a:t>
             </a:r>
             <a:endParaRPr lang="en-US" dirty="0"/>
           </a:p>
         </p:txBody>
       </p:sp>
+      <p:pic>
+        <p:nvPicPr>
+          <p:cNvPr id="3" name="Picture 2"/>
+          <p:cNvPicPr>
+            <a:picLocks noChangeAspect="1"/>
+          </p:cNvPicPr>
+          <p:nvPr/>
+        </p:nvPicPr>
+        <p:blipFill>
+          <a:blip r:embed="rId3"/>
+          <a:stretch>
+            <a:fillRect/>
+          </a:stretch>
+        </p:blipFill>
+        <p:spPr>
+          <a:xfrm>
+            <a:off x="1682994" y="1752599"/>
+            <a:ext cx="9130978" cy="4331677"/>
+          </a:xfrm>
+          <a:prstGeom prst="rect">
+            <a:avLst/>
+          </a:prstGeom>
+        </p:spPr>
+      </p:pic>
     </p:spTree>
     <p:extLst>
       <p:ext uri="{BB962C8B-B14F-4D97-AF65-F5344CB8AC3E}">
-        <p14:creationId xmlns:p14="http://schemas.microsoft.com/office/powerpoint/2010/main" val="979259589"/>
+        <p14:creationId xmlns:p14="http://schemas.microsoft.com/office/powerpoint/2010/main" val="2983005065"/>
+      </p:ext>
+    </p:extLst>
+  </p:cSld>
+  <p:clrMapOvr>
+    <a:masterClrMapping/>
+  </p:clrMapOvr>
+  <p:timing>
+    <p:tnLst>
+      <p:par>
+        <p:cTn id="1" dur="indefinite" restart="never" nodeType="tmRoot"/>
+      </p:par>
+    </p:tnLst>
+  </p:timing>
+</p:sld>
+</file>
+
+<file path=ppt/slides/slide7.xml><?xml version="1.0" encoding="utf-8"?>
+<p:sld xmlns:a="http://schemas.openxmlformats.org/drawingml/2006/main" xmlns:r="http://schemas.openxmlformats.org/officeDocument/2006/relationships" xmlns:p="http://schemas.openxmlformats.org/presentationml/2006/main">
+  <p:cSld>
+    <p:bg>
+      <p:bgPr>
+        <a:gradFill>
+          <a:gsLst>
+            <a:gs pos="0">
+              <a:schemeClr val="accent1">
+                <a:lumMod val="5000"/>
+                <a:lumOff val="95000"/>
+              </a:schemeClr>
+            </a:gs>
+            <a:gs pos="42000">
+              <a:schemeClr val="accent1">
+                <a:lumMod val="45000"/>
+                <a:lumOff val="55000"/>
+              </a:schemeClr>
+            </a:gs>
+            <a:gs pos="83000">
+              <a:schemeClr val="accent1">
+                <a:lumMod val="45000"/>
+                <a:lumOff val="55000"/>
+              </a:schemeClr>
+            </a:gs>
+            <a:gs pos="100000">
+              <a:schemeClr val="accent1">
+                <a:lumMod val="30000"/>
+                <a:lumOff val="70000"/>
+              </a:schemeClr>
+            </a:gs>
+          </a:gsLst>
+          <a:lin ang="5400000" scaled="1"/>
+        </a:gradFill>
+        <a:effectLst/>
+      </p:bgPr>
+    </p:bg>
+    <p:spTree>
+      <p:nvGrpSpPr>
+        <p:cNvPr id="1" name=""/>
+        <p:cNvGrpSpPr/>
+        <p:nvPr/>
+      </p:nvGrpSpPr>
+      <p:grpSpPr>
+        <a:xfrm>
+          <a:off x="0" y="0"/>
+          <a:ext cx="0" cy="0"/>
+          <a:chOff x="0" y="0"/>
+          <a:chExt cx="0" cy="0"/>
+        </a:xfrm>
+      </p:grpSpPr>
+      <p:sp>
+        <p:nvSpPr>
+          <p:cNvPr id="2" name="Title 1"/>
+          <p:cNvSpPr>
+            <a:spLocks noGrp="1"/>
+          </p:cNvSpPr>
+          <p:nvPr>
+            <p:ph type="title"/>
+          </p:nvPr>
+        </p:nvSpPr>
+        <p:spPr/>
+        <p:txBody>
+          <a:bodyPr/>
+          <a:lstStyle/>
+          <a:p>
+            <a:r>
+              <a:rPr lang="en-US" dirty="0" smtClean="0"/>
+              <a:t>Generic </a:t>
+            </a:r>
+            <a:r>
+              <a:rPr lang="en-US" dirty="0" smtClean="0"/>
+              <a:t>Host (web)</a:t>
+            </a:r>
+            <a:endParaRPr lang="en-US" dirty="0"/>
+          </a:p>
+        </p:txBody>
+      </p:sp>
+      <p:pic>
+        <p:nvPicPr>
+          <p:cNvPr id="3" name="Picture 2"/>
+          <p:cNvPicPr>
+            <a:picLocks noChangeAspect="1"/>
+          </p:cNvPicPr>
+          <p:nvPr/>
+        </p:nvPicPr>
+        <p:blipFill>
+          <a:blip r:embed="rId3"/>
+          <a:stretch>
+            <a:fillRect/>
+          </a:stretch>
+        </p:blipFill>
+        <p:spPr>
+          <a:xfrm>
+            <a:off x="287215" y="1913427"/>
+            <a:ext cx="11799423" cy="4545989"/>
+          </a:xfrm>
+          <a:prstGeom prst="rect">
+            <a:avLst/>
+          </a:prstGeom>
+        </p:spPr>
+      </p:pic>
+    </p:spTree>
+    <p:extLst>
+      <p:ext uri="{BB962C8B-B14F-4D97-AF65-F5344CB8AC3E}">
+        <p14:creationId xmlns:p14="http://schemas.microsoft.com/office/powerpoint/2010/main" val="3775740677"/>
+      </p:ext>
+    </p:extLst>
+  </p:cSld>
+  <p:clrMapOvr>
+    <a:masterClrMapping/>
+  </p:clrMapOvr>
+  <p:timing>
+    <p:tnLst>
+      <p:par>
+        <p:cTn id="1" dur="indefinite" restart="never" nodeType="tmRoot"/>
+      </p:par>
+    </p:tnLst>
+  </p:timing>
+</p:sld>
+</file>
+
+<file path=ppt/slides/slide8.xml><?xml version="1.0" encoding="utf-8"?>
+<p:sld xmlns:a="http://schemas.openxmlformats.org/drawingml/2006/main" xmlns:r="http://schemas.openxmlformats.org/officeDocument/2006/relationships" xmlns:p="http://schemas.openxmlformats.org/presentationml/2006/main">
+  <p:cSld>
+    <p:bg>
+      <p:bgPr>
+        <a:gradFill>
+          <a:gsLst>
+            <a:gs pos="0">
+              <a:schemeClr val="accent1">
+                <a:lumMod val="5000"/>
+                <a:lumOff val="95000"/>
+              </a:schemeClr>
+            </a:gs>
+            <a:gs pos="42000">
+              <a:schemeClr val="accent1">
+                <a:lumMod val="45000"/>
+                <a:lumOff val="55000"/>
+              </a:schemeClr>
+            </a:gs>
+            <a:gs pos="83000">
+              <a:schemeClr val="accent1">
+                <a:lumMod val="45000"/>
+                <a:lumOff val="55000"/>
+              </a:schemeClr>
+            </a:gs>
+            <a:gs pos="100000">
+              <a:schemeClr val="accent1">
+                <a:lumMod val="30000"/>
+                <a:lumOff val="70000"/>
+              </a:schemeClr>
+            </a:gs>
+          </a:gsLst>
+          <a:lin ang="5400000" scaled="1"/>
+        </a:gradFill>
+        <a:effectLst/>
+      </p:bgPr>
+    </p:bg>
+    <p:spTree>
+      <p:nvGrpSpPr>
+        <p:cNvPr id="1" name=""/>
+        <p:cNvGrpSpPr/>
+        <p:nvPr/>
+      </p:nvGrpSpPr>
+      <p:grpSpPr>
+        <a:xfrm>
+          <a:off x="0" y="0"/>
+          <a:ext cx="0" cy="0"/>
+          <a:chOff x="0" y="0"/>
+          <a:chExt cx="0" cy="0"/>
+        </a:xfrm>
+      </p:grpSpPr>
+      <p:sp>
+        <p:nvSpPr>
+          <p:cNvPr id="2" name="Title 1"/>
+          <p:cNvSpPr>
+            <a:spLocks noGrp="1"/>
+          </p:cNvSpPr>
+          <p:nvPr>
+            <p:ph type="title"/>
+          </p:nvPr>
+        </p:nvSpPr>
+        <p:spPr>
+          <a:xfrm>
+            <a:off x="181708" y="60325"/>
+            <a:ext cx="10515600" cy="1325563"/>
+          </a:xfrm>
+        </p:spPr>
+        <p:txBody>
+          <a:bodyPr/>
+          <a:lstStyle/>
+          <a:p>
+            <a:r>
+              <a:rPr lang="en-US" dirty="0" smtClean="0"/>
+              <a:t>(Create)</a:t>
+            </a:r>
+            <a:r>
+              <a:rPr lang="en-US" dirty="0" err="1" smtClean="0"/>
+              <a:t>DefaultBuilder</a:t>
+            </a:r>
+            <a:r>
+              <a:rPr lang="en-US" dirty="0" smtClean="0"/>
+              <a:t> settings:</a:t>
+            </a:r>
+            <a:endParaRPr lang="en-US" dirty="0"/>
+          </a:p>
+        </p:txBody>
+      </p:sp>
+      <p:sp>
+        <p:nvSpPr>
+          <p:cNvPr id="4" name="TextBox 3"/>
+          <p:cNvSpPr txBox="1"/>
+          <p:nvPr/>
+        </p:nvSpPr>
+        <p:spPr>
+          <a:xfrm>
+            <a:off x="996461" y="1538289"/>
+            <a:ext cx="9952892" cy="4524315"/>
+          </a:xfrm>
+          <a:prstGeom prst="rect">
+            <a:avLst/>
+          </a:prstGeom>
+          <a:noFill/>
+        </p:spPr>
+        <p:txBody>
+          <a:bodyPr wrap="square" rtlCol="0">
+            <a:spAutoFit/>
+          </a:bodyPr>
+          <a:lstStyle/>
+          <a:p>
+            <a:pPr marL="285750" indent="-285750">
+              <a:buFont typeface="Arial" panose="020B0604020202020204" pitchFamily="34" charset="0"/>
+              <a:buChar char="•"/>
+            </a:pPr>
+            <a:r>
+              <a:rPr lang="en-US" sz="2400" dirty="0" smtClean="0"/>
+              <a:t>Content root = </a:t>
+            </a:r>
+            <a:r>
+              <a:rPr lang="en-US" sz="2400" dirty="0" err="1" smtClean="0"/>
+              <a:t>GetCurrentDirectory</a:t>
+            </a:r>
+            <a:r>
+              <a:rPr lang="en-US" sz="2400" dirty="0" smtClean="0"/>
+              <a:t>()</a:t>
+            </a:r>
+          </a:p>
+          <a:p>
+            <a:pPr marL="285750" indent="-285750">
+              <a:buFont typeface="Arial" panose="020B0604020202020204" pitchFamily="34" charset="0"/>
+              <a:buChar char="•"/>
+            </a:pPr>
+            <a:endParaRPr lang="en-US" sz="2400" dirty="0" smtClean="0"/>
+          </a:p>
+          <a:p>
+            <a:pPr marL="285750" indent="-285750">
+              <a:buFont typeface="Arial" panose="020B0604020202020204" pitchFamily="34" charset="0"/>
+              <a:buChar char="•"/>
+            </a:pPr>
+            <a:r>
+              <a:rPr lang="en-US" sz="2400" dirty="0" smtClean="0"/>
+              <a:t>Loads host configuration from:</a:t>
+            </a:r>
+            <a:endParaRPr lang="en-US" sz="2400" dirty="0"/>
+          </a:p>
+          <a:p>
+            <a:r>
+              <a:rPr lang="en-US" sz="2400" dirty="0" smtClean="0"/>
+              <a:t>	Environment </a:t>
+            </a:r>
+            <a:r>
+              <a:rPr lang="en-US" sz="2400" dirty="0"/>
+              <a:t>variables prefixed with "DOTNET_".</a:t>
+            </a:r>
+          </a:p>
+          <a:p>
+            <a:r>
+              <a:rPr lang="en-US" sz="2400" dirty="0" smtClean="0"/>
+              <a:t>	Command-line </a:t>
+            </a:r>
+            <a:r>
+              <a:rPr lang="en-US" sz="2400" dirty="0"/>
+              <a:t>arguments</a:t>
+            </a:r>
+            <a:r>
+              <a:rPr lang="en-US" sz="2400" dirty="0" smtClean="0"/>
+              <a:t>.</a:t>
+            </a:r>
+          </a:p>
+          <a:p>
+            <a:endParaRPr lang="en-US" sz="2400" dirty="0" smtClean="0"/>
+          </a:p>
+          <a:p>
+            <a:pPr marL="285750" indent="-285750">
+              <a:buFont typeface="Arial" panose="020B0604020202020204" pitchFamily="34" charset="0"/>
+              <a:buChar char="•"/>
+            </a:pPr>
+            <a:r>
+              <a:rPr lang="en-US" sz="2400" dirty="0"/>
+              <a:t>Loads app configuration from</a:t>
+            </a:r>
+            <a:r>
+              <a:rPr lang="en-US" sz="2400" dirty="0" smtClean="0"/>
+              <a:t>:</a:t>
+            </a:r>
+          </a:p>
+          <a:p>
+            <a:pPr lvl="2"/>
+            <a:r>
+              <a:rPr lang="en-US" sz="2400" dirty="0" err="1" smtClean="0"/>
+              <a:t>appsettings.json</a:t>
+            </a:r>
+            <a:r>
+              <a:rPr lang="en-US" sz="2400" dirty="0"/>
+              <a:t>.</a:t>
+            </a:r>
+          </a:p>
+          <a:p>
+            <a:pPr lvl="2"/>
+            <a:r>
+              <a:rPr lang="en-US" sz="2400" dirty="0" err="1"/>
+              <a:t>appsettings</a:t>
+            </a:r>
+            <a:r>
+              <a:rPr lang="en-US" sz="2400" dirty="0"/>
+              <a:t>.{Environment}.</a:t>
+            </a:r>
+            <a:r>
+              <a:rPr lang="en-US" sz="2400" dirty="0" err="1"/>
+              <a:t>json</a:t>
+            </a:r>
+            <a:r>
+              <a:rPr lang="en-US" sz="2400" dirty="0"/>
+              <a:t>.</a:t>
+            </a:r>
+          </a:p>
+          <a:p>
+            <a:pPr lvl="2"/>
+            <a:r>
+              <a:rPr lang="en-US" sz="2400" dirty="0"/>
+              <a:t>Secret Manager when the app runs in the Development environment.</a:t>
+            </a:r>
+          </a:p>
+          <a:p>
+            <a:pPr lvl="2"/>
+            <a:r>
+              <a:rPr lang="en-US" sz="2400" dirty="0"/>
+              <a:t>Environment variables.</a:t>
+            </a:r>
+          </a:p>
+          <a:p>
+            <a:pPr lvl="2"/>
+            <a:r>
+              <a:rPr lang="en-US" sz="2400" dirty="0"/>
+              <a:t>Command-line </a:t>
+            </a:r>
+            <a:r>
+              <a:rPr lang="en-US" sz="2400" dirty="0" smtClean="0"/>
+              <a:t>arguments.</a:t>
+            </a:r>
+          </a:p>
+        </p:txBody>
+      </p:sp>
+    </p:spTree>
+    <p:extLst>
+      <p:ext uri="{BB962C8B-B14F-4D97-AF65-F5344CB8AC3E}">
+        <p14:creationId xmlns:p14="http://schemas.microsoft.com/office/powerpoint/2010/main" val="693397687"/>
+      </p:ext>
+    </p:extLst>
+  </p:cSld>
+  <p:clrMapOvr>
+    <a:masterClrMapping/>
+  </p:clrMapOvr>
+  <p:timing>
+    <p:tnLst>
+      <p:par>
+        <p:cTn id="1" dur="indefinite" restart="never" nodeType="tmRoot"/>
+      </p:par>
+    </p:tnLst>
+  </p:timing>
+</p:sld>
+</file>
+
+<file path=ppt/slides/slide9.xml><?xml version="1.0" encoding="utf-8"?>
+<p:sld xmlns:a="http://schemas.openxmlformats.org/drawingml/2006/main" xmlns:r="http://schemas.openxmlformats.org/officeDocument/2006/relationships" xmlns:p="http://schemas.openxmlformats.org/presentationml/2006/main">
+  <p:cSld>
+    <p:bg>
+      <p:bgPr>
+        <a:gradFill>
+          <a:gsLst>
+            <a:gs pos="0">
+              <a:schemeClr val="accent1">
+                <a:lumMod val="5000"/>
+                <a:lumOff val="95000"/>
+              </a:schemeClr>
+            </a:gs>
+            <a:gs pos="42000">
+              <a:schemeClr val="accent1">
+                <a:lumMod val="45000"/>
+                <a:lumOff val="55000"/>
+              </a:schemeClr>
+            </a:gs>
+            <a:gs pos="83000">
+              <a:schemeClr val="accent1">
+                <a:lumMod val="45000"/>
+                <a:lumOff val="55000"/>
+              </a:schemeClr>
+            </a:gs>
+            <a:gs pos="100000">
+              <a:schemeClr val="accent1">
+                <a:lumMod val="30000"/>
+                <a:lumOff val="70000"/>
+              </a:schemeClr>
+            </a:gs>
+          </a:gsLst>
+          <a:lin ang="5400000" scaled="1"/>
+        </a:gradFill>
+        <a:effectLst/>
+      </p:bgPr>
+    </p:bg>
+    <p:spTree>
+      <p:nvGrpSpPr>
+        <p:cNvPr id="1" name=""/>
+        <p:cNvGrpSpPr/>
+        <p:nvPr/>
+      </p:nvGrpSpPr>
+      <p:grpSpPr>
+        <a:xfrm>
+          <a:off x="0" y="0"/>
+          <a:ext cx="0" cy="0"/>
+          <a:chOff x="0" y="0"/>
+          <a:chExt cx="0" cy="0"/>
+        </a:xfrm>
+      </p:grpSpPr>
+      <p:sp>
+        <p:nvSpPr>
+          <p:cNvPr id="2" name="Title 1"/>
+          <p:cNvSpPr>
+            <a:spLocks noGrp="1"/>
+          </p:cNvSpPr>
+          <p:nvPr>
+            <p:ph type="title"/>
+          </p:nvPr>
+        </p:nvSpPr>
+        <p:spPr>
+          <a:xfrm>
+            <a:off x="181708" y="60325"/>
+            <a:ext cx="10515600" cy="1325563"/>
+          </a:xfrm>
+        </p:spPr>
+        <p:txBody>
+          <a:bodyPr/>
+          <a:lstStyle/>
+          <a:p>
+            <a:r>
+              <a:rPr lang="en-US" dirty="0" smtClean="0"/>
+              <a:t>(Create)</a:t>
+            </a:r>
+            <a:r>
+              <a:rPr lang="en-US" dirty="0" err="1" smtClean="0"/>
+              <a:t>DefaultBuilder</a:t>
+            </a:r>
+            <a:r>
+              <a:rPr lang="en-US" dirty="0" smtClean="0"/>
+              <a:t> settings:</a:t>
+            </a:r>
+            <a:endParaRPr lang="en-US" dirty="0"/>
+          </a:p>
+        </p:txBody>
+      </p:sp>
+      <p:sp>
+        <p:nvSpPr>
+          <p:cNvPr id="4" name="TextBox 3"/>
+          <p:cNvSpPr txBox="1"/>
+          <p:nvPr/>
+        </p:nvSpPr>
+        <p:spPr>
+          <a:xfrm>
+            <a:off x="1336430" y="1925149"/>
+            <a:ext cx="9952892" cy="3416320"/>
+          </a:xfrm>
+          <a:prstGeom prst="rect">
+            <a:avLst/>
+          </a:prstGeom>
+          <a:noFill/>
+        </p:spPr>
+        <p:txBody>
+          <a:bodyPr wrap="square" rtlCol="0">
+            <a:spAutoFit/>
+          </a:bodyPr>
+          <a:lstStyle/>
+          <a:p>
+            <a:pPr marL="285750" indent="-285750">
+              <a:buFont typeface="Arial" panose="020B0604020202020204" pitchFamily="34" charset="0"/>
+              <a:buChar char="•"/>
+            </a:pPr>
+            <a:r>
+              <a:rPr lang="en-US" sz="2400" dirty="0" smtClean="0"/>
+              <a:t>Adds </a:t>
+            </a:r>
+            <a:r>
+              <a:rPr lang="en-US" sz="2400" dirty="0"/>
+              <a:t>following logging providers:</a:t>
+            </a:r>
+          </a:p>
+          <a:p>
+            <a:r>
+              <a:rPr lang="en-US" sz="2400" dirty="0"/>
+              <a:t>	</a:t>
+            </a:r>
+            <a:r>
+              <a:rPr lang="en-US" sz="2400" dirty="0" smtClean="0"/>
+              <a:t>Console</a:t>
+            </a:r>
+          </a:p>
+          <a:p>
+            <a:r>
+              <a:rPr lang="en-US" sz="2400" dirty="0"/>
+              <a:t>	</a:t>
+            </a:r>
+            <a:r>
+              <a:rPr lang="en-US" sz="2400" dirty="0" smtClean="0"/>
+              <a:t>Debug</a:t>
+            </a:r>
+          </a:p>
+          <a:p>
+            <a:r>
+              <a:rPr lang="en-US" sz="2400" dirty="0"/>
+              <a:t>	</a:t>
+            </a:r>
+            <a:r>
+              <a:rPr lang="en-US" sz="2400" dirty="0" err="1" smtClean="0"/>
+              <a:t>EventSource</a:t>
+            </a:r>
+            <a:endParaRPr lang="en-US" sz="2400" dirty="0" smtClean="0"/>
+          </a:p>
+          <a:p>
+            <a:r>
+              <a:rPr lang="en-US" sz="2400" dirty="0"/>
+              <a:t>	</a:t>
+            </a:r>
+            <a:r>
+              <a:rPr lang="en-US" sz="2400" dirty="0" err="1" smtClean="0"/>
+              <a:t>EventLog</a:t>
+            </a:r>
+            <a:r>
+              <a:rPr lang="en-US" sz="2400" dirty="0" smtClean="0"/>
+              <a:t> </a:t>
+            </a:r>
+            <a:r>
+              <a:rPr lang="en-US" sz="2400" dirty="0"/>
+              <a:t>(Windows</a:t>
+            </a:r>
+            <a:r>
+              <a:rPr lang="en-US" sz="2400" dirty="0" smtClean="0"/>
+              <a:t>)</a:t>
+            </a:r>
+          </a:p>
+          <a:p>
+            <a:endParaRPr lang="en-US" sz="2400" dirty="0"/>
+          </a:p>
+          <a:p>
+            <a:endParaRPr lang="en-US" sz="2400" dirty="0"/>
+          </a:p>
+          <a:p>
+            <a:pPr marL="285750" indent="-285750">
+              <a:buFont typeface="Arial" panose="020B0604020202020204" pitchFamily="34" charset="0"/>
+              <a:buChar char="•"/>
+            </a:pPr>
+            <a:r>
+              <a:rPr lang="en-US" sz="2400" dirty="0"/>
+              <a:t>Enables scope validation and dependency validation when the environment is Development.</a:t>
+            </a:r>
+            <a:endParaRPr lang="en-US" sz="2400" dirty="0"/>
+          </a:p>
+        </p:txBody>
+      </p:sp>
+    </p:spTree>
+    <p:extLst>
+      <p:ext uri="{BB962C8B-B14F-4D97-AF65-F5344CB8AC3E}">
+        <p14:creationId xmlns:p14="http://schemas.microsoft.com/office/powerpoint/2010/main" val="2065748555"/>
       </p:ext>
     </p:extLst>
   </p:cSld>

--- a/Host&Startup&Di.pptx
+++ b/Host&Startup&Di.pptx
@@ -5,7 +5,7 @@
     <p:sldMasterId id="2147483648" r:id="rId1"/>
   </p:sldMasterIdLst>
   <p:notesMasterIdLst>
-    <p:notesMasterId r:id="rId13"/>
+    <p:notesMasterId r:id="rId22"/>
   </p:notesMasterIdLst>
   <p:sldIdLst>
     <p:sldId id="256" r:id="rId2"/>
@@ -18,7 +18,16 @@
     <p:sldId id="336" r:id="rId9"/>
     <p:sldId id="337" r:id="rId10"/>
     <p:sldId id="338" r:id="rId11"/>
-    <p:sldId id="330" r:id="rId12"/>
+    <p:sldId id="339" r:id="rId12"/>
+    <p:sldId id="340" r:id="rId13"/>
+    <p:sldId id="341" r:id="rId14"/>
+    <p:sldId id="342" r:id="rId15"/>
+    <p:sldId id="343" r:id="rId16"/>
+    <p:sldId id="344" r:id="rId17"/>
+    <p:sldId id="345" r:id="rId18"/>
+    <p:sldId id="346" r:id="rId19"/>
+    <p:sldId id="347" r:id="rId20"/>
+    <p:sldId id="330" r:id="rId21"/>
   </p:sldIdLst>
   <p:sldSz cx="12192000" cy="6858000"/>
   <p:notesSz cx="6858000" cy="9144000"/>
@@ -207,7 +216,7 @@
           <a:p>
             <a:fld id="{1747B90C-FE49-44DE-93E7-FA9DDECBEA03}" type="datetimeFigureOut">
               <a:rPr lang="en-US" smtClean="0"/>
-              <a:t>25-Nov-19</a:t>
+              <a:t>11/26/2019</a:t>
             </a:fld>
             <a:endParaRPr lang="en-US"/>
           </a:p>
@@ -271,38 +280,37 @@
           <a:p>
             <a:pPr lvl="0"/>
             <a:r>
-              <a:rPr lang="en-US" smtClean="0"/>
+              <a:rPr lang="en-US"/>
               <a:t>Edit Master text styles</a:t>
             </a:r>
           </a:p>
           <a:p>
             <a:pPr lvl="1"/>
             <a:r>
-              <a:rPr lang="en-US" smtClean="0"/>
+              <a:rPr lang="en-US"/>
               <a:t>Second level</a:t>
             </a:r>
           </a:p>
           <a:p>
             <a:pPr lvl="2"/>
             <a:r>
-              <a:rPr lang="en-US" smtClean="0"/>
+              <a:rPr lang="en-US"/>
               <a:t>Third level</a:t>
             </a:r>
           </a:p>
           <a:p>
             <a:pPr lvl="3"/>
             <a:r>
-              <a:rPr lang="en-US" smtClean="0"/>
+              <a:rPr lang="en-US"/>
               <a:t>Fourth level</a:t>
             </a:r>
           </a:p>
           <a:p>
             <a:pPr lvl="4"/>
             <a:r>
-              <a:rPr lang="en-US" smtClean="0"/>
+              <a:rPr lang="en-US"/>
               <a:t>Fifth level</a:t>
             </a:r>
-            <a:endParaRPr lang="en-US"/>
           </a:p>
         </p:txBody>
       </p:sp>
@@ -559,6 +567,734 @@
 </p:notes>
 </file>
 
+<file path=ppt/notesSlides/notesSlide10.xml><?xml version="1.0" encoding="utf-8"?>
+<p:notes xmlns:a="http://schemas.openxmlformats.org/drawingml/2006/main" xmlns:r="http://schemas.openxmlformats.org/officeDocument/2006/relationships" xmlns:p="http://schemas.openxmlformats.org/presentationml/2006/main">
+  <p:cSld>
+    <p:spTree>
+      <p:nvGrpSpPr>
+        <p:cNvPr id="1" name=""/>
+        <p:cNvGrpSpPr/>
+        <p:nvPr/>
+      </p:nvGrpSpPr>
+      <p:grpSpPr>
+        <a:xfrm>
+          <a:off x="0" y="0"/>
+          <a:ext cx="0" cy="0"/>
+          <a:chOff x="0" y="0"/>
+          <a:chExt cx="0" cy="0"/>
+        </a:xfrm>
+      </p:grpSpPr>
+      <p:sp>
+        <p:nvSpPr>
+          <p:cNvPr id="2" name="Slide Image Placeholder 1"/>
+          <p:cNvSpPr>
+            <a:spLocks noGrp="1" noRot="1" noChangeAspect="1"/>
+          </p:cNvSpPr>
+          <p:nvPr>
+            <p:ph type="sldImg"/>
+          </p:nvPr>
+        </p:nvSpPr>
+        <p:spPr/>
+      </p:sp>
+      <p:sp>
+        <p:nvSpPr>
+          <p:cNvPr id="3" name="Notes Placeholder 2"/>
+          <p:cNvSpPr>
+            <a:spLocks noGrp="1"/>
+          </p:cNvSpPr>
+          <p:nvPr>
+            <p:ph type="body" idx="1"/>
+          </p:nvPr>
+        </p:nvSpPr>
+        <p:spPr/>
+        <p:txBody>
+          <a:bodyPr/>
+          <a:lstStyle/>
+          <a:p>
+            <a:endParaRPr lang="ru-RU" sz="1200" b="0" i="0" kern="1200" dirty="0">
+              <a:solidFill>
+                <a:schemeClr val="tx1"/>
+              </a:solidFill>
+              <a:effectLst/>
+              <a:latin typeface="+mn-lt"/>
+              <a:ea typeface="+mn-ea"/>
+              <a:cs typeface="+mn-cs"/>
+            </a:endParaRPr>
+          </a:p>
+        </p:txBody>
+      </p:sp>
+      <p:sp>
+        <p:nvSpPr>
+          <p:cNvPr id="4" name="Slide Number Placeholder 3"/>
+          <p:cNvSpPr>
+            <a:spLocks noGrp="1"/>
+          </p:cNvSpPr>
+          <p:nvPr>
+            <p:ph type="sldNum" sz="quarter" idx="10"/>
+          </p:nvPr>
+        </p:nvSpPr>
+        <p:spPr/>
+        <p:txBody>
+          <a:bodyPr/>
+          <a:lstStyle/>
+          <a:p>
+            <a:fld id="{BA1D5B97-ACF5-4677-A104-92B2393AA446}" type="slidenum">
+              <a:rPr lang="en-US" smtClean="0"/>
+              <a:t>13</a:t>
+            </a:fld>
+            <a:endParaRPr lang="en-US"/>
+          </a:p>
+        </p:txBody>
+      </p:sp>
+    </p:spTree>
+    <p:extLst>
+      <p:ext uri="{BB962C8B-B14F-4D97-AF65-F5344CB8AC3E}">
+        <p14:creationId xmlns:p14="http://schemas.microsoft.com/office/powerpoint/2010/main" val="2494106105"/>
+      </p:ext>
+    </p:extLst>
+  </p:cSld>
+  <p:clrMapOvr>
+    <a:masterClrMapping/>
+  </p:clrMapOvr>
+</p:notes>
+</file>
+
+<file path=ppt/notesSlides/notesSlide11.xml><?xml version="1.0" encoding="utf-8"?>
+<p:notes xmlns:a="http://schemas.openxmlformats.org/drawingml/2006/main" xmlns:r="http://schemas.openxmlformats.org/officeDocument/2006/relationships" xmlns:p="http://schemas.openxmlformats.org/presentationml/2006/main">
+  <p:cSld>
+    <p:spTree>
+      <p:nvGrpSpPr>
+        <p:cNvPr id="1" name=""/>
+        <p:cNvGrpSpPr/>
+        <p:nvPr/>
+      </p:nvGrpSpPr>
+      <p:grpSpPr>
+        <a:xfrm>
+          <a:off x="0" y="0"/>
+          <a:ext cx="0" cy="0"/>
+          <a:chOff x="0" y="0"/>
+          <a:chExt cx="0" cy="0"/>
+        </a:xfrm>
+      </p:grpSpPr>
+      <p:sp>
+        <p:nvSpPr>
+          <p:cNvPr id="2" name="Slide Image Placeholder 1"/>
+          <p:cNvSpPr>
+            <a:spLocks noGrp="1" noRot="1" noChangeAspect="1"/>
+          </p:cNvSpPr>
+          <p:nvPr>
+            <p:ph type="sldImg"/>
+          </p:nvPr>
+        </p:nvSpPr>
+        <p:spPr/>
+      </p:sp>
+      <p:sp>
+        <p:nvSpPr>
+          <p:cNvPr id="3" name="Notes Placeholder 2"/>
+          <p:cNvSpPr>
+            <a:spLocks noGrp="1"/>
+          </p:cNvSpPr>
+          <p:nvPr>
+            <p:ph type="body" idx="1"/>
+          </p:nvPr>
+        </p:nvSpPr>
+        <p:spPr/>
+        <p:txBody>
+          <a:bodyPr/>
+          <a:lstStyle/>
+          <a:p>
+            <a:endParaRPr lang="ru-RU" sz="1200" b="0" i="0" kern="1200" dirty="0">
+              <a:solidFill>
+                <a:schemeClr val="tx1"/>
+              </a:solidFill>
+              <a:effectLst/>
+              <a:latin typeface="+mn-lt"/>
+              <a:ea typeface="+mn-ea"/>
+              <a:cs typeface="+mn-cs"/>
+            </a:endParaRPr>
+          </a:p>
+        </p:txBody>
+      </p:sp>
+      <p:sp>
+        <p:nvSpPr>
+          <p:cNvPr id="4" name="Slide Number Placeholder 3"/>
+          <p:cNvSpPr>
+            <a:spLocks noGrp="1"/>
+          </p:cNvSpPr>
+          <p:nvPr>
+            <p:ph type="sldNum" sz="quarter" idx="10"/>
+          </p:nvPr>
+        </p:nvSpPr>
+        <p:spPr/>
+        <p:txBody>
+          <a:bodyPr/>
+          <a:lstStyle/>
+          <a:p>
+            <a:fld id="{BA1D5B97-ACF5-4677-A104-92B2393AA446}" type="slidenum">
+              <a:rPr lang="en-US" smtClean="0"/>
+              <a:t>14</a:t>
+            </a:fld>
+            <a:endParaRPr lang="en-US"/>
+          </a:p>
+        </p:txBody>
+      </p:sp>
+    </p:spTree>
+    <p:extLst>
+      <p:ext uri="{BB962C8B-B14F-4D97-AF65-F5344CB8AC3E}">
+        <p14:creationId xmlns:p14="http://schemas.microsoft.com/office/powerpoint/2010/main" val="3560926255"/>
+      </p:ext>
+    </p:extLst>
+  </p:cSld>
+  <p:clrMapOvr>
+    <a:masterClrMapping/>
+  </p:clrMapOvr>
+</p:notes>
+</file>
+
+<file path=ppt/notesSlides/notesSlide12.xml><?xml version="1.0" encoding="utf-8"?>
+<p:notes xmlns:a="http://schemas.openxmlformats.org/drawingml/2006/main" xmlns:r="http://schemas.openxmlformats.org/officeDocument/2006/relationships" xmlns:p="http://schemas.openxmlformats.org/presentationml/2006/main">
+  <p:cSld>
+    <p:spTree>
+      <p:nvGrpSpPr>
+        <p:cNvPr id="1" name=""/>
+        <p:cNvGrpSpPr/>
+        <p:nvPr/>
+      </p:nvGrpSpPr>
+      <p:grpSpPr>
+        <a:xfrm>
+          <a:off x="0" y="0"/>
+          <a:ext cx="0" cy="0"/>
+          <a:chOff x="0" y="0"/>
+          <a:chExt cx="0" cy="0"/>
+        </a:xfrm>
+      </p:grpSpPr>
+      <p:sp>
+        <p:nvSpPr>
+          <p:cNvPr id="2" name="Slide Image Placeholder 1"/>
+          <p:cNvSpPr>
+            <a:spLocks noGrp="1" noRot="1" noChangeAspect="1"/>
+          </p:cNvSpPr>
+          <p:nvPr>
+            <p:ph type="sldImg"/>
+          </p:nvPr>
+        </p:nvSpPr>
+        <p:spPr/>
+      </p:sp>
+      <p:sp>
+        <p:nvSpPr>
+          <p:cNvPr id="3" name="Notes Placeholder 2"/>
+          <p:cNvSpPr>
+            <a:spLocks noGrp="1"/>
+          </p:cNvSpPr>
+          <p:nvPr>
+            <p:ph type="body" idx="1"/>
+          </p:nvPr>
+        </p:nvSpPr>
+        <p:spPr/>
+        <p:txBody>
+          <a:bodyPr/>
+          <a:lstStyle/>
+          <a:p>
+            <a:endParaRPr lang="ru-RU" sz="1200" b="0" i="0" kern="1200" dirty="0">
+              <a:solidFill>
+                <a:schemeClr val="tx1"/>
+              </a:solidFill>
+              <a:effectLst/>
+              <a:latin typeface="+mn-lt"/>
+              <a:ea typeface="+mn-ea"/>
+              <a:cs typeface="+mn-cs"/>
+            </a:endParaRPr>
+          </a:p>
+        </p:txBody>
+      </p:sp>
+      <p:sp>
+        <p:nvSpPr>
+          <p:cNvPr id="4" name="Slide Number Placeholder 3"/>
+          <p:cNvSpPr>
+            <a:spLocks noGrp="1"/>
+          </p:cNvSpPr>
+          <p:nvPr>
+            <p:ph type="sldNum" sz="quarter" idx="10"/>
+          </p:nvPr>
+        </p:nvSpPr>
+        <p:spPr/>
+        <p:txBody>
+          <a:bodyPr/>
+          <a:lstStyle/>
+          <a:p>
+            <a:fld id="{BA1D5B97-ACF5-4677-A104-92B2393AA446}" type="slidenum">
+              <a:rPr lang="en-US" smtClean="0"/>
+              <a:t>15</a:t>
+            </a:fld>
+            <a:endParaRPr lang="en-US"/>
+          </a:p>
+        </p:txBody>
+      </p:sp>
+    </p:spTree>
+    <p:extLst>
+      <p:ext uri="{BB962C8B-B14F-4D97-AF65-F5344CB8AC3E}">
+        <p14:creationId xmlns:p14="http://schemas.microsoft.com/office/powerpoint/2010/main" val="422264265"/>
+      </p:ext>
+    </p:extLst>
+  </p:cSld>
+  <p:clrMapOvr>
+    <a:masterClrMapping/>
+  </p:clrMapOvr>
+</p:notes>
+</file>
+
+<file path=ppt/notesSlides/notesSlide13.xml><?xml version="1.0" encoding="utf-8"?>
+<p:notes xmlns:a="http://schemas.openxmlformats.org/drawingml/2006/main" xmlns:r="http://schemas.openxmlformats.org/officeDocument/2006/relationships" xmlns:p="http://schemas.openxmlformats.org/presentationml/2006/main">
+  <p:cSld>
+    <p:spTree>
+      <p:nvGrpSpPr>
+        <p:cNvPr id="1" name=""/>
+        <p:cNvGrpSpPr/>
+        <p:nvPr/>
+      </p:nvGrpSpPr>
+      <p:grpSpPr>
+        <a:xfrm>
+          <a:off x="0" y="0"/>
+          <a:ext cx="0" cy="0"/>
+          <a:chOff x="0" y="0"/>
+          <a:chExt cx="0" cy="0"/>
+        </a:xfrm>
+      </p:grpSpPr>
+      <p:sp>
+        <p:nvSpPr>
+          <p:cNvPr id="2" name="Slide Image Placeholder 1"/>
+          <p:cNvSpPr>
+            <a:spLocks noGrp="1" noRot="1" noChangeAspect="1"/>
+          </p:cNvSpPr>
+          <p:nvPr>
+            <p:ph type="sldImg"/>
+          </p:nvPr>
+        </p:nvSpPr>
+        <p:spPr/>
+      </p:sp>
+      <p:sp>
+        <p:nvSpPr>
+          <p:cNvPr id="3" name="Notes Placeholder 2"/>
+          <p:cNvSpPr>
+            <a:spLocks noGrp="1"/>
+          </p:cNvSpPr>
+          <p:nvPr>
+            <p:ph type="body" idx="1"/>
+          </p:nvPr>
+        </p:nvSpPr>
+        <p:spPr/>
+        <p:txBody>
+          <a:bodyPr/>
+          <a:lstStyle/>
+          <a:p>
+            <a:endParaRPr lang="ru-RU" sz="1200" b="0" i="0" kern="1200" dirty="0">
+              <a:solidFill>
+                <a:schemeClr val="tx1"/>
+              </a:solidFill>
+              <a:effectLst/>
+              <a:latin typeface="+mn-lt"/>
+              <a:ea typeface="+mn-ea"/>
+              <a:cs typeface="+mn-cs"/>
+            </a:endParaRPr>
+          </a:p>
+        </p:txBody>
+      </p:sp>
+      <p:sp>
+        <p:nvSpPr>
+          <p:cNvPr id="4" name="Slide Number Placeholder 3"/>
+          <p:cNvSpPr>
+            <a:spLocks noGrp="1"/>
+          </p:cNvSpPr>
+          <p:nvPr>
+            <p:ph type="sldNum" sz="quarter" idx="10"/>
+          </p:nvPr>
+        </p:nvSpPr>
+        <p:spPr/>
+        <p:txBody>
+          <a:bodyPr/>
+          <a:lstStyle/>
+          <a:p>
+            <a:fld id="{BA1D5B97-ACF5-4677-A104-92B2393AA446}" type="slidenum">
+              <a:rPr lang="en-US" smtClean="0"/>
+              <a:t>16</a:t>
+            </a:fld>
+            <a:endParaRPr lang="en-US"/>
+          </a:p>
+        </p:txBody>
+      </p:sp>
+    </p:spTree>
+    <p:extLst>
+      <p:ext uri="{BB962C8B-B14F-4D97-AF65-F5344CB8AC3E}">
+        <p14:creationId xmlns:p14="http://schemas.microsoft.com/office/powerpoint/2010/main" val="4004594608"/>
+      </p:ext>
+    </p:extLst>
+  </p:cSld>
+  <p:clrMapOvr>
+    <a:masterClrMapping/>
+  </p:clrMapOvr>
+</p:notes>
+</file>
+
+<file path=ppt/notesSlides/notesSlide14.xml><?xml version="1.0" encoding="utf-8"?>
+<p:notes xmlns:a="http://schemas.openxmlformats.org/drawingml/2006/main" xmlns:r="http://schemas.openxmlformats.org/officeDocument/2006/relationships" xmlns:p="http://schemas.openxmlformats.org/presentationml/2006/main">
+  <p:cSld>
+    <p:spTree>
+      <p:nvGrpSpPr>
+        <p:cNvPr id="1" name=""/>
+        <p:cNvGrpSpPr/>
+        <p:nvPr/>
+      </p:nvGrpSpPr>
+      <p:grpSpPr>
+        <a:xfrm>
+          <a:off x="0" y="0"/>
+          <a:ext cx="0" cy="0"/>
+          <a:chOff x="0" y="0"/>
+          <a:chExt cx="0" cy="0"/>
+        </a:xfrm>
+      </p:grpSpPr>
+      <p:sp>
+        <p:nvSpPr>
+          <p:cNvPr id="2" name="Slide Image Placeholder 1"/>
+          <p:cNvSpPr>
+            <a:spLocks noGrp="1" noRot="1" noChangeAspect="1"/>
+          </p:cNvSpPr>
+          <p:nvPr>
+            <p:ph type="sldImg"/>
+          </p:nvPr>
+        </p:nvSpPr>
+        <p:spPr/>
+      </p:sp>
+      <p:sp>
+        <p:nvSpPr>
+          <p:cNvPr id="3" name="Notes Placeholder 2"/>
+          <p:cNvSpPr>
+            <a:spLocks noGrp="1"/>
+          </p:cNvSpPr>
+          <p:nvPr>
+            <p:ph type="body" idx="1"/>
+          </p:nvPr>
+        </p:nvSpPr>
+        <p:spPr/>
+        <p:txBody>
+          <a:bodyPr/>
+          <a:lstStyle/>
+          <a:p>
+            <a:endParaRPr lang="ru-RU" sz="1200" b="0" i="0" kern="1200" dirty="0">
+              <a:solidFill>
+                <a:schemeClr val="tx1"/>
+              </a:solidFill>
+              <a:effectLst/>
+              <a:latin typeface="+mn-lt"/>
+              <a:ea typeface="+mn-ea"/>
+              <a:cs typeface="+mn-cs"/>
+            </a:endParaRPr>
+          </a:p>
+        </p:txBody>
+      </p:sp>
+      <p:sp>
+        <p:nvSpPr>
+          <p:cNvPr id="4" name="Slide Number Placeholder 3"/>
+          <p:cNvSpPr>
+            <a:spLocks noGrp="1"/>
+          </p:cNvSpPr>
+          <p:nvPr>
+            <p:ph type="sldNum" sz="quarter" idx="10"/>
+          </p:nvPr>
+        </p:nvSpPr>
+        <p:spPr/>
+        <p:txBody>
+          <a:bodyPr/>
+          <a:lstStyle/>
+          <a:p>
+            <a:fld id="{BA1D5B97-ACF5-4677-A104-92B2393AA446}" type="slidenum">
+              <a:rPr lang="en-US" smtClean="0"/>
+              <a:t>17</a:t>
+            </a:fld>
+            <a:endParaRPr lang="en-US"/>
+          </a:p>
+        </p:txBody>
+      </p:sp>
+    </p:spTree>
+    <p:extLst>
+      <p:ext uri="{BB962C8B-B14F-4D97-AF65-F5344CB8AC3E}">
+        <p14:creationId xmlns:p14="http://schemas.microsoft.com/office/powerpoint/2010/main" val="56024701"/>
+      </p:ext>
+    </p:extLst>
+  </p:cSld>
+  <p:clrMapOvr>
+    <a:masterClrMapping/>
+  </p:clrMapOvr>
+</p:notes>
+</file>
+
+<file path=ppt/notesSlides/notesSlide15.xml><?xml version="1.0" encoding="utf-8"?>
+<p:notes xmlns:a="http://schemas.openxmlformats.org/drawingml/2006/main" xmlns:r="http://schemas.openxmlformats.org/officeDocument/2006/relationships" xmlns:p="http://schemas.openxmlformats.org/presentationml/2006/main">
+  <p:cSld>
+    <p:spTree>
+      <p:nvGrpSpPr>
+        <p:cNvPr id="1" name=""/>
+        <p:cNvGrpSpPr/>
+        <p:nvPr/>
+      </p:nvGrpSpPr>
+      <p:grpSpPr>
+        <a:xfrm>
+          <a:off x="0" y="0"/>
+          <a:ext cx="0" cy="0"/>
+          <a:chOff x="0" y="0"/>
+          <a:chExt cx="0" cy="0"/>
+        </a:xfrm>
+      </p:grpSpPr>
+      <p:sp>
+        <p:nvSpPr>
+          <p:cNvPr id="2" name="Slide Image Placeholder 1"/>
+          <p:cNvSpPr>
+            <a:spLocks noGrp="1" noRot="1" noChangeAspect="1"/>
+          </p:cNvSpPr>
+          <p:nvPr>
+            <p:ph type="sldImg"/>
+          </p:nvPr>
+        </p:nvSpPr>
+        <p:spPr/>
+      </p:sp>
+      <p:sp>
+        <p:nvSpPr>
+          <p:cNvPr id="3" name="Notes Placeholder 2"/>
+          <p:cNvSpPr>
+            <a:spLocks noGrp="1"/>
+          </p:cNvSpPr>
+          <p:nvPr>
+            <p:ph type="body" idx="1"/>
+          </p:nvPr>
+        </p:nvSpPr>
+        <p:spPr/>
+        <p:txBody>
+          <a:bodyPr/>
+          <a:lstStyle/>
+          <a:p>
+            <a:endParaRPr lang="ru-RU" sz="1200" b="0" i="0" kern="1200" dirty="0">
+              <a:solidFill>
+                <a:schemeClr val="tx1"/>
+              </a:solidFill>
+              <a:effectLst/>
+              <a:latin typeface="+mn-lt"/>
+              <a:ea typeface="+mn-ea"/>
+              <a:cs typeface="+mn-cs"/>
+            </a:endParaRPr>
+          </a:p>
+        </p:txBody>
+      </p:sp>
+      <p:sp>
+        <p:nvSpPr>
+          <p:cNvPr id="4" name="Slide Number Placeholder 3"/>
+          <p:cNvSpPr>
+            <a:spLocks noGrp="1"/>
+          </p:cNvSpPr>
+          <p:nvPr>
+            <p:ph type="sldNum" sz="quarter" idx="10"/>
+          </p:nvPr>
+        </p:nvSpPr>
+        <p:spPr/>
+        <p:txBody>
+          <a:bodyPr/>
+          <a:lstStyle/>
+          <a:p>
+            <a:fld id="{BA1D5B97-ACF5-4677-A104-92B2393AA446}" type="slidenum">
+              <a:rPr lang="en-US" smtClean="0"/>
+              <a:t>18</a:t>
+            </a:fld>
+            <a:endParaRPr lang="en-US"/>
+          </a:p>
+        </p:txBody>
+      </p:sp>
+    </p:spTree>
+    <p:extLst>
+      <p:ext uri="{BB962C8B-B14F-4D97-AF65-F5344CB8AC3E}">
+        <p14:creationId xmlns:p14="http://schemas.microsoft.com/office/powerpoint/2010/main" val="4227620592"/>
+      </p:ext>
+    </p:extLst>
+  </p:cSld>
+  <p:clrMapOvr>
+    <a:masterClrMapping/>
+  </p:clrMapOvr>
+</p:notes>
+</file>
+
+<file path=ppt/notesSlides/notesSlide16.xml><?xml version="1.0" encoding="utf-8"?>
+<p:notes xmlns:a="http://schemas.openxmlformats.org/drawingml/2006/main" xmlns:r="http://schemas.openxmlformats.org/officeDocument/2006/relationships" xmlns:p="http://schemas.openxmlformats.org/presentationml/2006/main">
+  <p:cSld>
+    <p:spTree>
+      <p:nvGrpSpPr>
+        <p:cNvPr id="1" name=""/>
+        <p:cNvGrpSpPr/>
+        <p:nvPr/>
+      </p:nvGrpSpPr>
+      <p:grpSpPr>
+        <a:xfrm>
+          <a:off x="0" y="0"/>
+          <a:ext cx="0" cy="0"/>
+          <a:chOff x="0" y="0"/>
+          <a:chExt cx="0" cy="0"/>
+        </a:xfrm>
+      </p:grpSpPr>
+      <p:sp>
+        <p:nvSpPr>
+          <p:cNvPr id="2" name="Slide Image Placeholder 1"/>
+          <p:cNvSpPr>
+            <a:spLocks noGrp="1" noRot="1" noChangeAspect="1"/>
+          </p:cNvSpPr>
+          <p:nvPr>
+            <p:ph type="sldImg"/>
+          </p:nvPr>
+        </p:nvSpPr>
+        <p:spPr/>
+      </p:sp>
+      <p:sp>
+        <p:nvSpPr>
+          <p:cNvPr id="3" name="Notes Placeholder 2"/>
+          <p:cNvSpPr>
+            <a:spLocks noGrp="1"/>
+          </p:cNvSpPr>
+          <p:nvPr>
+            <p:ph type="body" idx="1"/>
+          </p:nvPr>
+        </p:nvSpPr>
+        <p:spPr/>
+        <p:txBody>
+          <a:bodyPr/>
+          <a:lstStyle/>
+          <a:p>
+            <a:endParaRPr lang="ru-RU" sz="1200" b="0" i="0" kern="1200" dirty="0">
+              <a:solidFill>
+                <a:schemeClr val="tx1"/>
+              </a:solidFill>
+              <a:effectLst/>
+              <a:latin typeface="+mn-lt"/>
+              <a:ea typeface="+mn-ea"/>
+              <a:cs typeface="+mn-cs"/>
+            </a:endParaRPr>
+          </a:p>
+        </p:txBody>
+      </p:sp>
+      <p:sp>
+        <p:nvSpPr>
+          <p:cNvPr id="4" name="Slide Number Placeholder 3"/>
+          <p:cNvSpPr>
+            <a:spLocks noGrp="1"/>
+          </p:cNvSpPr>
+          <p:nvPr>
+            <p:ph type="sldNum" sz="quarter" idx="10"/>
+          </p:nvPr>
+        </p:nvSpPr>
+        <p:spPr/>
+        <p:txBody>
+          <a:bodyPr/>
+          <a:lstStyle/>
+          <a:p>
+            <a:fld id="{BA1D5B97-ACF5-4677-A104-92B2393AA446}" type="slidenum">
+              <a:rPr lang="en-US" smtClean="0"/>
+              <a:t>19</a:t>
+            </a:fld>
+            <a:endParaRPr lang="en-US"/>
+          </a:p>
+        </p:txBody>
+      </p:sp>
+    </p:spTree>
+    <p:extLst>
+      <p:ext uri="{BB962C8B-B14F-4D97-AF65-F5344CB8AC3E}">
+        <p14:creationId xmlns:p14="http://schemas.microsoft.com/office/powerpoint/2010/main" val="3068647632"/>
+      </p:ext>
+    </p:extLst>
+  </p:cSld>
+  <p:clrMapOvr>
+    <a:masterClrMapping/>
+  </p:clrMapOvr>
+</p:notes>
+</file>
+
+<file path=ppt/notesSlides/notesSlide17.xml><?xml version="1.0" encoding="utf-8"?>
+<p:notes xmlns:a="http://schemas.openxmlformats.org/drawingml/2006/main" xmlns:r="http://schemas.openxmlformats.org/officeDocument/2006/relationships" xmlns:p="http://schemas.openxmlformats.org/presentationml/2006/main">
+  <p:cSld>
+    <p:spTree>
+      <p:nvGrpSpPr>
+        <p:cNvPr id="1" name=""/>
+        <p:cNvGrpSpPr/>
+        <p:nvPr/>
+      </p:nvGrpSpPr>
+      <p:grpSpPr>
+        <a:xfrm>
+          <a:off x="0" y="0"/>
+          <a:ext cx="0" cy="0"/>
+          <a:chOff x="0" y="0"/>
+          <a:chExt cx="0" cy="0"/>
+        </a:xfrm>
+      </p:grpSpPr>
+      <p:sp>
+        <p:nvSpPr>
+          <p:cNvPr id="2" name="Slide Image Placeholder 1"/>
+          <p:cNvSpPr>
+            <a:spLocks noGrp="1" noRot="1" noChangeAspect="1"/>
+          </p:cNvSpPr>
+          <p:nvPr>
+            <p:ph type="sldImg"/>
+          </p:nvPr>
+        </p:nvSpPr>
+        <p:spPr/>
+      </p:sp>
+      <p:sp>
+        <p:nvSpPr>
+          <p:cNvPr id="3" name="Notes Placeholder 2"/>
+          <p:cNvSpPr>
+            <a:spLocks noGrp="1"/>
+          </p:cNvSpPr>
+          <p:nvPr>
+            <p:ph type="body" idx="1"/>
+          </p:nvPr>
+        </p:nvSpPr>
+        <p:spPr/>
+        <p:txBody>
+          <a:bodyPr/>
+          <a:lstStyle/>
+          <a:p>
+            <a:endParaRPr lang="en-US" dirty="0"/>
+          </a:p>
+        </p:txBody>
+      </p:sp>
+      <p:sp>
+        <p:nvSpPr>
+          <p:cNvPr id="4" name="Slide Number Placeholder 3"/>
+          <p:cNvSpPr>
+            <a:spLocks noGrp="1"/>
+          </p:cNvSpPr>
+          <p:nvPr>
+            <p:ph type="sldNum" sz="quarter" idx="10"/>
+          </p:nvPr>
+        </p:nvSpPr>
+        <p:spPr/>
+        <p:txBody>
+          <a:bodyPr/>
+          <a:lstStyle/>
+          <a:p>
+            <a:fld id="{BA1D5B97-ACF5-4677-A104-92B2393AA446}" type="slidenum">
+              <a:rPr lang="en-US" smtClean="0"/>
+              <a:t>20</a:t>
+            </a:fld>
+            <a:endParaRPr lang="en-US"/>
+          </a:p>
+        </p:txBody>
+      </p:sp>
+    </p:spTree>
+    <p:extLst>
+      <p:ext uri="{BB962C8B-B14F-4D97-AF65-F5344CB8AC3E}">
+        <p14:creationId xmlns:p14="http://schemas.microsoft.com/office/powerpoint/2010/main" val="515334132"/>
+      </p:ext>
+    </p:extLst>
+  </p:cSld>
+  <p:clrMapOvr>
+    <a:masterClrMapping/>
+  </p:clrMapOvr>
+</p:notes>
+</file>
+
 <file path=ppt/notesSlides/notesSlide2.xml><?xml version="1.0" encoding="utf-8"?>
 <p:notes xmlns:a="http://schemas.openxmlformats.org/drawingml/2006/main" xmlns:r="http://schemas.openxmlformats.org/officeDocument/2006/relationships" xmlns:p="http://schemas.openxmlformats.org/presentationml/2006/main">
   <p:cSld>
@@ -621,16 +1357,16 @@
               <a:defRPr/>
             </a:pPr>
             <a:r>
-              <a:rPr lang="en-US" dirty="0" smtClean="0"/>
+              <a:rPr lang="en-US" dirty="0"/>
               <a:t>Program</a:t>
             </a:r>
             <a:r>
-              <a:rPr lang="en-US" baseline="0" dirty="0" smtClean="0"/>
+              <a:rPr lang="en-US" baseline="0" dirty="0"/>
               <a:t> class, main method</a:t>
             </a:r>
           </a:p>
           <a:p>
-            <a:endParaRPr lang="en-US" sz="1200" b="0" i="1" kern="1200" dirty="0" smtClean="0">
+            <a:endParaRPr lang="en-US" sz="1200" b="0" i="1" kern="1200" dirty="0">
               <a:solidFill>
                 <a:schemeClr val="tx1"/>
               </a:solidFill>
@@ -642,7 +1378,7 @@
           </a:p>
           <a:p>
             <a:r>
-              <a:rPr lang="en-US" sz="1200" b="0" i="1" kern="1200" dirty="0" err="1" smtClean="0">
+              <a:rPr lang="en-US" sz="1200" b="0" i="1" kern="1200" dirty="0" err="1">
                 <a:solidFill>
                   <a:schemeClr val="tx1"/>
                 </a:solidFill>
@@ -654,7 +1390,7 @@
               <a:t>Program.cs</a:t>
             </a:r>
             <a:r>
-              <a:rPr lang="en-US" sz="1200" b="0" i="0" kern="1200" dirty="0" smtClean="0">
+              <a:rPr lang="en-US" sz="1200" b="0" i="0" kern="1200" dirty="0">
                 <a:solidFill>
                   <a:schemeClr val="tx1"/>
                 </a:solidFill>
@@ -666,11 +1402,11 @@
               <a:t> code for a non-HTTP workload, with a single </a:t>
             </a:r>
             <a:r>
-              <a:rPr lang="en-US" dirty="0" err="1" smtClean="0"/>
+              <a:rPr lang="en-US" dirty="0" err="1"/>
               <a:t>IHostedService</a:t>
             </a:r>
             <a:r>
-              <a:rPr lang="en-US" sz="1200" b="0" i="0" kern="1200" dirty="0" smtClean="0">
+              <a:rPr lang="en-US" sz="1200" b="0" i="0" kern="1200" dirty="0">
                 <a:solidFill>
                   <a:schemeClr val="tx1"/>
                 </a:solidFill>
@@ -850,7 +1586,7 @@
           <a:lstStyle/>
           <a:p>
             <a:r>
-              <a:rPr lang="en-US" sz="1200" b="0" i="0" kern="1200" dirty="0" smtClean="0">
+              <a:rPr lang="en-US" sz="1200" b="0" i="0" kern="1200" dirty="0">
                 <a:solidFill>
                   <a:schemeClr val="tx1"/>
                 </a:solidFill>
@@ -862,11 +1598,11 @@
               <a:t>If the app uses Entity Framework Core, don't change the name or signature of the </a:t>
             </a:r>
             <a:r>
-              <a:rPr lang="en-US" dirty="0" err="1" smtClean="0"/>
+              <a:rPr lang="en-US" dirty="0" err="1"/>
               <a:t>CreateHostBuilder</a:t>
             </a:r>
             <a:r>
-              <a:rPr lang="en-US" sz="1200" b="0" i="0" kern="1200" dirty="0" smtClean="0">
+              <a:rPr lang="en-US" sz="1200" b="0" i="0" kern="1200" dirty="0">
                 <a:solidFill>
                   <a:schemeClr val="tx1"/>
                 </a:solidFill>
@@ -878,7 +1614,7 @@
               <a:t> method. The </a:t>
             </a:r>
             <a:r>
-              <a:rPr lang="en-US" sz="1200" b="0" i="0" u="sng" kern="1200" dirty="0" smtClean="0">
+              <a:rPr lang="en-US" sz="1200" b="0" i="0" u="sng" kern="1200" dirty="0">
                 <a:solidFill>
                   <a:schemeClr val="tx1"/>
                 </a:solidFill>
@@ -891,7 +1627,7 @@
               <a:t>Entity Framework Core tools</a:t>
             </a:r>
             <a:r>
-              <a:rPr lang="en-US" sz="1200" b="0" i="0" kern="1200" dirty="0" smtClean="0">
+              <a:rPr lang="en-US" sz="1200" b="0" i="0" kern="1200" dirty="0">
                 <a:solidFill>
                   <a:schemeClr val="tx1"/>
                 </a:solidFill>
@@ -903,11 +1639,11 @@
               <a:t> expect to find a </a:t>
             </a:r>
             <a:r>
-              <a:rPr lang="en-US" dirty="0" err="1" smtClean="0"/>
+              <a:rPr lang="en-US" dirty="0" err="1"/>
               <a:t>CreateHostBuilder</a:t>
             </a:r>
             <a:r>
-              <a:rPr lang="en-US" sz="1200" b="0" i="0" kern="1200" dirty="0" smtClean="0">
+              <a:rPr lang="en-US" sz="1200" b="0" i="0" kern="1200" dirty="0">
                 <a:solidFill>
                   <a:schemeClr val="tx1"/>
                 </a:solidFill>
@@ -1087,7 +1823,7 @@
           <a:lstStyle/>
           <a:p>
             <a:r>
-              <a:rPr lang="en-US" sz="1200" b="0" i="0" kern="1200" dirty="0" smtClean="0">
+              <a:rPr lang="en-US" sz="1200" b="0" i="0" kern="1200" dirty="0">
                 <a:solidFill>
                   <a:schemeClr val="tx1"/>
                 </a:solidFill>
@@ -1101,7 +1837,7 @@
           </a:p>
           <a:p>
             <a:r>
-              <a:rPr lang="en-US" sz="1200" b="0" i="0" kern="1200" dirty="0" smtClean="0">
+              <a:rPr lang="en-US" sz="1200" b="0" i="0" kern="1200" dirty="0">
                 <a:solidFill>
                   <a:schemeClr val="tx1"/>
                 </a:solidFill>
@@ -1115,7 +1851,7 @@
           </a:p>
           <a:p>
             <a:r>
-              <a:rPr lang="en-US" sz="1200" b="0" i="0" kern="1200" dirty="0" smtClean="0">
+              <a:rPr lang="en-US" sz="1200" b="0" i="0" kern="1200" dirty="0">
                 <a:solidFill>
                   <a:schemeClr val="tx1"/>
                 </a:solidFill>
@@ -1129,7 +1865,7 @@
           </a:p>
           <a:p>
             <a:r>
-              <a:rPr lang="en-US" sz="1200" b="0" i="0" kern="1200" dirty="0" smtClean="0">
+              <a:rPr lang="en-US" sz="1200" b="0" i="0" kern="1200" dirty="0">
                 <a:solidFill>
                   <a:schemeClr val="tx1"/>
                 </a:solidFill>
@@ -1142,10 +1878,10 @@
             </a:r>
           </a:p>
           <a:p>
-            <a:endParaRPr lang="en-US" dirty="0" smtClean="0"/>
-          </a:p>
-          <a:p>
-            <a:endParaRPr lang="en-US" dirty="0" smtClean="0"/>
+            <a:endParaRPr lang="en-US" dirty="0"/>
+          </a:p>
+          <a:p>
+            <a:endParaRPr lang="en-US" dirty="0"/>
           </a:p>
           <a:p>
             <a:endParaRPr lang="en-US" dirty="0"/>
@@ -1233,7 +1969,7 @@
           <a:lstStyle/>
           <a:p>
             <a:r>
-              <a:rPr lang="en-US" sz="1200" b="1" i="0" kern="1200" dirty="0" smtClean="0">
+              <a:rPr lang="en-US" sz="1200" b="1" i="0" kern="1200" dirty="0">
                 <a:solidFill>
                   <a:schemeClr val="tx1"/>
                 </a:solidFill>
@@ -1247,7 +1983,7 @@
           </a:p>
           <a:p>
             <a:r>
-              <a:rPr lang="en-US" sz="1200" b="0" i="0" kern="1200" dirty="0" smtClean="0">
+              <a:rPr lang="en-US" sz="1200" b="0" i="0" kern="1200" dirty="0">
                 <a:solidFill>
                   <a:schemeClr val="tx1"/>
                 </a:solidFill>
@@ -1260,7 +1996,7 @@
             </a:r>
           </a:p>
           <a:p>
-            <a:endParaRPr lang="en-US" dirty="0" smtClean="0"/>
+            <a:endParaRPr lang="en-US" dirty="0"/>
           </a:p>
           <a:p>
             <a:endParaRPr lang="en-US" dirty="0"/>
@@ -1377,7 +2113,315 @@
     </p:spTree>
     <p:extLst>
       <p:ext uri="{BB962C8B-B14F-4D97-AF65-F5344CB8AC3E}">
-        <p14:creationId xmlns:p14="http://schemas.microsoft.com/office/powerpoint/2010/main" val="515334132"/>
+        <p14:creationId xmlns:p14="http://schemas.microsoft.com/office/powerpoint/2010/main" val="3715739114"/>
+      </p:ext>
+    </p:extLst>
+  </p:cSld>
+  <p:clrMapOvr>
+    <a:masterClrMapping/>
+  </p:clrMapOvr>
+</p:notes>
+</file>
+
+<file path=ppt/notesSlides/notesSlide9.xml><?xml version="1.0" encoding="utf-8"?>
+<p:notes xmlns:a="http://schemas.openxmlformats.org/drawingml/2006/main" xmlns:r="http://schemas.openxmlformats.org/officeDocument/2006/relationships" xmlns:p="http://schemas.openxmlformats.org/presentationml/2006/main">
+  <p:cSld>
+    <p:spTree>
+      <p:nvGrpSpPr>
+        <p:cNvPr id="1" name=""/>
+        <p:cNvGrpSpPr/>
+        <p:nvPr/>
+      </p:nvGrpSpPr>
+      <p:grpSpPr>
+        <a:xfrm>
+          <a:off x="0" y="0"/>
+          <a:ext cx="0" cy="0"/>
+          <a:chOff x="0" y="0"/>
+          <a:chExt cx="0" cy="0"/>
+        </a:xfrm>
+      </p:grpSpPr>
+      <p:sp>
+        <p:nvSpPr>
+          <p:cNvPr id="2" name="Slide Image Placeholder 1"/>
+          <p:cNvSpPr>
+            <a:spLocks noGrp="1" noRot="1" noChangeAspect="1"/>
+          </p:cNvSpPr>
+          <p:nvPr>
+            <p:ph type="sldImg"/>
+          </p:nvPr>
+        </p:nvSpPr>
+        <p:spPr/>
+      </p:sp>
+      <p:sp>
+        <p:nvSpPr>
+          <p:cNvPr id="3" name="Notes Placeholder 2"/>
+          <p:cNvSpPr>
+            <a:spLocks noGrp="1"/>
+          </p:cNvSpPr>
+          <p:nvPr>
+            <p:ph type="body" idx="1"/>
+          </p:nvPr>
+        </p:nvSpPr>
+        <p:spPr/>
+        <p:txBody>
+          <a:bodyPr/>
+          <a:lstStyle/>
+          <a:p>
+            <a:r>
+              <a:rPr lang="en-US" sz="1200" b="0" i="0" kern="1200" dirty="0">
+                <a:solidFill>
+                  <a:schemeClr val="tx1"/>
+                </a:solidFill>
+                <a:effectLst/>
+                <a:latin typeface="+mn-lt"/>
+                <a:ea typeface="+mn-ea"/>
+                <a:cs typeface="+mn-cs"/>
+              </a:rPr>
+              <a:t>handle post-startup and graceful shutdown tasks</a:t>
+            </a:r>
+          </a:p>
+          <a:p>
+            <a:endParaRPr lang="en-US" sz="1200" b="0" i="0" kern="1200" dirty="0">
+              <a:solidFill>
+                <a:schemeClr val="tx1"/>
+              </a:solidFill>
+              <a:effectLst/>
+              <a:latin typeface="+mn-lt"/>
+              <a:ea typeface="+mn-ea"/>
+              <a:cs typeface="+mn-cs"/>
+            </a:endParaRPr>
+          </a:p>
+          <a:p>
+            <a:r>
+              <a:rPr lang="en-US" sz="1200" b="0" i="0" kern="1200" dirty="0" err="1">
+                <a:solidFill>
+                  <a:schemeClr val="tx1"/>
+                </a:solidFill>
+                <a:effectLst/>
+                <a:latin typeface="+mn-lt"/>
+                <a:ea typeface="+mn-ea"/>
+                <a:cs typeface="+mn-cs"/>
+              </a:rPr>
+              <a:t>ApplicationStarted</a:t>
+            </a:r>
+            <a:r>
+              <a:rPr lang="en-US" sz="1200" b="0" i="0" kern="1200" dirty="0">
+                <a:solidFill>
+                  <a:schemeClr val="tx1"/>
+                </a:solidFill>
+                <a:effectLst/>
+                <a:latin typeface="+mn-lt"/>
+                <a:ea typeface="+mn-ea"/>
+                <a:cs typeface="+mn-cs"/>
+              </a:rPr>
+              <a:t>	</a:t>
+            </a:r>
+          </a:p>
+          <a:p>
+            <a:r>
+              <a:rPr lang="en-US" sz="1200" b="0" i="0" kern="1200" dirty="0">
+                <a:solidFill>
+                  <a:schemeClr val="tx1"/>
+                </a:solidFill>
+                <a:effectLst/>
+                <a:latin typeface="+mn-lt"/>
+                <a:ea typeface="+mn-ea"/>
+                <a:cs typeface="+mn-cs"/>
+              </a:rPr>
+              <a:t>Triggered when the application host has fully started.</a:t>
+            </a:r>
+          </a:p>
+          <a:p>
+            <a:endParaRPr lang="en-US" sz="1200" b="0" i="0" kern="1200" dirty="0">
+              <a:solidFill>
+                <a:schemeClr val="tx1"/>
+              </a:solidFill>
+              <a:effectLst/>
+              <a:latin typeface="+mn-lt"/>
+              <a:ea typeface="+mn-ea"/>
+              <a:cs typeface="+mn-cs"/>
+            </a:endParaRPr>
+          </a:p>
+          <a:p>
+            <a:r>
+              <a:rPr lang="en-US" sz="1200" b="0" i="0" kern="1200" dirty="0" err="1">
+                <a:solidFill>
+                  <a:schemeClr val="tx1"/>
+                </a:solidFill>
+                <a:effectLst/>
+                <a:latin typeface="+mn-lt"/>
+                <a:ea typeface="+mn-ea"/>
+                <a:cs typeface="+mn-cs"/>
+              </a:rPr>
+              <a:t>ApplicationStopped</a:t>
+            </a:r>
+            <a:r>
+              <a:rPr lang="en-US" sz="1200" b="0" i="0" kern="1200" dirty="0">
+                <a:solidFill>
+                  <a:schemeClr val="tx1"/>
+                </a:solidFill>
+                <a:effectLst/>
+                <a:latin typeface="+mn-lt"/>
+                <a:ea typeface="+mn-ea"/>
+                <a:cs typeface="+mn-cs"/>
+              </a:rPr>
+              <a:t>	</a:t>
+            </a:r>
+          </a:p>
+          <a:p>
+            <a:r>
+              <a:rPr lang="en-US" sz="1200" b="0" i="0" kern="1200" dirty="0">
+                <a:solidFill>
+                  <a:schemeClr val="tx1"/>
+                </a:solidFill>
+                <a:effectLst/>
+                <a:latin typeface="+mn-lt"/>
+                <a:ea typeface="+mn-ea"/>
+                <a:cs typeface="+mn-cs"/>
+              </a:rPr>
+              <a:t>Triggered when the application host is performing a graceful shutdown. Shutdown will block until this event completes.</a:t>
+            </a:r>
+          </a:p>
+          <a:p>
+            <a:endParaRPr lang="en-US" sz="1200" b="0" i="0" kern="1200" dirty="0">
+              <a:solidFill>
+                <a:schemeClr val="tx1"/>
+              </a:solidFill>
+              <a:effectLst/>
+              <a:latin typeface="+mn-lt"/>
+              <a:ea typeface="+mn-ea"/>
+              <a:cs typeface="+mn-cs"/>
+            </a:endParaRPr>
+          </a:p>
+          <a:p>
+            <a:r>
+              <a:rPr lang="en-US" sz="1200" b="0" i="0" kern="1200" dirty="0" err="1">
+                <a:solidFill>
+                  <a:schemeClr val="tx1"/>
+                </a:solidFill>
+                <a:effectLst/>
+                <a:latin typeface="+mn-lt"/>
+                <a:ea typeface="+mn-ea"/>
+                <a:cs typeface="+mn-cs"/>
+              </a:rPr>
+              <a:t>ApplicationStopping</a:t>
+            </a:r>
+            <a:r>
+              <a:rPr lang="en-US" sz="1200" b="0" i="0" kern="1200" dirty="0">
+                <a:solidFill>
+                  <a:schemeClr val="tx1"/>
+                </a:solidFill>
+                <a:effectLst/>
+                <a:latin typeface="+mn-lt"/>
+                <a:ea typeface="+mn-ea"/>
+                <a:cs typeface="+mn-cs"/>
+              </a:rPr>
+              <a:t>	</a:t>
+            </a:r>
+          </a:p>
+          <a:p>
+            <a:r>
+              <a:rPr lang="en-US" sz="1200" b="0" i="0" kern="1200" dirty="0">
+                <a:solidFill>
+                  <a:schemeClr val="tx1"/>
+                </a:solidFill>
+                <a:effectLst/>
+                <a:latin typeface="+mn-lt"/>
+                <a:ea typeface="+mn-ea"/>
+                <a:cs typeface="+mn-cs"/>
+              </a:rPr>
+              <a:t>Triggered when the application host is performing a graceful shutdown. Shutdown will block until this event completes.</a:t>
+            </a:r>
+          </a:p>
+          <a:p>
+            <a:endParaRPr lang="en-US" sz="1200" b="0" i="0" kern="1200" dirty="0">
+              <a:solidFill>
+                <a:schemeClr val="tx1"/>
+              </a:solidFill>
+              <a:effectLst/>
+              <a:latin typeface="+mn-lt"/>
+              <a:ea typeface="+mn-ea"/>
+              <a:cs typeface="+mn-cs"/>
+            </a:endParaRPr>
+          </a:p>
+          <a:p>
+            <a:r>
+              <a:rPr lang="en-US" sz="1200" b="0" i="0" kern="1200" dirty="0" err="1">
+                <a:solidFill>
+                  <a:schemeClr val="tx1"/>
+                </a:solidFill>
+                <a:effectLst/>
+                <a:latin typeface="+mn-lt"/>
+                <a:ea typeface="+mn-ea"/>
+                <a:cs typeface="+mn-cs"/>
+              </a:rPr>
+              <a:t>StopApplication</a:t>
+            </a:r>
+            <a:r>
+              <a:rPr lang="en-US" sz="1200" b="0" i="0" kern="1200" dirty="0">
+                <a:solidFill>
+                  <a:schemeClr val="tx1"/>
+                </a:solidFill>
+                <a:effectLst/>
+                <a:latin typeface="+mn-lt"/>
+                <a:ea typeface="+mn-ea"/>
+                <a:cs typeface="+mn-cs"/>
+              </a:rPr>
+              <a:t>()	</a:t>
+            </a:r>
+          </a:p>
+          <a:p>
+            <a:r>
+              <a:rPr lang="en-US" sz="1200" b="0" i="0" kern="1200" dirty="0">
+                <a:solidFill>
+                  <a:schemeClr val="tx1"/>
+                </a:solidFill>
+                <a:effectLst/>
+                <a:latin typeface="+mn-lt"/>
+                <a:ea typeface="+mn-ea"/>
+                <a:cs typeface="+mn-cs"/>
+              </a:rPr>
+              <a:t>Requests termination of the current application.</a:t>
+            </a:r>
+            <a:endParaRPr lang="ru-RU" sz="1200" b="0" i="0" kern="1200" dirty="0">
+              <a:solidFill>
+                <a:schemeClr val="tx1"/>
+              </a:solidFill>
+              <a:effectLst/>
+              <a:latin typeface="+mn-lt"/>
+              <a:ea typeface="+mn-ea"/>
+              <a:cs typeface="+mn-cs"/>
+            </a:endParaRPr>
+          </a:p>
+        </p:txBody>
+      </p:sp>
+      <p:sp>
+        <p:nvSpPr>
+          <p:cNvPr id="4" name="Slide Number Placeholder 3"/>
+          <p:cNvSpPr>
+            <a:spLocks noGrp="1"/>
+          </p:cNvSpPr>
+          <p:nvPr>
+            <p:ph type="sldNum" sz="quarter" idx="10"/>
+          </p:nvPr>
+        </p:nvSpPr>
+        <p:spPr/>
+        <p:txBody>
+          <a:bodyPr/>
+          <a:lstStyle/>
+          <a:p>
+            <a:fld id="{BA1D5B97-ACF5-4677-A104-92B2393AA446}" type="slidenum">
+              <a:rPr lang="en-US" smtClean="0"/>
+              <a:t>12</a:t>
+            </a:fld>
+            <a:endParaRPr lang="en-US"/>
+          </a:p>
+        </p:txBody>
+      </p:sp>
+    </p:spTree>
+    <p:extLst>
+      <p:ext uri="{BB962C8B-B14F-4D97-AF65-F5344CB8AC3E}">
+        <p14:creationId xmlns:p14="http://schemas.microsoft.com/office/powerpoint/2010/main" val="270918966"/>
       </p:ext>
     </p:extLst>
   </p:cSld>
@@ -1429,10 +2473,9 @@
           </a:lstStyle>
           <a:p>
             <a:r>
-              <a:rPr lang="en-US" smtClean="0"/>
+              <a:rPr lang="en-US"/>
               <a:t>Click to edit Master title style</a:t>
             </a:r>
-            <a:endParaRPr lang="en-US"/>
           </a:p>
         </p:txBody>
       </p:sp>
@@ -1494,10 +2537,9 @@
           </a:lstStyle>
           <a:p>
             <a:r>
-              <a:rPr lang="en-US" smtClean="0"/>
+              <a:rPr lang="en-US"/>
               <a:t>Click to edit Master subtitle style</a:t>
             </a:r>
-            <a:endParaRPr lang="en-US"/>
           </a:p>
         </p:txBody>
       </p:sp>
@@ -1518,7 +2560,7 @@
           <a:p>
             <a:fld id="{622E22BE-79DE-4FFF-A515-BF1CA8DF801A}" type="datetimeFigureOut">
               <a:rPr lang="en-US" smtClean="0"/>
-              <a:t>25-Nov-19</a:t>
+              <a:t>11/26/2019</a:t>
             </a:fld>
             <a:endParaRPr lang="en-US"/>
           </a:p>
@@ -1612,10 +2654,9 @@
           <a:lstStyle/>
           <a:p>
             <a:r>
-              <a:rPr lang="en-US" smtClean="0"/>
+              <a:rPr lang="en-US"/>
               <a:t>Click to edit Master title style</a:t>
             </a:r>
-            <a:endParaRPr lang="en-US"/>
           </a:p>
         </p:txBody>
       </p:sp>
@@ -1636,38 +2677,37 @@
           <a:p>
             <a:pPr lvl="0"/>
             <a:r>
-              <a:rPr lang="en-US" smtClean="0"/>
+              <a:rPr lang="en-US"/>
               <a:t>Edit Master text styles</a:t>
             </a:r>
           </a:p>
           <a:p>
             <a:pPr lvl="1"/>
             <a:r>
-              <a:rPr lang="en-US" smtClean="0"/>
+              <a:rPr lang="en-US"/>
               <a:t>Second level</a:t>
             </a:r>
           </a:p>
           <a:p>
             <a:pPr lvl="2"/>
             <a:r>
-              <a:rPr lang="en-US" smtClean="0"/>
+              <a:rPr lang="en-US"/>
               <a:t>Third level</a:t>
             </a:r>
           </a:p>
           <a:p>
             <a:pPr lvl="3"/>
             <a:r>
-              <a:rPr lang="en-US" smtClean="0"/>
+              <a:rPr lang="en-US"/>
               <a:t>Fourth level</a:t>
             </a:r>
           </a:p>
           <a:p>
             <a:pPr lvl="4"/>
             <a:r>
-              <a:rPr lang="en-US" smtClean="0"/>
+              <a:rPr lang="en-US"/>
               <a:t>Fifth level</a:t>
             </a:r>
-            <a:endParaRPr lang="en-US"/>
           </a:p>
         </p:txBody>
       </p:sp>
@@ -1688,7 +2728,7 @@
           <a:p>
             <a:fld id="{622E22BE-79DE-4FFF-A515-BF1CA8DF801A}" type="datetimeFigureOut">
               <a:rPr lang="en-US" smtClean="0"/>
-              <a:t>25-Nov-19</a:t>
+              <a:t>11/26/2019</a:t>
             </a:fld>
             <a:endParaRPr lang="en-US"/>
           </a:p>
@@ -1787,10 +2827,9 @@
           <a:lstStyle/>
           <a:p>
             <a:r>
-              <a:rPr lang="en-US" smtClean="0"/>
+              <a:rPr lang="en-US"/>
               <a:t>Click to edit Master title style</a:t>
             </a:r>
-            <a:endParaRPr lang="en-US"/>
           </a:p>
         </p:txBody>
       </p:sp>
@@ -1816,38 +2855,37 @@
           <a:p>
             <a:pPr lvl="0"/>
             <a:r>
-              <a:rPr lang="en-US" smtClean="0"/>
+              <a:rPr lang="en-US"/>
               <a:t>Edit Master text styles</a:t>
             </a:r>
           </a:p>
           <a:p>
             <a:pPr lvl="1"/>
             <a:r>
-              <a:rPr lang="en-US" smtClean="0"/>
+              <a:rPr lang="en-US"/>
               <a:t>Second level</a:t>
             </a:r>
           </a:p>
           <a:p>
             <a:pPr lvl="2"/>
             <a:r>
-              <a:rPr lang="en-US" smtClean="0"/>
+              <a:rPr lang="en-US"/>
               <a:t>Third level</a:t>
             </a:r>
           </a:p>
           <a:p>
             <a:pPr lvl="3"/>
             <a:r>
-              <a:rPr lang="en-US" smtClean="0"/>
+              <a:rPr lang="en-US"/>
               <a:t>Fourth level</a:t>
             </a:r>
           </a:p>
           <a:p>
             <a:pPr lvl="4"/>
             <a:r>
-              <a:rPr lang="en-US" smtClean="0"/>
+              <a:rPr lang="en-US"/>
               <a:t>Fifth level</a:t>
             </a:r>
-            <a:endParaRPr lang="en-US"/>
           </a:p>
         </p:txBody>
       </p:sp>
@@ -1868,7 +2906,7 @@
           <a:p>
             <a:fld id="{622E22BE-79DE-4FFF-A515-BF1CA8DF801A}" type="datetimeFigureOut">
               <a:rPr lang="en-US" smtClean="0"/>
-              <a:t>25-Nov-19</a:t>
+              <a:t>11/26/2019</a:t>
             </a:fld>
             <a:endParaRPr lang="en-US"/>
           </a:p>
@@ -1962,10 +3000,9 @@
           <a:lstStyle/>
           <a:p>
             <a:r>
-              <a:rPr lang="en-US" smtClean="0"/>
+              <a:rPr lang="en-US"/>
               <a:t>Click to edit Master title style</a:t>
             </a:r>
-            <a:endParaRPr lang="en-US"/>
           </a:p>
         </p:txBody>
       </p:sp>
@@ -1986,38 +3023,37 @@
           <a:p>
             <a:pPr lvl="0"/>
             <a:r>
-              <a:rPr lang="en-US" smtClean="0"/>
+              <a:rPr lang="en-US"/>
               <a:t>Edit Master text styles</a:t>
             </a:r>
           </a:p>
           <a:p>
             <a:pPr lvl="1"/>
             <a:r>
-              <a:rPr lang="en-US" smtClean="0"/>
+              <a:rPr lang="en-US"/>
               <a:t>Second level</a:t>
             </a:r>
           </a:p>
           <a:p>
             <a:pPr lvl="2"/>
             <a:r>
-              <a:rPr lang="en-US" smtClean="0"/>
+              <a:rPr lang="en-US"/>
               <a:t>Third level</a:t>
             </a:r>
           </a:p>
           <a:p>
             <a:pPr lvl="3"/>
             <a:r>
-              <a:rPr lang="en-US" smtClean="0"/>
+              <a:rPr lang="en-US"/>
               <a:t>Fourth level</a:t>
             </a:r>
           </a:p>
           <a:p>
             <a:pPr lvl="4"/>
             <a:r>
-              <a:rPr lang="en-US" smtClean="0"/>
+              <a:rPr lang="en-US"/>
               <a:t>Fifth level</a:t>
             </a:r>
-            <a:endParaRPr lang="en-US"/>
           </a:p>
         </p:txBody>
       </p:sp>
@@ -2038,7 +3074,7 @@
           <a:p>
             <a:fld id="{622E22BE-79DE-4FFF-A515-BF1CA8DF801A}" type="datetimeFigureOut">
               <a:rPr lang="en-US" smtClean="0"/>
-              <a:t>25-Nov-19</a:t>
+              <a:t>11/26/2019</a:t>
             </a:fld>
             <a:endParaRPr lang="en-US"/>
           </a:p>
@@ -2141,10 +3177,9 @@
           </a:lstStyle>
           <a:p>
             <a:r>
-              <a:rPr lang="en-US" smtClean="0"/>
+              <a:rPr lang="en-US"/>
               <a:t>Click to edit Master title style</a:t>
             </a:r>
-            <a:endParaRPr lang="en-US"/>
           </a:p>
         </p:txBody>
       </p:sp>
@@ -2261,7 +3296,7 @@
           <a:p>
             <a:pPr lvl="0"/>
             <a:r>
-              <a:rPr lang="en-US" smtClean="0"/>
+              <a:rPr lang="en-US"/>
               <a:t>Edit Master text styles</a:t>
             </a:r>
           </a:p>
@@ -2284,7 +3319,7 @@
           <a:p>
             <a:fld id="{622E22BE-79DE-4FFF-A515-BF1CA8DF801A}" type="datetimeFigureOut">
               <a:rPr lang="en-US" smtClean="0"/>
-              <a:t>25-Nov-19</a:t>
+              <a:t>11/26/2019</a:t>
             </a:fld>
             <a:endParaRPr lang="en-US"/>
           </a:p>
@@ -2378,10 +3413,9 @@
           <a:lstStyle/>
           <a:p>
             <a:r>
-              <a:rPr lang="en-US" smtClean="0"/>
+              <a:rPr lang="en-US"/>
               <a:t>Click to edit Master title style</a:t>
             </a:r>
-            <a:endParaRPr lang="en-US"/>
           </a:p>
         </p:txBody>
       </p:sp>
@@ -2407,38 +3441,37 @@
           <a:p>
             <a:pPr lvl="0"/>
             <a:r>
-              <a:rPr lang="en-US" smtClean="0"/>
+              <a:rPr lang="en-US"/>
               <a:t>Edit Master text styles</a:t>
             </a:r>
           </a:p>
           <a:p>
             <a:pPr lvl="1"/>
             <a:r>
-              <a:rPr lang="en-US" smtClean="0"/>
+              <a:rPr lang="en-US"/>
               <a:t>Second level</a:t>
             </a:r>
           </a:p>
           <a:p>
             <a:pPr lvl="2"/>
             <a:r>
-              <a:rPr lang="en-US" smtClean="0"/>
+              <a:rPr lang="en-US"/>
               <a:t>Third level</a:t>
             </a:r>
           </a:p>
           <a:p>
             <a:pPr lvl="3"/>
             <a:r>
-              <a:rPr lang="en-US" smtClean="0"/>
+              <a:rPr lang="en-US"/>
               <a:t>Fourth level</a:t>
             </a:r>
           </a:p>
           <a:p>
             <a:pPr lvl="4"/>
             <a:r>
-              <a:rPr lang="en-US" smtClean="0"/>
+              <a:rPr lang="en-US"/>
               <a:t>Fifth level</a:t>
             </a:r>
-            <a:endParaRPr lang="en-US"/>
           </a:p>
         </p:txBody>
       </p:sp>
@@ -2464,38 +3497,37 @@
           <a:p>
             <a:pPr lvl="0"/>
             <a:r>
-              <a:rPr lang="en-US" smtClean="0"/>
+              <a:rPr lang="en-US"/>
               <a:t>Edit Master text styles</a:t>
             </a:r>
           </a:p>
           <a:p>
             <a:pPr lvl="1"/>
             <a:r>
-              <a:rPr lang="en-US" smtClean="0"/>
+              <a:rPr lang="en-US"/>
               <a:t>Second level</a:t>
             </a:r>
           </a:p>
           <a:p>
             <a:pPr lvl="2"/>
             <a:r>
-              <a:rPr lang="en-US" smtClean="0"/>
+              <a:rPr lang="en-US"/>
               <a:t>Third level</a:t>
             </a:r>
           </a:p>
           <a:p>
             <a:pPr lvl="3"/>
             <a:r>
-              <a:rPr lang="en-US" smtClean="0"/>
+              <a:rPr lang="en-US"/>
               <a:t>Fourth level</a:t>
             </a:r>
           </a:p>
           <a:p>
             <a:pPr lvl="4"/>
             <a:r>
-              <a:rPr lang="en-US" smtClean="0"/>
+              <a:rPr lang="en-US"/>
               <a:t>Fifth level</a:t>
             </a:r>
-            <a:endParaRPr lang="en-US"/>
           </a:p>
         </p:txBody>
       </p:sp>
@@ -2516,7 +3548,7 @@
           <a:p>
             <a:fld id="{622E22BE-79DE-4FFF-A515-BF1CA8DF801A}" type="datetimeFigureOut">
               <a:rPr lang="en-US" smtClean="0"/>
-              <a:t>25-Nov-19</a:t>
+              <a:t>11/26/2019</a:t>
             </a:fld>
             <a:endParaRPr lang="en-US"/>
           </a:p>
@@ -2615,10 +3647,9 @@
           <a:lstStyle/>
           <a:p>
             <a:r>
-              <a:rPr lang="en-US" smtClean="0"/>
+              <a:rPr lang="en-US"/>
               <a:t>Click to edit Master title style</a:t>
             </a:r>
-            <a:endParaRPr lang="en-US"/>
           </a:p>
         </p:txBody>
       </p:sp>
@@ -2681,7 +3712,7 @@
           <a:p>
             <a:pPr lvl="0"/>
             <a:r>
-              <a:rPr lang="en-US" smtClean="0"/>
+              <a:rPr lang="en-US"/>
               <a:t>Edit Master text styles</a:t>
             </a:r>
           </a:p>
@@ -2709,38 +3740,37 @@
           <a:p>
             <a:pPr lvl="0"/>
             <a:r>
-              <a:rPr lang="en-US" smtClean="0"/>
+              <a:rPr lang="en-US"/>
               <a:t>Edit Master text styles</a:t>
             </a:r>
           </a:p>
           <a:p>
             <a:pPr lvl="1"/>
             <a:r>
-              <a:rPr lang="en-US" smtClean="0"/>
+              <a:rPr lang="en-US"/>
               <a:t>Second level</a:t>
             </a:r>
           </a:p>
           <a:p>
             <a:pPr lvl="2"/>
             <a:r>
-              <a:rPr lang="en-US" smtClean="0"/>
+              <a:rPr lang="en-US"/>
               <a:t>Third level</a:t>
             </a:r>
           </a:p>
           <a:p>
             <a:pPr lvl="3"/>
             <a:r>
-              <a:rPr lang="en-US" smtClean="0"/>
+              <a:rPr lang="en-US"/>
               <a:t>Fourth level</a:t>
             </a:r>
           </a:p>
           <a:p>
             <a:pPr lvl="4"/>
             <a:r>
-              <a:rPr lang="en-US" smtClean="0"/>
+              <a:rPr lang="en-US"/>
               <a:t>Fifth level</a:t>
             </a:r>
-            <a:endParaRPr lang="en-US"/>
           </a:p>
         </p:txBody>
       </p:sp>
@@ -2803,7 +3833,7 @@
           <a:p>
             <a:pPr lvl="0"/>
             <a:r>
-              <a:rPr lang="en-US" smtClean="0"/>
+              <a:rPr lang="en-US"/>
               <a:t>Edit Master text styles</a:t>
             </a:r>
           </a:p>
@@ -2831,38 +3861,37 @@
           <a:p>
             <a:pPr lvl="0"/>
             <a:r>
-              <a:rPr lang="en-US" smtClean="0"/>
+              <a:rPr lang="en-US"/>
               <a:t>Edit Master text styles</a:t>
             </a:r>
           </a:p>
           <a:p>
             <a:pPr lvl="1"/>
             <a:r>
-              <a:rPr lang="en-US" smtClean="0"/>
+              <a:rPr lang="en-US"/>
               <a:t>Second level</a:t>
             </a:r>
           </a:p>
           <a:p>
             <a:pPr lvl="2"/>
             <a:r>
-              <a:rPr lang="en-US" smtClean="0"/>
+              <a:rPr lang="en-US"/>
               <a:t>Third level</a:t>
             </a:r>
           </a:p>
           <a:p>
             <a:pPr lvl="3"/>
             <a:r>
-              <a:rPr lang="en-US" smtClean="0"/>
+              <a:rPr lang="en-US"/>
               <a:t>Fourth level</a:t>
             </a:r>
           </a:p>
           <a:p>
             <a:pPr lvl="4"/>
             <a:r>
-              <a:rPr lang="en-US" smtClean="0"/>
+              <a:rPr lang="en-US"/>
               <a:t>Fifth level</a:t>
             </a:r>
-            <a:endParaRPr lang="en-US"/>
           </a:p>
         </p:txBody>
       </p:sp>
@@ -2883,7 +3912,7 @@
           <a:p>
             <a:fld id="{622E22BE-79DE-4FFF-A515-BF1CA8DF801A}" type="datetimeFigureOut">
               <a:rPr lang="en-US" smtClean="0"/>
-              <a:t>25-Nov-19</a:t>
+              <a:t>11/26/2019</a:t>
             </a:fld>
             <a:endParaRPr lang="en-US"/>
           </a:p>
@@ -2977,10 +4006,9 @@
           <a:lstStyle/>
           <a:p>
             <a:r>
-              <a:rPr lang="en-US" smtClean="0"/>
+              <a:rPr lang="en-US"/>
               <a:t>Click to edit Master title style</a:t>
             </a:r>
-            <a:endParaRPr lang="en-US"/>
           </a:p>
         </p:txBody>
       </p:sp>
@@ -3001,7 +4029,7 @@
           <a:p>
             <a:fld id="{622E22BE-79DE-4FFF-A515-BF1CA8DF801A}" type="datetimeFigureOut">
               <a:rPr lang="en-US" smtClean="0"/>
-              <a:t>25-Nov-19</a:t>
+              <a:t>11/26/2019</a:t>
             </a:fld>
             <a:endParaRPr lang="en-US"/>
           </a:p>
@@ -3096,7 +4124,7 @@
           <a:p>
             <a:fld id="{622E22BE-79DE-4FFF-A515-BF1CA8DF801A}" type="datetimeFigureOut">
               <a:rPr lang="en-US" smtClean="0"/>
-              <a:t>25-Nov-19</a:t>
+              <a:t>11/26/2019</a:t>
             </a:fld>
             <a:endParaRPr lang="en-US"/>
           </a:p>
@@ -3199,10 +4227,9 @@
           </a:lstStyle>
           <a:p>
             <a:r>
-              <a:rPr lang="en-US" smtClean="0"/>
+              <a:rPr lang="en-US"/>
               <a:t>Click to edit Master title style</a:t>
             </a:r>
-            <a:endParaRPr lang="en-US"/>
           </a:p>
         </p:txBody>
       </p:sp>
@@ -3256,38 +4283,37 @@
           <a:p>
             <a:pPr lvl="0"/>
             <a:r>
-              <a:rPr lang="en-US" smtClean="0"/>
+              <a:rPr lang="en-US"/>
               <a:t>Edit Master text styles</a:t>
             </a:r>
           </a:p>
           <a:p>
             <a:pPr lvl="1"/>
             <a:r>
-              <a:rPr lang="en-US" smtClean="0"/>
+              <a:rPr lang="en-US"/>
               <a:t>Second level</a:t>
             </a:r>
           </a:p>
           <a:p>
             <a:pPr lvl="2"/>
             <a:r>
-              <a:rPr lang="en-US" smtClean="0"/>
+              <a:rPr lang="en-US"/>
               <a:t>Third level</a:t>
             </a:r>
           </a:p>
           <a:p>
             <a:pPr lvl="3"/>
             <a:r>
-              <a:rPr lang="en-US" smtClean="0"/>
+              <a:rPr lang="en-US"/>
               <a:t>Fourth level</a:t>
             </a:r>
           </a:p>
           <a:p>
             <a:pPr lvl="4"/>
             <a:r>
-              <a:rPr lang="en-US" smtClean="0"/>
+              <a:rPr lang="en-US"/>
               <a:t>Fifth level</a:t>
             </a:r>
-            <a:endParaRPr lang="en-US"/>
           </a:p>
         </p:txBody>
       </p:sp>
@@ -3350,7 +4376,7 @@
           <a:p>
             <a:pPr lvl="0"/>
             <a:r>
-              <a:rPr lang="en-US" smtClean="0"/>
+              <a:rPr lang="en-US"/>
               <a:t>Edit Master text styles</a:t>
             </a:r>
           </a:p>
@@ -3373,7 +4399,7 @@
           <a:p>
             <a:fld id="{622E22BE-79DE-4FFF-A515-BF1CA8DF801A}" type="datetimeFigureOut">
               <a:rPr lang="en-US" smtClean="0"/>
-              <a:t>25-Nov-19</a:t>
+              <a:t>11/26/2019</a:t>
             </a:fld>
             <a:endParaRPr lang="en-US"/>
           </a:p>
@@ -3476,10 +4502,9 @@
           </a:lstStyle>
           <a:p>
             <a:r>
-              <a:rPr lang="en-US" smtClean="0"/>
+              <a:rPr lang="en-US"/>
               <a:t>Click to edit Master title style</a:t>
             </a:r>
-            <a:endParaRPr lang="en-US"/>
           </a:p>
         </p:txBody>
       </p:sp>
@@ -3603,7 +4628,7 @@
           <a:p>
             <a:pPr lvl="0"/>
             <a:r>
-              <a:rPr lang="en-US" smtClean="0"/>
+              <a:rPr lang="en-US"/>
               <a:t>Edit Master text styles</a:t>
             </a:r>
           </a:p>
@@ -3626,7 +4651,7 @@
           <a:p>
             <a:fld id="{622E22BE-79DE-4FFF-A515-BF1CA8DF801A}" type="datetimeFigureOut">
               <a:rPr lang="en-US" smtClean="0"/>
-              <a:t>25-Nov-19</a:t>
+              <a:t>11/26/2019</a:t>
             </a:fld>
             <a:endParaRPr lang="en-US"/>
           </a:p>
@@ -3735,10 +4760,9 @@
           <a:lstStyle/>
           <a:p>
             <a:r>
-              <a:rPr lang="en-US" smtClean="0"/>
+              <a:rPr lang="en-US"/>
               <a:t>Click to edit Master title style</a:t>
             </a:r>
-            <a:endParaRPr lang="en-US"/>
           </a:p>
         </p:txBody>
       </p:sp>
@@ -3769,38 +4793,37 @@
           <a:p>
             <a:pPr lvl="0"/>
             <a:r>
-              <a:rPr lang="en-US" smtClean="0"/>
+              <a:rPr lang="en-US"/>
               <a:t>Edit Master text styles</a:t>
             </a:r>
           </a:p>
           <a:p>
             <a:pPr lvl="1"/>
             <a:r>
-              <a:rPr lang="en-US" smtClean="0"/>
+              <a:rPr lang="en-US"/>
               <a:t>Second level</a:t>
             </a:r>
           </a:p>
           <a:p>
             <a:pPr lvl="2"/>
             <a:r>
-              <a:rPr lang="en-US" smtClean="0"/>
+              <a:rPr lang="en-US"/>
               <a:t>Third level</a:t>
             </a:r>
           </a:p>
           <a:p>
             <a:pPr lvl="3"/>
             <a:r>
-              <a:rPr lang="en-US" smtClean="0"/>
+              <a:rPr lang="en-US"/>
               <a:t>Fourth level</a:t>
             </a:r>
           </a:p>
           <a:p>
             <a:pPr lvl="4"/>
             <a:r>
-              <a:rPr lang="en-US" smtClean="0"/>
+              <a:rPr lang="en-US"/>
               <a:t>Fifth level</a:t>
             </a:r>
-            <a:endParaRPr lang="en-US"/>
           </a:p>
         </p:txBody>
       </p:sp>
@@ -3839,7 +4862,7 @@
           <a:p>
             <a:fld id="{622E22BE-79DE-4FFF-A515-BF1CA8DF801A}" type="datetimeFigureOut">
               <a:rPr lang="en-US" smtClean="0"/>
-              <a:t>25-Nov-19</a:t>
+              <a:t>11/26/2019</a:t>
             </a:fld>
             <a:endParaRPr lang="en-US"/>
           </a:p>
@@ -4299,32 +5322,31 @@
           <a:lstStyle/>
           <a:p>
             <a:r>
-              <a:rPr lang="en-US" dirty="0" smtClean="0"/>
+              <a:rPr lang="en-US" dirty="0"/>
               <a:t>Host, Startup, DI</a:t>
             </a:r>
             <a:br>
-              <a:rPr lang="en-US" dirty="0" smtClean="0"/>
+              <a:rPr lang="en-US" dirty="0"/>
             </a:br>
             <a:r>
-              <a:rPr lang="en-US" dirty="0" smtClean="0"/>
+              <a:rPr lang="en-US" dirty="0"/>
               <a:t>in</a:t>
             </a:r>
             <a:br>
-              <a:rPr lang="en-US" dirty="0" smtClean="0"/>
+              <a:rPr lang="en-US" dirty="0"/>
             </a:br>
             <a:r>
-              <a:rPr lang="en-US" dirty="0" smtClean="0"/>
+              <a:rPr lang="en-US" dirty="0"/>
               <a:t>ASP </a:t>
             </a:r>
             <a:r>
-              <a:rPr lang="en-US" dirty="0" err="1" smtClean="0"/>
+              <a:rPr lang="en-US" dirty="0" err="1"/>
               <a:t>.Net</a:t>
             </a:r>
             <a:r>
-              <a:rPr lang="en-US" dirty="0" smtClean="0"/>
+              <a:rPr lang="en-US" dirty="0"/>
               <a:t> Core 3.0</a:t>
             </a:r>
-            <a:endParaRPr lang="en-US" dirty="0"/>
           </a:p>
         </p:txBody>
       </p:sp>
@@ -4349,11 +5371,11 @@
           <a:lstStyle/>
           <a:p>
             <a:r>
-              <a:rPr lang="en-US" dirty="0" smtClean="0"/>
+              <a:rPr lang="en-US" dirty="0"/>
               <a:t>Evgeniy </a:t>
             </a:r>
             <a:r>
-              <a:rPr lang="en-US" dirty="0" err="1" smtClean="0"/>
+              <a:rPr lang="en-US" dirty="0" err="1"/>
               <a:t>Pilyaev</a:t>
             </a:r>
             <a:endParaRPr lang="en-US" dirty="0"/>
@@ -4370,13 +5392,6 @@
   <p:clrMapOvr>
     <a:masterClrMapping/>
   </p:clrMapOvr>
-  <p:timing>
-    <p:tnLst>
-      <p:par>
-        <p:cTn id="1" dur="indefinite" restart="never" nodeType="tmRoot"/>
-      </p:par>
-    </p:tnLst>
-  </p:timing>
 </p:sld>
 </file>
 
@@ -4452,14 +5467,13 @@
           <a:lstStyle/>
           <a:p>
             <a:r>
-              <a:rPr lang="en-US" dirty="0" err="1" smtClean="0"/>
+              <a:rPr lang="en-US" dirty="0" err="1"/>
               <a:t>ConfigureWebHostsDefault</a:t>
             </a:r>
             <a:r>
-              <a:rPr lang="en-US" dirty="0" smtClean="0"/>
+              <a:rPr lang="en-US" dirty="0"/>
               <a:t>:</a:t>
             </a:r>
-            <a:endParaRPr lang="en-US" dirty="0"/>
           </a:p>
         </p:txBody>
       </p:sp>
@@ -4491,11 +5505,7 @@
             </a:pPr>
             <a:r>
               <a:rPr lang="en-US" sz="2400" dirty="0"/>
-              <a:t>Loads host configuration from environment variables prefixed with "ASPNETCORE</a:t>
-            </a:r>
-            <a:r>
-              <a:rPr lang="en-US" sz="2400" dirty="0" smtClean="0"/>
-              <a:t>_".</a:t>
+              <a:t>Loads host configuration from environment variables prefixed with "ASPNETCORE_".</a:t>
             </a:r>
           </a:p>
           <a:p>
@@ -4514,7 +5524,6 @@
               <a:rPr lang="en-US" sz="2400" dirty="0"/>
               <a:t>Sets Kestrel server as the web server and configures it using the app's hosting configuration providers. </a:t>
             </a:r>
-            <a:endParaRPr lang="en-US" sz="2400" dirty="0" smtClean="0"/>
           </a:p>
           <a:p>
             <a:pPr marL="285750" indent="-285750">
@@ -4529,16 +5538,8 @@
               <a:buChar char="•"/>
             </a:pPr>
             <a:r>
-              <a:rPr lang="en-US" sz="2400" dirty="0" smtClean="0"/>
-              <a:t>Adds </a:t>
-            </a:r>
-            <a:r>
               <a:rPr lang="en-US" sz="2400" dirty="0"/>
-              <a:t>Host Filtering middleware</a:t>
-            </a:r>
-            <a:r>
-              <a:rPr lang="en-US" sz="2400" dirty="0" smtClean="0"/>
-              <a:t>.</a:t>
+              <a:t>Adds Host Filtering middleware.</a:t>
             </a:r>
           </a:p>
           <a:p>
@@ -4555,11 +5556,7 @@
             </a:pPr>
             <a:r>
               <a:rPr lang="en-US" sz="2400" dirty="0"/>
-              <a:t>Adds Forwarded Headers middleware if ASPNETCORE_FORWARDEDHEADERS_ENABLED=true</a:t>
-            </a:r>
-            <a:r>
-              <a:rPr lang="en-US" sz="2400" dirty="0" smtClean="0"/>
-              <a:t>.</a:t>
+              <a:t>Adds Forwarded Headers middleware if ASPNETCORE_FORWARDEDHEADERS_ENABLED=true.</a:t>
             </a:r>
           </a:p>
           <a:p>
@@ -4578,7 +5575,6 @@
               <a:rPr lang="en-US" sz="2400" dirty="0"/>
               <a:t>Enables IIS integration.</a:t>
             </a:r>
-            <a:endParaRPr lang="en-US" sz="2400" dirty="0"/>
           </a:p>
         </p:txBody>
       </p:sp>
@@ -4592,13 +5588,6 @@
   <p:clrMapOvr>
     <a:masterClrMapping/>
   </p:clrMapOvr>
-  <p:timing>
-    <p:tnLst>
-      <p:par>
-        <p:cTn id="1" dur="indefinite" restart="never" nodeType="tmRoot"/>
-      </p:par>
-    </p:tnLst>
-  </p:timing>
 </p:sld>
 </file>
 
@@ -4665,120 +5654,122 @@
         </p:nvSpPr>
         <p:spPr>
           <a:xfrm>
-            <a:off x="723130" y="784994"/>
-            <a:ext cx="10515600" cy="4689683"/>
+            <a:off x="181708" y="60325"/>
+            <a:ext cx="10515600" cy="1325563"/>
           </a:xfrm>
         </p:spPr>
         <p:txBody>
-          <a:bodyPr>
-            <a:normAutofit/>
+          <a:bodyPr/>
+          <a:lstStyle/>
+          <a:p>
+            <a:r>
+              <a:rPr lang="en-US" dirty="0"/>
+              <a:t>Framework-provided services</a:t>
+            </a:r>
+          </a:p>
+        </p:txBody>
+      </p:sp>
+      <p:sp>
+        <p:nvSpPr>
+          <p:cNvPr id="4" name="TextBox 3"/>
+          <p:cNvSpPr txBox="1"/>
+          <p:nvPr/>
+        </p:nvSpPr>
+        <p:spPr>
+          <a:xfrm>
+            <a:off x="885092" y="1866530"/>
+            <a:ext cx="11588261" cy="3539430"/>
+          </a:xfrm>
+          <a:prstGeom prst="rect">
+            <a:avLst/>
+          </a:prstGeom>
+          <a:noFill/>
+        </p:spPr>
+        <p:txBody>
+          <a:bodyPr wrap="square" rtlCol="0">
+            <a:spAutoFit/>
           </a:bodyPr>
           <a:lstStyle/>
           <a:p>
-            <a:pPr algn="ctr"/>
-            <a:r>
-              <a:rPr lang="en-US" dirty="0" smtClean="0"/>
-              <a:t>Thanks for attention</a:t>
-            </a:r>
-            <a:br>
-              <a:rPr lang="en-US" dirty="0" smtClean="0"/>
-            </a:br>
-            <a:r>
-              <a:rPr lang="en-US" dirty="0"/>
-              <a:t/>
-            </a:r>
-            <a:br>
-              <a:rPr lang="en-US" dirty="0"/>
-            </a:br>
-            <a:r>
-              <a:rPr lang="en-US" dirty="0" smtClean="0"/>
-              <a:t>Evgeniy </a:t>
-            </a:r>
-            <a:r>
-              <a:rPr lang="en-US" dirty="0" err="1" smtClean="0"/>
-              <a:t>Pilyaev</a:t>
-            </a:r>
-            <a:r>
-              <a:rPr lang="en-US" dirty="0" smtClean="0"/>
-              <a:t/>
-            </a:r>
-            <a:br>
-              <a:rPr lang="en-US" dirty="0" smtClean="0"/>
-            </a:br>
-            <a:r>
-              <a:rPr lang="en-US" dirty="0" smtClean="0"/>
-              <a:t/>
-            </a:r>
-            <a:br>
-              <a:rPr lang="en-US" dirty="0" smtClean="0"/>
-            </a:br>
-            <a:r>
-              <a:rPr lang="en-US" dirty="0">
-                <a:hlinkClick r:id="rId3"/>
-              </a:rPr>
-              <a:t>https://</a:t>
-            </a:r>
-            <a:r>
-              <a:rPr lang="en-US" dirty="0" smtClean="0">
-                <a:hlinkClick r:id="rId3"/>
-              </a:rPr>
-              <a:t>github.com/EPilyaev/ASPNetCoreMVC</a:t>
-            </a:r>
-            <a:r>
-              <a:rPr lang="en-US" dirty="0" smtClean="0"/>
-              <a:t/>
-            </a:r>
-            <a:br>
-              <a:rPr lang="en-US" dirty="0" smtClean="0"/>
-            </a:br>
-            <a:r>
-              <a:rPr lang="en-US" dirty="0" smtClean="0"/>
-              <a:t/>
-            </a:r>
-            <a:br>
-              <a:rPr lang="en-US" dirty="0" smtClean="0"/>
-            </a:br>
-            <a:r>
-              <a:rPr lang="en-US" dirty="0"/>
-              <a:t>(</a:t>
-            </a:r>
-            <a:r>
-              <a:rPr lang="en-US" dirty="0" err="1"/>
-              <a:t>Host&amp;Startup&amp;Di</a:t>
-            </a:r>
-            <a:r>
-              <a:rPr lang="en-US" dirty="0"/>
-              <a:t> </a:t>
-            </a:r>
-            <a:r>
-              <a:rPr lang="en-US" dirty="0" smtClean="0"/>
-              <a:t>presentation)</a:t>
-            </a:r>
-            <a:endParaRPr lang="en-US" dirty="0"/>
+            <a:r>
+              <a:rPr lang="en-US" sz="3200" dirty="0"/>
+              <a:t>Services that are registered automatically include the following:</a:t>
+            </a:r>
+          </a:p>
+          <a:p>
+            <a:endParaRPr lang="en-US" sz="3200" dirty="0"/>
+          </a:p>
+          <a:p>
+            <a:pPr marL="285750" indent="-285750">
+              <a:buFont typeface="Arial" panose="020B0604020202020204" pitchFamily="34" charset="0"/>
+              <a:buChar char="•"/>
+            </a:pPr>
+            <a:r>
+              <a:rPr lang="en-US" sz="3200" dirty="0" err="1"/>
+              <a:t>IHostApplicationLifetime</a:t>
+            </a:r>
+            <a:endParaRPr lang="en-US" sz="3200" dirty="0"/>
+          </a:p>
+          <a:p>
+            <a:pPr marL="285750" indent="-285750">
+              <a:buFont typeface="Arial" panose="020B0604020202020204" pitchFamily="34" charset="0"/>
+              <a:buChar char="•"/>
+            </a:pPr>
+            <a:endParaRPr lang="en-US" sz="3200" dirty="0"/>
+          </a:p>
+          <a:p>
+            <a:pPr marL="285750" indent="-285750">
+              <a:buFont typeface="Arial" panose="020B0604020202020204" pitchFamily="34" charset="0"/>
+              <a:buChar char="•"/>
+            </a:pPr>
+            <a:r>
+              <a:rPr lang="en-US" sz="3200" dirty="0" err="1"/>
+              <a:t>IHostLifetime</a:t>
+            </a:r>
+            <a:endParaRPr lang="en-US" sz="3200" dirty="0"/>
+          </a:p>
+          <a:p>
+            <a:pPr marL="285750" indent="-285750">
+              <a:buFont typeface="Arial" panose="020B0604020202020204" pitchFamily="34" charset="0"/>
+              <a:buChar char="•"/>
+            </a:pPr>
+            <a:endParaRPr lang="en-US" sz="3200" dirty="0"/>
+          </a:p>
+          <a:p>
+            <a:pPr marL="285750" indent="-285750">
+              <a:buFont typeface="Arial" panose="020B0604020202020204" pitchFamily="34" charset="0"/>
+              <a:buChar char="•"/>
+            </a:pPr>
+            <a:r>
+              <a:rPr lang="en-US" sz="3200" dirty="0" err="1"/>
+              <a:t>IHostEnvironment</a:t>
+            </a:r>
+            <a:r>
+              <a:rPr lang="en-US" sz="3200" dirty="0"/>
+              <a:t> / </a:t>
+            </a:r>
+            <a:r>
+              <a:rPr lang="en-US" sz="3200" dirty="0" err="1"/>
+              <a:t>IWebHostEnvironment</a:t>
+            </a:r>
+            <a:endParaRPr lang="en-US" sz="3200" dirty="0"/>
           </a:p>
         </p:txBody>
       </p:sp>
     </p:spTree>
     <p:extLst>
       <p:ext uri="{BB962C8B-B14F-4D97-AF65-F5344CB8AC3E}">
-        <p14:creationId xmlns:p14="http://schemas.microsoft.com/office/powerpoint/2010/main" val="979259589"/>
+        <p14:creationId xmlns:p14="http://schemas.microsoft.com/office/powerpoint/2010/main" val="1170507424"/>
       </p:ext>
     </p:extLst>
   </p:cSld>
   <p:clrMapOvr>
     <a:masterClrMapping/>
   </p:clrMapOvr>
-  <p:timing>
-    <p:tnLst>
-      <p:par>
-        <p:cTn id="1" dur="indefinite" restart="never" nodeType="tmRoot"/>
-      </p:par>
-    </p:tnLst>
-  </p:timing>
 </p:sld>
 </file>
 
-<file path=ppt/slides/slide2.xml><?xml version="1.0" encoding="utf-8"?>
+<file path=ppt/slides/slide12.xml><?xml version="1.0" encoding="utf-8"?>
 <p:sld xmlns:a="http://schemas.openxmlformats.org/drawingml/2006/main" xmlns:r="http://schemas.openxmlformats.org/officeDocument/2006/relationships" xmlns:p="http://schemas.openxmlformats.org/presentationml/2006/main">
   <p:cSld>
     <p:bg>
@@ -4839,81 +5830,147 @@
             <p:ph type="title"/>
           </p:nvPr>
         </p:nvSpPr>
-        <p:spPr/>
-        <p:txBody>
-          <a:bodyPr/>
-          <a:lstStyle/>
-          <a:p>
-            <a:r>
-              <a:rPr lang="en-US" dirty="0" smtClean="0"/>
-              <a:t>Host</a:t>
-            </a:r>
-            <a:endParaRPr lang="en-US" dirty="0"/>
-          </a:p>
-        </p:txBody>
-      </p:sp>
-      <p:sp>
-        <p:nvSpPr>
-          <p:cNvPr id="3" name="Content Placeholder 2"/>
-          <p:cNvSpPr>
-            <a:spLocks noGrp="1"/>
-          </p:cNvSpPr>
-          <p:nvPr>
-            <p:ph idx="1"/>
-          </p:nvPr>
-        </p:nvSpPr>
         <p:spPr>
           <a:xfrm>
-            <a:off x="838199" y="1927225"/>
-            <a:ext cx="11166231" cy="4351338"/>
+            <a:off x="181708" y="60325"/>
+            <a:ext cx="10515600" cy="1325563"/>
           </a:xfrm>
         </p:spPr>
         <p:txBody>
-          <a:bodyPr>
-            <a:normAutofit/>
+          <a:bodyPr/>
+          <a:lstStyle/>
+          <a:p>
+            <a:r>
+              <a:rPr lang="en-US" dirty="0" err="1"/>
+              <a:t>IHostApplicationLifetime</a:t>
+            </a:r>
+            <a:endParaRPr lang="en-US" dirty="0"/>
+          </a:p>
+        </p:txBody>
+      </p:sp>
+      <p:sp>
+        <p:nvSpPr>
+          <p:cNvPr id="4" name="TextBox 3"/>
+          <p:cNvSpPr txBox="1"/>
+          <p:nvPr/>
+        </p:nvSpPr>
+        <p:spPr>
+          <a:xfrm>
+            <a:off x="797170" y="1761026"/>
+            <a:ext cx="11588261" cy="3539430"/>
+          </a:xfrm>
+          <a:prstGeom prst="rect">
+            <a:avLst/>
+          </a:prstGeom>
+          <a:noFill/>
+        </p:spPr>
+        <p:txBody>
+          <a:bodyPr wrap="square" rtlCol="0">
+            <a:spAutoFit/>
           </a:bodyPr>
           <a:lstStyle/>
           <a:p>
-            <a:pPr marL="0" indent="0">
-              <a:buNone/>
+            <a:r>
+              <a:rPr lang="en-US" sz="3200" dirty="0" err="1"/>
+              <a:t>CancellationToken</a:t>
+            </a:r>
+            <a:r>
+              <a:rPr lang="en-US" sz="3200" dirty="0"/>
+              <a:t> Properties:</a:t>
+            </a:r>
+          </a:p>
+          <a:p>
+            <a:endParaRPr lang="en-US" sz="3200" dirty="0"/>
+          </a:p>
+          <a:p>
+            <a:pPr marL="457200" indent="-457200">
+              <a:buFont typeface="Arial" panose="020B0604020202020204" pitchFamily="34" charset="0"/>
+              <a:buChar char="•"/>
             </a:pPr>
             <a:r>
+              <a:rPr lang="en-US" sz="3200" dirty="0" err="1"/>
+              <a:t>ApplicationStarted</a:t>
+            </a:r>
+            <a:r>
               <a:rPr lang="en-US" sz="3200" dirty="0"/>
-              <a:t>A host is an object that encapsulates an app's resources, such as:</a:t>
-            </a:r>
-          </a:p>
-          <a:p>
-            <a:pPr marL="0" indent="0">
-              <a:buNone/>
+              <a:t> – fully started</a:t>
+            </a:r>
+          </a:p>
+          <a:p>
+            <a:pPr marL="457200" indent="-457200">
+              <a:buFont typeface="Arial" panose="020B0604020202020204" pitchFamily="34" charset="0"/>
+              <a:buChar char="•"/>
+            </a:pPr>
+            <a:r>
+              <a:rPr lang="en-US" sz="3200" dirty="0" err="1"/>
+              <a:t>ApplicationStopped</a:t>
+            </a:r>
+            <a:r>
+              <a:rPr lang="en-US" sz="3200" dirty="0"/>
+              <a:t> </a:t>
+            </a:r>
+          </a:p>
+          <a:p>
+            <a:pPr marL="457200" indent="-457200">
+              <a:buFont typeface="Arial" panose="020B0604020202020204" pitchFamily="34" charset="0"/>
+              <a:buChar char="•"/>
+            </a:pPr>
+            <a:r>
+              <a:rPr lang="en-US" sz="3200" dirty="0" err="1"/>
+              <a:t>ApplicationStopping</a:t>
+            </a:r>
+            <a:endParaRPr lang="en-US" sz="3200" dirty="0"/>
+          </a:p>
+          <a:p>
+            <a:pPr marL="457200" indent="-457200">
+              <a:buFont typeface="Arial" panose="020B0604020202020204" pitchFamily="34" charset="0"/>
+              <a:buChar char="•"/>
             </a:pPr>
             <a:endParaRPr lang="en-US" sz="3200" dirty="0"/>
           </a:p>
           <a:p>
             <a:r>
+              <a:rPr lang="en-US" sz="3200" dirty="0" err="1"/>
+              <a:t>StopApplication</a:t>
+            </a:r>
+            <a:r>
               <a:rPr lang="en-US" sz="3200" dirty="0"/>
-              <a:t>Dependency injection (DI)</a:t>
-            </a:r>
-          </a:p>
+              <a:t>() method</a:t>
+            </a:r>
+          </a:p>
+        </p:txBody>
+      </p:sp>
+      <p:sp>
+        <p:nvSpPr>
+          <p:cNvPr id="3" name="TextBox 2">
+            <a:extLst>
+              <a:ext uri="{FF2B5EF4-FFF2-40B4-BE49-F238E27FC236}">
+                <a16:creationId xmlns:a16="http://schemas.microsoft.com/office/drawing/2014/main" id="{96BE9A4B-DD1D-4AE6-B9B8-7ADA56931223}"/>
+              </a:ext>
+            </a:extLst>
+          </p:cNvPr>
+          <p:cNvSpPr txBox="1"/>
+          <p:nvPr/>
+        </p:nvSpPr>
+        <p:spPr>
+          <a:xfrm>
+            <a:off x="5017477" y="3513156"/>
+            <a:ext cx="6178061" cy="584775"/>
+          </a:xfrm>
+          <a:prstGeom prst="rect">
+            <a:avLst/>
+          </a:prstGeom>
+          <a:noFill/>
+        </p:spPr>
+        <p:txBody>
+          <a:bodyPr wrap="square" rtlCol="0">
+            <a:spAutoFit/>
+          </a:bodyPr>
+          <a:lstStyle/>
           <a:p>
             <a:r>
               <a:rPr lang="en-US" sz="3200" dirty="0"/>
-              <a:t>Logging</a:t>
-            </a:r>
-          </a:p>
-          <a:p>
-            <a:r>
-              <a:rPr lang="en-US" sz="3200" dirty="0"/>
-              <a:t>Configuration</a:t>
-            </a:r>
-          </a:p>
-          <a:p>
-            <a:r>
-              <a:rPr lang="en-US" sz="3200" dirty="0" err="1"/>
-              <a:t>IHostedService</a:t>
-            </a:r>
-            <a:r>
-              <a:rPr lang="en-US" sz="3200" dirty="0"/>
-              <a:t> implementations</a:t>
+              <a:t>- Graceful shutdown, blocks</a:t>
             </a:r>
           </a:p>
         </p:txBody>
@@ -4921,24 +5978,17 @@
     </p:spTree>
     <p:extLst>
       <p:ext uri="{BB962C8B-B14F-4D97-AF65-F5344CB8AC3E}">
-        <p14:creationId xmlns:p14="http://schemas.microsoft.com/office/powerpoint/2010/main" val="4052774876"/>
+        <p14:creationId xmlns:p14="http://schemas.microsoft.com/office/powerpoint/2010/main" val="3249820148"/>
       </p:ext>
     </p:extLst>
   </p:cSld>
   <p:clrMapOvr>
     <a:masterClrMapping/>
   </p:clrMapOvr>
-  <p:timing>
-    <p:tnLst>
-      <p:par>
-        <p:cTn id="1" dur="indefinite" restart="never" nodeType="tmRoot"/>
-      </p:par>
-    </p:tnLst>
-  </p:timing>
 </p:sld>
 </file>
 
-<file path=ppt/slides/slide3.xml><?xml version="1.0" encoding="utf-8"?>
+<file path=ppt/slides/slide13.xml><?xml version="1.0" encoding="utf-8"?>
 <p:sld xmlns:a="http://schemas.openxmlformats.org/drawingml/2006/main" xmlns:r="http://schemas.openxmlformats.org/officeDocument/2006/relationships" xmlns:p="http://schemas.openxmlformats.org/presentationml/2006/main">
   <p:cSld>
     <p:bg>
@@ -4999,136 +6049,71 @@
             <p:ph type="title"/>
           </p:nvPr>
         </p:nvSpPr>
-        <p:spPr/>
-        <p:txBody>
-          <a:bodyPr/>
-          <a:lstStyle/>
-          <a:p>
-            <a:r>
-              <a:rPr lang="en-US" dirty="0" smtClean="0"/>
-              <a:t>Host</a:t>
-            </a:r>
-            <a:endParaRPr lang="en-US" dirty="0"/>
-          </a:p>
-        </p:txBody>
-      </p:sp>
-      <p:sp>
-        <p:nvSpPr>
-          <p:cNvPr id="3" name="Content Placeholder 2"/>
-          <p:cNvSpPr>
-            <a:spLocks noGrp="1"/>
-          </p:cNvSpPr>
-          <p:nvPr>
-            <p:ph idx="1"/>
-          </p:nvPr>
-        </p:nvSpPr>
         <p:spPr>
           <a:xfrm>
-            <a:off x="720968" y="1690688"/>
-            <a:ext cx="11131063" cy="4351338"/>
+            <a:off x="181708" y="60325"/>
+            <a:ext cx="10515600" cy="1325563"/>
           </a:xfrm>
         </p:spPr>
         <p:txBody>
-          <a:bodyPr>
-            <a:noAutofit/>
-          </a:bodyPr>
-          <a:lstStyle/>
-          <a:p>
-            <a:pPr marL="0" indent="0">
-              <a:buNone/>
-            </a:pPr>
-            <a:r>
-              <a:rPr lang="en-US" sz="3200" dirty="0" smtClean="0"/>
-              <a:t>Provides lifetime management. </a:t>
-            </a:r>
-          </a:p>
-          <a:p>
-            <a:pPr marL="0" indent="0">
-              <a:buNone/>
-            </a:pPr>
-            <a:endParaRPr lang="en-US" sz="3200" dirty="0" smtClean="0"/>
-          </a:p>
-          <a:p>
-            <a:pPr marL="0" indent="0">
-              <a:buNone/>
-            </a:pPr>
-            <a:r>
-              <a:rPr lang="en-US" sz="3200" dirty="0" smtClean="0"/>
-              <a:t>Startup: </a:t>
-            </a:r>
-          </a:p>
-          <a:p>
-            <a:pPr marL="0" indent="0">
-              <a:buNone/>
-            </a:pPr>
-            <a:r>
-              <a:rPr lang="en-US" dirty="0" smtClean="0"/>
-              <a:t>Calls </a:t>
-            </a:r>
-            <a:r>
-              <a:rPr lang="en-US" dirty="0" err="1" smtClean="0"/>
-              <a:t>IHostedService.StartAsync</a:t>
-            </a:r>
-            <a:r>
-              <a:rPr lang="en-US" dirty="0" smtClean="0"/>
-              <a:t> on each </a:t>
+          <a:bodyPr/>
+          <a:lstStyle/>
+          <a:p>
+            <a:r>
+              <a:rPr lang="en-US" dirty="0" err="1"/>
+              <a:t>IHostApplicationLifetime</a:t>
             </a:r>
             <a:r>
               <a:rPr lang="en-US" dirty="0"/>
-              <a:t>implementation </a:t>
-            </a:r>
-            <a:r>
-              <a:rPr lang="en-US" dirty="0" smtClean="0"/>
-              <a:t>of </a:t>
-            </a:r>
-            <a:r>
-              <a:rPr lang="en-US" dirty="0" err="1" smtClean="0"/>
-              <a:t>IHostedService</a:t>
-            </a:r>
-            <a:r>
-              <a:rPr lang="en-US" dirty="0" smtClean="0"/>
-              <a:t>. In a web app – starts an HTTP server implementation.</a:t>
-            </a:r>
-          </a:p>
-          <a:p>
-            <a:pPr marL="0" indent="0">
-              <a:buNone/>
-            </a:pPr>
-            <a:endParaRPr lang="en-US" sz="3200" dirty="0"/>
-          </a:p>
-          <a:p>
-            <a:pPr marL="0" indent="0">
-              <a:buNone/>
-            </a:pPr>
-            <a:r>
-              <a:rPr lang="en-US" sz="3200" dirty="0" smtClean="0"/>
-              <a:t>Graceful shutdown.</a:t>
-            </a:r>
-            <a:endParaRPr lang="en-US" sz="3200" dirty="0"/>
-          </a:p>
-        </p:txBody>
-      </p:sp>
+              <a:t> usage</a:t>
+            </a:r>
+          </a:p>
+        </p:txBody>
+      </p:sp>
+      <p:pic>
+        <p:nvPicPr>
+          <p:cNvPr id="6" name="Picture 5">
+            <a:extLst>
+              <a:ext uri="{FF2B5EF4-FFF2-40B4-BE49-F238E27FC236}">
+                <a16:creationId xmlns:a16="http://schemas.microsoft.com/office/drawing/2014/main" id="{EB66CF35-6701-48CA-B5E6-2D40DDB9FFBE}"/>
+              </a:ext>
+            </a:extLst>
+          </p:cNvPr>
+          <p:cNvPicPr>
+            <a:picLocks noChangeAspect="1"/>
+          </p:cNvPicPr>
+          <p:nvPr/>
+        </p:nvPicPr>
+        <p:blipFill>
+          <a:blip r:embed="rId3"/>
+          <a:stretch>
+            <a:fillRect/>
+          </a:stretch>
+        </p:blipFill>
+        <p:spPr>
+          <a:xfrm>
+            <a:off x="2193313" y="1268657"/>
+            <a:ext cx="7466502" cy="5326021"/>
+          </a:xfrm>
+          <a:prstGeom prst="rect">
+            <a:avLst/>
+          </a:prstGeom>
+        </p:spPr>
+      </p:pic>
     </p:spTree>
     <p:extLst>
       <p:ext uri="{BB962C8B-B14F-4D97-AF65-F5344CB8AC3E}">
-        <p14:creationId xmlns:p14="http://schemas.microsoft.com/office/powerpoint/2010/main" val="1943586752"/>
+        <p14:creationId xmlns:p14="http://schemas.microsoft.com/office/powerpoint/2010/main" val="1289965593"/>
       </p:ext>
     </p:extLst>
   </p:cSld>
   <p:clrMapOvr>
     <a:masterClrMapping/>
   </p:clrMapOvr>
-  <p:timing>
-    <p:tnLst>
-      <p:par>
-        <p:cTn id="1" dur="indefinite" restart="never" nodeType="tmRoot"/>
-      </p:par>
-    </p:tnLst>
-  </p:timing>
 </p:sld>
 </file>
 
-<file path=ppt/slides/slide4.xml><?xml version="1.0" encoding="utf-8"?>
+<file path=ppt/slides/slide14.xml><?xml version="1.0" encoding="utf-8"?>
 <p:sld xmlns:a="http://schemas.openxmlformats.org/drawingml/2006/main" xmlns:r="http://schemas.openxmlformats.org/officeDocument/2006/relationships" xmlns:p="http://schemas.openxmlformats.org/presentationml/2006/main">
   <p:cSld>
     <p:bg>
@@ -5189,96 +6174,101 @@
             <p:ph type="title"/>
           </p:nvPr>
         </p:nvSpPr>
-        <p:spPr/>
-        <p:txBody>
-          <a:bodyPr/>
-          <a:lstStyle/>
-          <a:p>
-            <a:r>
-              <a:rPr lang="en-US" dirty="0" smtClean="0"/>
-              <a:t>Host</a:t>
-            </a:r>
-            <a:endParaRPr lang="en-US" dirty="0"/>
-          </a:p>
-        </p:txBody>
-      </p:sp>
-      <p:sp>
-        <p:nvSpPr>
-          <p:cNvPr id="3" name="Content Placeholder 2"/>
-          <p:cNvSpPr>
-            <a:spLocks noGrp="1"/>
-          </p:cNvSpPr>
-          <p:nvPr>
-            <p:ph idx="1"/>
-          </p:nvPr>
-        </p:nvSpPr>
         <p:spPr>
           <a:xfrm>
-            <a:off x="838200" y="2506662"/>
-            <a:ext cx="11166231" cy="4351338"/>
+            <a:off x="181708" y="60325"/>
+            <a:ext cx="10515600" cy="1325563"/>
           </a:xfrm>
         </p:spPr>
         <p:txBody>
-          <a:bodyPr>
-            <a:normAutofit/>
-          </a:bodyPr>
-          <a:lstStyle/>
-          <a:p>
-            <a:pPr marL="0" indent="0">
-              <a:buNone/>
-            </a:pPr>
-            <a:r>
-              <a:rPr lang="en-US" sz="3200" dirty="0" smtClean="0"/>
-              <a:t>Generic Host – recommended.</a:t>
-            </a:r>
-          </a:p>
-          <a:p>
-            <a:pPr marL="0" indent="0">
-              <a:buNone/>
-            </a:pPr>
-            <a:endParaRPr lang="en-US" sz="3200" dirty="0" smtClean="0"/>
-          </a:p>
-          <a:p>
-            <a:pPr marL="0" indent="0">
-              <a:buNone/>
-            </a:pPr>
-            <a:r>
-              <a:rPr lang="en-US" sz="3200" dirty="0" smtClean="0"/>
-              <a:t>Web Host – not recommended, backward compatibility. Used for 			  HTTP workloads before </a:t>
-            </a:r>
-            <a:r>
-              <a:rPr lang="en-US" sz="3200" dirty="0" err="1" smtClean="0"/>
-              <a:t>.Net</a:t>
-            </a:r>
-            <a:r>
-              <a:rPr lang="en-US" sz="3200" dirty="0" smtClean="0"/>
-              <a:t> Core 3.0.</a:t>
-            </a:r>
-            <a:endParaRPr lang="en-US" sz="3200" dirty="0"/>
-          </a:p>
-        </p:txBody>
-      </p:sp>
+          <a:bodyPr/>
+          <a:lstStyle/>
+          <a:p>
+            <a:r>
+              <a:rPr lang="en-US" dirty="0" err="1"/>
+              <a:t>IHostApplicationLifetime</a:t>
+            </a:r>
+            <a:r>
+              <a:rPr lang="en-US" dirty="0"/>
+              <a:t> usage</a:t>
+            </a:r>
+          </a:p>
+        </p:txBody>
+      </p:sp>
+      <p:pic>
+        <p:nvPicPr>
+          <p:cNvPr id="4" name="Picture 3">
+            <a:extLst>
+              <a:ext uri="{FF2B5EF4-FFF2-40B4-BE49-F238E27FC236}">
+                <a16:creationId xmlns:a16="http://schemas.microsoft.com/office/drawing/2014/main" id="{FE01E79B-E171-4BB8-A0F1-7BF2DFDE5BC4}"/>
+              </a:ext>
+            </a:extLst>
+          </p:cNvPr>
+          <p:cNvPicPr>
+            <a:picLocks noChangeAspect="1"/>
+          </p:cNvPicPr>
+          <p:nvPr/>
+        </p:nvPicPr>
+        <p:blipFill>
+          <a:blip r:embed="rId3"/>
+          <a:stretch>
+            <a:fillRect/>
+          </a:stretch>
+        </p:blipFill>
+        <p:spPr>
+          <a:xfrm>
+            <a:off x="286258" y="1242656"/>
+            <a:ext cx="7080005" cy="2695108"/>
+          </a:xfrm>
+          <a:prstGeom prst="rect">
+            <a:avLst/>
+          </a:prstGeom>
+        </p:spPr>
+      </p:pic>
+      <p:pic>
+        <p:nvPicPr>
+          <p:cNvPr id="5" name="Picture 4">
+            <a:extLst>
+              <a:ext uri="{FF2B5EF4-FFF2-40B4-BE49-F238E27FC236}">
+                <a16:creationId xmlns:a16="http://schemas.microsoft.com/office/drawing/2014/main" id="{8CD0B0C6-5192-4C2D-AA63-45742CA03602}"/>
+              </a:ext>
+            </a:extLst>
+          </p:cNvPr>
+          <p:cNvPicPr>
+            <a:picLocks noChangeAspect="1"/>
+          </p:cNvPicPr>
+          <p:nvPr/>
+        </p:nvPicPr>
+        <p:blipFill>
+          <a:blip r:embed="rId4"/>
+          <a:stretch>
+            <a:fillRect/>
+          </a:stretch>
+        </p:blipFill>
+        <p:spPr>
+          <a:xfrm>
+            <a:off x="4927073" y="3336435"/>
+            <a:ext cx="6978669" cy="3461240"/>
+          </a:xfrm>
+          <a:prstGeom prst="rect">
+            <a:avLst/>
+          </a:prstGeom>
+        </p:spPr>
+      </p:pic>
     </p:spTree>
     <p:extLst>
       <p:ext uri="{BB962C8B-B14F-4D97-AF65-F5344CB8AC3E}">
-        <p14:creationId xmlns:p14="http://schemas.microsoft.com/office/powerpoint/2010/main" val="3752328964"/>
+        <p14:creationId xmlns:p14="http://schemas.microsoft.com/office/powerpoint/2010/main" val="2581529083"/>
       </p:ext>
     </p:extLst>
   </p:cSld>
   <p:clrMapOvr>
     <a:masterClrMapping/>
   </p:clrMapOvr>
-  <p:timing>
-    <p:tnLst>
-      <p:par>
-        <p:cTn id="1" dur="indefinite" restart="never" nodeType="tmRoot"/>
-      </p:par>
-    </p:tnLst>
-  </p:timing>
 </p:sld>
 </file>
 
-<file path=ppt/slides/slide5.xml><?xml version="1.0" encoding="utf-8"?>
+<file path=ppt/slides/slide15.xml><?xml version="1.0" encoding="utf-8"?>
 <p:sld xmlns:a="http://schemas.openxmlformats.org/drawingml/2006/main" xmlns:r="http://schemas.openxmlformats.org/officeDocument/2006/relationships" xmlns:p="http://schemas.openxmlformats.org/presentationml/2006/main">
   <p:cSld>
     <p:bg>
@@ -5350,14 +6340,1408 @@
           <a:lstStyle/>
           <a:p>
             <a:r>
-              <a:rPr lang="en-US" dirty="0" smtClean="0"/>
-              <a:t>Generic </a:t>
-            </a:r>
-            <a:r>
-              <a:rPr lang="en-US" dirty="0" smtClean="0"/>
-              <a:t>Host (non-http workload)</a:t>
+              <a:rPr lang="en-US" dirty="0" err="1"/>
+              <a:t>IHostLifetime</a:t>
             </a:r>
             <a:endParaRPr lang="en-US" dirty="0"/>
+          </a:p>
+        </p:txBody>
+      </p:sp>
+      <p:sp>
+        <p:nvSpPr>
+          <p:cNvPr id="3" name="TextBox 2">
+            <a:extLst>
+              <a:ext uri="{FF2B5EF4-FFF2-40B4-BE49-F238E27FC236}">
+                <a16:creationId xmlns:a16="http://schemas.microsoft.com/office/drawing/2014/main" id="{ADDF9C7B-D1A4-43C4-8257-A0442BD6194E}"/>
+              </a:ext>
+            </a:extLst>
+          </p:cNvPr>
+          <p:cNvSpPr txBox="1"/>
+          <p:nvPr/>
+        </p:nvSpPr>
+        <p:spPr>
+          <a:xfrm>
+            <a:off x="474785" y="1659285"/>
+            <a:ext cx="12162692" cy="4401205"/>
+          </a:xfrm>
+          <a:prstGeom prst="rect">
+            <a:avLst/>
+          </a:prstGeom>
+          <a:noFill/>
+        </p:spPr>
+        <p:txBody>
+          <a:bodyPr wrap="square" rtlCol="0">
+            <a:spAutoFit/>
+          </a:bodyPr>
+          <a:lstStyle/>
+          <a:p>
+            <a:r>
+              <a:rPr lang="ru-RU" sz="2800" dirty="0"/>
+              <a:t>С</a:t>
+            </a:r>
+            <a:r>
+              <a:rPr lang="en-US" sz="2800" dirty="0" err="1"/>
+              <a:t>ontrols</a:t>
+            </a:r>
+            <a:r>
+              <a:rPr lang="en-US" sz="2800" dirty="0"/>
+              <a:t> when the host starts and when it stops. </a:t>
+            </a:r>
+            <a:endParaRPr lang="ru-RU" sz="2800" dirty="0"/>
+          </a:p>
+          <a:p>
+            <a:r>
+              <a:rPr lang="en-US" sz="2800" dirty="0"/>
+              <a:t>The last implementation registered is used.</a:t>
+            </a:r>
+            <a:endParaRPr lang="ru-RU" sz="2800" dirty="0"/>
+          </a:p>
+          <a:p>
+            <a:endParaRPr lang="en-US" sz="2800" dirty="0"/>
+          </a:p>
+          <a:p>
+            <a:endParaRPr lang="ru-RU" sz="2800" dirty="0"/>
+          </a:p>
+          <a:p>
+            <a:r>
+              <a:rPr lang="en-US" sz="2800" dirty="0" err="1"/>
+              <a:t>ConsoleLifetime</a:t>
+            </a:r>
+            <a:r>
+              <a:rPr lang="en-US" sz="2800" dirty="0"/>
+              <a:t> is the default </a:t>
+            </a:r>
+            <a:r>
+              <a:rPr lang="en-US" sz="2800" dirty="0" err="1"/>
+              <a:t>IHostLifetime</a:t>
+            </a:r>
+            <a:r>
+              <a:rPr lang="en-US" sz="2800" dirty="0"/>
+              <a:t> implementation.</a:t>
+            </a:r>
+            <a:endParaRPr lang="ru-RU" sz="2800" dirty="0"/>
+          </a:p>
+          <a:p>
+            <a:endParaRPr lang="en-US" sz="2800" dirty="0"/>
+          </a:p>
+          <a:p>
+            <a:endParaRPr lang="ru-RU" sz="2800" dirty="0"/>
+          </a:p>
+          <a:p>
+            <a:r>
+              <a:rPr lang="en-US" sz="2800" dirty="0"/>
+              <a:t>Listens for </a:t>
+            </a:r>
+            <a:r>
+              <a:rPr lang="en-US" sz="2800" dirty="0" err="1"/>
+              <a:t>Ctrl+C</a:t>
+            </a:r>
+            <a:r>
+              <a:rPr lang="en-US" sz="2800" dirty="0"/>
+              <a:t>/SIGINT or SIGTERM and calls </a:t>
+            </a:r>
+            <a:r>
+              <a:rPr lang="en-US" sz="2800" dirty="0" err="1"/>
+              <a:t>StopApplication</a:t>
+            </a:r>
+            <a:r>
+              <a:rPr lang="en-US" sz="2800" dirty="0"/>
+              <a:t> to start the shutdown process.</a:t>
+            </a:r>
+          </a:p>
+          <a:p>
+            <a:r>
+              <a:rPr lang="en-US" sz="2800" dirty="0"/>
+              <a:t>Unblocks extensions such as </a:t>
+            </a:r>
+            <a:r>
+              <a:rPr lang="en-US" sz="2800" dirty="0" err="1"/>
+              <a:t>RunAsync</a:t>
+            </a:r>
+            <a:r>
+              <a:rPr lang="en-US" sz="2800" dirty="0"/>
+              <a:t> and </a:t>
+            </a:r>
+            <a:r>
+              <a:rPr lang="en-US" sz="2800" dirty="0" err="1"/>
+              <a:t>WaitForShutdownAsync</a:t>
+            </a:r>
+            <a:r>
+              <a:rPr lang="en-US" sz="2800" dirty="0"/>
+              <a:t>.</a:t>
+            </a:r>
+          </a:p>
+        </p:txBody>
+      </p:sp>
+    </p:spTree>
+    <p:extLst>
+      <p:ext uri="{BB962C8B-B14F-4D97-AF65-F5344CB8AC3E}">
+        <p14:creationId xmlns:p14="http://schemas.microsoft.com/office/powerpoint/2010/main" val="2397822808"/>
+      </p:ext>
+    </p:extLst>
+  </p:cSld>
+  <p:clrMapOvr>
+    <a:masterClrMapping/>
+  </p:clrMapOvr>
+</p:sld>
+</file>
+
+<file path=ppt/slides/slide16.xml><?xml version="1.0" encoding="utf-8"?>
+<p:sld xmlns:a="http://schemas.openxmlformats.org/drawingml/2006/main" xmlns:r="http://schemas.openxmlformats.org/officeDocument/2006/relationships" xmlns:p="http://schemas.openxmlformats.org/presentationml/2006/main">
+  <p:cSld>
+    <p:bg>
+      <p:bgPr>
+        <a:gradFill>
+          <a:gsLst>
+            <a:gs pos="0">
+              <a:schemeClr val="accent1">
+                <a:lumMod val="5000"/>
+                <a:lumOff val="95000"/>
+              </a:schemeClr>
+            </a:gs>
+            <a:gs pos="42000">
+              <a:schemeClr val="accent1">
+                <a:lumMod val="45000"/>
+                <a:lumOff val="55000"/>
+              </a:schemeClr>
+            </a:gs>
+            <a:gs pos="83000">
+              <a:schemeClr val="accent1">
+                <a:lumMod val="45000"/>
+                <a:lumOff val="55000"/>
+              </a:schemeClr>
+            </a:gs>
+            <a:gs pos="100000">
+              <a:schemeClr val="accent1">
+                <a:lumMod val="30000"/>
+                <a:lumOff val="70000"/>
+              </a:schemeClr>
+            </a:gs>
+          </a:gsLst>
+          <a:lin ang="5400000" scaled="1"/>
+        </a:gradFill>
+        <a:effectLst/>
+      </p:bgPr>
+    </p:bg>
+    <p:spTree>
+      <p:nvGrpSpPr>
+        <p:cNvPr id="1" name=""/>
+        <p:cNvGrpSpPr/>
+        <p:nvPr/>
+      </p:nvGrpSpPr>
+      <p:grpSpPr>
+        <a:xfrm>
+          <a:off x="0" y="0"/>
+          <a:ext cx="0" cy="0"/>
+          <a:chOff x="0" y="0"/>
+          <a:chExt cx="0" cy="0"/>
+        </a:xfrm>
+      </p:grpSpPr>
+      <p:sp>
+        <p:nvSpPr>
+          <p:cNvPr id="2" name="Title 1"/>
+          <p:cNvSpPr>
+            <a:spLocks noGrp="1"/>
+          </p:cNvSpPr>
+          <p:nvPr>
+            <p:ph type="title"/>
+          </p:nvPr>
+        </p:nvSpPr>
+        <p:spPr>
+          <a:xfrm>
+            <a:off x="181708" y="60325"/>
+            <a:ext cx="10515600" cy="1325563"/>
+          </a:xfrm>
+        </p:spPr>
+        <p:txBody>
+          <a:bodyPr/>
+          <a:lstStyle/>
+          <a:p>
+            <a:r>
+              <a:rPr lang="en-US" dirty="0" err="1"/>
+              <a:t>IHostEnvironment</a:t>
+            </a:r>
+            <a:endParaRPr lang="en-US" dirty="0"/>
+          </a:p>
+        </p:txBody>
+      </p:sp>
+      <p:sp>
+        <p:nvSpPr>
+          <p:cNvPr id="3" name="TextBox 2">
+            <a:extLst>
+              <a:ext uri="{FF2B5EF4-FFF2-40B4-BE49-F238E27FC236}">
+                <a16:creationId xmlns:a16="http://schemas.microsoft.com/office/drawing/2014/main" id="{ADDF9C7B-D1A4-43C4-8257-A0442BD6194E}"/>
+              </a:ext>
+            </a:extLst>
+          </p:cNvPr>
+          <p:cNvSpPr txBox="1"/>
+          <p:nvPr/>
+        </p:nvSpPr>
+        <p:spPr>
+          <a:xfrm>
+            <a:off x="474785" y="1659285"/>
+            <a:ext cx="12162692" cy="3970318"/>
+          </a:xfrm>
+          <a:prstGeom prst="rect">
+            <a:avLst/>
+          </a:prstGeom>
+          <a:noFill/>
+        </p:spPr>
+        <p:txBody>
+          <a:bodyPr wrap="square" rtlCol="0">
+            <a:spAutoFit/>
+          </a:bodyPr>
+          <a:lstStyle/>
+          <a:p>
+            <a:r>
+              <a:rPr lang="en-US" sz="2800" dirty="0"/>
+              <a:t>Provides information about:</a:t>
+            </a:r>
+          </a:p>
+          <a:p>
+            <a:pPr marL="457200" indent="-457200">
+              <a:buFont typeface="Arial" panose="020B0604020202020204" pitchFamily="34" charset="0"/>
+              <a:buChar char="•"/>
+            </a:pPr>
+            <a:r>
+              <a:rPr lang="en-US" sz="2800" dirty="0" err="1"/>
+              <a:t>ApplicationName</a:t>
+            </a:r>
+            <a:endParaRPr lang="en-US" sz="2800" dirty="0"/>
+          </a:p>
+          <a:p>
+            <a:pPr marL="457200" indent="-457200">
+              <a:buFont typeface="Arial" panose="020B0604020202020204" pitchFamily="34" charset="0"/>
+              <a:buChar char="•"/>
+            </a:pPr>
+            <a:r>
+              <a:rPr lang="en-US" sz="2800" dirty="0" err="1"/>
+              <a:t>EnvironmentName</a:t>
+            </a:r>
+            <a:endParaRPr lang="en-US" sz="2800" dirty="0"/>
+          </a:p>
+          <a:p>
+            <a:pPr marL="457200" indent="-457200">
+              <a:buFont typeface="Arial" panose="020B0604020202020204" pitchFamily="34" charset="0"/>
+              <a:buChar char="•"/>
+            </a:pPr>
+            <a:r>
+              <a:rPr lang="en-US" sz="2800" dirty="0" err="1"/>
+              <a:t>ContentRootPath</a:t>
+            </a:r>
+            <a:endParaRPr lang="en-US" sz="2800" dirty="0"/>
+          </a:p>
+          <a:p>
+            <a:endParaRPr lang="en-US" sz="2800" dirty="0"/>
+          </a:p>
+          <a:p>
+            <a:r>
+              <a:rPr lang="en-US" sz="2800" dirty="0"/>
+              <a:t>Web apps implement the </a:t>
+            </a:r>
+            <a:r>
+              <a:rPr lang="en-US" sz="2800" dirty="0" err="1"/>
+              <a:t>IWebHostEnvironment</a:t>
+            </a:r>
+            <a:r>
+              <a:rPr lang="en-US" sz="2800" dirty="0"/>
+              <a:t> interface, which inherits </a:t>
+            </a:r>
+            <a:r>
+              <a:rPr lang="en-US" sz="2800" dirty="0" err="1"/>
+              <a:t>IHostEnvironment</a:t>
+            </a:r>
+            <a:r>
+              <a:rPr lang="en-US" sz="2800" dirty="0"/>
+              <a:t> and adds:</a:t>
+            </a:r>
+          </a:p>
+          <a:p>
+            <a:endParaRPr lang="en-US" sz="2800" dirty="0"/>
+          </a:p>
+          <a:p>
+            <a:pPr marL="457200" indent="-457200">
+              <a:buFont typeface="Arial" panose="020B0604020202020204" pitchFamily="34" charset="0"/>
+              <a:buChar char="•"/>
+            </a:pPr>
+            <a:r>
+              <a:rPr lang="en-US" sz="2800" dirty="0" err="1"/>
+              <a:t>WebRootPath</a:t>
+            </a:r>
+            <a:endParaRPr lang="en-US" sz="2800" dirty="0"/>
+          </a:p>
+        </p:txBody>
+      </p:sp>
+    </p:spTree>
+    <p:extLst>
+      <p:ext uri="{BB962C8B-B14F-4D97-AF65-F5344CB8AC3E}">
+        <p14:creationId xmlns:p14="http://schemas.microsoft.com/office/powerpoint/2010/main" val="4091627913"/>
+      </p:ext>
+    </p:extLst>
+  </p:cSld>
+  <p:clrMapOvr>
+    <a:masterClrMapping/>
+  </p:clrMapOvr>
+</p:sld>
+</file>
+
+<file path=ppt/slides/slide17.xml><?xml version="1.0" encoding="utf-8"?>
+<p:sld xmlns:a="http://schemas.openxmlformats.org/drawingml/2006/main" xmlns:r="http://schemas.openxmlformats.org/officeDocument/2006/relationships" xmlns:p="http://schemas.openxmlformats.org/presentationml/2006/main">
+  <p:cSld>
+    <p:bg>
+      <p:bgPr>
+        <a:gradFill>
+          <a:gsLst>
+            <a:gs pos="0">
+              <a:schemeClr val="accent1">
+                <a:lumMod val="5000"/>
+                <a:lumOff val="95000"/>
+              </a:schemeClr>
+            </a:gs>
+            <a:gs pos="42000">
+              <a:schemeClr val="accent1">
+                <a:lumMod val="45000"/>
+                <a:lumOff val="55000"/>
+              </a:schemeClr>
+            </a:gs>
+            <a:gs pos="83000">
+              <a:schemeClr val="accent1">
+                <a:lumMod val="45000"/>
+                <a:lumOff val="55000"/>
+              </a:schemeClr>
+            </a:gs>
+            <a:gs pos="100000">
+              <a:schemeClr val="accent1">
+                <a:lumMod val="30000"/>
+                <a:lumOff val="70000"/>
+              </a:schemeClr>
+            </a:gs>
+          </a:gsLst>
+          <a:lin ang="5400000" scaled="1"/>
+        </a:gradFill>
+        <a:effectLst/>
+      </p:bgPr>
+    </p:bg>
+    <p:spTree>
+      <p:nvGrpSpPr>
+        <p:cNvPr id="1" name=""/>
+        <p:cNvGrpSpPr/>
+        <p:nvPr/>
+      </p:nvGrpSpPr>
+      <p:grpSpPr>
+        <a:xfrm>
+          <a:off x="0" y="0"/>
+          <a:ext cx="0" cy="0"/>
+          <a:chOff x="0" y="0"/>
+          <a:chExt cx="0" cy="0"/>
+        </a:xfrm>
+      </p:grpSpPr>
+      <p:sp>
+        <p:nvSpPr>
+          <p:cNvPr id="2" name="Title 1"/>
+          <p:cNvSpPr>
+            <a:spLocks noGrp="1"/>
+          </p:cNvSpPr>
+          <p:nvPr>
+            <p:ph type="title"/>
+          </p:nvPr>
+        </p:nvSpPr>
+        <p:spPr>
+          <a:xfrm>
+            <a:off x="181708" y="60325"/>
+            <a:ext cx="10515600" cy="1325563"/>
+          </a:xfrm>
+        </p:spPr>
+        <p:txBody>
+          <a:bodyPr/>
+          <a:lstStyle/>
+          <a:p>
+            <a:r>
+              <a:rPr lang="en-US" dirty="0"/>
+              <a:t>Header</a:t>
+            </a:r>
+          </a:p>
+        </p:txBody>
+      </p:sp>
+      <p:sp>
+        <p:nvSpPr>
+          <p:cNvPr id="3" name="TextBox 2">
+            <a:extLst>
+              <a:ext uri="{FF2B5EF4-FFF2-40B4-BE49-F238E27FC236}">
+                <a16:creationId xmlns:a16="http://schemas.microsoft.com/office/drawing/2014/main" id="{ADDF9C7B-D1A4-43C4-8257-A0442BD6194E}"/>
+              </a:ext>
+            </a:extLst>
+          </p:cNvPr>
+          <p:cNvSpPr txBox="1"/>
+          <p:nvPr/>
+        </p:nvSpPr>
+        <p:spPr>
+          <a:xfrm>
+            <a:off x="474785" y="1659285"/>
+            <a:ext cx="12162692" cy="523220"/>
+          </a:xfrm>
+          <a:prstGeom prst="rect">
+            <a:avLst/>
+          </a:prstGeom>
+          <a:noFill/>
+        </p:spPr>
+        <p:txBody>
+          <a:bodyPr wrap="square" rtlCol="0">
+            <a:spAutoFit/>
+          </a:bodyPr>
+          <a:lstStyle/>
+          <a:p>
+            <a:r>
+              <a:rPr lang="en-US" sz="2800" dirty="0"/>
+              <a:t>text</a:t>
+            </a:r>
+          </a:p>
+        </p:txBody>
+      </p:sp>
+    </p:spTree>
+    <p:extLst>
+      <p:ext uri="{BB962C8B-B14F-4D97-AF65-F5344CB8AC3E}">
+        <p14:creationId xmlns:p14="http://schemas.microsoft.com/office/powerpoint/2010/main" val="632925846"/>
+      </p:ext>
+    </p:extLst>
+  </p:cSld>
+  <p:clrMapOvr>
+    <a:masterClrMapping/>
+  </p:clrMapOvr>
+</p:sld>
+</file>
+
+<file path=ppt/slides/slide18.xml><?xml version="1.0" encoding="utf-8"?>
+<p:sld xmlns:a="http://schemas.openxmlformats.org/drawingml/2006/main" xmlns:r="http://schemas.openxmlformats.org/officeDocument/2006/relationships" xmlns:p="http://schemas.openxmlformats.org/presentationml/2006/main">
+  <p:cSld>
+    <p:bg>
+      <p:bgPr>
+        <a:gradFill>
+          <a:gsLst>
+            <a:gs pos="0">
+              <a:schemeClr val="accent1">
+                <a:lumMod val="5000"/>
+                <a:lumOff val="95000"/>
+              </a:schemeClr>
+            </a:gs>
+            <a:gs pos="42000">
+              <a:schemeClr val="accent1">
+                <a:lumMod val="45000"/>
+                <a:lumOff val="55000"/>
+              </a:schemeClr>
+            </a:gs>
+            <a:gs pos="83000">
+              <a:schemeClr val="accent1">
+                <a:lumMod val="45000"/>
+                <a:lumOff val="55000"/>
+              </a:schemeClr>
+            </a:gs>
+            <a:gs pos="100000">
+              <a:schemeClr val="accent1">
+                <a:lumMod val="30000"/>
+                <a:lumOff val="70000"/>
+              </a:schemeClr>
+            </a:gs>
+          </a:gsLst>
+          <a:lin ang="5400000" scaled="1"/>
+        </a:gradFill>
+        <a:effectLst/>
+      </p:bgPr>
+    </p:bg>
+    <p:spTree>
+      <p:nvGrpSpPr>
+        <p:cNvPr id="1" name=""/>
+        <p:cNvGrpSpPr/>
+        <p:nvPr/>
+      </p:nvGrpSpPr>
+      <p:grpSpPr>
+        <a:xfrm>
+          <a:off x="0" y="0"/>
+          <a:ext cx="0" cy="0"/>
+          <a:chOff x="0" y="0"/>
+          <a:chExt cx="0" cy="0"/>
+        </a:xfrm>
+      </p:grpSpPr>
+      <p:sp>
+        <p:nvSpPr>
+          <p:cNvPr id="2" name="Title 1"/>
+          <p:cNvSpPr>
+            <a:spLocks noGrp="1"/>
+          </p:cNvSpPr>
+          <p:nvPr>
+            <p:ph type="title"/>
+          </p:nvPr>
+        </p:nvSpPr>
+        <p:spPr>
+          <a:xfrm>
+            <a:off x="181708" y="60325"/>
+            <a:ext cx="10515600" cy="1325563"/>
+          </a:xfrm>
+        </p:spPr>
+        <p:txBody>
+          <a:bodyPr/>
+          <a:lstStyle/>
+          <a:p>
+            <a:r>
+              <a:rPr lang="en-US" dirty="0"/>
+              <a:t>Header</a:t>
+            </a:r>
+          </a:p>
+        </p:txBody>
+      </p:sp>
+      <p:sp>
+        <p:nvSpPr>
+          <p:cNvPr id="3" name="TextBox 2">
+            <a:extLst>
+              <a:ext uri="{FF2B5EF4-FFF2-40B4-BE49-F238E27FC236}">
+                <a16:creationId xmlns:a16="http://schemas.microsoft.com/office/drawing/2014/main" id="{ADDF9C7B-D1A4-43C4-8257-A0442BD6194E}"/>
+              </a:ext>
+            </a:extLst>
+          </p:cNvPr>
+          <p:cNvSpPr txBox="1"/>
+          <p:nvPr/>
+        </p:nvSpPr>
+        <p:spPr>
+          <a:xfrm>
+            <a:off x="474785" y="1659285"/>
+            <a:ext cx="12162692" cy="523220"/>
+          </a:xfrm>
+          <a:prstGeom prst="rect">
+            <a:avLst/>
+          </a:prstGeom>
+          <a:noFill/>
+        </p:spPr>
+        <p:txBody>
+          <a:bodyPr wrap="square" rtlCol="0">
+            <a:spAutoFit/>
+          </a:bodyPr>
+          <a:lstStyle/>
+          <a:p>
+            <a:r>
+              <a:rPr lang="en-US" sz="2800" dirty="0"/>
+              <a:t>text</a:t>
+            </a:r>
+          </a:p>
+        </p:txBody>
+      </p:sp>
+    </p:spTree>
+    <p:extLst>
+      <p:ext uri="{BB962C8B-B14F-4D97-AF65-F5344CB8AC3E}">
+        <p14:creationId xmlns:p14="http://schemas.microsoft.com/office/powerpoint/2010/main" val="1950471487"/>
+      </p:ext>
+    </p:extLst>
+  </p:cSld>
+  <p:clrMapOvr>
+    <a:masterClrMapping/>
+  </p:clrMapOvr>
+</p:sld>
+</file>
+
+<file path=ppt/slides/slide19.xml><?xml version="1.0" encoding="utf-8"?>
+<p:sld xmlns:a="http://schemas.openxmlformats.org/drawingml/2006/main" xmlns:r="http://schemas.openxmlformats.org/officeDocument/2006/relationships" xmlns:p="http://schemas.openxmlformats.org/presentationml/2006/main">
+  <p:cSld>
+    <p:bg>
+      <p:bgPr>
+        <a:gradFill>
+          <a:gsLst>
+            <a:gs pos="0">
+              <a:schemeClr val="accent1">
+                <a:lumMod val="5000"/>
+                <a:lumOff val="95000"/>
+              </a:schemeClr>
+            </a:gs>
+            <a:gs pos="42000">
+              <a:schemeClr val="accent1">
+                <a:lumMod val="45000"/>
+                <a:lumOff val="55000"/>
+              </a:schemeClr>
+            </a:gs>
+            <a:gs pos="83000">
+              <a:schemeClr val="accent1">
+                <a:lumMod val="45000"/>
+                <a:lumOff val="55000"/>
+              </a:schemeClr>
+            </a:gs>
+            <a:gs pos="100000">
+              <a:schemeClr val="accent1">
+                <a:lumMod val="30000"/>
+                <a:lumOff val="70000"/>
+              </a:schemeClr>
+            </a:gs>
+          </a:gsLst>
+          <a:lin ang="5400000" scaled="1"/>
+        </a:gradFill>
+        <a:effectLst/>
+      </p:bgPr>
+    </p:bg>
+    <p:spTree>
+      <p:nvGrpSpPr>
+        <p:cNvPr id="1" name=""/>
+        <p:cNvGrpSpPr/>
+        <p:nvPr/>
+      </p:nvGrpSpPr>
+      <p:grpSpPr>
+        <a:xfrm>
+          <a:off x="0" y="0"/>
+          <a:ext cx="0" cy="0"/>
+          <a:chOff x="0" y="0"/>
+          <a:chExt cx="0" cy="0"/>
+        </a:xfrm>
+      </p:grpSpPr>
+      <p:sp>
+        <p:nvSpPr>
+          <p:cNvPr id="2" name="Title 1"/>
+          <p:cNvSpPr>
+            <a:spLocks noGrp="1"/>
+          </p:cNvSpPr>
+          <p:nvPr>
+            <p:ph type="title"/>
+          </p:nvPr>
+        </p:nvSpPr>
+        <p:spPr>
+          <a:xfrm>
+            <a:off x="181708" y="60325"/>
+            <a:ext cx="10515600" cy="1325563"/>
+          </a:xfrm>
+        </p:spPr>
+        <p:txBody>
+          <a:bodyPr/>
+          <a:lstStyle/>
+          <a:p>
+            <a:r>
+              <a:rPr lang="en-US" dirty="0"/>
+              <a:t>Header</a:t>
+            </a:r>
+          </a:p>
+        </p:txBody>
+      </p:sp>
+      <p:sp>
+        <p:nvSpPr>
+          <p:cNvPr id="3" name="TextBox 2">
+            <a:extLst>
+              <a:ext uri="{FF2B5EF4-FFF2-40B4-BE49-F238E27FC236}">
+                <a16:creationId xmlns:a16="http://schemas.microsoft.com/office/drawing/2014/main" id="{ADDF9C7B-D1A4-43C4-8257-A0442BD6194E}"/>
+              </a:ext>
+            </a:extLst>
+          </p:cNvPr>
+          <p:cNvSpPr txBox="1"/>
+          <p:nvPr/>
+        </p:nvSpPr>
+        <p:spPr>
+          <a:xfrm>
+            <a:off x="474785" y="1659285"/>
+            <a:ext cx="12162692" cy="523220"/>
+          </a:xfrm>
+          <a:prstGeom prst="rect">
+            <a:avLst/>
+          </a:prstGeom>
+          <a:noFill/>
+        </p:spPr>
+        <p:txBody>
+          <a:bodyPr wrap="square" rtlCol="0">
+            <a:spAutoFit/>
+          </a:bodyPr>
+          <a:lstStyle/>
+          <a:p>
+            <a:r>
+              <a:rPr lang="en-US" sz="2800" dirty="0"/>
+              <a:t>text</a:t>
+            </a:r>
+          </a:p>
+        </p:txBody>
+      </p:sp>
+    </p:spTree>
+    <p:extLst>
+      <p:ext uri="{BB962C8B-B14F-4D97-AF65-F5344CB8AC3E}">
+        <p14:creationId xmlns:p14="http://schemas.microsoft.com/office/powerpoint/2010/main" val="4106568677"/>
+      </p:ext>
+    </p:extLst>
+  </p:cSld>
+  <p:clrMapOvr>
+    <a:masterClrMapping/>
+  </p:clrMapOvr>
+</p:sld>
+</file>
+
+<file path=ppt/slides/slide2.xml><?xml version="1.0" encoding="utf-8"?>
+<p:sld xmlns:a="http://schemas.openxmlformats.org/drawingml/2006/main" xmlns:r="http://schemas.openxmlformats.org/officeDocument/2006/relationships" xmlns:p="http://schemas.openxmlformats.org/presentationml/2006/main">
+  <p:cSld>
+    <p:bg>
+      <p:bgPr>
+        <a:gradFill>
+          <a:gsLst>
+            <a:gs pos="0">
+              <a:schemeClr val="accent1">
+                <a:lumMod val="5000"/>
+                <a:lumOff val="95000"/>
+              </a:schemeClr>
+            </a:gs>
+            <a:gs pos="42000">
+              <a:schemeClr val="accent1">
+                <a:lumMod val="45000"/>
+                <a:lumOff val="55000"/>
+              </a:schemeClr>
+            </a:gs>
+            <a:gs pos="83000">
+              <a:schemeClr val="accent1">
+                <a:lumMod val="45000"/>
+                <a:lumOff val="55000"/>
+              </a:schemeClr>
+            </a:gs>
+            <a:gs pos="100000">
+              <a:schemeClr val="accent1">
+                <a:lumMod val="30000"/>
+                <a:lumOff val="70000"/>
+              </a:schemeClr>
+            </a:gs>
+          </a:gsLst>
+          <a:lin ang="5400000" scaled="1"/>
+        </a:gradFill>
+        <a:effectLst/>
+      </p:bgPr>
+    </p:bg>
+    <p:spTree>
+      <p:nvGrpSpPr>
+        <p:cNvPr id="1" name=""/>
+        <p:cNvGrpSpPr/>
+        <p:nvPr/>
+      </p:nvGrpSpPr>
+      <p:grpSpPr>
+        <a:xfrm>
+          <a:off x="0" y="0"/>
+          <a:ext cx="0" cy="0"/>
+          <a:chOff x="0" y="0"/>
+          <a:chExt cx="0" cy="0"/>
+        </a:xfrm>
+      </p:grpSpPr>
+      <p:sp>
+        <p:nvSpPr>
+          <p:cNvPr id="2" name="Title 1"/>
+          <p:cNvSpPr>
+            <a:spLocks noGrp="1"/>
+          </p:cNvSpPr>
+          <p:nvPr>
+            <p:ph type="title"/>
+          </p:nvPr>
+        </p:nvSpPr>
+        <p:spPr/>
+        <p:txBody>
+          <a:bodyPr/>
+          <a:lstStyle/>
+          <a:p>
+            <a:r>
+              <a:rPr lang="en-US" dirty="0"/>
+              <a:t>Host</a:t>
+            </a:r>
+          </a:p>
+        </p:txBody>
+      </p:sp>
+      <p:sp>
+        <p:nvSpPr>
+          <p:cNvPr id="3" name="Content Placeholder 2"/>
+          <p:cNvSpPr>
+            <a:spLocks noGrp="1"/>
+          </p:cNvSpPr>
+          <p:nvPr>
+            <p:ph idx="1"/>
+          </p:nvPr>
+        </p:nvSpPr>
+        <p:spPr>
+          <a:xfrm>
+            <a:off x="838199" y="1927225"/>
+            <a:ext cx="11166231" cy="4351338"/>
+          </a:xfrm>
+        </p:spPr>
+        <p:txBody>
+          <a:bodyPr>
+            <a:normAutofit/>
+          </a:bodyPr>
+          <a:lstStyle/>
+          <a:p>
+            <a:pPr marL="0" indent="0">
+              <a:buNone/>
+            </a:pPr>
+            <a:r>
+              <a:rPr lang="en-US" sz="3200" dirty="0"/>
+              <a:t>A host is an object that encapsulates an app's resources, such as:</a:t>
+            </a:r>
+          </a:p>
+          <a:p>
+            <a:pPr marL="0" indent="0">
+              <a:buNone/>
+            </a:pPr>
+            <a:endParaRPr lang="en-US" sz="3200" dirty="0"/>
+          </a:p>
+          <a:p>
+            <a:r>
+              <a:rPr lang="en-US" sz="3200" dirty="0"/>
+              <a:t>Dependency injection (DI)</a:t>
+            </a:r>
+          </a:p>
+          <a:p>
+            <a:r>
+              <a:rPr lang="en-US" sz="3200" dirty="0"/>
+              <a:t>Logging</a:t>
+            </a:r>
+          </a:p>
+          <a:p>
+            <a:r>
+              <a:rPr lang="en-US" sz="3200" dirty="0"/>
+              <a:t>Configuration</a:t>
+            </a:r>
+          </a:p>
+          <a:p>
+            <a:r>
+              <a:rPr lang="en-US" sz="3200" dirty="0" err="1"/>
+              <a:t>IHostedService</a:t>
+            </a:r>
+            <a:r>
+              <a:rPr lang="en-US" sz="3200" dirty="0"/>
+              <a:t> implementations</a:t>
+            </a:r>
+          </a:p>
+        </p:txBody>
+      </p:sp>
+    </p:spTree>
+    <p:extLst>
+      <p:ext uri="{BB962C8B-B14F-4D97-AF65-F5344CB8AC3E}">
+        <p14:creationId xmlns:p14="http://schemas.microsoft.com/office/powerpoint/2010/main" val="4052774876"/>
+      </p:ext>
+    </p:extLst>
+  </p:cSld>
+  <p:clrMapOvr>
+    <a:masterClrMapping/>
+  </p:clrMapOvr>
+</p:sld>
+</file>
+
+<file path=ppt/slides/slide20.xml><?xml version="1.0" encoding="utf-8"?>
+<p:sld xmlns:a="http://schemas.openxmlformats.org/drawingml/2006/main" xmlns:r="http://schemas.openxmlformats.org/officeDocument/2006/relationships" xmlns:p="http://schemas.openxmlformats.org/presentationml/2006/main">
+  <p:cSld>
+    <p:bg>
+      <p:bgPr>
+        <a:gradFill>
+          <a:gsLst>
+            <a:gs pos="0">
+              <a:schemeClr val="accent1">
+                <a:lumMod val="5000"/>
+                <a:lumOff val="95000"/>
+              </a:schemeClr>
+            </a:gs>
+            <a:gs pos="42000">
+              <a:schemeClr val="accent1">
+                <a:lumMod val="45000"/>
+                <a:lumOff val="55000"/>
+              </a:schemeClr>
+            </a:gs>
+            <a:gs pos="83000">
+              <a:schemeClr val="accent1">
+                <a:lumMod val="45000"/>
+                <a:lumOff val="55000"/>
+              </a:schemeClr>
+            </a:gs>
+            <a:gs pos="100000">
+              <a:schemeClr val="accent1">
+                <a:lumMod val="30000"/>
+                <a:lumOff val="70000"/>
+              </a:schemeClr>
+            </a:gs>
+          </a:gsLst>
+          <a:lin ang="5400000" scaled="1"/>
+        </a:gradFill>
+        <a:effectLst/>
+      </p:bgPr>
+    </p:bg>
+    <p:spTree>
+      <p:nvGrpSpPr>
+        <p:cNvPr id="1" name=""/>
+        <p:cNvGrpSpPr/>
+        <p:nvPr/>
+      </p:nvGrpSpPr>
+      <p:grpSpPr>
+        <a:xfrm>
+          <a:off x="0" y="0"/>
+          <a:ext cx="0" cy="0"/>
+          <a:chOff x="0" y="0"/>
+          <a:chExt cx="0" cy="0"/>
+        </a:xfrm>
+      </p:grpSpPr>
+      <p:sp>
+        <p:nvSpPr>
+          <p:cNvPr id="2" name="Title 1"/>
+          <p:cNvSpPr>
+            <a:spLocks noGrp="1"/>
+          </p:cNvSpPr>
+          <p:nvPr>
+            <p:ph type="title"/>
+          </p:nvPr>
+        </p:nvSpPr>
+        <p:spPr>
+          <a:xfrm>
+            <a:off x="723130" y="784994"/>
+            <a:ext cx="10515600" cy="4689683"/>
+          </a:xfrm>
+        </p:spPr>
+        <p:txBody>
+          <a:bodyPr>
+            <a:normAutofit/>
+          </a:bodyPr>
+          <a:lstStyle/>
+          <a:p>
+            <a:pPr algn="ctr"/>
+            <a:r>
+              <a:rPr lang="en-US" dirty="0"/>
+              <a:t>Thanks for attention</a:t>
+            </a:r>
+            <a:br>
+              <a:rPr lang="en-US" dirty="0"/>
+            </a:br>
+            <a:br>
+              <a:rPr lang="en-US" dirty="0"/>
+            </a:br>
+            <a:r>
+              <a:rPr lang="en-US" dirty="0"/>
+              <a:t>Evgeniy </a:t>
+            </a:r>
+            <a:r>
+              <a:rPr lang="en-US" dirty="0" err="1"/>
+              <a:t>Pilyaev</a:t>
+            </a:r>
+            <a:br>
+              <a:rPr lang="en-US" dirty="0"/>
+            </a:br>
+            <a:br>
+              <a:rPr lang="en-US" dirty="0"/>
+            </a:br>
+            <a:r>
+              <a:rPr lang="en-US" dirty="0">
+                <a:hlinkClick r:id="rId3"/>
+              </a:rPr>
+              <a:t>https://github.com/EPilyaev/ASPNetCoreMVC</a:t>
+            </a:r>
+            <a:br>
+              <a:rPr lang="en-US" dirty="0"/>
+            </a:br>
+            <a:br>
+              <a:rPr lang="en-US" dirty="0"/>
+            </a:br>
+            <a:r>
+              <a:rPr lang="en-US" dirty="0"/>
+              <a:t>(</a:t>
+            </a:r>
+            <a:r>
+              <a:rPr lang="en-US" dirty="0" err="1"/>
+              <a:t>Host&amp;Startup&amp;Di</a:t>
+            </a:r>
+            <a:r>
+              <a:rPr lang="en-US" dirty="0"/>
+              <a:t> presentation)</a:t>
+            </a:r>
+          </a:p>
+        </p:txBody>
+      </p:sp>
+    </p:spTree>
+    <p:extLst>
+      <p:ext uri="{BB962C8B-B14F-4D97-AF65-F5344CB8AC3E}">
+        <p14:creationId xmlns:p14="http://schemas.microsoft.com/office/powerpoint/2010/main" val="979259589"/>
+      </p:ext>
+    </p:extLst>
+  </p:cSld>
+  <p:clrMapOvr>
+    <a:masterClrMapping/>
+  </p:clrMapOvr>
+</p:sld>
+</file>
+
+<file path=ppt/slides/slide3.xml><?xml version="1.0" encoding="utf-8"?>
+<p:sld xmlns:a="http://schemas.openxmlformats.org/drawingml/2006/main" xmlns:r="http://schemas.openxmlformats.org/officeDocument/2006/relationships" xmlns:p="http://schemas.openxmlformats.org/presentationml/2006/main">
+  <p:cSld>
+    <p:bg>
+      <p:bgPr>
+        <a:gradFill>
+          <a:gsLst>
+            <a:gs pos="0">
+              <a:schemeClr val="accent1">
+                <a:lumMod val="5000"/>
+                <a:lumOff val="95000"/>
+              </a:schemeClr>
+            </a:gs>
+            <a:gs pos="42000">
+              <a:schemeClr val="accent1">
+                <a:lumMod val="45000"/>
+                <a:lumOff val="55000"/>
+              </a:schemeClr>
+            </a:gs>
+            <a:gs pos="83000">
+              <a:schemeClr val="accent1">
+                <a:lumMod val="45000"/>
+                <a:lumOff val="55000"/>
+              </a:schemeClr>
+            </a:gs>
+            <a:gs pos="100000">
+              <a:schemeClr val="accent1">
+                <a:lumMod val="30000"/>
+                <a:lumOff val="70000"/>
+              </a:schemeClr>
+            </a:gs>
+          </a:gsLst>
+          <a:lin ang="5400000" scaled="1"/>
+        </a:gradFill>
+        <a:effectLst/>
+      </p:bgPr>
+    </p:bg>
+    <p:spTree>
+      <p:nvGrpSpPr>
+        <p:cNvPr id="1" name=""/>
+        <p:cNvGrpSpPr/>
+        <p:nvPr/>
+      </p:nvGrpSpPr>
+      <p:grpSpPr>
+        <a:xfrm>
+          <a:off x="0" y="0"/>
+          <a:ext cx="0" cy="0"/>
+          <a:chOff x="0" y="0"/>
+          <a:chExt cx="0" cy="0"/>
+        </a:xfrm>
+      </p:grpSpPr>
+      <p:sp>
+        <p:nvSpPr>
+          <p:cNvPr id="2" name="Title 1"/>
+          <p:cNvSpPr>
+            <a:spLocks noGrp="1"/>
+          </p:cNvSpPr>
+          <p:nvPr>
+            <p:ph type="title"/>
+          </p:nvPr>
+        </p:nvSpPr>
+        <p:spPr/>
+        <p:txBody>
+          <a:bodyPr/>
+          <a:lstStyle/>
+          <a:p>
+            <a:r>
+              <a:rPr lang="en-US" dirty="0"/>
+              <a:t>Host</a:t>
+            </a:r>
+          </a:p>
+        </p:txBody>
+      </p:sp>
+      <p:sp>
+        <p:nvSpPr>
+          <p:cNvPr id="3" name="Content Placeholder 2"/>
+          <p:cNvSpPr>
+            <a:spLocks noGrp="1"/>
+          </p:cNvSpPr>
+          <p:nvPr>
+            <p:ph idx="1"/>
+          </p:nvPr>
+        </p:nvSpPr>
+        <p:spPr>
+          <a:xfrm>
+            <a:off x="720968" y="1690688"/>
+            <a:ext cx="11131063" cy="4351338"/>
+          </a:xfrm>
+        </p:spPr>
+        <p:txBody>
+          <a:bodyPr>
+            <a:noAutofit/>
+          </a:bodyPr>
+          <a:lstStyle/>
+          <a:p>
+            <a:pPr marL="0" indent="0">
+              <a:buNone/>
+            </a:pPr>
+            <a:r>
+              <a:rPr lang="en-US" sz="3200" dirty="0"/>
+              <a:t>Provides lifetime management. </a:t>
+            </a:r>
+          </a:p>
+          <a:p>
+            <a:pPr marL="0" indent="0">
+              <a:buNone/>
+            </a:pPr>
+            <a:endParaRPr lang="en-US" sz="3200" dirty="0"/>
+          </a:p>
+          <a:p>
+            <a:pPr marL="0" indent="0">
+              <a:buNone/>
+            </a:pPr>
+            <a:r>
+              <a:rPr lang="en-US" sz="3200" dirty="0"/>
+              <a:t>Startup: </a:t>
+            </a:r>
+          </a:p>
+          <a:p>
+            <a:pPr marL="0" indent="0">
+              <a:buNone/>
+            </a:pPr>
+            <a:r>
+              <a:rPr lang="en-US" dirty="0"/>
+              <a:t>Calls </a:t>
+            </a:r>
+            <a:r>
+              <a:rPr lang="en-US" dirty="0" err="1"/>
+              <a:t>IHostedService.StartAsync</a:t>
+            </a:r>
+            <a:r>
+              <a:rPr lang="en-US" dirty="0"/>
+              <a:t> on each implementation of </a:t>
+            </a:r>
+            <a:r>
+              <a:rPr lang="en-US" dirty="0" err="1"/>
+              <a:t>IHostedService</a:t>
+            </a:r>
+            <a:r>
+              <a:rPr lang="en-US" dirty="0"/>
+              <a:t>. In a web app – starts an HTTP server implementation.</a:t>
+            </a:r>
+          </a:p>
+          <a:p>
+            <a:pPr marL="0" indent="0">
+              <a:buNone/>
+            </a:pPr>
+            <a:endParaRPr lang="en-US" sz="3200" dirty="0"/>
+          </a:p>
+          <a:p>
+            <a:pPr marL="0" indent="0">
+              <a:buNone/>
+            </a:pPr>
+            <a:r>
+              <a:rPr lang="en-US" sz="3200" dirty="0"/>
+              <a:t>Graceful shutdown.</a:t>
+            </a:r>
+          </a:p>
+        </p:txBody>
+      </p:sp>
+    </p:spTree>
+    <p:extLst>
+      <p:ext uri="{BB962C8B-B14F-4D97-AF65-F5344CB8AC3E}">
+        <p14:creationId xmlns:p14="http://schemas.microsoft.com/office/powerpoint/2010/main" val="1943586752"/>
+      </p:ext>
+    </p:extLst>
+  </p:cSld>
+  <p:clrMapOvr>
+    <a:masterClrMapping/>
+  </p:clrMapOvr>
+</p:sld>
+</file>
+
+<file path=ppt/slides/slide4.xml><?xml version="1.0" encoding="utf-8"?>
+<p:sld xmlns:a="http://schemas.openxmlformats.org/drawingml/2006/main" xmlns:r="http://schemas.openxmlformats.org/officeDocument/2006/relationships" xmlns:p="http://schemas.openxmlformats.org/presentationml/2006/main">
+  <p:cSld>
+    <p:bg>
+      <p:bgPr>
+        <a:gradFill>
+          <a:gsLst>
+            <a:gs pos="0">
+              <a:schemeClr val="accent1">
+                <a:lumMod val="5000"/>
+                <a:lumOff val="95000"/>
+              </a:schemeClr>
+            </a:gs>
+            <a:gs pos="42000">
+              <a:schemeClr val="accent1">
+                <a:lumMod val="45000"/>
+                <a:lumOff val="55000"/>
+              </a:schemeClr>
+            </a:gs>
+            <a:gs pos="83000">
+              <a:schemeClr val="accent1">
+                <a:lumMod val="45000"/>
+                <a:lumOff val="55000"/>
+              </a:schemeClr>
+            </a:gs>
+            <a:gs pos="100000">
+              <a:schemeClr val="accent1">
+                <a:lumMod val="30000"/>
+                <a:lumOff val="70000"/>
+              </a:schemeClr>
+            </a:gs>
+          </a:gsLst>
+          <a:lin ang="5400000" scaled="1"/>
+        </a:gradFill>
+        <a:effectLst/>
+      </p:bgPr>
+    </p:bg>
+    <p:spTree>
+      <p:nvGrpSpPr>
+        <p:cNvPr id="1" name=""/>
+        <p:cNvGrpSpPr/>
+        <p:nvPr/>
+      </p:nvGrpSpPr>
+      <p:grpSpPr>
+        <a:xfrm>
+          <a:off x="0" y="0"/>
+          <a:ext cx="0" cy="0"/>
+          <a:chOff x="0" y="0"/>
+          <a:chExt cx="0" cy="0"/>
+        </a:xfrm>
+      </p:grpSpPr>
+      <p:sp>
+        <p:nvSpPr>
+          <p:cNvPr id="2" name="Title 1"/>
+          <p:cNvSpPr>
+            <a:spLocks noGrp="1"/>
+          </p:cNvSpPr>
+          <p:nvPr>
+            <p:ph type="title"/>
+          </p:nvPr>
+        </p:nvSpPr>
+        <p:spPr/>
+        <p:txBody>
+          <a:bodyPr/>
+          <a:lstStyle/>
+          <a:p>
+            <a:r>
+              <a:rPr lang="en-US" dirty="0"/>
+              <a:t>Host</a:t>
+            </a:r>
+          </a:p>
+        </p:txBody>
+      </p:sp>
+      <p:sp>
+        <p:nvSpPr>
+          <p:cNvPr id="3" name="Content Placeholder 2"/>
+          <p:cNvSpPr>
+            <a:spLocks noGrp="1"/>
+          </p:cNvSpPr>
+          <p:nvPr>
+            <p:ph idx="1"/>
+          </p:nvPr>
+        </p:nvSpPr>
+        <p:spPr>
+          <a:xfrm>
+            <a:off x="838200" y="2506662"/>
+            <a:ext cx="11166231" cy="4351338"/>
+          </a:xfrm>
+        </p:spPr>
+        <p:txBody>
+          <a:bodyPr>
+            <a:normAutofit/>
+          </a:bodyPr>
+          <a:lstStyle/>
+          <a:p>
+            <a:pPr marL="0" indent="0">
+              <a:buNone/>
+            </a:pPr>
+            <a:r>
+              <a:rPr lang="en-US" sz="3200" dirty="0"/>
+              <a:t>Generic Host – recommended.</a:t>
+            </a:r>
+          </a:p>
+          <a:p>
+            <a:pPr marL="0" indent="0">
+              <a:buNone/>
+            </a:pPr>
+            <a:endParaRPr lang="en-US" sz="3200" dirty="0"/>
+          </a:p>
+          <a:p>
+            <a:pPr marL="0" indent="0">
+              <a:buNone/>
+            </a:pPr>
+            <a:r>
+              <a:rPr lang="en-US" sz="3200" dirty="0"/>
+              <a:t>Web Host – not recommended, backward compatibility. Used for 			  HTTP workloads before </a:t>
+            </a:r>
+            <a:r>
+              <a:rPr lang="en-US" sz="3200" dirty="0" err="1"/>
+              <a:t>.Net</a:t>
+            </a:r>
+            <a:r>
+              <a:rPr lang="en-US" sz="3200" dirty="0"/>
+              <a:t> Core 3.0.</a:t>
+            </a:r>
+          </a:p>
+        </p:txBody>
+      </p:sp>
+    </p:spTree>
+    <p:extLst>
+      <p:ext uri="{BB962C8B-B14F-4D97-AF65-F5344CB8AC3E}">
+        <p14:creationId xmlns:p14="http://schemas.microsoft.com/office/powerpoint/2010/main" val="3752328964"/>
+      </p:ext>
+    </p:extLst>
+  </p:cSld>
+  <p:clrMapOvr>
+    <a:masterClrMapping/>
+  </p:clrMapOvr>
+</p:sld>
+</file>
+
+<file path=ppt/slides/slide5.xml><?xml version="1.0" encoding="utf-8"?>
+<p:sld xmlns:a="http://schemas.openxmlformats.org/drawingml/2006/main" xmlns:r="http://schemas.openxmlformats.org/officeDocument/2006/relationships" xmlns:p="http://schemas.openxmlformats.org/presentationml/2006/main">
+  <p:cSld>
+    <p:bg>
+      <p:bgPr>
+        <a:gradFill>
+          <a:gsLst>
+            <a:gs pos="0">
+              <a:schemeClr val="accent1">
+                <a:lumMod val="5000"/>
+                <a:lumOff val="95000"/>
+              </a:schemeClr>
+            </a:gs>
+            <a:gs pos="42000">
+              <a:schemeClr val="accent1">
+                <a:lumMod val="45000"/>
+                <a:lumOff val="55000"/>
+              </a:schemeClr>
+            </a:gs>
+            <a:gs pos="83000">
+              <a:schemeClr val="accent1">
+                <a:lumMod val="45000"/>
+                <a:lumOff val="55000"/>
+              </a:schemeClr>
+            </a:gs>
+            <a:gs pos="100000">
+              <a:schemeClr val="accent1">
+                <a:lumMod val="30000"/>
+                <a:lumOff val="70000"/>
+              </a:schemeClr>
+            </a:gs>
+          </a:gsLst>
+          <a:lin ang="5400000" scaled="1"/>
+        </a:gradFill>
+        <a:effectLst/>
+      </p:bgPr>
+    </p:bg>
+    <p:spTree>
+      <p:nvGrpSpPr>
+        <p:cNvPr id="1" name=""/>
+        <p:cNvGrpSpPr/>
+        <p:nvPr/>
+      </p:nvGrpSpPr>
+      <p:grpSpPr>
+        <a:xfrm>
+          <a:off x="0" y="0"/>
+          <a:ext cx="0" cy="0"/>
+          <a:chOff x="0" y="0"/>
+          <a:chExt cx="0" cy="0"/>
+        </a:xfrm>
+      </p:grpSpPr>
+      <p:sp>
+        <p:nvSpPr>
+          <p:cNvPr id="2" name="Title 1"/>
+          <p:cNvSpPr>
+            <a:spLocks noGrp="1"/>
+          </p:cNvSpPr>
+          <p:nvPr>
+            <p:ph type="title"/>
+          </p:nvPr>
+        </p:nvSpPr>
+        <p:spPr>
+          <a:xfrm>
+            <a:off x="181708" y="60325"/>
+            <a:ext cx="10515600" cy="1325563"/>
+          </a:xfrm>
+        </p:spPr>
+        <p:txBody>
+          <a:bodyPr/>
+          <a:lstStyle/>
+          <a:p>
+            <a:r>
+              <a:rPr lang="en-US" dirty="0"/>
+              <a:t>Generic Host (non-http workload)</a:t>
+            </a:r>
           </a:p>
         </p:txBody>
       </p:sp>
@@ -5395,13 +7779,6 @@
   <p:clrMapOvr>
     <a:masterClrMapping/>
   </p:clrMapOvr>
-  <p:timing>
-    <p:tnLst>
-      <p:par>
-        <p:cTn id="1" dur="indefinite" restart="never" nodeType="tmRoot"/>
-      </p:par>
-    </p:tnLst>
-  </p:timing>
 </p:sld>
 </file>
 
@@ -5477,14 +7854,13 @@
           <a:lstStyle/>
           <a:p>
             <a:r>
-              <a:rPr lang="en-US" dirty="0" err="1" smtClean="0"/>
+              <a:rPr lang="en-US" dirty="0" err="1"/>
               <a:t>IHostedService</a:t>
             </a:r>
             <a:r>
-              <a:rPr lang="en-US" dirty="0" smtClean="0"/>
+              <a:rPr lang="en-US" dirty="0"/>
               <a:t> implementation</a:t>
             </a:r>
-            <a:endParaRPr lang="en-US" dirty="0"/>
           </a:p>
         </p:txBody>
       </p:sp>
@@ -5522,13 +7898,6 @@
   <p:clrMapOvr>
     <a:masterClrMapping/>
   </p:clrMapOvr>
-  <p:timing>
-    <p:tnLst>
-      <p:par>
-        <p:cTn id="1" dur="indefinite" restart="never" nodeType="tmRoot"/>
-      </p:par>
-    </p:tnLst>
-  </p:timing>
 </p:sld>
 </file>
 
@@ -5599,14 +7968,9 @@
           <a:lstStyle/>
           <a:p>
             <a:r>
-              <a:rPr lang="en-US" dirty="0" smtClean="0"/>
-              <a:t>Generic </a:t>
-            </a:r>
-            <a:r>
-              <a:rPr lang="en-US" dirty="0" smtClean="0"/>
-              <a:t>Host (web)</a:t>
-            </a:r>
-            <a:endParaRPr lang="en-US" dirty="0"/>
+              <a:rPr lang="en-US" dirty="0"/>
+              <a:t>Generic Host (web)</a:t>
+            </a:r>
           </a:p>
         </p:txBody>
       </p:sp>
@@ -5644,13 +8008,6 @@
   <p:clrMapOvr>
     <a:masterClrMapping/>
   </p:clrMapOvr>
-  <p:timing>
-    <p:tnLst>
-      <p:par>
-        <p:cTn id="1" dur="indefinite" restart="never" nodeType="tmRoot"/>
-      </p:par>
-    </p:tnLst>
-  </p:timing>
 </p:sld>
 </file>
 
@@ -5726,18 +8083,17 @@
           <a:lstStyle/>
           <a:p>
             <a:r>
-              <a:rPr lang="en-US" dirty="0" smtClean="0"/>
+              <a:rPr lang="en-US" dirty="0"/>
               <a:t>(Create)</a:t>
             </a:r>
             <a:r>
-              <a:rPr lang="en-US" dirty="0" err="1" smtClean="0"/>
+              <a:rPr lang="en-US" dirty="0" err="1"/>
               <a:t>DefaultBuilder</a:t>
             </a:r>
             <a:r>
-              <a:rPr lang="en-US" dirty="0" smtClean="0"/>
+              <a:rPr lang="en-US" dirty="0"/>
               <a:t> settings:</a:t>
             </a:r>
-            <a:endParaRPr lang="en-US" dirty="0"/>
           </a:p>
         </p:txBody>
       </p:sp>
@@ -5768,15 +8124,15 @@
               <a:buChar char="•"/>
             </a:pPr>
             <a:r>
-              <a:rPr lang="en-US" sz="2400" dirty="0" smtClean="0"/>
+              <a:rPr lang="en-US" sz="2400" dirty="0"/>
               <a:t>Content root = </a:t>
             </a:r>
             <a:r>
-              <a:rPr lang="en-US" sz="2400" dirty="0" err="1" smtClean="0"/>
+              <a:rPr lang="en-US" sz="2400" dirty="0" err="1"/>
               <a:t>GetCurrentDirectory</a:t>
             </a:r>
             <a:r>
-              <a:rPr lang="en-US" sz="2400" dirty="0" smtClean="0"/>
+              <a:rPr lang="en-US" sz="2400" dirty="0"/>
               <a:t>()</a:t>
             </a:r>
           </a:p>
@@ -5785,7 +8141,7 @@
               <a:buFont typeface="Arial" panose="020B0604020202020204" pitchFamily="34" charset="0"/>
               <a:buChar char="•"/>
             </a:pPr>
-            <a:endParaRPr lang="en-US" sz="2400" dirty="0" smtClean="0"/>
+            <a:endParaRPr lang="en-US" sz="2400" dirty="0"/>
           </a:p>
           <a:p>
             <a:pPr marL="285750" indent="-285750">
@@ -5793,37 +8149,24 @@
               <a:buChar char="•"/>
             </a:pPr>
             <a:r>
-              <a:rPr lang="en-US" sz="2400" dirty="0" smtClean="0"/>
+              <a:rPr lang="en-US" sz="2400" dirty="0"/>
               <a:t>Loads host configuration from:</a:t>
             </a:r>
+          </a:p>
+          <a:p>
+            <a:r>
+              <a:rPr lang="en-US" sz="2400" dirty="0"/>
+              <a:t>	Environment variables prefixed with "DOTNET_".</a:t>
+            </a:r>
+          </a:p>
+          <a:p>
+            <a:r>
+              <a:rPr lang="en-US" sz="2400" dirty="0"/>
+              <a:t>	Command-line arguments.</a:t>
+            </a:r>
+          </a:p>
+          <a:p>
             <a:endParaRPr lang="en-US" sz="2400" dirty="0"/>
-          </a:p>
-          <a:p>
-            <a:r>
-              <a:rPr lang="en-US" sz="2400" dirty="0" smtClean="0"/>
-              <a:t>	Environment </a:t>
-            </a:r>
-            <a:r>
-              <a:rPr lang="en-US" sz="2400" dirty="0"/>
-              <a:t>variables prefixed with "DOTNET_".</a:t>
-            </a:r>
-          </a:p>
-          <a:p>
-            <a:r>
-              <a:rPr lang="en-US" sz="2400" dirty="0" smtClean="0"/>
-              <a:t>	Command-line </a:t>
-            </a:r>
-            <a:r>
-              <a:rPr lang="en-US" sz="2400" dirty="0"/>
-              <a:t>arguments</a:t>
-            </a:r>
-            <a:r>
-              <a:rPr lang="en-US" sz="2400" dirty="0" smtClean="0"/>
-              <a:t>.</a:t>
-            </a:r>
-          </a:p>
-          <a:p>
-            <a:endParaRPr lang="en-US" sz="2400" dirty="0" smtClean="0"/>
           </a:p>
           <a:p>
             <a:pPr marL="285750" indent="-285750">
@@ -5832,17 +8175,13 @@
             </a:pPr>
             <a:r>
               <a:rPr lang="en-US" sz="2400" dirty="0"/>
-              <a:t>Loads app configuration from</a:t>
-            </a:r>
-            <a:r>
-              <a:rPr lang="en-US" sz="2400" dirty="0" smtClean="0"/>
-              <a:t>:</a:t>
+              <a:t>Loads app configuration from:</a:t>
             </a:r>
           </a:p>
           <a:p>
             <a:pPr lvl="2"/>
             <a:r>
-              <a:rPr lang="en-US" sz="2400" dirty="0" err="1" smtClean="0"/>
+              <a:rPr lang="en-US" sz="2400" dirty="0" err="1"/>
               <a:t>appsettings.json</a:t>
             </a:r>
             <a:r>
@@ -5887,11 +8226,7 @@
             <a:pPr lvl="2"/>
             <a:r>
               <a:rPr lang="en-US" sz="2400" dirty="0"/>
-              <a:t>Command-line </a:t>
-            </a:r>
-            <a:r>
-              <a:rPr lang="en-US" sz="2400" dirty="0" smtClean="0"/>
-              <a:t>arguments.</a:t>
+              <a:t>Command-line arguments.</a:t>
             </a:r>
           </a:p>
         </p:txBody>
@@ -5906,13 +8241,6 @@
   <p:clrMapOvr>
     <a:masterClrMapping/>
   </p:clrMapOvr>
-  <p:timing>
-    <p:tnLst>
-      <p:par>
-        <p:cTn id="1" dur="indefinite" restart="never" nodeType="tmRoot"/>
-      </p:par>
-    </p:tnLst>
-  </p:timing>
 </p:sld>
 </file>
 
@@ -5988,18 +8316,17 @@
           <a:lstStyle/>
           <a:p>
             <a:r>
-              <a:rPr lang="en-US" dirty="0" smtClean="0"/>
+              <a:rPr lang="en-US" dirty="0"/>
               <a:t>(Create)</a:t>
             </a:r>
             <a:r>
-              <a:rPr lang="en-US" dirty="0" err="1" smtClean="0"/>
+              <a:rPr lang="en-US" dirty="0" err="1"/>
               <a:t>DefaultBuilder</a:t>
             </a:r>
             <a:r>
-              <a:rPr lang="en-US" dirty="0" smtClean="0"/>
+              <a:rPr lang="en-US" dirty="0"/>
               <a:t> settings:</a:t>
             </a:r>
-            <a:endParaRPr lang="en-US" dirty="0"/>
           </a:p>
         </p:txBody>
       </p:sp>
@@ -6030,12 +8357,20 @@
               <a:buChar char="•"/>
             </a:pPr>
             <a:r>
-              <a:rPr lang="en-US" sz="2400" dirty="0" smtClean="0"/>
-              <a:t>Adds </a:t>
-            </a:r>
-            <a:r>
               <a:rPr lang="en-US" sz="2400" dirty="0"/>
-              <a:t>following logging providers:</a:t>
+              <a:t>Adds following logging providers:</a:t>
+            </a:r>
+          </a:p>
+          <a:p>
+            <a:r>
+              <a:rPr lang="en-US" sz="2400" dirty="0"/>
+              <a:t>	Console</a:t>
+            </a:r>
+          </a:p>
+          <a:p>
+            <a:r>
+              <a:rPr lang="en-US" sz="2400" dirty="0"/>
+              <a:t>	Debug</a:t>
             </a:r>
           </a:p>
           <a:p>
@@ -6044,9 +8379,10 @@
               <a:t>	</a:t>
             </a:r>
             <a:r>
-              <a:rPr lang="en-US" sz="2400" dirty="0" smtClean="0"/>
-              <a:t>Console</a:t>
-            </a:r>
+              <a:rPr lang="en-US" sz="2400" dirty="0" err="1"/>
+              <a:t>EventSource</a:t>
+            </a:r>
+            <a:endParaRPr lang="en-US" sz="2400" dirty="0"/>
           </a:p>
           <a:p>
             <a:r>
@@ -6054,41 +8390,12 @@
               <a:t>	</a:t>
             </a:r>
             <a:r>
-              <a:rPr lang="en-US" sz="2400" dirty="0" smtClean="0"/>
-              <a:t>Debug</a:t>
-            </a:r>
-          </a:p>
-          <a:p>
+              <a:rPr lang="en-US" sz="2400" dirty="0" err="1"/>
+              <a:t>EventLog</a:t>
+            </a:r>
             <a:r>
               <a:rPr lang="en-US" sz="2400" dirty="0"/>
-              <a:t>	</a:t>
-            </a:r>
-            <a:r>
-              <a:rPr lang="en-US" sz="2400" dirty="0" err="1" smtClean="0"/>
-              <a:t>EventSource</a:t>
-            </a:r>
-            <a:endParaRPr lang="en-US" sz="2400" dirty="0" smtClean="0"/>
-          </a:p>
-          <a:p>
-            <a:r>
-              <a:rPr lang="en-US" sz="2400" dirty="0"/>
-              <a:t>	</a:t>
-            </a:r>
-            <a:r>
-              <a:rPr lang="en-US" sz="2400" dirty="0" err="1" smtClean="0"/>
-              <a:t>EventLog</a:t>
-            </a:r>
-            <a:r>
-              <a:rPr lang="en-US" sz="2400" dirty="0" smtClean="0"/>
-              <a:t> </a:t>
-            </a:r>
-            <a:r>
-              <a:rPr lang="en-US" sz="2400" dirty="0"/>
-              <a:t>(Windows</a:t>
-            </a:r>
-            <a:r>
-              <a:rPr lang="en-US" sz="2400" dirty="0" smtClean="0"/>
-              <a:t>)</a:t>
+              <a:t> (Windows)</a:t>
             </a:r>
           </a:p>
           <a:p>
@@ -6106,7 +8413,6 @@
               <a:rPr lang="en-US" sz="2400" dirty="0"/>
               <a:t>Enables scope validation and dependency validation when the environment is Development.</a:t>
             </a:r>
-            <a:endParaRPr lang="en-US" sz="2400" dirty="0"/>
           </a:p>
         </p:txBody>
       </p:sp>
@@ -6120,13 +8426,6 @@
   <p:clrMapOvr>
     <a:masterClrMapping/>
   </p:clrMapOvr>
-  <p:timing>
-    <p:tnLst>
-      <p:par>
-        <p:cTn id="1" dur="indefinite" restart="never" nodeType="tmRoot"/>
-      </p:par>
-    </p:tnLst>
-  </p:timing>
 </p:sld>
 </file>
 

--- a/Host&Startup&Di.pptx
+++ b/Host&Startup&Di.pptx
@@ -5,7 +5,7 @@
     <p:sldMasterId id="2147483648" r:id="rId1"/>
   </p:sldMasterIdLst>
   <p:notesMasterIdLst>
-    <p:notesMasterId r:id="rId22"/>
+    <p:notesMasterId r:id="rId37"/>
   </p:notesMasterIdLst>
   <p:sldIdLst>
     <p:sldId id="256" r:id="rId2"/>
@@ -27,7 +27,22 @@
     <p:sldId id="345" r:id="rId18"/>
     <p:sldId id="346" r:id="rId19"/>
     <p:sldId id="347" r:id="rId20"/>
-    <p:sldId id="330" r:id="rId21"/>
+    <p:sldId id="348" r:id="rId21"/>
+    <p:sldId id="353" r:id="rId22"/>
+    <p:sldId id="349" r:id="rId23"/>
+    <p:sldId id="352" r:id="rId24"/>
+    <p:sldId id="354" r:id="rId25"/>
+    <p:sldId id="355" r:id="rId26"/>
+    <p:sldId id="356" r:id="rId27"/>
+    <p:sldId id="357" r:id="rId28"/>
+    <p:sldId id="358" r:id="rId29"/>
+    <p:sldId id="359" r:id="rId30"/>
+    <p:sldId id="360" r:id="rId31"/>
+    <p:sldId id="361" r:id="rId32"/>
+    <p:sldId id="362" r:id="rId33"/>
+    <p:sldId id="350" r:id="rId34"/>
+    <p:sldId id="351" r:id="rId35"/>
+    <p:sldId id="330" r:id="rId36"/>
   </p:sldIdLst>
   <p:sldSz cx="12192000" cy="6858000"/>
   <p:notesSz cx="6858000" cy="9144000"/>
@@ -1255,7 +1270,59 @@
           <a:bodyPr/>
           <a:lstStyle/>
           <a:p>
-            <a:endParaRPr lang="en-US" dirty="0"/>
+            <a:r>
+              <a:rPr lang="en-US" sz="1200" b="0" i="0" kern="1200" dirty="0">
+                <a:solidFill>
+                  <a:schemeClr val="tx1"/>
+                </a:solidFill>
+                <a:effectLst/>
+                <a:latin typeface="+mn-lt"/>
+                <a:ea typeface="+mn-ea"/>
+                <a:cs typeface="+mn-cs"/>
+              </a:rPr>
+              <a:t>By default, environment variables used to configure these settings can have a </a:t>
+            </a:r>
+            <a:r>
+              <a:rPr lang="en-US" dirty="0"/>
+              <a:t>DOTNET_</a:t>
+            </a:r>
+            <a:r>
+              <a:rPr lang="en-US" sz="1200" b="0" i="0" kern="1200" dirty="0">
+                <a:solidFill>
+                  <a:schemeClr val="tx1"/>
+                </a:solidFill>
+                <a:effectLst/>
+                <a:latin typeface="+mn-lt"/>
+                <a:ea typeface="+mn-ea"/>
+                <a:cs typeface="+mn-cs"/>
+              </a:rPr>
+              <a:t> or </a:t>
+            </a:r>
+            <a:r>
+              <a:rPr lang="en-US" dirty="0"/>
+              <a:t>ASPNETCORE_</a:t>
+            </a:r>
+            <a:r>
+              <a:rPr lang="en-US" sz="1200" b="0" i="0" kern="1200" dirty="0">
+                <a:solidFill>
+                  <a:schemeClr val="tx1"/>
+                </a:solidFill>
+                <a:effectLst/>
+                <a:latin typeface="+mn-lt"/>
+                <a:ea typeface="+mn-ea"/>
+                <a:cs typeface="+mn-cs"/>
+              </a:rPr>
+              <a:t> prefix</a:t>
+            </a:r>
+            <a:endParaRPr lang="ru-RU" sz="1200" b="0" i="0" kern="1200" dirty="0">
+              <a:solidFill>
+                <a:schemeClr val="tx1"/>
+              </a:solidFill>
+              <a:effectLst/>
+              <a:latin typeface="+mn-lt"/>
+              <a:ea typeface="+mn-ea"/>
+              <a:cs typeface="+mn-cs"/>
+            </a:endParaRPr>
           </a:p>
         </p:txBody>
       </p:sp>
@@ -1285,7 +1352,235 @@
     </p:spTree>
     <p:extLst>
       <p:ext uri="{BB962C8B-B14F-4D97-AF65-F5344CB8AC3E}">
-        <p14:creationId xmlns:p14="http://schemas.microsoft.com/office/powerpoint/2010/main" val="515334132"/>
+        <p14:creationId xmlns:p14="http://schemas.microsoft.com/office/powerpoint/2010/main" val="399724259"/>
+      </p:ext>
+    </p:extLst>
+  </p:cSld>
+  <p:clrMapOvr>
+    <a:masterClrMapping/>
+  </p:clrMapOvr>
+</p:notes>
+</file>
+
+<file path=ppt/notesSlides/notesSlide18.xml><?xml version="1.0" encoding="utf-8"?>
+<p:notes xmlns:a="http://schemas.openxmlformats.org/drawingml/2006/main" xmlns:r="http://schemas.openxmlformats.org/officeDocument/2006/relationships" xmlns:p="http://schemas.openxmlformats.org/presentationml/2006/main">
+  <p:cSld>
+    <p:spTree>
+      <p:nvGrpSpPr>
+        <p:cNvPr id="1" name=""/>
+        <p:cNvGrpSpPr/>
+        <p:nvPr/>
+      </p:nvGrpSpPr>
+      <p:grpSpPr>
+        <a:xfrm>
+          <a:off x="0" y="0"/>
+          <a:ext cx="0" cy="0"/>
+          <a:chOff x="0" y="0"/>
+          <a:chExt cx="0" cy="0"/>
+        </a:xfrm>
+      </p:grpSpPr>
+      <p:sp>
+        <p:nvSpPr>
+          <p:cNvPr id="2" name="Slide Image Placeholder 1"/>
+          <p:cNvSpPr>
+            <a:spLocks noGrp="1" noRot="1" noChangeAspect="1"/>
+          </p:cNvSpPr>
+          <p:nvPr>
+            <p:ph type="sldImg"/>
+          </p:nvPr>
+        </p:nvSpPr>
+        <p:spPr/>
+      </p:sp>
+      <p:sp>
+        <p:nvSpPr>
+          <p:cNvPr id="3" name="Notes Placeholder 2"/>
+          <p:cNvSpPr>
+            <a:spLocks noGrp="1"/>
+          </p:cNvSpPr>
+          <p:nvPr>
+            <p:ph type="body" idx="1"/>
+          </p:nvPr>
+        </p:nvSpPr>
+        <p:spPr/>
+        <p:txBody>
+          <a:bodyPr/>
+          <a:lstStyle/>
+          <a:p>
+            <a:endParaRPr lang="ru-RU" sz="1200" b="0" i="0" kern="1200" dirty="0">
+              <a:solidFill>
+                <a:schemeClr val="tx1"/>
+              </a:solidFill>
+              <a:effectLst/>
+              <a:latin typeface="+mn-lt"/>
+              <a:ea typeface="+mn-ea"/>
+              <a:cs typeface="+mn-cs"/>
+            </a:endParaRPr>
+          </a:p>
+        </p:txBody>
+      </p:sp>
+      <p:sp>
+        <p:nvSpPr>
+          <p:cNvPr id="4" name="Slide Number Placeholder 3"/>
+          <p:cNvSpPr>
+            <a:spLocks noGrp="1"/>
+          </p:cNvSpPr>
+          <p:nvPr>
+            <p:ph type="sldNum" sz="quarter" idx="10"/>
+          </p:nvPr>
+        </p:nvSpPr>
+        <p:spPr/>
+        <p:txBody>
+          <a:bodyPr/>
+          <a:lstStyle/>
+          <a:p>
+            <a:fld id="{BA1D5B97-ACF5-4677-A104-92B2393AA446}" type="slidenum">
+              <a:rPr lang="en-US" smtClean="0"/>
+              <a:t>21</a:t>
+            </a:fld>
+            <a:endParaRPr lang="en-US"/>
+          </a:p>
+        </p:txBody>
+      </p:sp>
+    </p:spTree>
+    <p:extLst>
+      <p:ext uri="{BB962C8B-B14F-4D97-AF65-F5344CB8AC3E}">
+        <p14:creationId xmlns:p14="http://schemas.microsoft.com/office/powerpoint/2010/main" val="2531668988"/>
+      </p:ext>
+    </p:extLst>
+  </p:cSld>
+  <p:clrMapOvr>
+    <a:masterClrMapping/>
+  </p:clrMapOvr>
+</p:notes>
+</file>
+
+<file path=ppt/notesSlides/notesSlide19.xml><?xml version="1.0" encoding="utf-8"?>
+<p:notes xmlns:a="http://schemas.openxmlformats.org/drawingml/2006/main" xmlns:r="http://schemas.openxmlformats.org/officeDocument/2006/relationships" xmlns:p="http://schemas.openxmlformats.org/presentationml/2006/main">
+  <p:cSld>
+    <p:spTree>
+      <p:nvGrpSpPr>
+        <p:cNvPr id="1" name=""/>
+        <p:cNvGrpSpPr/>
+        <p:nvPr/>
+      </p:nvGrpSpPr>
+      <p:grpSpPr>
+        <a:xfrm>
+          <a:off x="0" y="0"/>
+          <a:ext cx="0" cy="0"/>
+          <a:chOff x="0" y="0"/>
+          <a:chExt cx="0" cy="0"/>
+        </a:xfrm>
+      </p:grpSpPr>
+      <p:sp>
+        <p:nvSpPr>
+          <p:cNvPr id="2" name="Slide Image Placeholder 1"/>
+          <p:cNvSpPr>
+            <a:spLocks noGrp="1" noRot="1" noChangeAspect="1"/>
+          </p:cNvSpPr>
+          <p:nvPr>
+            <p:ph type="sldImg"/>
+          </p:nvPr>
+        </p:nvSpPr>
+        <p:spPr/>
+      </p:sp>
+      <p:sp>
+        <p:nvSpPr>
+          <p:cNvPr id="3" name="Notes Placeholder 2"/>
+          <p:cNvSpPr>
+            <a:spLocks noGrp="1"/>
+          </p:cNvSpPr>
+          <p:nvPr>
+            <p:ph type="body" idx="1"/>
+          </p:nvPr>
+        </p:nvSpPr>
+        <p:spPr/>
+        <p:txBody>
+          <a:bodyPr/>
+          <a:lstStyle/>
+          <a:p>
+            <a:r>
+              <a:rPr lang="en-US" sz="1200" b="0" i="0" kern="1200" dirty="0">
+                <a:solidFill>
+                  <a:schemeClr val="tx1"/>
+                </a:solidFill>
+                <a:effectLst/>
+                <a:latin typeface="+mn-lt"/>
+                <a:ea typeface="+mn-ea"/>
+                <a:cs typeface="+mn-cs"/>
+              </a:rPr>
+              <a:t>By default, environment variables used to configure these settings can have a </a:t>
+            </a:r>
+            <a:r>
+              <a:rPr lang="en-US" dirty="0"/>
+              <a:t>DOTNET_</a:t>
+            </a:r>
+            <a:r>
+              <a:rPr lang="en-US" sz="1200" b="0" i="0" kern="1200" dirty="0">
+                <a:solidFill>
+                  <a:schemeClr val="tx1"/>
+                </a:solidFill>
+                <a:effectLst/>
+                <a:latin typeface="+mn-lt"/>
+                <a:ea typeface="+mn-ea"/>
+                <a:cs typeface="+mn-cs"/>
+              </a:rPr>
+              <a:t> or </a:t>
+            </a:r>
+            <a:r>
+              <a:rPr lang="en-US" dirty="0"/>
+              <a:t>ASPNETCORE_</a:t>
+            </a:r>
+            <a:r>
+              <a:rPr lang="en-US" sz="1200" b="0" i="0" kern="1200" dirty="0">
+                <a:solidFill>
+                  <a:schemeClr val="tx1"/>
+                </a:solidFill>
+                <a:effectLst/>
+                <a:latin typeface="+mn-lt"/>
+                <a:ea typeface="+mn-ea"/>
+                <a:cs typeface="+mn-cs"/>
+              </a:rPr>
+              <a:t> prefix</a:t>
+            </a:r>
+            <a:endParaRPr lang="ru-RU" sz="1200" b="0" i="0" kern="1200" dirty="0">
+              <a:solidFill>
+                <a:schemeClr val="tx1"/>
+              </a:solidFill>
+              <a:effectLst/>
+              <a:latin typeface="+mn-lt"/>
+              <a:ea typeface="+mn-ea"/>
+              <a:cs typeface="+mn-cs"/>
+            </a:endParaRPr>
+          </a:p>
+        </p:txBody>
+      </p:sp>
+      <p:sp>
+        <p:nvSpPr>
+          <p:cNvPr id="4" name="Slide Number Placeholder 3"/>
+          <p:cNvSpPr>
+            <a:spLocks noGrp="1"/>
+          </p:cNvSpPr>
+          <p:nvPr>
+            <p:ph type="sldNum" sz="quarter" idx="10"/>
+          </p:nvPr>
+        </p:nvSpPr>
+        <p:spPr/>
+        <p:txBody>
+          <a:bodyPr/>
+          <a:lstStyle/>
+          <a:p>
+            <a:fld id="{BA1D5B97-ACF5-4677-A104-92B2393AA446}" type="slidenum">
+              <a:rPr lang="en-US" smtClean="0"/>
+              <a:t>22</a:t>
+            </a:fld>
+            <a:endParaRPr lang="en-US"/>
+          </a:p>
+        </p:txBody>
+      </p:sp>
+    </p:spTree>
+    <p:extLst>
+      <p:ext uri="{BB962C8B-B14F-4D97-AF65-F5344CB8AC3E}">
+        <p14:creationId xmlns:p14="http://schemas.microsoft.com/office/powerpoint/2010/main" val="3567869317"/>
       </p:ext>
     </p:extLst>
   </p:cSld>
@@ -1457,6 +1752,954 @@
 </p:notes>
 </file>
 
+<file path=ppt/notesSlides/notesSlide20.xml><?xml version="1.0" encoding="utf-8"?>
+<p:notes xmlns:a="http://schemas.openxmlformats.org/drawingml/2006/main" xmlns:r="http://schemas.openxmlformats.org/officeDocument/2006/relationships" xmlns:p="http://schemas.openxmlformats.org/presentationml/2006/main">
+  <p:cSld>
+    <p:spTree>
+      <p:nvGrpSpPr>
+        <p:cNvPr id="1" name=""/>
+        <p:cNvGrpSpPr/>
+        <p:nvPr/>
+      </p:nvGrpSpPr>
+      <p:grpSpPr>
+        <a:xfrm>
+          <a:off x="0" y="0"/>
+          <a:ext cx="0" cy="0"/>
+          <a:chOff x="0" y="0"/>
+          <a:chExt cx="0" cy="0"/>
+        </a:xfrm>
+      </p:grpSpPr>
+      <p:sp>
+        <p:nvSpPr>
+          <p:cNvPr id="2" name="Slide Image Placeholder 1"/>
+          <p:cNvSpPr>
+            <a:spLocks noGrp="1" noRot="1" noChangeAspect="1"/>
+          </p:cNvSpPr>
+          <p:nvPr>
+            <p:ph type="sldImg"/>
+          </p:nvPr>
+        </p:nvSpPr>
+        <p:spPr/>
+      </p:sp>
+      <p:sp>
+        <p:nvSpPr>
+          <p:cNvPr id="3" name="Notes Placeholder 2"/>
+          <p:cNvSpPr>
+            <a:spLocks noGrp="1"/>
+          </p:cNvSpPr>
+          <p:nvPr>
+            <p:ph type="body" idx="1"/>
+          </p:nvPr>
+        </p:nvSpPr>
+        <p:spPr/>
+        <p:txBody>
+          <a:bodyPr/>
+          <a:lstStyle/>
+          <a:p>
+            <a:endParaRPr lang="ru-RU" sz="1200" b="0" i="0" kern="1200" dirty="0">
+              <a:solidFill>
+                <a:schemeClr val="tx1"/>
+              </a:solidFill>
+              <a:effectLst/>
+              <a:latin typeface="+mn-lt"/>
+              <a:ea typeface="+mn-ea"/>
+              <a:cs typeface="+mn-cs"/>
+            </a:endParaRPr>
+          </a:p>
+        </p:txBody>
+      </p:sp>
+      <p:sp>
+        <p:nvSpPr>
+          <p:cNvPr id="4" name="Slide Number Placeholder 3"/>
+          <p:cNvSpPr>
+            <a:spLocks noGrp="1"/>
+          </p:cNvSpPr>
+          <p:nvPr>
+            <p:ph type="sldNum" sz="quarter" idx="10"/>
+          </p:nvPr>
+        </p:nvSpPr>
+        <p:spPr/>
+        <p:txBody>
+          <a:bodyPr/>
+          <a:lstStyle/>
+          <a:p>
+            <a:fld id="{BA1D5B97-ACF5-4677-A104-92B2393AA446}" type="slidenum">
+              <a:rPr lang="en-US" smtClean="0"/>
+              <a:t>23</a:t>
+            </a:fld>
+            <a:endParaRPr lang="en-US"/>
+          </a:p>
+        </p:txBody>
+      </p:sp>
+    </p:spTree>
+    <p:extLst>
+      <p:ext uri="{BB962C8B-B14F-4D97-AF65-F5344CB8AC3E}">
+        <p14:creationId xmlns:p14="http://schemas.microsoft.com/office/powerpoint/2010/main" val="2688190303"/>
+      </p:ext>
+    </p:extLst>
+  </p:cSld>
+  <p:clrMapOvr>
+    <a:masterClrMapping/>
+  </p:clrMapOvr>
+</p:notes>
+</file>
+
+<file path=ppt/notesSlides/notesSlide21.xml><?xml version="1.0" encoding="utf-8"?>
+<p:notes xmlns:a="http://schemas.openxmlformats.org/drawingml/2006/main" xmlns:r="http://schemas.openxmlformats.org/officeDocument/2006/relationships" xmlns:p="http://schemas.openxmlformats.org/presentationml/2006/main">
+  <p:cSld>
+    <p:spTree>
+      <p:nvGrpSpPr>
+        <p:cNvPr id="1" name=""/>
+        <p:cNvGrpSpPr/>
+        <p:nvPr/>
+      </p:nvGrpSpPr>
+      <p:grpSpPr>
+        <a:xfrm>
+          <a:off x="0" y="0"/>
+          <a:ext cx="0" cy="0"/>
+          <a:chOff x="0" y="0"/>
+          <a:chExt cx="0" cy="0"/>
+        </a:xfrm>
+      </p:grpSpPr>
+      <p:sp>
+        <p:nvSpPr>
+          <p:cNvPr id="2" name="Slide Image Placeholder 1"/>
+          <p:cNvSpPr>
+            <a:spLocks noGrp="1" noRot="1" noChangeAspect="1"/>
+          </p:cNvSpPr>
+          <p:nvPr>
+            <p:ph type="sldImg"/>
+          </p:nvPr>
+        </p:nvSpPr>
+        <p:spPr/>
+      </p:sp>
+      <p:sp>
+        <p:nvSpPr>
+          <p:cNvPr id="3" name="Notes Placeholder 2"/>
+          <p:cNvSpPr>
+            <a:spLocks noGrp="1"/>
+          </p:cNvSpPr>
+          <p:nvPr>
+            <p:ph type="body" idx="1"/>
+          </p:nvPr>
+        </p:nvSpPr>
+        <p:spPr/>
+        <p:txBody>
+          <a:bodyPr/>
+          <a:lstStyle/>
+          <a:p>
+            <a:endParaRPr lang="ru-RU" sz="1200" b="0" i="0" kern="1200" dirty="0">
+              <a:solidFill>
+                <a:schemeClr val="tx1"/>
+              </a:solidFill>
+              <a:effectLst/>
+              <a:latin typeface="+mn-lt"/>
+              <a:ea typeface="+mn-ea"/>
+              <a:cs typeface="+mn-cs"/>
+            </a:endParaRPr>
+          </a:p>
+        </p:txBody>
+      </p:sp>
+      <p:sp>
+        <p:nvSpPr>
+          <p:cNvPr id="4" name="Slide Number Placeholder 3"/>
+          <p:cNvSpPr>
+            <a:spLocks noGrp="1"/>
+          </p:cNvSpPr>
+          <p:nvPr>
+            <p:ph type="sldNum" sz="quarter" idx="10"/>
+          </p:nvPr>
+        </p:nvSpPr>
+        <p:spPr/>
+        <p:txBody>
+          <a:bodyPr/>
+          <a:lstStyle/>
+          <a:p>
+            <a:fld id="{BA1D5B97-ACF5-4677-A104-92B2393AA446}" type="slidenum">
+              <a:rPr lang="en-US" smtClean="0"/>
+              <a:t>24</a:t>
+            </a:fld>
+            <a:endParaRPr lang="en-US"/>
+          </a:p>
+        </p:txBody>
+      </p:sp>
+    </p:spTree>
+    <p:extLst>
+      <p:ext uri="{BB962C8B-B14F-4D97-AF65-F5344CB8AC3E}">
+        <p14:creationId xmlns:p14="http://schemas.microsoft.com/office/powerpoint/2010/main" val="2900046704"/>
+      </p:ext>
+    </p:extLst>
+  </p:cSld>
+  <p:clrMapOvr>
+    <a:masterClrMapping/>
+  </p:clrMapOvr>
+</p:notes>
+</file>
+
+<file path=ppt/notesSlides/notesSlide22.xml><?xml version="1.0" encoding="utf-8"?>
+<p:notes xmlns:a="http://schemas.openxmlformats.org/drawingml/2006/main" xmlns:r="http://schemas.openxmlformats.org/officeDocument/2006/relationships" xmlns:p="http://schemas.openxmlformats.org/presentationml/2006/main">
+  <p:cSld>
+    <p:spTree>
+      <p:nvGrpSpPr>
+        <p:cNvPr id="1" name=""/>
+        <p:cNvGrpSpPr/>
+        <p:nvPr/>
+      </p:nvGrpSpPr>
+      <p:grpSpPr>
+        <a:xfrm>
+          <a:off x="0" y="0"/>
+          <a:ext cx="0" cy="0"/>
+          <a:chOff x="0" y="0"/>
+          <a:chExt cx="0" cy="0"/>
+        </a:xfrm>
+      </p:grpSpPr>
+      <p:sp>
+        <p:nvSpPr>
+          <p:cNvPr id="2" name="Slide Image Placeholder 1"/>
+          <p:cNvSpPr>
+            <a:spLocks noGrp="1" noRot="1" noChangeAspect="1"/>
+          </p:cNvSpPr>
+          <p:nvPr>
+            <p:ph type="sldImg"/>
+          </p:nvPr>
+        </p:nvSpPr>
+        <p:spPr/>
+      </p:sp>
+      <p:sp>
+        <p:nvSpPr>
+          <p:cNvPr id="3" name="Notes Placeholder 2"/>
+          <p:cNvSpPr>
+            <a:spLocks noGrp="1"/>
+          </p:cNvSpPr>
+          <p:nvPr>
+            <p:ph type="body" idx="1"/>
+          </p:nvPr>
+        </p:nvSpPr>
+        <p:spPr/>
+        <p:txBody>
+          <a:bodyPr/>
+          <a:lstStyle/>
+          <a:p>
+            <a:endParaRPr lang="ru-RU" sz="1200" b="0" i="0" kern="1200" dirty="0">
+              <a:solidFill>
+                <a:schemeClr val="tx1"/>
+              </a:solidFill>
+              <a:effectLst/>
+              <a:latin typeface="+mn-lt"/>
+              <a:ea typeface="+mn-ea"/>
+              <a:cs typeface="+mn-cs"/>
+            </a:endParaRPr>
+          </a:p>
+        </p:txBody>
+      </p:sp>
+      <p:sp>
+        <p:nvSpPr>
+          <p:cNvPr id="4" name="Slide Number Placeholder 3"/>
+          <p:cNvSpPr>
+            <a:spLocks noGrp="1"/>
+          </p:cNvSpPr>
+          <p:nvPr>
+            <p:ph type="sldNum" sz="quarter" idx="10"/>
+          </p:nvPr>
+        </p:nvSpPr>
+        <p:spPr/>
+        <p:txBody>
+          <a:bodyPr/>
+          <a:lstStyle/>
+          <a:p>
+            <a:fld id="{BA1D5B97-ACF5-4677-A104-92B2393AA446}" type="slidenum">
+              <a:rPr lang="en-US" smtClean="0"/>
+              <a:t>25</a:t>
+            </a:fld>
+            <a:endParaRPr lang="en-US"/>
+          </a:p>
+        </p:txBody>
+      </p:sp>
+    </p:spTree>
+    <p:extLst>
+      <p:ext uri="{BB962C8B-B14F-4D97-AF65-F5344CB8AC3E}">
+        <p14:creationId xmlns:p14="http://schemas.microsoft.com/office/powerpoint/2010/main" val="1041781849"/>
+      </p:ext>
+    </p:extLst>
+  </p:cSld>
+  <p:clrMapOvr>
+    <a:masterClrMapping/>
+  </p:clrMapOvr>
+</p:notes>
+</file>
+
+<file path=ppt/notesSlides/notesSlide23.xml><?xml version="1.0" encoding="utf-8"?>
+<p:notes xmlns:a="http://schemas.openxmlformats.org/drawingml/2006/main" xmlns:r="http://schemas.openxmlformats.org/officeDocument/2006/relationships" xmlns:p="http://schemas.openxmlformats.org/presentationml/2006/main">
+  <p:cSld>
+    <p:spTree>
+      <p:nvGrpSpPr>
+        <p:cNvPr id="1" name=""/>
+        <p:cNvGrpSpPr/>
+        <p:nvPr/>
+      </p:nvGrpSpPr>
+      <p:grpSpPr>
+        <a:xfrm>
+          <a:off x="0" y="0"/>
+          <a:ext cx="0" cy="0"/>
+          <a:chOff x="0" y="0"/>
+          <a:chExt cx="0" cy="0"/>
+        </a:xfrm>
+      </p:grpSpPr>
+      <p:sp>
+        <p:nvSpPr>
+          <p:cNvPr id="2" name="Slide Image Placeholder 1"/>
+          <p:cNvSpPr>
+            <a:spLocks noGrp="1" noRot="1" noChangeAspect="1"/>
+          </p:cNvSpPr>
+          <p:nvPr>
+            <p:ph type="sldImg"/>
+          </p:nvPr>
+        </p:nvSpPr>
+        <p:spPr/>
+      </p:sp>
+      <p:sp>
+        <p:nvSpPr>
+          <p:cNvPr id="3" name="Notes Placeholder 2"/>
+          <p:cNvSpPr>
+            <a:spLocks noGrp="1"/>
+          </p:cNvSpPr>
+          <p:nvPr>
+            <p:ph type="body" idx="1"/>
+          </p:nvPr>
+        </p:nvSpPr>
+        <p:spPr/>
+        <p:txBody>
+          <a:bodyPr/>
+          <a:lstStyle/>
+          <a:p>
+            <a:endParaRPr lang="ru-RU" sz="1200" b="0" i="0" kern="1200" dirty="0">
+              <a:solidFill>
+                <a:schemeClr val="tx1"/>
+              </a:solidFill>
+              <a:effectLst/>
+              <a:latin typeface="+mn-lt"/>
+              <a:ea typeface="+mn-ea"/>
+              <a:cs typeface="+mn-cs"/>
+            </a:endParaRPr>
+          </a:p>
+        </p:txBody>
+      </p:sp>
+      <p:sp>
+        <p:nvSpPr>
+          <p:cNvPr id="4" name="Slide Number Placeholder 3"/>
+          <p:cNvSpPr>
+            <a:spLocks noGrp="1"/>
+          </p:cNvSpPr>
+          <p:nvPr>
+            <p:ph type="sldNum" sz="quarter" idx="10"/>
+          </p:nvPr>
+        </p:nvSpPr>
+        <p:spPr/>
+        <p:txBody>
+          <a:bodyPr/>
+          <a:lstStyle/>
+          <a:p>
+            <a:fld id="{BA1D5B97-ACF5-4677-A104-92B2393AA446}" type="slidenum">
+              <a:rPr lang="en-US" smtClean="0"/>
+              <a:t>26</a:t>
+            </a:fld>
+            <a:endParaRPr lang="en-US"/>
+          </a:p>
+        </p:txBody>
+      </p:sp>
+    </p:spTree>
+    <p:extLst>
+      <p:ext uri="{BB962C8B-B14F-4D97-AF65-F5344CB8AC3E}">
+        <p14:creationId xmlns:p14="http://schemas.microsoft.com/office/powerpoint/2010/main" val="3660965305"/>
+      </p:ext>
+    </p:extLst>
+  </p:cSld>
+  <p:clrMapOvr>
+    <a:masterClrMapping/>
+  </p:clrMapOvr>
+</p:notes>
+</file>
+
+<file path=ppt/notesSlides/notesSlide24.xml><?xml version="1.0" encoding="utf-8"?>
+<p:notes xmlns:a="http://schemas.openxmlformats.org/drawingml/2006/main" xmlns:r="http://schemas.openxmlformats.org/officeDocument/2006/relationships" xmlns:p="http://schemas.openxmlformats.org/presentationml/2006/main">
+  <p:cSld>
+    <p:spTree>
+      <p:nvGrpSpPr>
+        <p:cNvPr id="1" name=""/>
+        <p:cNvGrpSpPr/>
+        <p:nvPr/>
+      </p:nvGrpSpPr>
+      <p:grpSpPr>
+        <a:xfrm>
+          <a:off x="0" y="0"/>
+          <a:ext cx="0" cy="0"/>
+          <a:chOff x="0" y="0"/>
+          <a:chExt cx="0" cy="0"/>
+        </a:xfrm>
+      </p:grpSpPr>
+      <p:sp>
+        <p:nvSpPr>
+          <p:cNvPr id="2" name="Slide Image Placeholder 1"/>
+          <p:cNvSpPr>
+            <a:spLocks noGrp="1" noRot="1" noChangeAspect="1"/>
+          </p:cNvSpPr>
+          <p:nvPr>
+            <p:ph type="sldImg"/>
+          </p:nvPr>
+        </p:nvSpPr>
+        <p:spPr/>
+      </p:sp>
+      <p:sp>
+        <p:nvSpPr>
+          <p:cNvPr id="3" name="Notes Placeholder 2"/>
+          <p:cNvSpPr>
+            <a:spLocks noGrp="1"/>
+          </p:cNvSpPr>
+          <p:nvPr>
+            <p:ph type="body" idx="1"/>
+          </p:nvPr>
+        </p:nvSpPr>
+        <p:spPr/>
+        <p:txBody>
+          <a:bodyPr/>
+          <a:lstStyle/>
+          <a:p>
+            <a:endParaRPr lang="ru-RU" sz="1200" b="0" i="0" kern="1200" dirty="0">
+              <a:solidFill>
+                <a:schemeClr val="tx1"/>
+              </a:solidFill>
+              <a:effectLst/>
+              <a:latin typeface="+mn-lt"/>
+              <a:ea typeface="+mn-ea"/>
+              <a:cs typeface="+mn-cs"/>
+            </a:endParaRPr>
+          </a:p>
+        </p:txBody>
+      </p:sp>
+      <p:sp>
+        <p:nvSpPr>
+          <p:cNvPr id="4" name="Slide Number Placeholder 3"/>
+          <p:cNvSpPr>
+            <a:spLocks noGrp="1"/>
+          </p:cNvSpPr>
+          <p:nvPr>
+            <p:ph type="sldNum" sz="quarter" idx="10"/>
+          </p:nvPr>
+        </p:nvSpPr>
+        <p:spPr/>
+        <p:txBody>
+          <a:bodyPr/>
+          <a:lstStyle/>
+          <a:p>
+            <a:fld id="{BA1D5B97-ACF5-4677-A104-92B2393AA446}" type="slidenum">
+              <a:rPr lang="en-US" smtClean="0"/>
+              <a:t>27</a:t>
+            </a:fld>
+            <a:endParaRPr lang="en-US"/>
+          </a:p>
+        </p:txBody>
+      </p:sp>
+    </p:spTree>
+    <p:extLst>
+      <p:ext uri="{BB962C8B-B14F-4D97-AF65-F5344CB8AC3E}">
+        <p14:creationId xmlns:p14="http://schemas.microsoft.com/office/powerpoint/2010/main" val="1611827246"/>
+      </p:ext>
+    </p:extLst>
+  </p:cSld>
+  <p:clrMapOvr>
+    <a:masterClrMapping/>
+  </p:clrMapOvr>
+</p:notes>
+</file>
+
+<file path=ppt/notesSlides/notesSlide25.xml><?xml version="1.0" encoding="utf-8"?>
+<p:notes xmlns:a="http://schemas.openxmlformats.org/drawingml/2006/main" xmlns:r="http://schemas.openxmlformats.org/officeDocument/2006/relationships" xmlns:p="http://schemas.openxmlformats.org/presentationml/2006/main">
+  <p:cSld>
+    <p:spTree>
+      <p:nvGrpSpPr>
+        <p:cNvPr id="1" name=""/>
+        <p:cNvGrpSpPr/>
+        <p:nvPr/>
+      </p:nvGrpSpPr>
+      <p:grpSpPr>
+        <a:xfrm>
+          <a:off x="0" y="0"/>
+          <a:ext cx="0" cy="0"/>
+          <a:chOff x="0" y="0"/>
+          <a:chExt cx="0" cy="0"/>
+        </a:xfrm>
+      </p:grpSpPr>
+      <p:sp>
+        <p:nvSpPr>
+          <p:cNvPr id="2" name="Slide Image Placeholder 1"/>
+          <p:cNvSpPr>
+            <a:spLocks noGrp="1" noRot="1" noChangeAspect="1"/>
+          </p:cNvSpPr>
+          <p:nvPr>
+            <p:ph type="sldImg"/>
+          </p:nvPr>
+        </p:nvSpPr>
+        <p:spPr/>
+      </p:sp>
+      <p:sp>
+        <p:nvSpPr>
+          <p:cNvPr id="3" name="Notes Placeholder 2"/>
+          <p:cNvSpPr>
+            <a:spLocks noGrp="1"/>
+          </p:cNvSpPr>
+          <p:nvPr>
+            <p:ph type="body" idx="1"/>
+          </p:nvPr>
+        </p:nvSpPr>
+        <p:spPr/>
+        <p:txBody>
+          <a:bodyPr/>
+          <a:lstStyle/>
+          <a:p>
+            <a:endParaRPr lang="ru-RU" sz="1200" b="0" i="0" kern="1200" dirty="0">
+              <a:solidFill>
+                <a:schemeClr val="tx1"/>
+              </a:solidFill>
+              <a:effectLst/>
+              <a:latin typeface="+mn-lt"/>
+              <a:ea typeface="+mn-ea"/>
+              <a:cs typeface="+mn-cs"/>
+            </a:endParaRPr>
+          </a:p>
+        </p:txBody>
+      </p:sp>
+      <p:sp>
+        <p:nvSpPr>
+          <p:cNvPr id="4" name="Slide Number Placeholder 3"/>
+          <p:cNvSpPr>
+            <a:spLocks noGrp="1"/>
+          </p:cNvSpPr>
+          <p:nvPr>
+            <p:ph type="sldNum" sz="quarter" idx="10"/>
+          </p:nvPr>
+        </p:nvSpPr>
+        <p:spPr/>
+        <p:txBody>
+          <a:bodyPr/>
+          <a:lstStyle/>
+          <a:p>
+            <a:fld id="{BA1D5B97-ACF5-4677-A104-92B2393AA446}" type="slidenum">
+              <a:rPr lang="en-US" smtClean="0"/>
+              <a:t>28</a:t>
+            </a:fld>
+            <a:endParaRPr lang="en-US"/>
+          </a:p>
+        </p:txBody>
+      </p:sp>
+    </p:spTree>
+    <p:extLst>
+      <p:ext uri="{BB962C8B-B14F-4D97-AF65-F5344CB8AC3E}">
+        <p14:creationId xmlns:p14="http://schemas.microsoft.com/office/powerpoint/2010/main" val="2934335459"/>
+      </p:ext>
+    </p:extLst>
+  </p:cSld>
+  <p:clrMapOvr>
+    <a:masterClrMapping/>
+  </p:clrMapOvr>
+</p:notes>
+</file>
+
+<file path=ppt/notesSlides/notesSlide26.xml><?xml version="1.0" encoding="utf-8"?>
+<p:notes xmlns:a="http://schemas.openxmlformats.org/drawingml/2006/main" xmlns:r="http://schemas.openxmlformats.org/officeDocument/2006/relationships" xmlns:p="http://schemas.openxmlformats.org/presentationml/2006/main">
+  <p:cSld>
+    <p:spTree>
+      <p:nvGrpSpPr>
+        <p:cNvPr id="1" name=""/>
+        <p:cNvGrpSpPr/>
+        <p:nvPr/>
+      </p:nvGrpSpPr>
+      <p:grpSpPr>
+        <a:xfrm>
+          <a:off x="0" y="0"/>
+          <a:ext cx="0" cy="0"/>
+          <a:chOff x="0" y="0"/>
+          <a:chExt cx="0" cy="0"/>
+        </a:xfrm>
+      </p:grpSpPr>
+      <p:sp>
+        <p:nvSpPr>
+          <p:cNvPr id="2" name="Slide Image Placeholder 1"/>
+          <p:cNvSpPr>
+            <a:spLocks noGrp="1" noRot="1" noChangeAspect="1"/>
+          </p:cNvSpPr>
+          <p:nvPr>
+            <p:ph type="sldImg"/>
+          </p:nvPr>
+        </p:nvSpPr>
+        <p:spPr/>
+      </p:sp>
+      <p:sp>
+        <p:nvSpPr>
+          <p:cNvPr id="3" name="Notes Placeholder 2"/>
+          <p:cNvSpPr>
+            <a:spLocks noGrp="1"/>
+          </p:cNvSpPr>
+          <p:nvPr>
+            <p:ph type="body" idx="1"/>
+          </p:nvPr>
+        </p:nvSpPr>
+        <p:spPr/>
+        <p:txBody>
+          <a:bodyPr/>
+          <a:lstStyle/>
+          <a:p>
+            <a:endParaRPr lang="ru-RU" sz="1200" b="0" i="0" kern="1200" dirty="0">
+              <a:solidFill>
+                <a:schemeClr val="tx1"/>
+              </a:solidFill>
+              <a:effectLst/>
+              <a:latin typeface="+mn-lt"/>
+              <a:ea typeface="+mn-ea"/>
+              <a:cs typeface="+mn-cs"/>
+            </a:endParaRPr>
+          </a:p>
+        </p:txBody>
+      </p:sp>
+      <p:sp>
+        <p:nvSpPr>
+          <p:cNvPr id="4" name="Slide Number Placeholder 3"/>
+          <p:cNvSpPr>
+            <a:spLocks noGrp="1"/>
+          </p:cNvSpPr>
+          <p:nvPr>
+            <p:ph type="sldNum" sz="quarter" idx="10"/>
+          </p:nvPr>
+        </p:nvSpPr>
+        <p:spPr/>
+        <p:txBody>
+          <a:bodyPr/>
+          <a:lstStyle/>
+          <a:p>
+            <a:fld id="{BA1D5B97-ACF5-4677-A104-92B2393AA446}" type="slidenum">
+              <a:rPr lang="en-US" smtClean="0"/>
+              <a:t>29</a:t>
+            </a:fld>
+            <a:endParaRPr lang="en-US"/>
+          </a:p>
+        </p:txBody>
+      </p:sp>
+    </p:spTree>
+    <p:extLst>
+      <p:ext uri="{BB962C8B-B14F-4D97-AF65-F5344CB8AC3E}">
+        <p14:creationId xmlns:p14="http://schemas.microsoft.com/office/powerpoint/2010/main" val="2410831778"/>
+      </p:ext>
+    </p:extLst>
+  </p:cSld>
+  <p:clrMapOvr>
+    <a:masterClrMapping/>
+  </p:clrMapOvr>
+</p:notes>
+</file>
+
+<file path=ppt/notesSlides/notesSlide27.xml><?xml version="1.0" encoding="utf-8"?>
+<p:notes xmlns:a="http://schemas.openxmlformats.org/drawingml/2006/main" xmlns:r="http://schemas.openxmlformats.org/officeDocument/2006/relationships" xmlns:p="http://schemas.openxmlformats.org/presentationml/2006/main">
+  <p:cSld>
+    <p:spTree>
+      <p:nvGrpSpPr>
+        <p:cNvPr id="1" name=""/>
+        <p:cNvGrpSpPr/>
+        <p:nvPr/>
+      </p:nvGrpSpPr>
+      <p:grpSpPr>
+        <a:xfrm>
+          <a:off x="0" y="0"/>
+          <a:ext cx="0" cy="0"/>
+          <a:chOff x="0" y="0"/>
+          <a:chExt cx="0" cy="0"/>
+        </a:xfrm>
+      </p:grpSpPr>
+      <p:sp>
+        <p:nvSpPr>
+          <p:cNvPr id="2" name="Slide Image Placeholder 1"/>
+          <p:cNvSpPr>
+            <a:spLocks noGrp="1" noRot="1" noChangeAspect="1"/>
+          </p:cNvSpPr>
+          <p:nvPr>
+            <p:ph type="sldImg"/>
+          </p:nvPr>
+        </p:nvSpPr>
+        <p:spPr/>
+      </p:sp>
+      <p:sp>
+        <p:nvSpPr>
+          <p:cNvPr id="3" name="Notes Placeholder 2"/>
+          <p:cNvSpPr>
+            <a:spLocks noGrp="1"/>
+          </p:cNvSpPr>
+          <p:nvPr>
+            <p:ph type="body" idx="1"/>
+          </p:nvPr>
+        </p:nvSpPr>
+        <p:spPr/>
+        <p:txBody>
+          <a:bodyPr/>
+          <a:lstStyle/>
+          <a:p>
+            <a:r>
+              <a:rPr lang="en-US" sz="1200" b="0" i="0" kern="1200" dirty="0">
+                <a:solidFill>
+                  <a:schemeClr val="tx1"/>
+                </a:solidFill>
+                <a:effectLst/>
+                <a:latin typeface="+mn-lt"/>
+                <a:ea typeface="+mn-ea"/>
+                <a:cs typeface="+mn-cs"/>
+              </a:rPr>
+              <a:t>If multiple </a:t>
+            </a:r>
+            <a:r>
+              <a:rPr lang="en-US" dirty="0" err="1"/>
+              <a:t>UseStartup</a:t>
+            </a:r>
+            <a:r>
+              <a:rPr lang="en-US" sz="1200" b="0" i="0" kern="1200" dirty="0">
+                <a:solidFill>
+                  <a:schemeClr val="tx1"/>
+                </a:solidFill>
+                <a:effectLst/>
+                <a:latin typeface="+mn-lt"/>
+                <a:ea typeface="+mn-ea"/>
+                <a:cs typeface="+mn-cs"/>
+              </a:rPr>
+              <a:t> methods are called, the last one takes precedence.</a:t>
+            </a:r>
+            <a:endParaRPr lang="ru-RU" sz="1200" b="0" i="0" kern="1200" dirty="0">
+              <a:solidFill>
+                <a:schemeClr val="tx1"/>
+              </a:solidFill>
+              <a:effectLst/>
+              <a:latin typeface="+mn-lt"/>
+              <a:ea typeface="+mn-ea"/>
+              <a:cs typeface="+mn-cs"/>
+            </a:endParaRPr>
+          </a:p>
+        </p:txBody>
+      </p:sp>
+      <p:sp>
+        <p:nvSpPr>
+          <p:cNvPr id="4" name="Slide Number Placeholder 3"/>
+          <p:cNvSpPr>
+            <a:spLocks noGrp="1"/>
+          </p:cNvSpPr>
+          <p:nvPr>
+            <p:ph type="sldNum" sz="quarter" idx="10"/>
+          </p:nvPr>
+        </p:nvSpPr>
+        <p:spPr/>
+        <p:txBody>
+          <a:bodyPr/>
+          <a:lstStyle/>
+          <a:p>
+            <a:fld id="{BA1D5B97-ACF5-4677-A104-92B2393AA446}" type="slidenum">
+              <a:rPr lang="en-US" smtClean="0"/>
+              <a:t>30</a:t>
+            </a:fld>
+            <a:endParaRPr lang="en-US"/>
+          </a:p>
+        </p:txBody>
+      </p:sp>
+    </p:spTree>
+    <p:extLst>
+      <p:ext uri="{BB962C8B-B14F-4D97-AF65-F5344CB8AC3E}">
+        <p14:creationId xmlns:p14="http://schemas.microsoft.com/office/powerpoint/2010/main" val="2668564953"/>
+      </p:ext>
+    </p:extLst>
+  </p:cSld>
+  <p:clrMapOvr>
+    <a:masterClrMapping/>
+  </p:clrMapOvr>
+</p:notes>
+</file>
+
+<file path=ppt/notesSlides/notesSlide28.xml><?xml version="1.0" encoding="utf-8"?>
+<p:notes xmlns:a="http://schemas.openxmlformats.org/drawingml/2006/main" xmlns:r="http://schemas.openxmlformats.org/officeDocument/2006/relationships" xmlns:p="http://schemas.openxmlformats.org/presentationml/2006/main">
+  <p:cSld>
+    <p:spTree>
+      <p:nvGrpSpPr>
+        <p:cNvPr id="1" name=""/>
+        <p:cNvGrpSpPr/>
+        <p:nvPr/>
+      </p:nvGrpSpPr>
+      <p:grpSpPr>
+        <a:xfrm>
+          <a:off x="0" y="0"/>
+          <a:ext cx="0" cy="0"/>
+          <a:chOff x="0" y="0"/>
+          <a:chExt cx="0" cy="0"/>
+        </a:xfrm>
+      </p:grpSpPr>
+      <p:sp>
+        <p:nvSpPr>
+          <p:cNvPr id="2" name="Slide Image Placeholder 1"/>
+          <p:cNvSpPr>
+            <a:spLocks noGrp="1" noRot="1" noChangeAspect="1"/>
+          </p:cNvSpPr>
+          <p:nvPr>
+            <p:ph type="sldImg"/>
+          </p:nvPr>
+        </p:nvSpPr>
+        <p:spPr/>
+      </p:sp>
+      <p:sp>
+        <p:nvSpPr>
+          <p:cNvPr id="3" name="Notes Placeholder 2"/>
+          <p:cNvSpPr>
+            <a:spLocks noGrp="1"/>
+          </p:cNvSpPr>
+          <p:nvPr>
+            <p:ph type="body" idx="1"/>
+          </p:nvPr>
+        </p:nvSpPr>
+        <p:spPr/>
+        <p:txBody>
+          <a:bodyPr/>
+          <a:lstStyle/>
+          <a:p>
+            <a:endParaRPr lang="ru-RU" sz="1200" b="0" i="0" kern="1200" dirty="0">
+              <a:solidFill>
+                <a:schemeClr val="tx1"/>
+              </a:solidFill>
+              <a:effectLst/>
+              <a:latin typeface="+mn-lt"/>
+              <a:ea typeface="+mn-ea"/>
+              <a:cs typeface="+mn-cs"/>
+            </a:endParaRPr>
+          </a:p>
+        </p:txBody>
+      </p:sp>
+      <p:sp>
+        <p:nvSpPr>
+          <p:cNvPr id="4" name="Slide Number Placeholder 3"/>
+          <p:cNvSpPr>
+            <a:spLocks noGrp="1"/>
+          </p:cNvSpPr>
+          <p:nvPr>
+            <p:ph type="sldNum" sz="quarter" idx="10"/>
+          </p:nvPr>
+        </p:nvSpPr>
+        <p:spPr/>
+        <p:txBody>
+          <a:bodyPr/>
+          <a:lstStyle/>
+          <a:p>
+            <a:fld id="{BA1D5B97-ACF5-4677-A104-92B2393AA446}" type="slidenum">
+              <a:rPr lang="en-US" smtClean="0"/>
+              <a:t>31</a:t>
+            </a:fld>
+            <a:endParaRPr lang="en-US"/>
+          </a:p>
+        </p:txBody>
+      </p:sp>
+    </p:spTree>
+    <p:extLst>
+      <p:ext uri="{BB962C8B-B14F-4D97-AF65-F5344CB8AC3E}">
+        <p14:creationId xmlns:p14="http://schemas.microsoft.com/office/powerpoint/2010/main" val="4291068793"/>
+      </p:ext>
+    </p:extLst>
+  </p:cSld>
+  <p:clrMapOvr>
+    <a:masterClrMapping/>
+  </p:clrMapOvr>
+</p:notes>
+</file>
+
+<file path=ppt/notesSlides/notesSlide29.xml><?xml version="1.0" encoding="utf-8"?>
+<p:notes xmlns:a="http://schemas.openxmlformats.org/drawingml/2006/main" xmlns:r="http://schemas.openxmlformats.org/officeDocument/2006/relationships" xmlns:p="http://schemas.openxmlformats.org/presentationml/2006/main">
+  <p:cSld>
+    <p:spTree>
+      <p:nvGrpSpPr>
+        <p:cNvPr id="1" name=""/>
+        <p:cNvGrpSpPr/>
+        <p:nvPr/>
+      </p:nvGrpSpPr>
+      <p:grpSpPr>
+        <a:xfrm>
+          <a:off x="0" y="0"/>
+          <a:ext cx="0" cy="0"/>
+          <a:chOff x="0" y="0"/>
+          <a:chExt cx="0" cy="0"/>
+        </a:xfrm>
+      </p:grpSpPr>
+      <p:sp>
+        <p:nvSpPr>
+          <p:cNvPr id="2" name="Slide Image Placeholder 1"/>
+          <p:cNvSpPr>
+            <a:spLocks noGrp="1" noRot="1" noChangeAspect="1"/>
+          </p:cNvSpPr>
+          <p:nvPr>
+            <p:ph type="sldImg"/>
+          </p:nvPr>
+        </p:nvSpPr>
+        <p:spPr/>
+      </p:sp>
+      <p:sp>
+        <p:nvSpPr>
+          <p:cNvPr id="3" name="Notes Placeholder 2"/>
+          <p:cNvSpPr>
+            <a:spLocks noGrp="1"/>
+          </p:cNvSpPr>
+          <p:nvPr>
+            <p:ph type="body" idx="1"/>
+          </p:nvPr>
+        </p:nvSpPr>
+        <p:spPr/>
+        <p:txBody>
+          <a:bodyPr/>
+          <a:lstStyle/>
+          <a:p>
+            <a:endParaRPr lang="ru-RU" sz="1200" b="0" i="0" kern="1200" dirty="0">
+              <a:solidFill>
+                <a:schemeClr val="tx1"/>
+              </a:solidFill>
+              <a:effectLst/>
+              <a:latin typeface="+mn-lt"/>
+              <a:ea typeface="+mn-ea"/>
+              <a:cs typeface="+mn-cs"/>
+            </a:endParaRPr>
+          </a:p>
+        </p:txBody>
+      </p:sp>
+      <p:sp>
+        <p:nvSpPr>
+          <p:cNvPr id="4" name="Slide Number Placeholder 3"/>
+          <p:cNvSpPr>
+            <a:spLocks noGrp="1"/>
+          </p:cNvSpPr>
+          <p:nvPr>
+            <p:ph type="sldNum" sz="quarter" idx="10"/>
+          </p:nvPr>
+        </p:nvSpPr>
+        <p:spPr/>
+        <p:txBody>
+          <a:bodyPr/>
+          <a:lstStyle/>
+          <a:p>
+            <a:fld id="{BA1D5B97-ACF5-4677-A104-92B2393AA446}" type="slidenum">
+              <a:rPr lang="en-US" smtClean="0"/>
+              <a:t>32</a:t>
+            </a:fld>
+            <a:endParaRPr lang="en-US"/>
+          </a:p>
+        </p:txBody>
+      </p:sp>
+    </p:spTree>
+    <p:extLst>
+      <p:ext uri="{BB962C8B-B14F-4D97-AF65-F5344CB8AC3E}">
+        <p14:creationId xmlns:p14="http://schemas.microsoft.com/office/powerpoint/2010/main" val="780957082"/>
+      </p:ext>
+    </p:extLst>
+  </p:cSld>
+  <p:clrMapOvr>
+    <a:masterClrMapping/>
+  </p:clrMapOvr>
+</p:notes>
+</file>
+
 <file path=ppt/notesSlides/notesSlide3.xml><?xml version="1.0" encoding="utf-8"?>
 <p:notes xmlns:a="http://schemas.openxmlformats.org/drawingml/2006/main" xmlns:r="http://schemas.openxmlformats.org/officeDocument/2006/relationships" xmlns:p="http://schemas.openxmlformats.org/presentationml/2006/main">
   <p:cSld>
@@ -1532,6 +2775,274 @@
     <p:extLst>
       <p:ext uri="{BB962C8B-B14F-4D97-AF65-F5344CB8AC3E}">
         <p14:creationId xmlns:p14="http://schemas.microsoft.com/office/powerpoint/2010/main" val="3886403668"/>
+      </p:ext>
+    </p:extLst>
+  </p:cSld>
+  <p:clrMapOvr>
+    <a:masterClrMapping/>
+  </p:clrMapOvr>
+</p:notes>
+</file>
+
+<file path=ppt/notesSlides/notesSlide30.xml><?xml version="1.0" encoding="utf-8"?>
+<p:notes xmlns:a="http://schemas.openxmlformats.org/drawingml/2006/main" xmlns:r="http://schemas.openxmlformats.org/officeDocument/2006/relationships" xmlns:p="http://schemas.openxmlformats.org/presentationml/2006/main">
+  <p:cSld>
+    <p:spTree>
+      <p:nvGrpSpPr>
+        <p:cNvPr id="1" name=""/>
+        <p:cNvGrpSpPr/>
+        <p:nvPr/>
+      </p:nvGrpSpPr>
+      <p:grpSpPr>
+        <a:xfrm>
+          <a:off x="0" y="0"/>
+          <a:ext cx="0" cy="0"/>
+          <a:chOff x="0" y="0"/>
+          <a:chExt cx="0" cy="0"/>
+        </a:xfrm>
+      </p:grpSpPr>
+      <p:sp>
+        <p:nvSpPr>
+          <p:cNvPr id="2" name="Slide Image Placeholder 1"/>
+          <p:cNvSpPr>
+            <a:spLocks noGrp="1" noRot="1" noChangeAspect="1"/>
+          </p:cNvSpPr>
+          <p:nvPr>
+            <p:ph type="sldImg"/>
+          </p:nvPr>
+        </p:nvSpPr>
+        <p:spPr/>
+      </p:sp>
+      <p:sp>
+        <p:nvSpPr>
+          <p:cNvPr id="3" name="Notes Placeholder 2"/>
+          <p:cNvSpPr>
+            <a:spLocks noGrp="1"/>
+          </p:cNvSpPr>
+          <p:nvPr>
+            <p:ph type="body" idx="1"/>
+          </p:nvPr>
+        </p:nvSpPr>
+        <p:spPr/>
+        <p:txBody>
+          <a:bodyPr/>
+          <a:lstStyle/>
+          <a:p>
+            <a:endParaRPr lang="ru-RU" sz="1200" b="0" i="0" kern="1200" dirty="0">
+              <a:solidFill>
+                <a:schemeClr val="tx1"/>
+              </a:solidFill>
+              <a:effectLst/>
+              <a:latin typeface="+mn-lt"/>
+              <a:ea typeface="+mn-ea"/>
+              <a:cs typeface="+mn-cs"/>
+            </a:endParaRPr>
+          </a:p>
+        </p:txBody>
+      </p:sp>
+      <p:sp>
+        <p:nvSpPr>
+          <p:cNvPr id="4" name="Slide Number Placeholder 3"/>
+          <p:cNvSpPr>
+            <a:spLocks noGrp="1"/>
+          </p:cNvSpPr>
+          <p:nvPr>
+            <p:ph type="sldNum" sz="quarter" idx="10"/>
+          </p:nvPr>
+        </p:nvSpPr>
+        <p:spPr/>
+        <p:txBody>
+          <a:bodyPr/>
+          <a:lstStyle/>
+          <a:p>
+            <a:fld id="{BA1D5B97-ACF5-4677-A104-92B2393AA446}" type="slidenum">
+              <a:rPr lang="en-US" smtClean="0"/>
+              <a:t>33</a:t>
+            </a:fld>
+            <a:endParaRPr lang="en-US"/>
+          </a:p>
+        </p:txBody>
+      </p:sp>
+    </p:spTree>
+    <p:extLst>
+      <p:ext uri="{BB962C8B-B14F-4D97-AF65-F5344CB8AC3E}">
+        <p14:creationId xmlns:p14="http://schemas.microsoft.com/office/powerpoint/2010/main" val="1327255802"/>
+      </p:ext>
+    </p:extLst>
+  </p:cSld>
+  <p:clrMapOvr>
+    <a:masterClrMapping/>
+  </p:clrMapOvr>
+</p:notes>
+</file>
+
+<file path=ppt/notesSlides/notesSlide31.xml><?xml version="1.0" encoding="utf-8"?>
+<p:notes xmlns:a="http://schemas.openxmlformats.org/drawingml/2006/main" xmlns:r="http://schemas.openxmlformats.org/officeDocument/2006/relationships" xmlns:p="http://schemas.openxmlformats.org/presentationml/2006/main">
+  <p:cSld>
+    <p:spTree>
+      <p:nvGrpSpPr>
+        <p:cNvPr id="1" name=""/>
+        <p:cNvGrpSpPr/>
+        <p:nvPr/>
+      </p:nvGrpSpPr>
+      <p:grpSpPr>
+        <a:xfrm>
+          <a:off x="0" y="0"/>
+          <a:ext cx="0" cy="0"/>
+          <a:chOff x="0" y="0"/>
+          <a:chExt cx="0" cy="0"/>
+        </a:xfrm>
+      </p:grpSpPr>
+      <p:sp>
+        <p:nvSpPr>
+          <p:cNvPr id="2" name="Slide Image Placeholder 1"/>
+          <p:cNvSpPr>
+            <a:spLocks noGrp="1" noRot="1" noChangeAspect="1"/>
+          </p:cNvSpPr>
+          <p:nvPr>
+            <p:ph type="sldImg"/>
+          </p:nvPr>
+        </p:nvSpPr>
+        <p:spPr/>
+      </p:sp>
+      <p:sp>
+        <p:nvSpPr>
+          <p:cNvPr id="3" name="Notes Placeholder 2"/>
+          <p:cNvSpPr>
+            <a:spLocks noGrp="1"/>
+          </p:cNvSpPr>
+          <p:nvPr>
+            <p:ph type="body" idx="1"/>
+          </p:nvPr>
+        </p:nvSpPr>
+        <p:spPr/>
+        <p:txBody>
+          <a:bodyPr/>
+          <a:lstStyle/>
+          <a:p>
+            <a:endParaRPr lang="ru-RU" sz="1200" b="0" i="0" kern="1200" dirty="0">
+              <a:solidFill>
+                <a:schemeClr val="tx1"/>
+              </a:solidFill>
+              <a:effectLst/>
+              <a:latin typeface="+mn-lt"/>
+              <a:ea typeface="+mn-ea"/>
+              <a:cs typeface="+mn-cs"/>
+            </a:endParaRPr>
+          </a:p>
+        </p:txBody>
+      </p:sp>
+      <p:sp>
+        <p:nvSpPr>
+          <p:cNvPr id="4" name="Slide Number Placeholder 3"/>
+          <p:cNvSpPr>
+            <a:spLocks noGrp="1"/>
+          </p:cNvSpPr>
+          <p:nvPr>
+            <p:ph type="sldNum" sz="quarter" idx="10"/>
+          </p:nvPr>
+        </p:nvSpPr>
+        <p:spPr/>
+        <p:txBody>
+          <a:bodyPr/>
+          <a:lstStyle/>
+          <a:p>
+            <a:fld id="{BA1D5B97-ACF5-4677-A104-92B2393AA446}" type="slidenum">
+              <a:rPr lang="en-US" smtClean="0"/>
+              <a:t>34</a:t>
+            </a:fld>
+            <a:endParaRPr lang="en-US"/>
+          </a:p>
+        </p:txBody>
+      </p:sp>
+    </p:spTree>
+    <p:extLst>
+      <p:ext uri="{BB962C8B-B14F-4D97-AF65-F5344CB8AC3E}">
+        <p14:creationId xmlns:p14="http://schemas.microsoft.com/office/powerpoint/2010/main" val="3251060575"/>
+      </p:ext>
+    </p:extLst>
+  </p:cSld>
+  <p:clrMapOvr>
+    <a:masterClrMapping/>
+  </p:clrMapOvr>
+</p:notes>
+</file>
+
+<file path=ppt/notesSlides/notesSlide32.xml><?xml version="1.0" encoding="utf-8"?>
+<p:notes xmlns:a="http://schemas.openxmlformats.org/drawingml/2006/main" xmlns:r="http://schemas.openxmlformats.org/officeDocument/2006/relationships" xmlns:p="http://schemas.openxmlformats.org/presentationml/2006/main">
+  <p:cSld>
+    <p:spTree>
+      <p:nvGrpSpPr>
+        <p:cNvPr id="1" name=""/>
+        <p:cNvGrpSpPr/>
+        <p:nvPr/>
+      </p:nvGrpSpPr>
+      <p:grpSpPr>
+        <a:xfrm>
+          <a:off x="0" y="0"/>
+          <a:ext cx="0" cy="0"/>
+          <a:chOff x="0" y="0"/>
+          <a:chExt cx="0" cy="0"/>
+        </a:xfrm>
+      </p:grpSpPr>
+      <p:sp>
+        <p:nvSpPr>
+          <p:cNvPr id="2" name="Slide Image Placeholder 1"/>
+          <p:cNvSpPr>
+            <a:spLocks noGrp="1" noRot="1" noChangeAspect="1"/>
+          </p:cNvSpPr>
+          <p:nvPr>
+            <p:ph type="sldImg"/>
+          </p:nvPr>
+        </p:nvSpPr>
+        <p:spPr/>
+      </p:sp>
+      <p:sp>
+        <p:nvSpPr>
+          <p:cNvPr id="3" name="Notes Placeholder 2"/>
+          <p:cNvSpPr>
+            <a:spLocks noGrp="1"/>
+          </p:cNvSpPr>
+          <p:nvPr>
+            <p:ph type="body" idx="1"/>
+          </p:nvPr>
+        </p:nvSpPr>
+        <p:spPr/>
+        <p:txBody>
+          <a:bodyPr/>
+          <a:lstStyle/>
+          <a:p>
+            <a:endParaRPr lang="en-US" dirty="0"/>
+          </a:p>
+        </p:txBody>
+      </p:sp>
+      <p:sp>
+        <p:nvSpPr>
+          <p:cNvPr id="4" name="Slide Number Placeholder 3"/>
+          <p:cNvSpPr>
+            <a:spLocks noGrp="1"/>
+          </p:cNvSpPr>
+          <p:nvPr>
+            <p:ph type="sldNum" sz="quarter" idx="10"/>
+          </p:nvPr>
+        </p:nvSpPr>
+        <p:spPr/>
+        <p:txBody>
+          <a:bodyPr/>
+          <a:lstStyle/>
+          <a:p>
+            <a:fld id="{BA1D5B97-ACF5-4677-A104-92B2393AA446}" type="slidenum">
+              <a:rPr lang="en-US" smtClean="0"/>
+              <a:t>35</a:t>
+            </a:fld>
+            <a:endParaRPr lang="en-US"/>
+          </a:p>
+        </p:txBody>
+      </p:sp>
+    </p:spTree>
+    <p:extLst>
+      <p:ext uri="{BB962C8B-B14F-4D97-AF65-F5344CB8AC3E}">
+        <p14:creationId xmlns:p14="http://schemas.microsoft.com/office/powerpoint/2010/main" val="515334132"/>
       </p:ext>
     </p:extLst>
   </p:cSld>
@@ -6753,12 +8264,14 @@
           </a:xfrm>
         </p:spPr>
         <p:txBody>
-          <a:bodyPr/>
+          <a:bodyPr>
+            <a:normAutofit/>
+          </a:bodyPr>
           <a:lstStyle/>
           <a:p>
             <a:r>
               <a:rPr lang="en-US" dirty="0"/>
-              <a:t>Header</a:t>
+              <a:t>Host configuration</a:t>
             </a:r>
           </a:p>
         </p:txBody>
@@ -6777,8 +8290,8 @@
         </p:nvSpPr>
         <p:spPr>
           <a:xfrm>
-            <a:off x="474785" y="1659285"/>
-            <a:ext cx="12162692" cy="523220"/>
+            <a:off x="474785" y="2146965"/>
+            <a:ext cx="11717215" cy="3970318"/>
           </a:xfrm>
           <a:prstGeom prst="rect">
             <a:avLst/>
@@ -6791,10 +8304,96 @@
           </a:bodyPr>
           <a:lstStyle/>
           <a:p>
+            <a:pPr marL="457200" indent="-457200">
+              <a:buFont typeface="Arial" panose="020B0604020202020204" pitchFamily="34" charset="0"/>
+              <a:buChar char="•"/>
+            </a:pPr>
             <a:r>
               <a:rPr lang="en-US" sz="2800" dirty="0"/>
-              <a:t>text</a:t>
-            </a:r>
+              <a:t>Used for the properties of the </a:t>
+            </a:r>
+            <a:r>
+              <a:rPr lang="en-US" sz="2800" dirty="0" err="1"/>
+              <a:t>IHostEnvironment</a:t>
+            </a:r>
+            <a:r>
+              <a:rPr lang="en-US" sz="2800" dirty="0"/>
+              <a:t> implementation</a:t>
+            </a:r>
+            <a:endParaRPr lang="ru-RU" sz="2800" dirty="0"/>
+          </a:p>
+          <a:p>
+            <a:pPr marL="457200" indent="-457200">
+              <a:buFont typeface="Arial" panose="020B0604020202020204" pitchFamily="34" charset="0"/>
+              <a:buChar char="•"/>
+            </a:pPr>
+            <a:r>
+              <a:rPr lang="en-US" sz="2800" dirty="0"/>
+              <a:t>Available from </a:t>
+            </a:r>
+            <a:r>
+              <a:rPr lang="en-US" sz="2800" dirty="0" err="1"/>
+              <a:t>HostBuilderContext.Configuration</a:t>
+            </a:r>
+            <a:r>
+              <a:rPr lang="en-US" sz="2800" dirty="0"/>
+              <a:t> inside </a:t>
+            </a:r>
+            <a:r>
+              <a:rPr lang="en-US" sz="2800" dirty="0" err="1"/>
+              <a:t>ConfigureAppConfiguration</a:t>
+            </a:r>
+            <a:endParaRPr lang="en-US" sz="2800" dirty="0"/>
+          </a:p>
+          <a:p>
+            <a:pPr marL="457200" indent="-457200">
+              <a:buFont typeface="Arial" panose="020B0604020202020204" pitchFamily="34" charset="0"/>
+              <a:buChar char="•"/>
+            </a:pPr>
+            <a:endParaRPr lang="en-US" sz="2800" dirty="0"/>
+          </a:p>
+          <a:p>
+            <a:pPr marL="457200" indent="-457200">
+              <a:buFont typeface="Arial" panose="020B0604020202020204" pitchFamily="34" charset="0"/>
+              <a:buChar char="•"/>
+            </a:pPr>
+            <a:r>
+              <a:rPr lang="en-US" sz="2800" dirty="0"/>
+              <a:t>To add host configuration, call </a:t>
+            </a:r>
+            <a:r>
+              <a:rPr lang="en-US" sz="2800" dirty="0" err="1"/>
+              <a:t>ConfigureHostConfiguration</a:t>
+            </a:r>
+            <a:r>
+              <a:rPr lang="en-US" sz="2800" dirty="0"/>
+              <a:t> on </a:t>
+            </a:r>
+            <a:r>
+              <a:rPr lang="en-US" sz="2800" dirty="0" err="1"/>
+              <a:t>IHostBuilder</a:t>
+            </a:r>
+            <a:endParaRPr lang="en-US" sz="2800" dirty="0"/>
+          </a:p>
+          <a:p>
+            <a:r>
+              <a:rPr lang="en-US" sz="2800" dirty="0"/>
+              <a:t>(Can be called multiple times for additive results, last option value on a key is used)</a:t>
+            </a:r>
+          </a:p>
+          <a:p>
+            <a:pPr marL="457200" indent="-457200">
+              <a:buFont typeface="Arial" panose="020B0604020202020204" pitchFamily="34" charset="0"/>
+              <a:buChar char="•"/>
+            </a:pPr>
+            <a:endParaRPr lang="en-US" sz="2800" dirty="0"/>
+          </a:p>
+          <a:p>
+            <a:pPr marL="457200" indent="-457200">
+              <a:buFont typeface="Arial" panose="020B0604020202020204" pitchFamily="34" charset="0"/>
+              <a:buChar char="•"/>
+            </a:pPr>
+            <a:endParaRPr lang="en-US" sz="2800" dirty="0"/>
           </a:p>
         </p:txBody>
       </p:sp>
@@ -6884,46 +8483,41 @@
           <a:p>
             <a:r>
               <a:rPr lang="en-US" dirty="0"/>
-              <a:t>Header</a:t>
-            </a:r>
-          </a:p>
-        </p:txBody>
-      </p:sp>
-      <p:sp>
-        <p:nvSpPr>
-          <p:cNvPr id="3" name="TextBox 2">
+              <a:t>Host configuration example:</a:t>
+            </a:r>
+          </a:p>
+        </p:txBody>
+      </p:sp>
+      <p:pic>
+        <p:nvPicPr>
+          <p:cNvPr id="4" name="Picture 3">
             <a:extLst>
               <a:ext uri="{FF2B5EF4-FFF2-40B4-BE49-F238E27FC236}">
-                <a16:creationId xmlns:a16="http://schemas.microsoft.com/office/drawing/2014/main" id="{ADDF9C7B-D1A4-43C4-8257-A0442BD6194E}"/>
+                <a16:creationId xmlns:a16="http://schemas.microsoft.com/office/drawing/2014/main" id="{6F5FEE63-9946-4300-B12E-AF483740662B}"/>
               </a:ext>
             </a:extLst>
           </p:cNvPr>
-          <p:cNvSpPr txBox="1"/>
+          <p:cNvPicPr>
+            <a:picLocks noChangeAspect="1"/>
+          </p:cNvPicPr>
           <p:nvPr/>
-        </p:nvSpPr>
+        </p:nvPicPr>
+        <p:blipFill>
+          <a:blip r:embed="rId3"/>
+          <a:stretch>
+            <a:fillRect/>
+          </a:stretch>
+        </p:blipFill>
         <p:spPr>
           <a:xfrm>
-            <a:off x="474785" y="1659285"/>
-            <a:ext cx="12162692" cy="523220"/>
+            <a:off x="460414" y="2035052"/>
+            <a:ext cx="11276118" cy="3169993"/>
           </a:xfrm>
           <a:prstGeom prst="rect">
             <a:avLst/>
           </a:prstGeom>
-          <a:noFill/>
         </p:spPr>
-        <p:txBody>
-          <a:bodyPr wrap="square" rtlCol="0">
-            <a:spAutoFit/>
-          </a:bodyPr>
-          <a:lstStyle/>
-          <a:p>
-            <a:r>
-              <a:rPr lang="en-US" sz="2800" dirty="0"/>
-              <a:t>text</a:t>
-            </a:r>
-          </a:p>
-        </p:txBody>
-      </p:sp>
+      </p:pic>
     </p:spTree>
     <p:extLst>
       <p:ext uri="{BB962C8B-B14F-4D97-AF65-F5344CB8AC3E}">
@@ -7010,7 +8604,7 @@
           <a:p>
             <a:r>
               <a:rPr lang="en-US" dirty="0"/>
-              <a:t>Header</a:t>
+              <a:t>App configuration</a:t>
             </a:r>
           </a:p>
         </p:txBody>
@@ -7029,8 +8623,8 @@
         </p:nvSpPr>
         <p:spPr>
           <a:xfrm>
-            <a:off x="474785" y="1659285"/>
-            <a:ext cx="12162692" cy="523220"/>
+            <a:off x="545124" y="1964085"/>
+            <a:ext cx="11517923" cy="3539430"/>
           </a:xfrm>
           <a:prstGeom prst="rect">
             <a:avLst/>
@@ -7043,9 +8637,70 @@
           </a:bodyPr>
           <a:lstStyle/>
           <a:p>
+            <a:pPr marL="457200" indent="-457200">
+              <a:buFont typeface="Arial" panose="020B0604020202020204" pitchFamily="34" charset="0"/>
+              <a:buChar char="•"/>
+            </a:pPr>
             <a:r>
               <a:rPr lang="en-US" sz="2800" dirty="0"/>
-              <a:t>text</a:t>
+              <a:t>Created by calling </a:t>
+            </a:r>
+            <a:r>
+              <a:rPr lang="en-US" sz="2800" dirty="0" err="1"/>
+              <a:t>ConfigureAppConfiguration</a:t>
+            </a:r>
+            <a:r>
+              <a:rPr lang="en-US" sz="2800" dirty="0"/>
+              <a:t> on </a:t>
+            </a:r>
+            <a:r>
+              <a:rPr lang="en-US" sz="2800" dirty="0" err="1"/>
+              <a:t>IHostBuilder</a:t>
+            </a:r>
+            <a:endParaRPr lang="en-US" sz="2800" dirty="0"/>
+          </a:p>
+          <a:p>
+            <a:r>
+              <a:rPr lang="en-US" sz="2800" dirty="0"/>
+              <a:t>(Can be called multiple times with additive results, last option value on a key is used)</a:t>
+            </a:r>
+          </a:p>
+          <a:p>
+            <a:endParaRPr lang="en-US" sz="2800" dirty="0"/>
+          </a:p>
+          <a:p>
+            <a:pPr marL="457200" indent="-457200">
+              <a:buFont typeface="Arial" panose="020B0604020202020204" pitchFamily="34" charset="0"/>
+              <a:buChar char="•"/>
+            </a:pPr>
+            <a:r>
+              <a:rPr lang="en-US" sz="2800" dirty="0"/>
+              <a:t>Available at </a:t>
+            </a:r>
+            <a:r>
+              <a:rPr lang="en-US" sz="2800" dirty="0" err="1"/>
+              <a:t>HostBuilderContext.Configuration</a:t>
+            </a:r>
+            <a:r>
+              <a:rPr lang="en-US" sz="2800" dirty="0"/>
+              <a:t> for subsequent operations and as a service from DI.</a:t>
+            </a:r>
+          </a:p>
+          <a:p>
+            <a:pPr marL="457200" indent="-457200">
+              <a:buFont typeface="Arial" panose="020B0604020202020204" pitchFamily="34" charset="0"/>
+              <a:buChar char="•"/>
+            </a:pPr>
+            <a:endParaRPr lang="en-US" sz="2800" dirty="0"/>
+          </a:p>
+          <a:p>
+            <a:pPr marL="457200" indent="-457200">
+              <a:buFont typeface="Arial" panose="020B0604020202020204" pitchFamily="34" charset="0"/>
+              <a:buChar char="•"/>
+            </a:pPr>
+            <a:r>
+              <a:rPr lang="en-US" sz="2800" dirty="0"/>
+              <a:t>Host configuration is also added to app configuration.</a:t>
             </a:r>
           </a:p>
         </p:txBody>
@@ -7278,72 +8933,196 @@
         </p:nvSpPr>
         <p:spPr>
           <a:xfrm>
-            <a:off x="723130" y="784994"/>
-            <a:ext cx="10515600" cy="4689683"/>
+            <a:off x="181708" y="60325"/>
+            <a:ext cx="10515600" cy="1325563"/>
           </a:xfrm>
         </p:spPr>
         <p:txBody>
-          <a:bodyPr>
-            <a:normAutofit/>
+          <a:bodyPr/>
+          <a:lstStyle/>
+          <a:p>
+            <a:r>
+              <a:rPr lang="en-US" dirty="0"/>
+              <a:t>Settings for all app types</a:t>
+            </a:r>
+          </a:p>
+        </p:txBody>
+      </p:sp>
+      <p:sp>
+        <p:nvSpPr>
+          <p:cNvPr id="3" name="TextBox 2">
+            <a:extLst>
+              <a:ext uri="{FF2B5EF4-FFF2-40B4-BE49-F238E27FC236}">
+                <a16:creationId xmlns:a16="http://schemas.microsoft.com/office/drawing/2014/main" id="{ADDF9C7B-D1A4-43C4-8257-A0442BD6194E}"/>
+              </a:ext>
+            </a:extLst>
+          </p:cNvPr>
+          <p:cNvSpPr txBox="1"/>
+          <p:nvPr/>
+        </p:nvSpPr>
+        <p:spPr>
+          <a:xfrm>
+            <a:off x="583223" y="1280380"/>
+            <a:ext cx="11025553" cy="5693866"/>
+          </a:xfrm>
+          <a:prstGeom prst="rect">
+            <a:avLst/>
+          </a:prstGeom>
+          <a:noFill/>
+        </p:spPr>
+        <p:txBody>
+          <a:bodyPr wrap="square" rtlCol="0">
+            <a:spAutoFit/>
           </a:bodyPr>
           <a:lstStyle/>
           <a:p>
-            <a:pPr algn="ctr"/>
-            <a:r>
-              <a:rPr lang="en-US" dirty="0"/>
-              <a:t>Thanks for attention</a:t>
-            </a:r>
-            <a:br>
-              <a:rPr lang="en-US" dirty="0"/>
-            </a:br>
-            <a:br>
-              <a:rPr lang="en-US" dirty="0"/>
-            </a:br>
-            <a:r>
-              <a:rPr lang="en-US" dirty="0"/>
-              <a:t>Evgeniy </a:t>
-            </a:r>
-            <a:r>
-              <a:rPr lang="en-US" dirty="0" err="1"/>
-              <a:t>Pilyaev</a:t>
-            </a:r>
-            <a:br>
-              <a:rPr lang="en-US" dirty="0"/>
-            </a:br>
-            <a:br>
-              <a:rPr lang="en-US" dirty="0"/>
-            </a:br>
-            <a:r>
-              <a:rPr lang="en-US" dirty="0">
-                <a:hlinkClick r:id="rId3"/>
-              </a:rPr>
-              <a:t>https://github.com/EPilyaev/ASPNetCoreMVC</a:t>
-            </a:r>
-            <a:br>
-              <a:rPr lang="en-US" dirty="0"/>
-            </a:br>
-            <a:br>
-              <a:rPr lang="en-US" dirty="0"/>
-            </a:br>
-            <a:r>
-              <a:rPr lang="en-US" dirty="0"/>
-              <a:t>(</a:t>
-            </a:r>
-            <a:r>
-              <a:rPr lang="en-US" dirty="0" err="1"/>
-              <a:t>Host&amp;Startup&amp;Di</a:t>
-            </a:r>
-            <a:r>
-              <a:rPr lang="en-US" dirty="0"/>
-              <a:t> presentation)</a:t>
-            </a:r>
+            <a:pPr marL="457200" indent="-457200">
+              <a:buFont typeface="Arial" panose="020B0604020202020204" pitchFamily="34" charset="0"/>
+              <a:buChar char="•"/>
+            </a:pPr>
+            <a:r>
+              <a:rPr lang="en-US" sz="2800" dirty="0" err="1"/>
+              <a:t>ApplicationName</a:t>
+            </a:r>
+            <a:r>
+              <a:rPr lang="en-US" sz="2800" dirty="0"/>
+              <a:t> </a:t>
+            </a:r>
+          </a:p>
+          <a:p>
+            <a:r>
+              <a:rPr lang="en-US" sz="2400" dirty="0"/>
+              <a:t>	 Environment variable: &lt;PREFIX_&gt;APPLICATIONNAME</a:t>
+            </a:r>
+          </a:p>
+          <a:p>
+            <a:endParaRPr lang="en-US" sz="2800" dirty="0"/>
+          </a:p>
+          <a:p>
+            <a:pPr marL="457200" indent="-457200">
+              <a:buFont typeface="Arial" panose="020B0604020202020204" pitchFamily="34" charset="0"/>
+              <a:buChar char="•"/>
+            </a:pPr>
+            <a:r>
+              <a:rPr lang="en-US" sz="2800" dirty="0" err="1"/>
+              <a:t>ContentRootPath</a:t>
+            </a:r>
+            <a:endParaRPr lang="en-US" sz="2800" dirty="0"/>
+          </a:p>
+          <a:p>
+            <a:pPr lvl="1"/>
+            <a:r>
+              <a:rPr lang="en-US" sz="2800" dirty="0"/>
+              <a:t>	</a:t>
+            </a:r>
+            <a:r>
+              <a:rPr lang="en-US" sz="2400" dirty="0"/>
+              <a:t> Environment variable: &lt;PREFIX_&gt;CONTENTROOT</a:t>
+            </a:r>
+            <a:r>
+              <a:rPr lang="ru-RU" sz="2400" dirty="0"/>
+              <a:t> </a:t>
+            </a:r>
+            <a:endParaRPr lang="en-US" sz="2400" dirty="0"/>
+          </a:p>
+          <a:p>
+            <a:pPr lvl="1"/>
+            <a:r>
+              <a:rPr lang="en-US" sz="2400" dirty="0"/>
+              <a:t>	Or call </a:t>
+            </a:r>
+            <a:r>
+              <a:rPr lang="en-US" sz="2400" dirty="0" err="1"/>
+              <a:t>UseContentRoot</a:t>
+            </a:r>
+            <a:r>
+              <a:rPr lang="en-US" sz="2400" dirty="0"/>
+              <a:t> on </a:t>
+            </a:r>
+            <a:r>
+              <a:rPr lang="en-US" sz="2400" dirty="0" err="1"/>
+              <a:t>IHostBuilder</a:t>
+            </a:r>
+            <a:r>
+              <a:rPr lang="en-US" sz="2400" dirty="0"/>
+              <a:t>.</a:t>
+            </a:r>
+            <a:endParaRPr lang="ru-RU" sz="2400" dirty="0"/>
+          </a:p>
+          <a:p>
+            <a:pPr lvl="1"/>
+            <a:endParaRPr lang="en-US" sz="2400" dirty="0"/>
+          </a:p>
+          <a:p>
+            <a:pPr marL="457200" indent="-457200">
+              <a:buFont typeface="Arial" panose="020B0604020202020204" pitchFamily="34" charset="0"/>
+              <a:buChar char="•"/>
+            </a:pPr>
+            <a:r>
+              <a:rPr lang="en-US" sz="2800" dirty="0" err="1"/>
+              <a:t>EnvironmentName</a:t>
+            </a:r>
+            <a:r>
+              <a:rPr lang="en-US" sz="2800" dirty="0"/>
+              <a:t> (Development/Staging/Production)</a:t>
+            </a:r>
+          </a:p>
+          <a:p>
+            <a:r>
+              <a:rPr lang="en-US" sz="2400" dirty="0"/>
+              <a:t>	Case-insensitive. </a:t>
+            </a:r>
+          </a:p>
+          <a:p>
+            <a:r>
+              <a:rPr lang="en-US" sz="2400" dirty="0"/>
+              <a:t>	Default: Production. </a:t>
+            </a:r>
+          </a:p>
+          <a:p>
+            <a:r>
+              <a:rPr lang="en-US" sz="2400" dirty="0"/>
+              <a:t>	Environment variable: &lt;PREFIX_&gt;ENVIRONMENT.</a:t>
+            </a:r>
+          </a:p>
+          <a:p>
+            <a:r>
+              <a:rPr lang="en-US" sz="2400" dirty="0"/>
+              <a:t>	Or call </a:t>
+            </a:r>
+            <a:r>
+              <a:rPr lang="en-US" sz="2400" dirty="0" err="1"/>
+              <a:t>UseEnvironment</a:t>
+            </a:r>
+            <a:r>
+              <a:rPr lang="en-US" sz="2400" dirty="0"/>
+              <a:t> on </a:t>
+            </a:r>
+            <a:r>
+              <a:rPr lang="en-US" sz="2400" dirty="0" err="1"/>
+              <a:t>IHostBuilder</a:t>
+            </a:r>
+            <a:r>
+              <a:rPr lang="en-US" sz="2400" dirty="0"/>
+              <a:t>.</a:t>
+            </a:r>
+          </a:p>
+          <a:p>
+            <a:pPr lvl="1"/>
+            <a:r>
+              <a:rPr lang="en-US" sz="2800" dirty="0"/>
+              <a:t>	</a:t>
+            </a:r>
+          </a:p>
+          <a:p>
+            <a:endParaRPr lang="en-US" sz="2800" dirty="0"/>
           </a:p>
         </p:txBody>
       </p:sp>
     </p:spTree>
     <p:extLst>
       <p:ext uri="{BB962C8B-B14F-4D97-AF65-F5344CB8AC3E}">
-        <p14:creationId xmlns:p14="http://schemas.microsoft.com/office/powerpoint/2010/main" val="979259589"/>
+        <p14:creationId xmlns:p14="http://schemas.microsoft.com/office/powerpoint/2010/main" val="839913135"/>
       </p:ext>
     </p:extLst>
   </p:cSld>
@@ -7353,7 +9132,7 @@
 </p:sld>
 </file>
 
-<file path=ppt/slides/slide3.xml><?xml version="1.0" encoding="utf-8"?>
+<file path=ppt/slides/slide21.xml><?xml version="1.0" encoding="utf-8"?>
 <p:sld xmlns:a="http://schemas.openxmlformats.org/drawingml/2006/main" xmlns:r="http://schemas.openxmlformats.org/officeDocument/2006/relationships" xmlns:p="http://schemas.openxmlformats.org/presentationml/2006/main">
   <p:cSld>
     <p:bg>
@@ -7414,6 +9193,1877 @@
             <p:ph type="title"/>
           </p:nvPr>
         </p:nvSpPr>
+        <p:spPr>
+          <a:xfrm>
+            <a:off x="181708" y="60325"/>
+            <a:ext cx="10515600" cy="1325563"/>
+          </a:xfrm>
+        </p:spPr>
+        <p:txBody>
+          <a:bodyPr/>
+          <a:lstStyle/>
+          <a:p>
+            <a:r>
+              <a:rPr lang="en-US" dirty="0"/>
+              <a:t>Settings for all app types</a:t>
+            </a:r>
+          </a:p>
+        </p:txBody>
+      </p:sp>
+      <p:sp>
+        <p:nvSpPr>
+          <p:cNvPr id="3" name="TextBox 2">
+            <a:extLst>
+              <a:ext uri="{FF2B5EF4-FFF2-40B4-BE49-F238E27FC236}">
+                <a16:creationId xmlns:a16="http://schemas.microsoft.com/office/drawing/2014/main" id="{ADDF9C7B-D1A4-43C4-8257-A0442BD6194E}"/>
+              </a:ext>
+            </a:extLst>
+          </p:cNvPr>
+          <p:cNvSpPr txBox="1"/>
+          <p:nvPr/>
+        </p:nvSpPr>
+        <p:spPr>
+          <a:xfrm>
+            <a:off x="583223" y="1280380"/>
+            <a:ext cx="11025553" cy="2554545"/>
+          </a:xfrm>
+          <a:prstGeom prst="rect">
+            <a:avLst/>
+          </a:prstGeom>
+          <a:noFill/>
+        </p:spPr>
+        <p:txBody>
+          <a:bodyPr wrap="square" rtlCol="0">
+            <a:spAutoFit/>
+          </a:bodyPr>
+          <a:lstStyle/>
+          <a:p>
+            <a:pPr marL="457200" indent="-457200">
+              <a:buFont typeface="Arial" panose="020B0604020202020204" pitchFamily="34" charset="0"/>
+              <a:buChar char="•"/>
+            </a:pPr>
+            <a:r>
+              <a:rPr lang="en-US" sz="2800" dirty="0" err="1"/>
+              <a:t>ShutdownTimeout</a:t>
+            </a:r>
+            <a:r>
+              <a:rPr lang="en-US" sz="2800" dirty="0"/>
+              <a:t> (time to wait for hosted services to stop)</a:t>
+            </a:r>
+          </a:p>
+          <a:p>
+            <a:pPr lvl="1"/>
+            <a:r>
+              <a:rPr lang="en-US" sz="2800" dirty="0"/>
+              <a:t>	</a:t>
+            </a:r>
+            <a:r>
+              <a:rPr lang="en-US" sz="2400" dirty="0"/>
+              <a:t>Default: 5 seconds. </a:t>
+            </a:r>
+          </a:p>
+          <a:p>
+            <a:pPr lvl="1"/>
+            <a:r>
+              <a:rPr lang="en-US" sz="2400" dirty="0"/>
+              <a:t>	Environment variable: &lt;PREFIX_&gt;SHUTDOWNTIMEOUTSECONDS. </a:t>
+            </a:r>
+          </a:p>
+          <a:p>
+            <a:pPr lvl="1"/>
+            <a:r>
+              <a:rPr lang="en-US" sz="2400" dirty="0"/>
+              <a:t>	Or configure </a:t>
+            </a:r>
+            <a:r>
+              <a:rPr lang="en-US" sz="2400" dirty="0" err="1"/>
+              <a:t>HostOptions</a:t>
+            </a:r>
+            <a:r>
+              <a:rPr lang="en-US" sz="2400" dirty="0"/>
+              <a:t>.</a:t>
+            </a:r>
+          </a:p>
+          <a:p>
+            <a:pPr lvl="1"/>
+            <a:r>
+              <a:rPr lang="en-US" sz="2800" dirty="0"/>
+              <a:t>	</a:t>
+            </a:r>
+          </a:p>
+          <a:p>
+            <a:endParaRPr lang="en-US" sz="2800" dirty="0"/>
+          </a:p>
+        </p:txBody>
+      </p:sp>
+      <p:pic>
+        <p:nvPicPr>
+          <p:cNvPr id="4" name="Picture 3">
+            <a:extLst>
+              <a:ext uri="{FF2B5EF4-FFF2-40B4-BE49-F238E27FC236}">
+                <a16:creationId xmlns:a16="http://schemas.microsoft.com/office/drawing/2014/main" id="{C64C86C1-5BF8-4FA4-875C-74377F70CA88}"/>
+              </a:ext>
+            </a:extLst>
+          </p:cNvPr>
+          <p:cNvPicPr>
+            <a:picLocks noChangeAspect="1"/>
+          </p:cNvPicPr>
+          <p:nvPr/>
+        </p:nvPicPr>
+        <p:blipFill>
+          <a:blip r:embed="rId3"/>
+          <a:stretch>
+            <a:fillRect/>
+          </a:stretch>
+        </p:blipFill>
+        <p:spPr>
+          <a:xfrm>
+            <a:off x="986204" y="3429000"/>
+            <a:ext cx="10622572" cy="2897065"/>
+          </a:xfrm>
+          <a:prstGeom prst="rect">
+            <a:avLst/>
+          </a:prstGeom>
+        </p:spPr>
+      </p:pic>
+    </p:spTree>
+    <p:extLst>
+      <p:ext uri="{BB962C8B-B14F-4D97-AF65-F5344CB8AC3E}">
+        <p14:creationId xmlns:p14="http://schemas.microsoft.com/office/powerpoint/2010/main" val="4063375314"/>
+      </p:ext>
+    </p:extLst>
+  </p:cSld>
+  <p:clrMapOvr>
+    <a:masterClrMapping/>
+  </p:clrMapOvr>
+</p:sld>
+</file>
+
+<file path=ppt/slides/slide22.xml><?xml version="1.0" encoding="utf-8"?>
+<p:sld xmlns:a="http://schemas.openxmlformats.org/drawingml/2006/main" xmlns:r="http://schemas.openxmlformats.org/officeDocument/2006/relationships" xmlns:p="http://schemas.openxmlformats.org/presentationml/2006/main">
+  <p:cSld>
+    <p:bg>
+      <p:bgPr>
+        <a:gradFill>
+          <a:gsLst>
+            <a:gs pos="0">
+              <a:schemeClr val="accent1">
+                <a:lumMod val="5000"/>
+                <a:lumOff val="95000"/>
+              </a:schemeClr>
+            </a:gs>
+            <a:gs pos="42000">
+              <a:schemeClr val="accent1">
+                <a:lumMod val="45000"/>
+                <a:lumOff val="55000"/>
+              </a:schemeClr>
+            </a:gs>
+            <a:gs pos="83000">
+              <a:schemeClr val="accent1">
+                <a:lumMod val="45000"/>
+                <a:lumOff val="55000"/>
+              </a:schemeClr>
+            </a:gs>
+            <a:gs pos="100000">
+              <a:schemeClr val="accent1">
+                <a:lumMod val="30000"/>
+                <a:lumOff val="70000"/>
+              </a:schemeClr>
+            </a:gs>
+          </a:gsLst>
+          <a:lin ang="5400000" scaled="1"/>
+        </a:gradFill>
+        <a:effectLst/>
+      </p:bgPr>
+    </p:bg>
+    <p:spTree>
+      <p:nvGrpSpPr>
+        <p:cNvPr id="1" name=""/>
+        <p:cNvGrpSpPr/>
+        <p:nvPr/>
+      </p:nvGrpSpPr>
+      <p:grpSpPr>
+        <a:xfrm>
+          <a:off x="0" y="0"/>
+          <a:ext cx="0" cy="0"/>
+          <a:chOff x="0" y="0"/>
+          <a:chExt cx="0" cy="0"/>
+        </a:xfrm>
+      </p:grpSpPr>
+      <p:sp>
+        <p:nvSpPr>
+          <p:cNvPr id="2" name="Title 1"/>
+          <p:cNvSpPr>
+            <a:spLocks noGrp="1"/>
+          </p:cNvSpPr>
+          <p:nvPr>
+            <p:ph type="title"/>
+          </p:nvPr>
+        </p:nvSpPr>
+        <p:spPr>
+          <a:xfrm>
+            <a:off x="181708" y="60325"/>
+            <a:ext cx="10515600" cy="1325563"/>
+          </a:xfrm>
+        </p:spPr>
+        <p:txBody>
+          <a:bodyPr/>
+          <a:lstStyle/>
+          <a:p>
+            <a:r>
+              <a:rPr lang="en-US" dirty="0"/>
+              <a:t>Web apps settings</a:t>
+            </a:r>
+          </a:p>
+        </p:txBody>
+      </p:sp>
+      <p:pic>
+        <p:nvPicPr>
+          <p:cNvPr id="4" name="Picture 3">
+            <a:extLst>
+              <a:ext uri="{FF2B5EF4-FFF2-40B4-BE49-F238E27FC236}">
+                <a16:creationId xmlns:a16="http://schemas.microsoft.com/office/drawing/2014/main" id="{A48053D5-7CCC-4314-A154-39BECEA11733}"/>
+              </a:ext>
+            </a:extLst>
+          </p:cNvPr>
+          <p:cNvPicPr>
+            <a:picLocks noChangeAspect="1"/>
+          </p:cNvPicPr>
+          <p:nvPr/>
+        </p:nvPicPr>
+        <p:blipFill>
+          <a:blip r:embed="rId3"/>
+          <a:stretch>
+            <a:fillRect/>
+          </a:stretch>
+        </p:blipFill>
+        <p:spPr>
+          <a:xfrm>
+            <a:off x="996227" y="3352800"/>
+            <a:ext cx="10199545" cy="2483827"/>
+          </a:xfrm>
+          <a:prstGeom prst="rect">
+            <a:avLst/>
+          </a:prstGeom>
+        </p:spPr>
+      </p:pic>
+      <p:sp>
+        <p:nvSpPr>
+          <p:cNvPr id="5" name="TextBox 4">
+            <a:extLst>
+              <a:ext uri="{FF2B5EF4-FFF2-40B4-BE49-F238E27FC236}">
+                <a16:creationId xmlns:a16="http://schemas.microsoft.com/office/drawing/2014/main" id="{90D8B35C-48F9-4428-BC1D-A5AC614C7AA2}"/>
+              </a:ext>
+            </a:extLst>
+          </p:cNvPr>
+          <p:cNvSpPr txBox="1"/>
+          <p:nvPr/>
+        </p:nvSpPr>
+        <p:spPr>
+          <a:xfrm>
+            <a:off x="632811" y="1846124"/>
+            <a:ext cx="10726850" cy="523220"/>
+          </a:xfrm>
+          <a:prstGeom prst="rect">
+            <a:avLst/>
+          </a:prstGeom>
+          <a:noFill/>
+        </p:spPr>
+        <p:txBody>
+          <a:bodyPr wrap="square" rtlCol="0">
+            <a:spAutoFit/>
+          </a:bodyPr>
+          <a:lstStyle/>
+          <a:p>
+            <a:r>
+              <a:rPr lang="en-US" sz="2800" dirty="0"/>
+              <a:t>Extension methods on </a:t>
+            </a:r>
+            <a:r>
+              <a:rPr lang="en-US" sz="2800" dirty="0" err="1"/>
+              <a:t>IWebHostBuilder</a:t>
+            </a:r>
+            <a:r>
+              <a:rPr lang="en-US" sz="2800" dirty="0"/>
+              <a:t> are available for these settings:</a:t>
+            </a:r>
+          </a:p>
+        </p:txBody>
+      </p:sp>
+    </p:spTree>
+    <p:extLst>
+      <p:ext uri="{BB962C8B-B14F-4D97-AF65-F5344CB8AC3E}">
+        <p14:creationId xmlns:p14="http://schemas.microsoft.com/office/powerpoint/2010/main" val="3244974259"/>
+      </p:ext>
+    </p:extLst>
+  </p:cSld>
+  <p:clrMapOvr>
+    <a:masterClrMapping/>
+  </p:clrMapOvr>
+</p:sld>
+</file>
+
+<file path=ppt/slides/slide23.xml><?xml version="1.0" encoding="utf-8"?>
+<p:sld xmlns:a="http://schemas.openxmlformats.org/drawingml/2006/main" xmlns:r="http://schemas.openxmlformats.org/officeDocument/2006/relationships" xmlns:p="http://schemas.openxmlformats.org/presentationml/2006/main">
+  <p:cSld>
+    <p:bg>
+      <p:bgPr>
+        <a:gradFill>
+          <a:gsLst>
+            <a:gs pos="0">
+              <a:schemeClr val="accent1">
+                <a:lumMod val="5000"/>
+                <a:lumOff val="95000"/>
+              </a:schemeClr>
+            </a:gs>
+            <a:gs pos="42000">
+              <a:schemeClr val="accent1">
+                <a:lumMod val="45000"/>
+                <a:lumOff val="55000"/>
+              </a:schemeClr>
+            </a:gs>
+            <a:gs pos="83000">
+              <a:schemeClr val="accent1">
+                <a:lumMod val="45000"/>
+                <a:lumOff val="55000"/>
+              </a:schemeClr>
+            </a:gs>
+            <a:gs pos="100000">
+              <a:schemeClr val="accent1">
+                <a:lumMod val="30000"/>
+                <a:lumOff val="70000"/>
+              </a:schemeClr>
+            </a:gs>
+          </a:gsLst>
+          <a:lin ang="5400000" scaled="1"/>
+        </a:gradFill>
+        <a:effectLst/>
+      </p:bgPr>
+    </p:bg>
+    <p:spTree>
+      <p:nvGrpSpPr>
+        <p:cNvPr id="1" name=""/>
+        <p:cNvGrpSpPr/>
+        <p:nvPr/>
+      </p:nvGrpSpPr>
+      <p:grpSpPr>
+        <a:xfrm>
+          <a:off x="0" y="0"/>
+          <a:ext cx="0" cy="0"/>
+          <a:chOff x="0" y="0"/>
+          <a:chExt cx="0" cy="0"/>
+        </a:xfrm>
+      </p:grpSpPr>
+      <p:sp>
+        <p:nvSpPr>
+          <p:cNvPr id="2" name="Title 1"/>
+          <p:cNvSpPr>
+            <a:spLocks noGrp="1"/>
+          </p:cNvSpPr>
+          <p:nvPr>
+            <p:ph type="title"/>
+          </p:nvPr>
+        </p:nvSpPr>
+        <p:spPr>
+          <a:xfrm>
+            <a:off x="181708" y="60325"/>
+            <a:ext cx="10515600" cy="1325563"/>
+          </a:xfrm>
+        </p:spPr>
+        <p:txBody>
+          <a:bodyPr/>
+          <a:lstStyle/>
+          <a:p>
+            <a:r>
+              <a:rPr lang="en-US" dirty="0"/>
+              <a:t>Web apps settings</a:t>
+            </a:r>
+          </a:p>
+        </p:txBody>
+      </p:sp>
+      <p:sp>
+        <p:nvSpPr>
+          <p:cNvPr id="5" name="TextBox 4">
+            <a:extLst>
+              <a:ext uri="{FF2B5EF4-FFF2-40B4-BE49-F238E27FC236}">
+                <a16:creationId xmlns:a16="http://schemas.microsoft.com/office/drawing/2014/main" id="{B1535DF0-CED7-43B6-9182-6FD390525B97}"/>
+              </a:ext>
+            </a:extLst>
+          </p:cNvPr>
+          <p:cNvSpPr txBox="1"/>
+          <p:nvPr/>
+        </p:nvSpPr>
+        <p:spPr>
+          <a:xfrm>
+            <a:off x="483577" y="1717900"/>
+            <a:ext cx="11224846" cy="4278094"/>
+          </a:xfrm>
+          <a:prstGeom prst="rect">
+            <a:avLst/>
+          </a:prstGeom>
+          <a:noFill/>
+        </p:spPr>
+        <p:txBody>
+          <a:bodyPr wrap="square" rtlCol="0">
+            <a:spAutoFit/>
+          </a:bodyPr>
+          <a:lstStyle/>
+          <a:p>
+            <a:pPr marL="457200" indent="-457200">
+              <a:buFont typeface="Arial" panose="020B0604020202020204" pitchFamily="34" charset="0"/>
+              <a:buChar char="•"/>
+            </a:pPr>
+            <a:r>
+              <a:rPr lang="en-US" sz="2800" dirty="0" err="1"/>
+              <a:t>CaptureStartupErrors</a:t>
+            </a:r>
+            <a:r>
+              <a:rPr lang="en-US" sz="2800" dirty="0"/>
+              <a:t> </a:t>
+            </a:r>
+          </a:p>
+          <a:p>
+            <a:pPr marL="457200" indent="-457200">
+              <a:buFont typeface="Arial" panose="020B0604020202020204" pitchFamily="34" charset="0"/>
+              <a:buChar char="•"/>
+            </a:pPr>
+            <a:endParaRPr lang="en-US" sz="2800" dirty="0"/>
+          </a:p>
+          <a:p>
+            <a:r>
+              <a:rPr lang="en-US" sz="2800" dirty="0"/>
+              <a:t>	F</a:t>
+            </a:r>
+            <a:r>
+              <a:rPr lang="en-US" sz="2400" dirty="0"/>
+              <a:t>alse – errors during startup result in host exiting.</a:t>
+            </a:r>
+          </a:p>
+          <a:p>
+            <a:r>
+              <a:rPr lang="en-US" sz="2400" dirty="0"/>
+              <a:t>	True – host captures exceptions during startup and attempts to start the server.</a:t>
+            </a:r>
+          </a:p>
+          <a:p>
+            <a:endParaRPr lang="en-US" sz="2400" dirty="0"/>
+          </a:p>
+          <a:p>
+            <a:r>
+              <a:rPr lang="en-US" sz="2400" dirty="0"/>
+              <a:t>	Default: false / true when Kestrel behind IIS. </a:t>
+            </a:r>
+          </a:p>
+          <a:p>
+            <a:r>
+              <a:rPr lang="en-US" sz="2400" dirty="0"/>
+              <a:t>	Environment variable: &lt;PREFIX_&gt;CAPTURESTARTUPERRORS.</a:t>
+            </a:r>
+          </a:p>
+          <a:p>
+            <a:endParaRPr lang="en-US" sz="2400" dirty="0"/>
+          </a:p>
+          <a:p>
+            <a:r>
+              <a:rPr lang="en-US" sz="2400" dirty="0"/>
+              <a:t>	Use configuration or call </a:t>
+            </a:r>
+            <a:r>
+              <a:rPr lang="en-US" sz="2400" dirty="0" err="1"/>
+              <a:t>CaptureStartupErrors</a:t>
+            </a:r>
+            <a:r>
+              <a:rPr lang="en-US" sz="2400" dirty="0"/>
+              <a:t>:</a:t>
+            </a:r>
+          </a:p>
+          <a:p>
+            <a:endParaRPr lang="en-US" sz="2400" dirty="0"/>
+          </a:p>
+          <a:p>
+            <a:pPr algn="ctr"/>
+            <a:r>
+              <a:rPr lang="en-US" sz="2000" dirty="0" err="1">
+                <a:latin typeface="Consolas" panose="020B0609020204030204" pitchFamily="49" charset="0"/>
+              </a:rPr>
+              <a:t>webBuilder.CaptureStartupErrors</a:t>
+            </a:r>
+            <a:r>
+              <a:rPr lang="en-US" sz="2000" dirty="0">
+                <a:latin typeface="Consolas" panose="020B0609020204030204" pitchFamily="49" charset="0"/>
+              </a:rPr>
+              <a:t>(true);</a:t>
+            </a:r>
+            <a:endParaRPr lang="en-US" sz="2800" dirty="0">
+              <a:latin typeface="Consolas" panose="020B0609020204030204" pitchFamily="49" charset="0"/>
+            </a:endParaRPr>
+          </a:p>
+        </p:txBody>
+      </p:sp>
+    </p:spTree>
+    <p:extLst>
+      <p:ext uri="{BB962C8B-B14F-4D97-AF65-F5344CB8AC3E}">
+        <p14:creationId xmlns:p14="http://schemas.microsoft.com/office/powerpoint/2010/main" val="3745752896"/>
+      </p:ext>
+    </p:extLst>
+  </p:cSld>
+  <p:clrMapOvr>
+    <a:masterClrMapping/>
+  </p:clrMapOvr>
+</p:sld>
+</file>
+
+<file path=ppt/slides/slide24.xml><?xml version="1.0" encoding="utf-8"?>
+<p:sld xmlns:a="http://schemas.openxmlformats.org/drawingml/2006/main" xmlns:r="http://schemas.openxmlformats.org/officeDocument/2006/relationships" xmlns:p="http://schemas.openxmlformats.org/presentationml/2006/main">
+  <p:cSld>
+    <p:bg>
+      <p:bgPr>
+        <a:gradFill>
+          <a:gsLst>
+            <a:gs pos="0">
+              <a:schemeClr val="accent1">
+                <a:lumMod val="5000"/>
+                <a:lumOff val="95000"/>
+              </a:schemeClr>
+            </a:gs>
+            <a:gs pos="42000">
+              <a:schemeClr val="accent1">
+                <a:lumMod val="45000"/>
+                <a:lumOff val="55000"/>
+              </a:schemeClr>
+            </a:gs>
+            <a:gs pos="83000">
+              <a:schemeClr val="accent1">
+                <a:lumMod val="45000"/>
+                <a:lumOff val="55000"/>
+              </a:schemeClr>
+            </a:gs>
+            <a:gs pos="100000">
+              <a:schemeClr val="accent1">
+                <a:lumMod val="30000"/>
+                <a:lumOff val="70000"/>
+              </a:schemeClr>
+            </a:gs>
+          </a:gsLst>
+          <a:lin ang="5400000" scaled="1"/>
+        </a:gradFill>
+        <a:effectLst/>
+      </p:bgPr>
+    </p:bg>
+    <p:spTree>
+      <p:nvGrpSpPr>
+        <p:cNvPr id="1" name=""/>
+        <p:cNvGrpSpPr/>
+        <p:nvPr/>
+      </p:nvGrpSpPr>
+      <p:grpSpPr>
+        <a:xfrm>
+          <a:off x="0" y="0"/>
+          <a:ext cx="0" cy="0"/>
+          <a:chOff x="0" y="0"/>
+          <a:chExt cx="0" cy="0"/>
+        </a:xfrm>
+      </p:grpSpPr>
+      <p:sp>
+        <p:nvSpPr>
+          <p:cNvPr id="2" name="Title 1"/>
+          <p:cNvSpPr>
+            <a:spLocks noGrp="1"/>
+          </p:cNvSpPr>
+          <p:nvPr>
+            <p:ph type="title"/>
+          </p:nvPr>
+        </p:nvSpPr>
+        <p:spPr>
+          <a:xfrm>
+            <a:off x="181708" y="60325"/>
+            <a:ext cx="10515600" cy="1325563"/>
+          </a:xfrm>
+        </p:spPr>
+        <p:txBody>
+          <a:bodyPr/>
+          <a:lstStyle/>
+          <a:p>
+            <a:r>
+              <a:rPr lang="en-US" dirty="0"/>
+              <a:t>Web apps settings</a:t>
+            </a:r>
+          </a:p>
+        </p:txBody>
+      </p:sp>
+      <p:sp>
+        <p:nvSpPr>
+          <p:cNvPr id="5" name="TextBox 4">
+            <a:extLst>
+              <a:ext uri="{FF2B5EF4-FFF2-40B4-BE49-F238E27FC236}">
+                <a16:creationId xmlns:a16="http://schemas.microsoft.com/office/drawing/2014/main" id="{B1535DF0-CED7-43B6-9182-6FD390525B97}"/>
+              </a:ext>
+            </a:extLst>
+          </p:cNvPr>
+          <p:cNvSpPr txBox="1"/>
+          <p:nvPr/>
+        </p:nvSpPr>
+        <p:spPr>
+          <a:xfrm>
+            <a:off x="483577" y="1717900"/>
+            <a:ext cx="11224846" cy="3908762"/>
+          </a:xfrm>
+          <a:prstGeom prst="rect">
+            <a:avLst/>
+          </a:prstGeom>
+          <a:noFill/>
+        </p:spPr>
+        <p:txBody>
+          <a:bodyPr wrap="square" rtlCol="0">
+            <a:spAutoFit/>
+          </a:bodyPr>
+          <a:lstStyle/>
+          <a:p>
+            <a:pPr marL="457200" indent="-457200">
+              <a:buFont typeface="Arial" panose="020B0604020202020204" pitchFamily="34" charset="0"/>
+              <a:buChar char="•"/>
+            </a:pPr>
+            <a:r>
+              <a:rPr lang="en-US" sz="2800" dirty="0" err="1"/>
+              <a:t>DetailedErrors</a:t>
+            </a:r>
+            <a:r>
+              <a:rPr lang="en-US" sz="2800" dirty="0"/>
+              <a:t> </a:t>
+            </a:r>
+          </a:p>
+          <a:p>
+            <a:pPr marL="457200" indent="-457200">
+              <a:buFont typeface="Arial" panose="020B0604020202020204" pitchFamily="34" charset="0"/>
+              <a:buChar char="•"/>
+            </a:pPr>
+            <a:endParaRPr lang="en-US" sz="2800" dirty="0"/>
+          </a:p>
+          <a:p>
+            <a:r>
+              <a:rPr lang="en-US" sz="2800" dirty="0"/>
+              <a:t>	</a:t>
+            </a:r>
+            <a:r>
+              <a:rPr lang="en-US" sz="2400" dirty="0"/>
+              <a:t>True or environment=“Development” – app captures detailed errors.</a:t>
+            </a:r>
+          </a:p>
+          <a:p>
+            <a:endParaRPr lang="en-US" sz="2400" dirty="0"/>
+          </a:p>
+          <a:p>
+            <a:r>
+              <a:rPr lang="en-US" sz="2400" dirty="0"/>
+              <a:t>	Default: false. </a:t>
+            </a:r>
+          </a:p>
+          <a:p>
+            <a:endParaRPr lang="en-US" sz="2400" dirty="0"/>
+          </a:p>
+          <a:p>
+            <a:r>
+              <a:rPr lang="en-US" sz="2400" dirty="0"/>
+              <a:t>	Environment variable: &lt;PREFIX_&gt;_DETAILEDERRORS.</a:t>
+            </a:r>
+          </a:p>
+          <a:p>
+            <a:r>
+              <a:rPr lang="en-US" sz="2400" dirty="0"/>
+              <a:t>	Use configuration or call </a:t>
+            </a:r>
+            <a:r>
+              <a:rPr lang="en-US" sz="2400" dirty="0" err="1"/>
+              <a:t>UseSetting</a:t>
+            </a:r>
+            <a:r>
+              <a:rPr lang="en-US" sz="2400" dirty="0"/>
+              <a:t>:</a:t>
+            </a:r>
+          </a:p>
+          <a:p>
+            <a:endParaRPr lang="en-US" sz="2400" dirty="0"/>
+          </a:p>
+          <a:p>
+            <a:pPr algn="ctr"/>
+            <a:r>
+              <a:rPr lang="en-US" sz="2000" dirty="0" err="1">
+                <a:latin typeface="Consolas" panose="020B0609020204030204" pitchFamily="49" charset="0"/>
+              </a:rPr>
+              <a:t>webBuilder.UseSetting</a:t>
+            </a:r>
+            <a:r>
+              <a:rPr lang="en-US" sz="2000" dirty="0">
+                <a:latin typeface="Consolas" panose="020B0609020204030204" pitchFamily="49" charset="0"/>
+              </a:rPr>
+              <a:t>(</a:t>
+            </a:r>
+            <a:r>
+              <a:rPr lang="en-US" sz="2000" dirty="0" err="1">
+                <a:latin typeface="Consolas" panose="020B0609020204030204" pitchFamily="49" charset="0"/>
+              </a:rPr>
+              <a:t>WebHostDefaults.DetailedErrorsKey</a:t>
+            </a:r>
+            <a:r>
+              <a:rPr lang="en-US" sz="2000" dirty="0">
+                <a:latin typeface="Consolas" panose="020B0609020204030204" pitchFamily="49" charset="0"/>
+              </a:rPr>
+              <a:t>, "true");</a:t>
+            </a:r>
+          </a:p>
+        </p:txBody>
+      </p:sp>
+    </p:spTree>
+    <p:extLst>
+      <p:ext uri="{BB962C8B-B14F-4D97-AF65-F5344CB8AC3E}">
+        <p14:creationId xmlns:p14="http://schemas.microsoft.com/office/powerpoint/2010/main" val="600154437"/>
+      </p:ext>
+    </p:extLst>
+  </p:cSld>
+  <p:clrMapOvr>
+    <a:masterClrMapping/>
+  </p:clrMapOvr>
+</p:sld>
+</file>
+
+<file path=ppt/slides/slide25.xml><?xml version="1.0" encoding="utf-8"?>
+<p:sld xmlns:a="http://schemas.openxmlformats.org/drawingml/2006/main" xmlns:r="http://schemas.openxmlformats.org/officeDocument/2006/relationships" xmlns:p="http://schemas.openxmlformats.org/presentationml/2006/main">
+  <p:cSld>
+    <p:bg>
+      <p:bgPr>
+        <a:gradFill>
+          <a:gsLst>
+            <a:gs pos="0">
+              <a:schemeClr val="accent1">
+                <a:lumMod val="5000"/>
+                <a:lumOff val="95000"/>
+              </a:schemeClr>
+            </a:gs>
+            <a:gs pos="42000">
+              <a:schemeClr val="accent1">
+                <a:lumMod val="45000"/>
+                <a:lumOff val="55000"/>
+              </a:schemeClr>
+            </a:gs>
+            <a:gs pos="83000">
+              <a:schemeClr val="accent1">
+                <a:lumMod val="45000"/>
+                <a:lumOff val="55000"/>
+              </a:schemeClr>
+            </a:gs>
+            <a:gs pos="100000">
+              <a:schemeClr val="accent1">
+                <a:lumMod val="30000"/>
+                <a:lumOff val="70000"/>
+              </a:schemeClr>
+            </a:gs>
+          </a:gsLst>
+          <a:lin ang="5400000" scaled="1"/>
+        </a:gradFill>
+        <a:effectLst/>
+      </p:bgPr>
+    </p:bg>
+    <p:spTree>
+      <p:nvGrpSpPr>
+        <p:cNvPr id="1" name=""/>
+        <p:cNvGrpSpPr/>
+        <p:nvPr/>
+      </p:nvGrpSpPr>
+      <p:grpSpPr>
+        <a:xfrm>
+          <a:off x="0" y="0"/>
+          <a:ext cx="0" cy="0"/>
+          <a:chOff x="0" y="0"/>
+          <a:chExt cx="0" cy="0"/>
+        </a:xfrm>
+      </p:grpSpPr>
+      <p:sp>
+        <p:nvSpPr>
+          <p:cNvPr id="2" name="Title 1"/>
+          <p:cNvSpPr>
+            <a:spLocks noGrp="1"/>
+          </p:cNvSpPr>
+          <p:nvPr>
+            <p:ph type="title"/>
+          </p:nvPr>
+        </p:nvSpPr>
+        <p:spPr>
+          <a:xfrm>
+            <a:off x="181708" y="60325"/>
+            <a:ext cx="10515600" cy="1325563"/>
+          </a:xfrm>
+        </p:spPr>
+        <p:txBody>
+          <a:bodyPr/>
+          <a:lstStyle/>
+          <a:p>
+            <a:r>
+              <a:rPr lang="en-US" dirty="0"/>
+              <a:t>Web apps settings</a:t>
+            </a:r>
+          </a:p>
+        </p:txBody>
+      </p:sp>
+      <p:sp>
+        <p:nvSpPr>
+          <p:cNvPr id="5" name="TextBox 4">
+            <a:extLst>
+              <a:ext uri="{FF2B5EF4-FFF2-40B4-BE49-F238E27FC236}">
+                <a16:creationId xmlns:a16="http://schemas.microsoft.com/office/drawing/2014/main" id="{B1535DF0-CED7-43B6-9182-6FD390525B97}"/>
+              </a:ext>
+            </a:extLst>
+          </p:cNvPr>
+          <p:cNvSpPr txBox="1"/>
+          <p:nvPr/>
+        </p:nvSpPr>
+        <p:spPr>
+          <a:xfrm>
+            <a:off x="483576" y="1717900"/>
+            <a:ext cx="11626361" cy="4216539"/>
+          </a:xfrm>
+          <a:prstGeom prst="rect">
+            <a:avLst/>
+          </a:prstGeom>
+          <a:noFill/>
+        </p:spPr>
+        <p:txBody>
+          <a:bodyPr wrap="square" rtlCol="0">
+            <a:spAutoFit/>
+          </a:bodyPr>
+          <a:lstStyle/>
+          <a:p>
+            <a:pPr marL="457200" indent="-457200">
+              <a:buFont typeface="Arial" panose="020B0604020202020204" pitchFamily="34" charset="0"/>
+              <a:buChar char="•"/>
+            </a:pPr>
+            <a:r>
+              <a:rPr lang="en-US" sz="2800" dirty="0" err="1"/>
+              <a:t>HostingStartupAssemblies</a:t>
+            </a:r>
+            <a:r>
+              <a:rPr lang="en-US" sz="2800" dirty="0"/>
+              <a:t> </a:t>
+            </a:r>
+          </a:p>
+          <a:p>
+            <a:pPr marL="457200" indent="-457200">
+              <a:buFont typeface="Arial" panose="020B0604020202020204" pitchFamily="34" charset="0"/>
+              <a:buChar char="•"/>
+            </a:pPr>
+            <a:endParaRPr lang="en-US" sz="2800" dirty="0"/>
+          </a:p>
+          <a:p>
+            <a:r>
+              <a:rPr lang="en-US" sz="2800" dirty="0"/>
+              <a:t>	</a:t>
+            </a:r>
+            <a:r>
+              <a:rPr lang="en-US" sz="2400" dirty="0"/>
+              <a:t>A semicolon-delimited string of hosting startup assemblies to load on startup.</a:t>
+            </a:r>
+          </a:p>
+          <a:p>
+            <a:endParaRPr lang="en-US" sz="2400" dirty="0"/>
+          </a:p>
+          <a:p>
+            <a:r>
+              <a:rPr lang="en-US" sz="2400" dirty="0"/>
+              <a:t>	Default: Empty string. </a:t>
+            </a:r>
+          </a:p>
+          <a:p>
+            <a:endParaRPr lang="en-US" sz="2400" dirty="0"/>
+          </a:p>
+          <a:p>
+            <a:r>
+              <a:rPr lang="en-US" sz="2400" dirty="0"/>
+              <a:t>	Environment variable: &lt;PREFIX_&gt;_HOSTINGSTARTUPASSEMBLIES.</a:t>
+            </a:r>
+          </a:p>
+          <a:p>
+            <a:r>
+              <a:rPr lang="en-US" sz="2400" dirty="0"/>
+              <a:t>	Use configuration or call </a:t>
+            </a:r>
+            <a:r>
+              <a:rPr lang="en-US" sz="2400" dirty="0" err="1"/>
+              <a:t>UseSetting</a:t>
+            </a:r>
+            <a:r>
+              <a:rPr lang="en-US" sz="2400" dirty="0"/>
+              <a:t>:</a:t>
+            </a:r>
+          </a:p>
+          <a:p>
+            <a:endParaRPr lang="en-US" sz="2400" dirty="0"/>
+          </a:p>
+          <a:p>
+            <a:pPr algn="ctr"/>
+            <a:r>
+              <a:rPr lang="en-US" sz="2000" dirty="0" err="1">
+                <a:latin typeface="Consolas" panose="020B0609020204030204" pitchFamily="49" charset="0"/>
+              </a:rPr>
+              <a:t>webBuilder.UseSetting</a:t>
+            </a:r>
+            <a:r>
+              <a:rPr lang="en-US" sz="2000" dirty="0">
+                <a:latin typeface="Consolas" panose="020B0609020204030204" pitchFamily="49" charset="0"/>
+              </a:rPr>
+              <a:t>(</a:t>
+            </a:r>
+            <a:r>
+              <a:rPr lang="en-US" sz="2000" dirty="0" err="1">
+                <a:latin typeface="Consolas" panose="020B0609020204030204" pitchFamily="49" charset="0"/>
+              </a:rPr>
+              <a:t>WebHostDefaults.HostingStartupAssembliesKey</a:t>
+            </a:r>
+            <a:r>
+              <a:rPr lang="en-US" sz="2000" dirty="0">
+                <a:latin typeface="Consolas" panose="020B0609020204030204" pitchFamily="49" charset="0"/>
+              </a:rPr>
+              <a:t>, "assembly1;assembly2");</a:t>
+            </a:r>
+          </a:p>
+        </p:txBody>
+      </p:sp>
+    </p:spTree>
+    <p:extLst>
+      <p:ext uri="{BB962C8B-B14F-4D97-AF65-F5344CB8AC3E}">
+        <p14:creationId xmlns:p14="http://schemas.microsoft.com/office/powerpoint/2010/main" val="121504025"/>
+      </p:ext>
+    </p:extLst>
+  </p:cSld>
+  <p:clrMapOvr>
+    <a:masterClrMapping/>
+  </p:clrMapOvr>
+</p:sld>
+</file>
+
+<file path=ppt/slides/slide26.xml><?xml version="1.0" encoding="utf-8"?>
+<p:sld xmlns:a="http://schemas.openxmlformats.org/drawingml/2006/main" xmlns:r="http://schemas.openxmlformats.org/officeDocument/2006/relationships" xmlns:p="http://schemas.openxmlformats.org/presentationml/2006/main">
+  <p:cSld>
+    <p:bg>
+      <p:bgPr>
+        <a:gradFill>
+          <a:gsLst>
+            <a:gs pos="0">
+              <a:schemeClr val="accent1">
+                <a:lumMod val="5000"/>
+                <a:lumOff val="95000"/>
+              </a:schemeClr>
+            </a:gs>
+            <a:gs pos="42000">
+              <a:schemeClr val="accent1">
+                <a:lumMod val="45000"/>
+                <a:lumOff val="55000"/>
+              </a:schemeClr>
+            </a:gs>
+            <a:gs pos="83000">
+              <a:schemeClr val="accent1">
+                <a:lumMod val="45000"/>
+                <a:lumOff val="55000"/>
+              </a:schemeClr>
+            </a:gs>
+            <a:gs pos="100000">
+              <a:schemeClr val="accent1">
+                <a:lumMod val="30000"/>
+                <a:lumOff val="70000"/>
+              </a:schemeClr>
+            </a:gs>
+          </a:gsLst>
+          <a:lin ang="5400000" scaled="1"/>
+        </a:gradFill>
+        <a:effectLst/>
+      </p:bgPr>
+    </p:bg>
+    <p:spTree>
+      <p:nvGrpSpPr>
+        <p:cNvPr id="1" name=""/>
+        <p:cNvGrpSpPr/>
+        <p:nvPr/>
+      </p:nvGrpSpPr>
+      <p:grpSpPr>
+        <a:xfrm>
+          <a:off x="0" y="0"/>
+          <a:ext cx="0" cy="0"/>
+          <a:chOff x="0" y="0"/>
+          <a:chExt cx="0" cy="0"/>
+        </a:xfrm>
+      </p:grpSpPr>
+      <p:sp>
+        <p:nvSpPr>
+          <p:cNvPr id="2" name="Title 1"/>
+          <p:cNvSpPr>
+            <a:spLocks noGrp="1"/>
+          </p:cNvSpPr>
+          <p:nvPr>
+            <p:ph type="title"/>
+          </p:nvPr>
+        </p:nvSpPr>
+        <p:spPr>
+          <a:xfrm>
+            <a:off x="181708" y="60325"/>
+            <a:ext cx="10515600" cy="1325563"/>
+          </a:xfrm>
+        </p:spPr>
+        <p:txBody>
+          <a:bodyPr/>
+          <a:lstStyle/>
+          <a:p>
+            <a:r>
+              <a:rPr lang="en-US" dirty="0"/>
+              <a:t>Web apps settings</a:t>
+            </a:r>
+          </a:p>
+        </p:txBody>
+      </p:sp>
+      <p:sp>
+        <p:nvSpPr>
+          <p:cNvPr id="5" name="TextBox 4">
+            <a:extLst>
+              <a:ext uri="{FF2B5EF4-FFF2-40B4-BE49-F238E27FC236}">
+                <a16:creationId xmlns:a16="http://schemas.microsoft.com/office/drawing/2014/main" id="{B1535DF0-CED7-43B6-9182-6FD390525B97}"/>
+              </a:ext>
+            </a:extLst>
+          </p:cNvPr>
+          <p:cNvSpPr txBox="1"/>
+          <p:nvPr/>
+        </p:nvSpPr>
+        <p:spPr>
+          <a:xfrm>
+            <a:off x="483576" y="1717900"/>
+            <a:ext cx="11626361" cy="4216539"/>
+          </a:xfrm>
+          <a:prstGeom prst="rect">
+            <a:avLst/>
+          </a:prstGeom>
+          <a:noFill/>
+        </p:spPr>
+        <p:txBody>
+          <a:bodyPr wrap="square" rtlCol="0">
+            <a:spAutoFit/>
+          </a:bodyPr>
+          <a:lstStyle/>
+          <a:p>
+            <a:pPr marL="457200" indent="-457200">
+              <a:buFont typeface="Arial" panose="020B0604020202020204" pitchFamily="34" charset="0"/>
+              <a:buChar char="•"/>
+            </a:pPr>
+            <a:r>
+              <a:rPr lang="en-US" sz="2800" dirty="0" err="1"/>
+              <a:t>HostingStartupExcludeAssemblies</a:t>
+            </a:r>
+            <a:r>
+              <a:rPr lang="en-US" sz="2800" dirty="0"/>
+              <a:t> </a:t>
+            </a:r>
+          </a:p>
+          <a:p>
+            <a:pPr marL="457200" indent="-457200">
+              <a:buFont typeface="Arial" panose="020B0604020202020204" pitchFamily="34" charset="0"/>
+              <a:buChar char="•"/>
+            </a:pPr>
+            <a:endParaRPr lang="en-US" sz="2800" dirty="0"/>
+          </a:p>
+          <a:p>
+            <a:r>
+              <a:rPr lang="en-US" sz="2800" dirty="0"/>
+              <a:t>	</a:t>
+            </a:r>
+            <a:r>
+              <a:rPr lang="en-US" sz="2400" dirty="0"/>
+              <a:t>A semicolon-delimited string of hosting startup assemblies to exclude on startup.</a:t>
+            </a:r>
+          </a:p>
+          <a:p>
+            <a:endParaRPr lang="en-US" sz="2400" dirty="0"/>
+          </a:p>
+          <a:p>
+            <a:r>
+              <a:rPr lang="en-US" sz="2400" dirty="0"/>
+              <a:t>	Default: Empty string. </a:t>
+            </a:r>
+          </a:p>
+          <a:p>
+            <a:endParaRPr lang="en-US" sz="2400" dirty="0"/>
+          </a:p>
+          <a:p>
+            <a:r>
+              <a:rPr lang="en-US" sz="2400" dirty="0"/>
+              <a:t>	Environment variable: &lt;PREFIX_&gt;_HOSTINGSTARTUPEXCLUDEASSEMBLIES.</a:t>
+            </a:r>
+          </a:p>
+          <a:p>
+            <a:r>
+              <a:rPr lang="en-US" sz="2400" dirty="0"/>
+              <a:t>	Use configuration or call </a:t>
+            </a:r>
+            <a:r>
+              <a:rPr lang="en-US" sz="2400" dirty="0" err="1"/>
+              <a:t>UseSetting</a:t>
+            </a:r>
+            <a:r>
+              <a:rPr lang="en-US" sz="2400" dirty="0"/>
+              <a:t>:</a:t>
+            </a:r>
+          </a:p>
+          <a:p>
+            <a:endParaRPr lang="en-US" sz="2400" dirty="0"/>
+          </a:p>
+          <a:p>
+            <a:pPr algn="ctr"/>
+            <a:r>
+              <a:rPr lang="en-US" sz="2000" dirty="0" err="1">
+                <a:latin typeface="Consolas" panose="020B0609020204030204" pitchFamily="49" charset="0"/>
+              </a:rPr>
+              <a:t>webBuilder.UseSetting</a:t>
+            </a:r>
+            <a:r>
+              <a:rPr lang="en-US" sz="2000" dirty="0">
+                <a:latin typeface="Consolas" panose="020B0609020204030204" pitchFamily="49" charset="0"/>
+              </a:rPr>
+              <a:t>(</a:t>
+            </a:r>
+            <a:r>
+              <a:rPr lang="en-US" sz="2000" dirty="0" err="1">
+                <a:latin typeface="Consolas" panose="020B0609020204030204" pitchFamily="49" charset="0"/>
+              </a:rPr>
+              <a:t>WebHostDefaults</a:t>
+            </a:r>
+            <a:r>
+              <a:rPr lang="en-US" sz="2000" dirty="0">
+                <a:latin typeface="Consolas" panose="020B0609020204030204" pitchFamily="49" charset="0"/>
+              </a:rPr>
+              <a:t>. </a:t>
+            </a:r>
+            <a:r>
+              <a:rPr lang="en-US" sz="2000" dirty="0" err="1">
+                <a:latin typeface="Consolas" panose="020B0609020204030204" pitchFamily="49" charset="0"/>
+              </a:rPr>
+              <a:t>HostingStartupExcludeAssembliesKey</a:t>
+            </a:r>
+            <a:r>
+              <a:rPr lang="en-US" sz="2000" dirty="0">
+                <a:latin typeface="Consolas" panose="020B0609020204030204" pitchFamily="49" charset="0"/>
+              </a:rPr>
+              <a:t>, "assembly1;assembly2");</a:t>
+            </a:r>
+          </a:p>
+        </p:txBody>
+      </p:sp>
+    </p:spTree>
+    <p:extLst>
+      <p:ext uri="{BB962C8B-B14F-4D97-AF65-F5344CB8AC3E}">
+        <p14:creationId xmlns:p14="http://schemas.microsoft.com/office/powerpoint/2010/main" val="3723531094"/>
+      </p:ext>
+    </p:extLst>
+  </p:cSld>
+  <p:clrMapOvr>
+    <a:masterClrMapping/>
+  </p:clrMapOvr>
+</p:sld>
+</file>
+
+<file path=ppt/slides/slide27.xml><?xml version="1.0" encoding="utf-8"?>
+<p:sld xmlns:a="http://schemas.openxmlformats.org/drawingml/2006/main" xmlns:r="http://schemas.openxmlformats.org/officeDocument/2006/relationships" xmlns:p="http://schemas.openxmlformats.org/presentationml/2006/main">
+  <p:cSld>
+    <p:bg>
+      <p:bgPr>
+        <a:gradFill>
+          <a:gsLst>
+            <a:gs pos="0">
+              <a:schemeClr val="accent1">
+                <a:lumMod val="5000"/>
+                <a:lumOff val="95000"/>
+              </a:schemeClr>
+            </a:gs>
+            <a:gs pos="42000">
+              <a:schemeClr val="accent1">
+                <a:lumMod val="45000"/>
+                <a:lumOff val="55000"/>
+              </a:schemeClr>
+            </a:gs>
+            <a:gs pos="83000">
+              <a:schemeClr val="accent1">
+                <a:lumMod val="45000"/>
+                <a:lumOff val="55000"/>
+              </a:schemeClr>
+            </a:gs>
+            <a:gs pos="100000">
+              <a:schemeClr val="accent1">
+                <a:lumMod val="30000"/>
+                <a:lumOff val="70000"/>
+              </a:schemeClr>
+            </a:gs>
+          </a:gsLst>
+          <a:lin ang="5400000" scaled="1"/>
+        </a:gradFill>
+        <a:effectLst/>
+      </p:bgPr>
+    </p:bg>
+    <p:spTree>
+      <p:nvGrpSpPr>
+        <p:cNvPr id="1" name=""/>
+        <p:cNvGrpSpPr/>
+        <p:nvPr/>
+      </p:nvGrpSpPr>
+      <p:grpSpPr>
+        <a:xfrm>
+          <a:off x="0" y="0"/>
+          <a:ext cx="0" cy="0"/>
+          <a:chOff x="0" y="0"/>
+          <a:chExt cx="0" cy="0"/>
+        </a:xfrm>
+      </p:grpSpPr>
+      <p:sp>
+        <p:nvSpPr>
+          <p:cNvPr id="2" name="Title 1"/>
+          <p:cNvSpPr>
+            <a:spLocks noGrp="1"/>
+          </p:cNvSpPr>
+          <p:nvPr>
+            <p:ph type="title"/>
+          </p:nvPr>
+        </p:nvSpPr>
+        <p:spPr>
+          <a:xfrm>
+            <a:off x="181708" y="60325"/>
+            <a:ext cx="10515600" cy="1325563"/>
+          </a:xfrm>
+        </p:spPr>
+        <p:txBody>
+          <a:bodyPr/>
+          <a:lstStyle/>
+          <a:p>
+            <a:r>
+              <a:rPr lang="en-US" dirty="0"/>
+              <a:t>Web apps settings</a:t>
+            </a:r>
+          </a:p>
+        </p:txBody>
+      </p:sp>
+      <p:sp>
+        <p:nvSpPr>
+          <p:cNvPr id="5" name="TextBox 4">
+            <a:extLst>
+              <a:ext uri="{FF2B5EF4-FFF2-40B4-BE49-F238E27FC236}">
+                <a16:creationId xmlns:a16="http://schemas.microsoft.com/office/drawing/2014/main" id="{B1535DF0-CED7-43B6-9182-6FD390525B97}"/>
+              </a:ext>
+            </a:extLst>
+          </p:cNvPr>
+          <p:cNvSpPr txBox="1"/>
+          <p:nvPr/>
+        </p:nvSpPr>
+        <p:spPr>
+          <a:xfrm>
+            <a:off x="483576" y="1717900"/>
+            <a:ext cx="11626361" cy="3908762"/>
+          </a:xfrm>
+          <a:prstGeom prst="rect">
+            <a:avLst/>
+          </a:prstGeom>
+          <a:noFill/>
+        </p:spPr>
+        <p:txBody>
+          <a:bodyPr wrap="square" rtlCol="0">
+            <a:spAutoFit/>
+          </a:bodyPr>
+          <a:lstStyle/>
+          <a:p>
+            <a:pPr marL="457200" indent="-457200">
+              <a:buFont typeface="Arial" panose="020B0604020202020204" pitchFamily="34" charset="0"/>
+              <a:buChar char="•"/>
+            </a:pPr>
+            <a:r>
+              <a:rPr lang="en-US" sz="2800" dirty="0" err="1"/>
+              <a:t>HTTPS_Port</a:t>
+            </a:r>
+            <a:r>
+              <a:rPr lang="en-US" sz="2800" dirty="0"/>
+              <a:t> </a:t>
+            </a:r>
+          </a:p>
+          <a:p>
+            <a:pPr marL="457200" indent="-457200">
+              <a:buFont typeface="Arial" panose="020B0604020202020204" pitchFamily="34" charset="0"/>
+              <a:buChar char="•"/>
+            </a:pPr>
+            <a:endParaRPr lang="en-US" sz="2800" dirty="0"/>
+          </a:p>
+          <a:p>
+            <a:r>
+              <a:rPr lang="en-US" sz="2800" dirty="0"/>
+              <a:t>	</a:t>
+            </a:r>
+            <a:r>
+              <a:rPr lang="en-US" sz="2400" dirty="0"/>
+              <a:t>The HTTPS redirect port.</a:t>
+            </a:r>
+            <a:endParaRPr lang="ru-RU" sz="2400" dirty="0"/>
+          </a:p>
+          <a:p>
+            <a:endParaRPr lang="en-US" sz="2400" dirty="0"/>
+          </a:p>
+          <a:p>
+            <a:r>
+              <a:rPr lang="en-US" sz="2400" dirty="0"/>
+              <a:t>	Default: value isn’t set. </a:t>
+            </a:r>
+          </a:p>
+          <a:p>
+            <a:endParaRPr lang="en-US" sz="2400" dirty="0"/>
+          </a:p>
+          <a:p>
+            <a:r>
+              <a:rPr lang="en-US" sz="2400" dirty="0"/>
+              <a:t>	Environment variable: &lt;PREFIX_&gt;HTTPS_PORT.</a:t>
+            </a:r>
+          </a:p>
+          <a:p>
+            <a:r>
+              <a:rPr lang="en-US" sz="2400" dirty="0"/>
+              <a:t>	Use configuration or call </a:t>
+            </a:r>
+            <a:r>
+              <a:rPr lang="en-US" sz="2400" dirty="0" err="1"/>
+              <a:t>UseSetting</a:t>
+            </a:r>
+            <a:r>
+              <a:rPr lang="en-US" sz="2400" dirty="0"/>
+              <a:t>:</a:t>
+            </a:r>
+          </a:p>
+          <a:p>
+            <a:endParaRPr lang="en-US" sz="2400" dirty="0"/>
+          </a:p>
+          <a:p>
+            <a:pPr algn="ctr"/>
+            <a:r>
+              <a:rPr lang="en-US" sz="2000" dirty="0" err="1">
+                <a:latin typeface="Consolas" panose="020B0609020204030204" pitchFamily="49" charset="0"/>
+              </a:rPr>
+              <a:t>webBuilder.UseSetting</a:t>
+            </a:r>
+            <a:r>
+              <a:rPr lang="en-US" sz="2000" dirty="0">
+                <a:latin typeface="Consolas" panose="020B0609020204030204" pitchFamily="49" charset="0"/>
+              </a:rPr>
+              <a:t>("</a:t>
+            </a:r>
+            <a:r>
+              <a:rPr lang="en-US" sz="2000" dirty="0" err="1">
+                <a:latin typeface="Consolas" panose="020B0609020204030204" pitchFamily="49" charset="0"/>
+              </a:rPr>
+              <a:t>https_port</a:t>
+            </a:r>
+            <a:r>
+              <a:rPr lang="en-US" sz="2000" dirty="0">
+                <a:latin typeface="Consolas" panose="020B0609020204030204" pitchFamily="49" charset="0"/>
+              </a:rPr>
+              <a:t>", "8080");</a:t>
+            </a:r>
+          </a:p>
+        </p:txBody>
+      </p:sp>
+    </p:spTree>
+    <p:extLst>
+      <p:ext uri="{BB962C8B-B14F-4D97-AF65-F5344CB8AC3E}">
+        <p14:creationId xmlns:p14="http://schemas.microsoft.com/office/powerpoint/2010/main" val="2646505735"/>
+      </p:ext>
+    </p:extLst>
+  </p:cSld>
+  <p:clrMapOvr>
+    <a:masterClrMapping/>
+  </p:clrMapOvr>
+</p:sld>
+</file>
+
+<file path=ppt/slides/slide28.xml><?xml version="1.0" encoding="utf-8"?>
+<p:sld xmlns:a="http://schemas.openxmlformats.org/drawingml/2006/main" xmlns:r="http://schemas.openxmlformats.org/officeDocument/2006/relationships" xmlns:p="http://schemas.openxmlformats.org/presentationml/2006/main">
+  <p:cSld>
+    <p:bg>
+      <p:bgPr>
+        <a:gradFill>
+          <a:gsLst>
+            <a:gs pos="0">
+              <a:schemeClr val="accent1">
+                <a:lumMod val="5000"/>
+                <a:lumOff val="95000"/>
+              </a:schemeClr>
+            </a:gs>
+            <a:gs pos="42000">
+              <a:schemeClr val="accent1">
+                <a:lumMod val="45000"/>
+                <a:lumOff val="55000"/>
+              </a:schemeClr>
+            </a:gs>
+            <a:gs pos="83000">
+              <a:schemeClr val="accent1">
+                <a:lumMod val="45000"/>
+                <a:lumOff val="55000"/>
+              </a:schemeClr>
+            </a:gs>
+            <a:gs pos="100000">
+              <a:schemeClr val="accent1">
+                <a:lumMod val="30000"/>
+                <a:lumOff val="70000"/>
+              </a:schemeClr>
+            </a:gs>
+          </a:gsLst>
+          <a:lin ang="5400000" scaled="1"/>
+        </a:gradFill>
+        <a:effectLst/>
+      </p:bgPr>
+    </p:bg>
+    <p:spTree>
+      <p:nvGrpSpPr>
+        <p:cNvPr id="1" name=""/>
+        <p:cNvGrpSpPr/>
+        <p:nvPr/>
+      </p:nvGrpSpPr>
+      <p:grpSpPr>
+        <a:xfrm>
+          <a:off x="0" y="0"/>
+          <a:ext cx="0" cy="0"/>
+          <a:chOff x="0" y="0"/>
+          <a:chExt cx="0" cy="0"/>
+        </a:xfrm>
+      </p:grpSpPr>
+      <p:sp>
+        <p:nvSpPr>
+          <p:cNvPr id="2" name="Title 1"/>
+          <p:cNvSpPr>
+            <a:spLocks noGrp="1"/>
+          </p:cNvSpPr>
+          <p:nvPr>
+            <p:ph type="title"/>
+          </p:nvPr>
+        </p:nvSpPr>
+        <p:spPr>
+          <a:xfrm>
+            <a:off x="181708" y="60325"/>
+            <a:ext cx="10515600" cy="1325563"/>
+          </a:xfrm>
+        </p:spPr>
+        <p:txBody>
+          <a:bodyPr/>
+          <a:lstStyle/>
+          <a:p>
+            <a:r>
+              <a:rPr lang="en-US" dirty="0"/>
+              <a:t>Web apps settings</a:t>
+            </a:r>
+          </a:p>
+        </p:txBody>
+      </p:sp>
+      <p:sp>
+        <p:nvSpPr>
+          <p:cNvPr id="5" name="TextBox 4">
+            <a:extLst>
+              <a:ext uri="{FF2B5EF4-FFF2-40B4-BE49-F238E27FC236}">
+                <a16:creationId xmlns:a16="http://schemas.microsoft.com/office/drawing/2014/main" id="{B1535DF0-CED7-43B6-9182-6FD390525B97}"/>
+              </a:ext>
+            </a:extLst>
+          </p:cNvPr>
+          <p:cNvSpPr txBox="1"/>
+          <p:nvPr/>
+        </p:nvSpPr>
+        <p:spPr>
+          <a:xfrm>
+            <a:off x="483576" y="1717900"/>
+            <a:ext cx="11626361" cy="4278094"/>
+          </a:xfrm>
+          <a:prstGeom prst="rect">
+            <a:avLst/>
+          </a:prstGeom>
+          <a:noFill/>
+        </p:spPr>
+        <p:txBody>
+          <a:bodyPr wrap="square" rtlCol="0">
+            <a:spAutoFit/>
+          </a:bodyPr>
+          <a:lstStyle/>
+          <a:p>
+            <a:pPr marL="457200" indent="-457200">
+              <a:buFont typeface="Arial" panose="020B0604020202020204" pitchFamily="34" charset="0"/>
+              <a:buChar char="•"/>
+            </a:pPr>
+            <a:r>
+              <a:rPr lang="en-US" sz="2800" dirty="0" err="1"/>
+              <a:t>PreferHostingUrls</a:t>
+            </a:r>
+            <a:endParaRPr lang="en-US" sz="2800" dirty="0"/>
+          </a:p>
+          <a:p>
+            <a:pPr marL="457200" indent="-457200">
+              <a:buFont typeface="Arial" panose="020B0604020202020204" pitchFamily="34" charset="0"/>
+              <a:buChar char="•"/>
+            </a:pPr>
+            <a:endParaRPr lang="en-US" sz="2800" dirty="0"/>
+          </a:p>
+          <a:p>
+            <a:r>
+              <a:rPr lang="en-US" sz="2800" dirty="0"/>
+              <a:t>	</a:t>
+            </a:r>
+            <a:r>
+              <a:rPr lang="en-US" sz="2400" dirty="0"/>
+              <a:t>Indicates whether the host should listen on the URLs configured with the 	</a:t>
+            </a:r>
+            <a:r>
+              <a:rPr lang="en-US" sz="2400" dirty="0" err="1"/>
+              <a:t>IWebHostBuilder</a:t>
+            </a:r>
+            <a:r>
+              <a:rPr lang="en-US" sz="2400" dirty="0"/>
+              <a:t> instead of those configured with the </a:t>
+            </a:r>
+            <a:r>
+              <a:rPr lang="en-US" sz="2400" dirty="0" err="1"/>
+              <a:t>IServer</a:t>
+            </a:r>
+            <a:r>
+              <a:rPr lang="en-US" sz="2400" dirty="0"/>
+              <a:t> implementation.</a:t>
+            </a:r>
+            <a:endParaRPr lang="ru-RU" sz="2400" dirty="0"/>
+          </a:p>
+          <a:p>
+            <a:endParaRPr lang="en-US" sz="2400" dirty="0"/>
+          </a:p>
+          <a:p>
+            <a:r>
+              <a:rPr lang="en-US" sz="2400" dirty="0"/>
+              <a:t>	Default: true. </a:t>
+            </a:r>
+          </a:p>
+          <a:p>
+            <a:endParaRPr lang="en-US" sz="2400" dirty="0"/>
+          </a:p>
+          <a:p>
+            <a:r>
+              <a:rPr lang="en-US" sz="2400" dirty="0"/>
+              <a:t>	Environment variable: &lt;PREFIX_&gt;_PREFERHOSTINGURLS.</a:t>
+            </a:r>
+          </a:p>
+          <a:p>
+            <a:r>
+              <a:rPr lang="en-US" sz="2400" dirty="0"/>
+              <a:t>	Use the environment variable or call </a:t>
+            </a:r>
+            <a:r>
+              <a:rPr lang="en-US" sz="2400" dirty="0" err="1"/>
+              <a:t>PreferHostingUrls</a:t>
+            </a:r>
+            <a:r>
+              <a:rPr lang="en-US" sz="2400" dirty="0"/>
+              <a:t>:</a:t>
+            </a:r>
+          </a:p>
+          <a:p>
+            <a:endParaRPr lang="en-US" sz="2400" dirty="0"/>
+          </a:p>
+          <a:p>
+            <a:pPr algn="ctr"/>
+            <a:r>
+              <a:rPr lang="en-US" sz="2000" dirty="0" err="1">
+                <a:latin typeface="Consolas" panose="020B0609020204030204" pitchFamily="49" charset="0"/>
+              </a:rPr>
+              <a:t>webBuilder.PreferHostingUrls</a:t>
+            </a:r>
+            <a:r>
+              <a:rPr lang="en-US" sz="2000" dirty="0">
+                <a:latin typeface="Consolas" panose="020B0609020204030204" pitchFamily="49" charset="0"/>
+              </a:rPr>
+              <a:t>(false);</a:t>
+            </a:r>
+          </a:p>
+        </p:txBody>
+      </p:sp>
+    </p:spTree>
+    <p:extLst>
+      <p:ext uri="{BB962C8B-B14F-4D97-AF65-F5344CB8AC3E}">
+        <p14:creationId xmlns:p14="http://schemas.microsoft.com/office/powerpoint/2010/main" val="1133964730"/>
+      </p:ext>
+    </p:extLst>
+  </p:cSld>
+  <p:clrMapOvr>
+    <a:masterClrMapping/>
+  </p:clrMapOvr>
+</p:sld>
+</file>
+
+<file path=ppt/slides/slide29.xml><?xml version="1.0" encoding="utf-8"?>
+<p:sld xmlns:a="http://schemas.openxmlformats.org/drawingml/2006/main" xmlns:r="http://schemas.openxmlformats.org/officeDocument/2006/relationships" xmlns:p="http://schemas.openxmlformats.org/presentationml/2006/main">
+  <p:cSld>
+    <p:bg>
+      <p:bgPr>
+        <a:gradFill>
+          <a:gsLst>
+            <a:gs pos="0">
+              <a:schemeClr val="accent1">
+                <a:lumMod val="5000"/>
+                <a:lumOff val="95000"/>
+              </a:schemeClr>
+            </a:gs>
+            <a:gs pos="42000">
+              <a:schemeClr val="accent1">
+                <a:lumMod val="45000"/>
+                <a:lumOff val="55000"/>
+              </a:schemeClr>
+            </a:gs>
+            <a:gs pos="83000">
+              <a:schemeClr val="accent1">
+                <a:lumMod val="45000"/>
+                <a:lumOff val="55000"/>
+              </a:schemeClr>
+            </a:gs>
+            <a:gs pos="100000">
+              <a:schemeClr val="accent1">
+                <a:lumMod val="30000"/>
+                <a:lumOff val="70000"/>
+              </a:schemeClr>
+            </a:gs>
+          </a:gsLst>
+          <a:lin ang="5400000" scaled="1"/>
+        </a:gradFill>
+        <a:effectLst/>
+      </p:bgPr>
+    </p:bg>
+    <p:spTree>
+      <p:nvGrpSpPr>
+        <p:cNvPr id="1" name=""/>
+        <p:cNvGrpSpPr/>
+        <p:nvPr/>
+      </p:nvGrpSpPr>
+      <p:grpSpPr>
+        <a:xfrm>
+          <a:off x="0" y="0"/>
+          <a:ext cx="0" cy="0"/>
+          <a:chOff x="0" y="0"/>
+          <a:chExt cx="0" cy="0"/>
+        </a:xfrm>
+      </p:grpSpPr>
+      <p:sp>
+        <p:nvSpPr>
+          <p:cNvPr id="2" name="Title 1"/>
+          <p:cNvSpPr>
+            <a:spLocks noGrp="1"/>
+          </p:cNvSpPr>
+          <p:nvPr>
+            <p:ph type="title"/>
+          </p:nvPr>
+        </p:nvSpPr>
+        <p:spPr>
+          <a:xfrm>
+            <a:off x="181708" y="60325"/>
+            <a:ext cx="10515600" cy="1325563"/>
+          </a:xfrm>
+        </p:spPr>
+        <p:txBody>
+          <a:bodyPr/>
+          <a:lstStyle/>
+          <a:p>
+            <a:r>
+              <a:rPr lang="en-US" dirty="0"/>
+              <a:t>Web apps settings</a:t>
+            </a:r>
+          </a:p>
+        </p:txBody>
+      </p:sp>
+      <p:sp>
+        <p:nvSpPr>
+          <p:cNvPr id="5" name="TextBox 4">
+            <a:extLst>
+              <a:ext uri="{FF2B5EF4-FFF2-40B4-BE49-F238E27FC236}">
+                <a16:creationId xmlns:a16="http://schemas.microsoft.com/office/drawing/2014/main" id="{B1535DF0-CED7-43B6-9182-6FD390525B97}"/>
+              </a:ext>
+            </a:extLst>
+          </p:cNvPr>
+          <p:cNvSpPr txBox="1"/>
+          <p:nvPr/>
+        </p:nvSpPr>
+        <p:spPr>
+          <a:xfrm>
+            <a:off x="483576" y="1717900"/>
+            <a:ext cx="11626361" cy="4278094"/>
+          </a:xfrm>
+          <a:prstGeom prst="rect">
+            <a:avLst/>
+          </a:prstGeom>
+          <a:noFill/>
+        </p:spPr>
+        <p:txBody>
+          <a:bodyPr wrap="square" rtlCol="0">
+            <a:spAutoFit/>
+          </a:bodyPr>
+          <a:lstStyle/>
+          <a:p>
+            <a:pPr marL="457200" indent="-457200">
+              <a:buFont typeface="Arial" panose="020B0604020202020204" pitchFamily="34" charset="0"/>
+              <a:buChar char="•"/>
+            </a:pPr>
+            <a:r>
+              <a:rPr lang="en-US" sz="2800" dirty="0" err="1"/>
+              <a:t>PreventHostingStartup</a:t>
+            </a:r>
+            <a:endParaRPr lang="en-US" sz="2800" dirty="0"/>
+          </a:p>
+          <a:p>
+            <a:pPr marL="457200" indent="-457200">
+              <a:buFont typeface="Arial" panose="020B0604020202020204" pitchFamily="34" charset="0"/>
+              <a:buChar char="•"/>
+            </a:pPr>
+            <a:endParaRPr lang="en-US" sz="2800" dirty="0"/>
+          </a:p>
+          <a:p>
+            <a:r>
+              <a:rPr lang="en-US" sz="2800" dirty="0"/>
+              <a:t>	</a:t>
+            </a:r>
+            <a:r>
+              <a:rPr lang="en-US" sz="2400" dirty="0"/>
+              <a:t>Prevents the automatic loading of hosting startup assemblies, including hosting startup assemblies configured by the app's assembly.</a:t>
+            </a:r>
+          </a:p>
+          <a:p>
+            <a:endParaRPr lang="en-US" sz="2400" dirty="0"/>
+          </a:p>
+          <a:p>
+            <a:r>
+              <a:rPr lang="en-US" sz="2400" dirty="0"/>
+              <a:t>	Default: false. </a:t>
+            </a:r>
+          </a:p>
+          <a:p>
+            <a:endParaRPr lang="en-US" sz="2400" dirty="0"/>
+          </a:p>
+          <a:p>
+            <a:r>
+              <a:rPr lang="en-US" sz="2400" dirty="0"/>
+              <a:t>	Environment variable: &lt;PREFIX_&gt;_PREVENTHOSTINGSTARTUP.</a:t>
+            </a:r>
+          </a:p>
+          <a:p>
+            <a:r>
+              <a:rPr lang="en-US" sz="2400" dirty="0"/>
+              <a:t>	Use the environment variable or call </a:t>
+            </a:r>
+            <a:r>
+              <a:rPr lang="en-US" sz="2400" dirty="0" err="1"/>
+              <a:t>UseSetting</a:t>
+            </a:r>
+            <a:r>
+              <a:rPr lang="en-US" sz="2400" dirty="0"/>
+              <a:t>:</a:t>
+            </a:r>
+          </a:p>
+          <a:p>
+            <a:endParaRPr lang="en-US" sz="2400" dirty="0"/>
+          </a:p>
+          <a:p>
+            <a:pPr algn="ctr"/>
+            <a:r>
+              <a:rPr lang="en-US" sz="2000" dirty="0" err="1">
+                <a:latin typeface="Consolas" panose="020B0609020204030204" pitchFamily="49" charset="0"/>
+              </a:rPr>
+              <a:t>webBuilder.UseSetting</a:t>
+            </a:r>
+            <a:r>
+              <a:rPr lang="en-US" sz="2000" dirty="0">
+                <a:latin typeface="Consolas" panose="020B0609020204030204" pitchFamily="49" charset="0"/>
+              </a:rPr>
+              <a:t>(</a:t>
+            </a:r>
+            <a:r>
+              <a:rPr lang="en-US" sz="2000" dirty="0" err="1">
+                <a:latin typeface="Consolas" panose="020B0609020204030204" pitchFamily="49" charset="0"/>
+              </a:rPr>
+              <a:t>WebHostDefaults.PreventHostingStartupKey</a:t>
+            </a:r>
+            <a:r>
+              <a:rPr lang="en-US" sz="2000" dirty="0">
+                <a:latin typeface="Consolas" panose="020B0609020204030204" pitchFamily="49" charset="0"/>
+              </a:rPr>
+              <a:t>, "true");</a:t>
+            </a:r>
+          </a:p>
+        </p:txBody>
+      </p:sp>
+    </p:spTree>
+    <p:extLst>
+      <p:ext uri="{BB962C8B-B14F-4D97-AF65-F5344CB8AC3E}">
+        <p14:creationId xmlns:p14="http://schemas.microsoft.com/office/powerpoint/2010/main" val="1785371757"/>
+      </p:ext>
+    </p:extLst>
+  </p:cSld>
+  <p:clrMapOvr>
+    <a:masterClrMapping/>
+  </p:clrMapOvr>
+</p:sld>
+</file>
+
+<file path=ppt/slides/slide3.xml><?xml version="1.0" encoding="utf-8"?>
+<p:sld xmlns:a="http://schemas.openxmlformats.org/drawingml/2006/main" xmlns:r="http://schemas.openxmlformats.org/officeDocument/2006/relationships" xmlns:p="http://schemas.openxmlformats.org/presentationml/2006/main">
+  <p:cSld>
+    <p:bg>
+      <p:bgPr>
+        <a:gradFill>
+          <a:gsLst>
+            <a:gs pos="0">
+              <a:schemeClr val="accent1">
+                <a:lumMod val="5000"/>
+                <a:lumOff val="95000"/>
+              </a:schemeClr>
+            </a:gs>
+            <a:gs pos="42000">
+              <a:schemeClr val="accent1">
+                <a:lumMod val="45000"/>
+                <a:lumOff val="55000"/>
+              </a:schemeClr>
+            </a:gs>
+            <a:gs pos="83000">
+              <a:schemeClr val="accent1">
+                <a:lumMod val="45000"/>
+                <a:lumOff val="55000"/>
+              </a:schemeClr>
+            </a:gs>
+            <a:gs pos="100000">
+              <a:schemeClr val="accent1">
+                <a:lumMod val="30000"/>
+                <a:lumOff val="70000"/>
+              </a:schemeClr>
+            </a:gs>
+          </a:gsLst>
+          <a:lin ang="5400000" scaled="1"/>
+        </a:gradFill>
+        <a:effectLst/>
+      </p:bgPr>
+    </p:bg>
+    <p:spTree>
+      <p:nvGrpSpPr>
+        <p:cNvPr id="1" name=""/>
+        <p:cNvGrpSpPr/>
+        <p:nvPr/>
+      </p:nvGrpSpPr>
+      <p:grpSpPr>
+        <a:xfrm>
+          <a:off x="0" y="0"/>
+          <a:ext cx="0" cy="0"/>
+          <a:chOff x="0" y="0"/>
+          <a:chExt cx="0" cy="0"/>
+        </a:xfrm>
+      </p:grpSpPr>
+      <p:sp>
+        <p:nvSpPr>
+          <p:cNvPr id="2" name="Title 1"/>
+          <p:cNvSpPr>
+            <a:spLocks noGrp="1"/>
+          </p:cNvSpPr>
+          <p:nvPr>
+            <p:ph type="title"/>
+          </p:nvPr>
+        </p:nvSpPr>
         <p:spPr/>
         <p:txBody>
           <a:bodyPr/>
@@ -7517,6 +11167,1026 @@
     <p:extLst>
       <p:ext uri="{BB962C8B-B14F-4D97-AF65-F5344CB8AC3E}">
         <p14:creationId xmlns:p14="http://schemas.microsoft.com/office/powerpoint/2010/main" val="1943586752"/>
+      </p:ext>
+    </p:extLst>
+  </p:cSld>
+  <p:clrMapOvr>
+    <a:masterClrMapping/>
+  </p:clrMapOvr>
+</p:sld>
+</file>
+
+<file path=ppt/slides/slide30.xml><?xml version="1.0" encoding="utf-8"?>
+<p:sld xmlns:a="http://schemas.openxmlformats.org/drawingml/2006/main" xmlns:r="http://schemas.openxmlformats.org/officeDocument/2006/relationships" xmlns:p="http://schemas.openxmlformats.org/presentationml/2006/main">
+  <p:cSld>
+    <p:bg>
+      <p:bgPr>
+        <a:gradFill>
+          <a:gsLst>
+            <a:gs pos="0">
+              <a:schemeClr val="accent1">
+                <a:lumMod val="5000"/>
+                <a:lumOff val="95000"/>
+              </a:schemeClr>
+            </a:gs>
+            <a:gs pos="42000">
+              <a:schemeClr val="accent1">
+                <a:lumMod val="45000"/>
+                <a:lumOff val="55000"/>
+              </a:schemeClr>
+            </a:gs>
+            <a:gs pos="83000">
+              <a:schemeClr val="accent1">
+                <a:lumMod val="45000"/>
+                <a:lumOff val="55000"/>
+              </a:schemeClr>
+            </a:gs>
+            <a:gs pos="100000">
+              <a:schemeClr val="accent1">
+                <a:lumMod val="30000"/>
+                <a:lumOff val="70000"/>
+              </a:schemeClr>
+            </a:gs>
+          </a:gsLst>
+          <a:lin ang="5400000" scaled="1"/>
+        </a:gradFill>
+        <a:effectLst/>
+      </p:bgPr>
+    </p:bg>
+    <p:spTree>
+      <p:nvGrpSpPr>
+        <p:cNvPr id="1" name=""/>
+        <p:cNvGrpSpPr/>
+        <p:nvPr/>
+      </p:nvGrpSpPr>
+      <p:grpSpPr>
+        <a:xfrm>
+          <a:off x="0" y="0"/>
+          <a:ext cx="0" cy="0"/>
+          <a:chOff x="0" y="0"/>
+          <a:chExt cx="0" cy="0"/>
+        </a:xfrm>
+      </p:grpSpPr>
+      <p:sp>
+        <p:nvSpPr>
+          <p:cNvPr id="2" name="Title 1"/>
+          <p:cNvSpPr>
+            <a:spLocks noGrp="1"/>
+          </p:cNvSpPr>
+          <p:nvPr>
+            <p:ph type="title"/>
+          </p:nvPr>
+        </p:nvSpPr>
+        <p:spPr>
+          <a:xfrm>
+            <a:off x="181708" y="60325"/>
+            <a:ext cx="10515600" cy="1325563"/>
+          </a:xfrm>
+        </p:spPr>
+        <p:txBody>
+          <a:bodyPr/>
+          <a:lstStyle/>
+          <a:p>
+            <a:r>
+              <a:rPr lang="en-US" dirty="0"/>
+              <a:t>Web apps settings</a:t>
+            </a:r>
+          </a:p>
+        </p:txBody>
+      </p:sp>
+      <p:sp>
+        <p:nvSpPr>
+          <p:cNvPr id="5" name="TextBox 4">
+            <a:extLst>
+              <a:ext uri="{FF2B5EF4-FFF2-40B4-BE49-F238E27FC236}">
+                <a16:creationId xmlns:a16="http://schemas.microsoft.com/office/drawing/2014/main" id="{B1535DF0-CED7-43B6-9182-6FD390525B97}"/>
+              </a:ext>
+            </a:extLst>
+          </p:cNvPr>
+          <p:cNvSpPr txBox="1"/>
+          <p:nvPr/>
+        </p:nvSpPr>
+        <p:spPr>
+          <a:xfrm>
+            <a:off x="483576" y="1717900"/>
+            <a:ext cx="11626361" cy="4216539"/>
+          </a:xfrm>
+          <a:prstGeom prst="rect">
+            <a:avLst/>
+          </a:prstGeom>
+          <a:noFill/>
+        </p:spPr>
+        <p:txBody>
+          <a:bodyPr wrap="square" rtlCol="0">
+            <a:spAutoFit/>
+          </a:bodyPr>
+          <a:lstStyle/>
+          <a:p>
+            <a:pPr marL="457200" indent="-457200">
+              <a:buFont typeface="Arial" panose="020B0604020202020204" pitchFamily="34" charset="0"/>
+              <a:buChar char="•"/>
+            </a:pPr>
+            <a:r>
+              <a:rPr lang="en-US" sz="2800" dirty="0" err="1"/>
+              <a:t>StartupAssembly</a:t>
+            </a:r>
+            <a:endParaRPr lang="en-US" sz="2800" dirty="0"/>
+          </a:p>
+          <a:p>
+            <a:pPr marL="457200" indent="-457200">
+              <a:buFont typeface="Arial" panose="020B0604020202020204" pitchFamily="34" charset="0"/>
+              <a:buChar char="•"/>
+            </a:pPr>
+            <a:endParaRPr lang="en-US" sz="2800" dirty="0"/>
+          </a:p>
+          <a:p>
+            <a:r>
+              <a:rPr lang="en-US" sz="2800" dirty="0"/>
+              <a:t>	</a:t>
+            </a:r>
+            <a:r>
+              <a:rPr lang="en-US" sz="2400" dirty="0"/>
+              <a:t> The assembly to search for the Startup class.</a:t>
+            </a:r>
+          </a:p>
+          <a:p>
+            <a:endParaRPr lang="en-US" sz="2400" dirty="0"/>
+          </a:p>
+          <a:p>
+            <a:r>
+              <a:rPr lang="en-US" sz="2400" dirty="0"/>
+              <a:t>	Default: the app’s assembly. </a:t>
+            </a:r>
+          </a:p>
+          <a:p>
+            <a:endParaRPr lang="en-US" sz="2400" dirty="0"/>
+          </a:p>
+          <a:p>
+            <a:r>
+              <a:rPr lang="en-US" sz="2400" dirty="0"/>
+              <a:t>	Environment variable: &lt;PREFIX_&gt;STARTUPASSEMBLY.</a:t>
+            </a:r>
+          </a:p>
+          <a:p>
+            <a:r>
+              <a:rPr lang="en-US" sz="2400" dirty="0"/>
+              <a:t>	Use the environment variable or call </a:t>
+            </a:r>
+            <a:r>
+              <a:rPr lang="en-US" sz="2400" dirty="0" err="1"/>
+              <a:t>UseStartup</a:t>
+            </a:r>
+            <a:r>
+              <a:rPr lang="en-US" sz="2400" dirty="0"/>
+              <a:t>:</a:t>
+            </a:r>
+          </a:p>
+          <a:p>
+            <a:endParaRPr lang="en-US" sz="2400" dirty="0"/>
+          </a:p>
+          <a:p>
+            <a:pPr algn="ctr"/>
+            <a:r>
+              <a:rPr lang="en-US" sz="2000" dirty="0" err="1">
+                <a:latin typeface="Consolas" panose="020B0609020204030204" pitchFamily="49" charset="0"/>
+              </a:rPr>
+              <a:t>webBuilder.UseStartup</a:t>
+            </a:r>
+            <a:r>
+              <a:rPr lang="en-US" sz="2000" dirty="0">
+                <a:latin typeface="Consolas" panose="020B0609020204030204" pitchFamily="49" charset="0"/>
+              </a:rPr>
+              <a:t>("</a:t>
+            </a:r>
+            <a:r>
+              <a:rPr lang="en-US" sz="2000" dirty="0" err="1">
+                <a:latin typeface="Consolas" panose="020B0609020204030204" pitchFamily="49" charset="0"/>
+              </a:rPr>
+              <a:t>StartupAssemblyName</a:t>
+            </a:r>
+            <a:r>
+              <a:rPr lang="en-US" sz="2000" dirty="0">
+                <a:latin typeface="Consolas" panose="020B0609020204030204" pitchFamily="49" charset="0"/>
+              </a:rPr>
+              <a:t>");</a:t>
+            </a:r>
+          </a:p>
+          <a:p>
+            <a:pPr algn="ctr"/>
+            <a:r>
+              <a:rPr lang="en-US" sz="2000" dirty="0" err="1">
+                <a:latin typeface="Consolas" panose="020B0609020204030204" pitchFamily="49" charset="0"/>
+              </a:rPr>
+              <a:t>webBuilder.UseStartup</a:t>
+            </a:r>
+            <a:r>
+              <a:rPr lang="en-US" sz="2000" dirty="0">
+                <a:latin typeface="Consolas" panose="020B0609020204030204" pitchFamily="49" charset="0"/>
+              </a:rPr>
+              <a:t>&lt;Startup&gt;();</a:t>
+            </a:r>
+          </a:p>
+        </p:txBody>
+      </p:sp>
+    </p:spTree>
+    <p:extLst>
+      <p:ext uri="{BB962C8B-B14F-4D97-AF65-F5344CB8AC3E}">
+        <p14:creationId xmlns:p14="http://schemas.microsoft.com/office/powerpoint/2010/main" val="2824445418"/>
+      </p:ext>
+    </p:extLst>
+  </p:cSld>
+  <p:clrMapOvr>
+    <a:masterClrMapping/>
+  </p:clrMapOvr>
+</p:sld>
+</file>
+
+<file path=ppt/slides/slide31.xml><?xml version="1.0" encoding="utf-8"?>
+<p:sld xmlns:a="http://schemas.openxmlformats.org/drawingml/2006/main" xmlns:r="http://schemas.openxmlformats.org/officeDocument/2006/relationships" xmlns:p="http://schemas.openxmlformats.org/presentationml/2006/main">
+  <p:cSld>
+    <p:bg>
+      <p:bgPr>
+        <a:gradFill>
+          <a:gsLst>
+            <a:gs pos="0">
+              <a:schemeClr val="accent1">
+                <a:lumMod val="5000"/>
+                <a:lumOff val="95000"/>
+              </a:schemeClr>
+            </a:gs>
+            <a:gs pos="42000">
+              <a:schemeClr val="accent1">
+                <a:lumMod val="45000"/>
+                <a:lumOff val="55000"/>
+              </a:schemeClr>
+            </a:gs>
+            <a:gs pos="83000">
+              <a:schemeClr val="accent1">
+                <a:lumMod val="45000"/>
+                <a:lumOff val="55000"/>
+              </a:schemeClr>
+            </a:gs>
+            <a:gs pos="100000">
+              <a:schemeClr val="accent1">
+                <a:lumMod val="30000"/>
+                <a:lumOff val="70000"/>
+              </a:schemeClr>
+            </a:gs>
+          </a:gsLst>
+          <a:lin ang="5400000" scaled="1"/>
+        </a:gradFill>
+        <a:effectLst/>
+      </p:bgPr>
+    </p:bg>
+    <p:spTree>
+      <p:nvGrpSpPr>
+        <p:cNvPr id="1" name=""/>
+        <p:cNvGrpSpPr/>
+        <p:nvPr/>
+      </p:nvGrpSpPr>
+      <p:grpSpPr>
+        <a:xfrm>
+          <a:off x="0" y="0"/>
+          <a:ext cx="0" cy="0"/>
+          <a:chOff x="0" y="0"/>
+          <a:chExt cx="0" cy="0"/>
+        </a:xfrm>
+      </p:grpSpPr>
+      <p:sp>
+        <p:nvSpPr>
+          <p:cNvPr id="2" name="Title 1"/>
+          <p:cNvSpPr>
+            <a:spLocks noGrp="1"/>
+          </p:cNvSpPr>
+          <p:nvPr>
+            <p:ph type="title"/>
+          </p:nvPr>
+        </p:nvSpPr>
+        <p:spPr>
+          <a:xfrm>
+            <a:off x="181708" y="60325"/>
+            <a:ext cx="10515600" cy="1325563"/>
+          </a:xfrm>
+        </p:spPr>
+        <p:txBody>
+          <a:bodyPr/>
+          <a:lstStyle/>
+          <a:p>
+            <a:r>
+              <a:rPr lang="en-US" dirty="0"/>
+              <a:t>Web apps settings</a:t>
+            </a:r>
+          </a:p>
+        </p:txBody>
+      </p:sp>
+      <p:sp>
+        <p:nvSpPr>
+          <p:cNvPr id="5" name="TextBox 4">
+            <a:extLst>
+              <a:ext uri="{FF2B5EF4-FFF2-40B4-BE49-F238E27FC236}">
+                <a16:creationId xmlns:a16="http://schemas.microsoft.com/office/drawing/2014/main" id="{B1535DF0-CED7-43B6-9182-6FD390525B97}"/>
+              </a:ext>
+            </a:extLst>
+          </p:cNvPr>
+          <p:cNvSpPr txBox="1"/>
+          <p:nvPr/>
+        </p:nvSpPr>
+        <p:spPr>
+          <a:xfrm>
+            <a:off x="483576" y="1717900"/>
+            <a:ext cx="11626361" cy="4278094"/>
+          </a:xfrm>
+          <a:prstGeom prst="rect">
+            <a:avLst/>
+          </a:prstGeom>
+          <a:noFill/>
+        </p:spPr>
+        <p:txBody>
+          <a:bodyPr wrap="square" rtlCol="0">
+            <a:spAutoFit/>
+          </a:bodyPr>
+          <a:lstStyle/>
+          <a:p>
+            <a:pPr marL="457200" indent="-457200">
+              <a:buFont typeface="Arial" panose="020B0604020202020204" pitchFamily="34" charset="0"/>
+              <a:buChar char="•"/>
+            </a:pPr>
+            <a:r>
+              <a:rPr lang="en-US" sz="2800" dirty="0"/>
+              <a:t>URLs</a:t>
+            </a:r>
+          </a:p>
+          <a:p>
+            <a:pPr marL="457200" indent="-457200">
+              <a:buFont typeface="Arial" panose="020B0604020202020204" pitchFamily="34" charset="0"/>
+              <a:buChar char="•"/>
+            </a:pPr>
+            <a:endParaRPr lang="en-US" sz="2800" dirty="0"/>
+          </a:p>
+          <a:p>
+            <a:r>
+              <a:rPr lang="en-US" sz="2800" dirty="0"/>
+              <a:t>	</a:t>
+            </a:r>
+            <a:r>
+              <a:rPr lang="en-US" sz="2400" dirty="0"/>
+              <a:t>A semicolon-delimited list of IP addresses or host addresses with ports and protocols that the server should listen on for requests. </a:t>
+            </a:r>
+            <a:endParaRPr lang="ru-RU" sz="2400" dirty="0"/>
+          </a:p>
+          <a:p>
+            <a:endParaRPr lang="en-US" sz="2400" dirty="0"/>
+          </a:p>
+          <a:p>
+            <a:r>
+              <a:rPr lang="en-US" sz="2400" dirty="0"/>
+              <a:t>	Default: http://localhost:5000 and https://localhost:5001. </a:t>
+            </a:r>
+          </a:p>
+          <a:p>
+            <a:endParaRPr lang="en-US" sz="2400" dirty="0"/>
+          </a:p>
+          <a:p>
+            <a:r>
+              <a:rPr lang="en-US" sz="2400" dirty="0"/>
+              <a:t>	Environment variable: &lt;PREFIX_&gt;URLS.</a:t>
+            </a:r>
+          </a:p>
+          <a:p>
+            <a:r>
+              <a:rPr lang="en-US" sz="2400" dirty="0"/>
+              <a:t>	Use the environment variable or call </a:t>
+            </a:r>
+            <a:r>
+              <a:rPr lang="en-US" sz="2400" dirty="0" err="1"/>
+              <a:t>UseUrls</a:t>
+            </a:r>
+            <a:r>
+              <a:rPr lang="en-US" sz="2400" dirty="0"/>
+              <a:t>:</a:t>
+            </a:r>
+          </a:p>
+          <a:p>
+            <a:endParaRPr lang="en-US" sz="2400" dirty="0"/>
+          </a:p>
+          <a:p>
+            <a:pPr algn="ctr"/>
+            <a:r>
+              <a:rPr lang="en-US" sz="2000" dirty="0" err="1">
+                <a:latin typeface="Consolas" panose="020B0609020204030204" pitchFamily="49" charset="0"/>
+              </a:rPr>
+              <a:t>webBuilder.UseUrls</a:t>
+            </a:r>
+            <a:r>
+              <a:rPr lang="en-US" sz="2000" dirty="0">
+                <a:latin typeface="Consolas" panose="020B0609020204030204" pitchFamily="49" charset="0"/>
+              </a:rPr>
+              <a:t>("http://*:5000;http://localhost:5001;https://hostname:5002");</a:t>
+            </a:r>
+          </a:p>
+        </p:txBody>
+      </p:sp>
+    </p:spTree>
+    <p:extLst>
+      <p:ext uri="{BB962C8B-B14F-4D97-AF65-F5344CB8AC3E}">
+        <p14:creationId xmlns:p14="http://schemas.microsoft.com/office/powerpoint/2010/main" val="3251921580"/>
+      </p:ext>
+    </p:extLst>
+  </p:cSld>
+  <p:clrMapOvr>
+    <a:masterClrMapping/>
+  </p:clrMapOvr>
+</p:sld>
+</file>
+
+<file path=ppt/slides/slide32.xml><?xml version="1.0" encoding="utf-8"?>
+<p:sld xmlns:a="http://schemas.openxmlformats.org/drawingml/2006/main" xmlns:r="http://schemas.openxmlformats.org/officeDocument/2006/relationships" xmlns:p="http://schemas.openxmlformats.org/presentationml/2006/main">
+  <p:cSld>
+    <p:bg>
+      <p:bgPr>
+        <a:gradFill>
+          <a:gsLst>
+            <a:gs pos="0">
+              <a:schemeClr val="accent1">
+                <a:lumMod val="5000"/>
+                <a:lumOff val="95000"/>
+              </a:schemeClr>
+            </a:gs>
+            <a:gs pos="42000">
+              <a:schemeClr val="accent1">
+                <a:lumMod val="45000"/>
+                <a:lumOff val="55000"/>
+              </a:schemeClr>
+            </a:gs>
+            <a:gs pos="83000">
+              <a:schemeClr val="accent1">
+                <a:lumMod val="45000"/>
+                <a:lumOff val="55000"/>
+              </a:schemeClr>
+            </a:gs>
+            <a:gs pos="100000">
+              <a:schemeClr val="accent1">
+                <a:lumMod val="30000"/>
+                <a:lumOff val="70000"/>
+              </a:schemeClr>
+            </a:gs>
+          </a:gsLst>
+          <a:lin ang="5400000" scaled="1"/>
+        </a:gradFill>
+        <a:effectLst/>
+      </p:bgPr>
+    </p:bg>
+    <p:spTree>
+      <p:nvGrpSpPr>
+        <p:cNvPr id="1" name=""/>
+        <p:cNvGrpSpPr/>
+        <p:nvPr/>
+      </p:nvGrpSpPr>
+      <p:grpSpPr>
+        <a:xfrm>
+          <a:off x="0" y="0"/>
+          <a:ext cx="0" cy="0"/>
+          <a:chOff x="0" y="0"/>
+          <a:chExt cx="0" cy="0"/>
+        </a:xfrm>
+      </p:grpSpPr>
+      <p:sp>
+        <p:nvSpPr>
+          <p:cNvPr id="2" name="Title 1"/>
+          <p:cNvSpPr>
+            <a:spLocks noGrp="1"/>
+          </p:cNvSpPr>
+          <p:nvPr>
+            <p:ph type="title"/>
+          </p:nvPr>
+        </p:nvSpPr>
+        <p:spPr>
+          <a:xfrm>
+            <a:off x="181708" y="60325"/>
+            <a:ext cx="10515600" cy="1325563"/>
+          </a:xfrm>
+        </p:spPr>
+        <p:txBody>
+          <a:bodyPr/>
+          <a:lstStyle/>
+          <a:p>
+            <a:r>
+              <a:rPr lang="en-US" dirty="0"/>
+              <a:t>Web apps settings</a:t>
+            </a:r>
+          </a:p>
+        </p:txBody>
+      </p:sp>
+      <p:sp>
+        <p:nvSpPr>
+          <p:cNvPr id="5" name="TextBox 4">
+            <a:extLst>
+              <a:ext uri="{FF2B5EF4-FFF2-40B4-BE49-F238E27FC236}">
+                <a16:creationId xmlns:a16="http://schemas.microsoft.com/office/drawing/2014/main" id="{B1535DF0-CED7-43B6-9182-6FD390525B97}"/>
+              </a:ext>
+            </a:extLst>
+          </p:cNvPr>
+          <p:cNvSpPr txBox="1"/>
+          <p:nvPr/>
+        </p:nvSpPr>
+        <p:spPr>
+          <a:xfrm>
+            <a:off x="483576" y="1717900"/>
+            <a:ext cx="11626361" cy="3908762"/>
+          </a:xfrm>
+          <a:prstGeom prst="rect">
+            <a:avLst/>
+          </a:prstGeom>
+          <a:noFill/>
+        </p:spPr>
+        <p:txBody>
+          <a:bodyPr wrap="square" rtlCol="0">
+            <a:spAutoFit/>
+          </a:bodyPr>
+          <a:lstStyle/>
+          <a:p>
+            <a:pPr marL="457200" indent="-457200">
+              <a:buFont typeface="Arial" panose="020B0604020202020204" pitchFamily="34" charset="0"/>
+              <a:buChar char="•"/>
+            </a:pPr>
+            <a:r>
+              <a:rPr lang="en-US" sz="2800" dirty="0" err="1"/>
+              <a:t>WebRoot</a:t>
+            </a:r>
+            <a:endParaRPr lang="en-US" sz="2800" dirty="0"/>
+          </a:p>
+          <a:p>
+            <a:pPr marL="457200" indent="-457200">
+              <a:buFont typeface="Arial" panose="020B0604020202020204" pitchFamily="34" charset="0"/>
+              <a:buChar char="•"/>
+            </a:pPr>
+            <a:endParaRPr lang="en-US" sz="2800" dirty="0"/>
+          </a:p>
+          <a:p>
+            <a:r>
+              <a:rPr lang="en-US" sz="2800" dirty="0"/>
+              <a:t>	</a:t>
+            </a:r>
+            <a:r>
+              <a:rPr lang="en-US" sz="2400" dirty="0"/>
+              <a:t>The relative path to the app's static assets.</a:t>
+            </a:r>
+            <a:endParaRPr lang="ru-RU" sz="2400" dirty="0"/>
+          </a:p>
+          <a:p>
+            <a:endParaRPr lang="en-US" sz="2400" dirty="0"/>
+          </a:p>
+          <a:p>
+            <a:r>
+              <a:rPr lang="en-US" sz="2400" dirty="0"/>
+              <a:t>	Default: “</a:t>
+            </a:r>
+            <a:r>
+              <a:rPr lang="en-US" sz="2400" dirty="0" err="1"/>
+              <a:t>wwwroot</a:t>
+            </a:r>
+            <a:r>
+              <a:rPr lang="en-US" sz="2400" dirty="0"/>
+              <a:t>”. </a:t>
+            </a:r>
+          </a:p>
+          <a:p>
+            <a:endParaRPr lang="en-US" sz="2400" dirty="0"/>
+          </a:p>
+          <a:p>
+            <a:r>
+              <a:rPr lang="en-US" sz="2400" dirty="0"/>
+              <a:t>	Environment variable: &lt;PREFIX_&gt;WEBROOT.</a:t>
+            </a:r>
+          </a:p>
+          <a:p>
+            <a:r>
+              <a:rPr lang="en-US" sz="2400" dirty="0"/>
+              <a:t>	Use the environment variable or call </a:t>
+            </a:r>
+            <a:r>
+              <a:rPr lang="en-US" sz="2400" dirty="0" err="1"/>
+              <a:t>UseWebRoot</a:t>
+            </a:r>
+            <a:r>
+              <a:rPr lang="en-US" sz="2400" dirty="0"/>
+              <a:t>:</a:t>
+            </a:r>
+          </a:p>
+          <a:p>
+            <a:endParaRPr lang="en-US" sz="2400" dirty="0"/>
+          </a:p>
+          <a:p>
+            <a:pPr algn="ctr"/>
+            <a:r>
+              <a:rPr lang="en-US" sz="2000" dirty="0" err="1">
+                <a:latin typeface="Consolas" panose="020B0609020204030204" pitchFamily="49" charset="0"/>
+              </a:rPr>
+              <a:t>webBuilder.UseWebRoot</a:t>
+            </a:r>
+            <a:r>
+              <a:rPr lang="en-US" sz="2000" dirty="0">
+                <a:latin typeface="Consolas" panose="020B0609020204030204" pitchFamily="49" charset="0"/>
+              </a:rPr>
+              <a:t>("public");</a:t>
+            </a:r>
+          </a:p>
+        </p:txBody>
+      </p:sp>
+    </p:spTree>
+    <p:extLst>
+      <p:ext uri="{BB962C8B-B14F-4D97-AF65-F5344CB8AC3E}">
+        <p14:creationId xmlns:p14="http://schemas.microsoft.com/office/powerpoint/2010/main" val="2330276428"/>
+      </p:ext>
+    </p:extLst>
+  </p:cSld>
+  <p:clrMapOvr>
+    <a:masterClrMapping/>
+  </p:clrMapOvr>
+</p:sld>
+</file>
+
+<file path=ppt/slides/slide33.xml><?xml version="1.0" encoding="utf-8"?>
+<p:sld xmlns:a="http://schemas.openxmlformats.org/drawingml/2006/main" xmlns:r="http://schemas.openxmlformats.org/officeDocument/2006/relationships" xmlns:p="http://schemas.openxmlformats.org/presentationml/2006/main">
+  <p:cSld>
+    <p:bg>
+      <p:bgPr>
+        <a:gradFill>
+          <a:gsLst>
+            <a:gs pos="0">
+              <a:schemeClr val="accent1">
+                <a:lumMod val="5000"/>
+                <a:lumOff val="95000"/>
+              </a:schemeClr>
+            </a:gs>
+            <a:gs pos="42000">
+              <a:schemeClr val="accent1">
+                <a:lumMod val="45000"/>
+                <a:lumOff val="55000"/>
+              </a:schemeClr>
+            </a:gs>
+            <a:gs pos="83000">
+              <a:schemeClr val="accent1">
+                <a:lumMod val="45000"/>
+                <a:lumOff val="55000"/>
+              </a:schemeClr>
+            </a:gs>
+            <a:gs pos="100000">
+              <a:schemeClr val="accent1">
+                <a:lumMod val="30000"/>
+                <a:lumOff val="70000"/>
+              </a:schemeClr>
+            </a:gs>
+          </a:gsLst>
+          <a:lin ang="5400000" scaled="1"/>
+        </a:gradFill>
+        <a:effectLst/>
+      </p:bgPr>
+    </p:bg>
+    <p:spTree>
+      <p:nvGrpSpPr>
+        <p:cNvPr id="1" name=""/>
+        <p:cNvGrpSpPr/>
+        <p:nvPr/>
+      </p:nvGrpSpPr>
+      <p:grpSpPr>
+        <a:xfrm>
+          <a:off x="0" y="0"/>
+          <a:ext cx="0" cy="0"/>
+          <a:chOff x="0" y="0"/>
+          <a:chExt cx="0" cy="0"/>
+        </a:xfrm>
+      </p:grpSpPr>
+      <p:sp>
+        <p:nvSpPr>
+          <p:cNvPr id="2" name="Title 1"/>
+          <p:cNvSpPr>
+            <a:spLocks noGrp="1"/>
+          </p:cNvSpPr>
+          <p:nvPr>
+            <p:ph type="title"/>
+          </p:nvPr>
+        </p:nvSpPr>
+        <p:spPr>
+          <a:xfrm>
+            <a:off x="181708" y="60325"/>
+            <a:ext cx="10515600" cy="1325563"/>
+          </a:xfrm>
+        </p:spPr>
+        <p:txBody>
+          <a:bodyPr/>
+          <a:lstStyle/>
+          <a:p>
+            <a:r>
+              <a:rPr lang="en-US" dirty="0"/>
+              <a:t>Header</a:t>
+            </a:r>
+          </a:p>
+        </p:txBody>
+      </p:sp>
+      <p:sp>
+        <p:nvSpPr>
+          <p:cNvPr id="3" name="TextBox 2">
+            <a:extLst>
+              <a:ext uri="{FF2B5EF4-FFF2-40B4-BE49-F238E27FC236}">
+                <a16:creationId xmlns:a16="http://schemas.microsoft.com/office/drawing/2014/main" id="{ADDF9C7B-D1A4-43C4-8257-A0442BD6194E}"/>
+              </a:ext>
+            </a:extLst>
+          </p:cNvPr>
+          <p:cNvSpPr txBox="1"/>
+          <p:nvPr/>
+        </p:nvSpPr>
+        <p:spPr>
+          <a:xfrm>
+            <a:off x="474785" y="1659285"/>
+            <a:ext cx="11224846" cy="523220"/>
+          </a:xfrm>
+          <a:prstGeom prst="rect">
+            <a:avLst/>
+          </a:prstGeom>
+          <a:noFill/>
+        </p:spPr>
+        <p:txBody>
+          <a:bodyPr wrap="square" rtlCol="0">
+            <a:spAutoFit/>
+          </a:bodyPr>
+          <a:lstStyle/>
+          <a:p>
+            <a:r>
+              <a:rPr lang="en-US" sz="2800" dirty="0"/>
+              <a:t>text</a:t>
+            </a:r>
+          </a:p>
+        </p:txBody>
+      </p:sp>
+    </p:spTree>
+    <p:extLst>
+      <p:ext uri="{BB962C8B-B14F-4D97-AF65-F5344CB8AC3E}">
+        <p14:creationId xmlns:p14="http://schemas.microsoft.com/office/powerpoint/2010/main" val="3607170314"/>
+      </p:ext>
+    </p:extLst>
+  </p:cSld>
+  <p:clrMapOvr>
+    <a:masterClrMapping/>
+  </p:clrMapOvr>
+</p:sld>
+</file>
+
+<file path=ppt/slides/slide34.xml><?xml version="1.0" encoding="utf-8"?>
+<p:sld xmlns:a="http://schemas.openxmlformats.org/drawingml/2006/main" xmlns:r="http://schemas.openxmlformats.org/officeDocument/2006/relationships" xmlns:p="http://schemas.openxmlformats.org/presentationml/2006/main">
+  <p:cSld>
+    <p:bg>
+      <p:bgPr>
+        <a:gradFill>
+          <a:gsLst>
+            <a:gs pos="0">
+              <a:schemeClr val="accent1">
+                <a:lumMod val="5000"/>
+                <a:lumOff val="95000"/>
+              </a:schemeClr>
+            </a:gs>
+            <a:gs pos="42000">
+              <a:schemeClr val="accent1">
+                <a:lumMod val="45000"/>
+                <a:lumOff val="55000"/>
+              </a:schemeClr>
+            </a:gs>
+            <a:gs pos="83000">
+              <a:schemeClr val="accent1">
+                <a:lumMod val="45000"/>
+                <a:lumOff val="55000"/>
+              </a:schemeClr>
+            </a:gs>
+            <a:gs pos="100000">
+              <a:schemeClr val="accent1">
+                <a:lumMod val="30000"/>
+                <a:lumOff val="70000"/>
+              </a:schemeClr>
+            </a:gs>
+          </a:gsLst>
+          <a:lin ang="5400000" scaled="1"/>
+        </a:gradFill>
+        <a:effectLst/>
+      </p:bgPr>
+    </p:bg>
+    <p:spTree>
+      <p:nvGrpSpPr>
+        <p:cNvPr id="1" name=""/>
+        <p:cNvGrpSpPr/>
+        <p:nvPr/>
+      </p:nvGrpSpPr>
+      <p:grpSpPr>
+        <a:xfrm>
+          <a:off x="0" y="0"/>
+          <a:ext cx="0" cy="0"/>
+          <a:chOff x="0" y="0"/>
+          <a:chExt cx="0" cy="0"/>
+        </a:xfrm>
+      </p:grpSpPr>
+      <p:sp>
+        <p:nvSpPr>
+          <p:cNvPr id="2" name="Title 1"/>
+          <p:cNvSpPr>
+            <a:spLocks noGrp="1"/>
+          </p:cNvSpPr>
+          <p:nvPr>
+            <p:ph type="title"/>
+          </p:nvPr>
+        </p:nvSpPr>
+        <p:spPr>
+          <a:xfrm>
+            <a:off x="181708" y="60325"/>
+            <a:ext cx="10515600" cy="1325563"/>
+          </a:xfrm>
+        </p:spPr>
+        <p:txBody>
+          <a:bodyPr/>
+          <a:lstStyle/>
+          <a:p>
+            <a:r>
+              <a:rPr lang="en-US" dirty="0"/>
+              <a:t>Header</a:t>
+            </a:r>
+          </a:p>
+        </p:txBody>
+      </p:sp>
+      <p:sp>
+        <p:nvSpPr>
+          <p:cNvPr id="3" name="TextBox 2">
+            <a:extLst>
+              <a:ext uri="{FF2B5EF4-FFF2-40B4-BE49-F238E27FC236}">
+                <a16:creationId xmlns:a16="http://schemas.microsoft.com/office/drawing/2014/main" id="{ADDF9C7B-D1A4-43C4-8257-A0442BD6194E}"/>
+              </a:ext>
+            </a:extLst>
+          </p:cNvPr>
+          <p:cNvSpPr txBox="1"/>
+          <p:nvPr/>
+        </p:nvSpPr>
+        <p:spPr>
+          <a:xfrm>
+            <a:off x="474785" y="1659285"/>
+            <a:ext cx="11224846" cy="523220"/>
+          </a:xfrm>
+          <a:prstGeom prst="rect">
+            <a:avLst/>
+          </a:prstGeom>
+          <a:noFill/>
+        </p:spPr>
+        <p:txBody>
+          <a:bodyPr wrap="square" rtlCol="0">
+            <a:spAutoFit/>
+          </a:bodyPr>
+          <a:lstStyle/>
+          <a:p>
+            <a:r>
+              <a:rPr lang="en-US" sz="2800" dirty="0"/>
+              <a:t>text</a:t>
+            </a:r>
+          </a:p>
+        </p:txBody>
+      </p:sp>
+    </p:spTree>
+    <p:extLst>
+      <p:ext uri="{BB962C8B-B14F-4D97-AF65-F5344CB8AC3E}">
+        <p14:creationId xmlns:p14="http://schemas.microsoft.com/office/powerpoint/2010/main" val="3971854302"/>
+      </p:ext>
+    </p:extLst>
+  </p:cSld>
+  <p:clrMapOvr>
+    <a:masterClrMapping/>
+  </p:clrMapOvr>
+</p:sld>
+</file>
+
+<file path=ppt/slides/slide35.xml><?xml version="1.0" encoding="utf-8"?>
+<p:sld xmlns:a="http://schemas.openxmlformats.org/drawingml/2006/main" xmlns:r="http://schemas.openxmlformats.org/officeDocument/2006/relationships" xmlns:p="http://schemas.openxmlformats.org/presentationml/2006/main">
+  <p:cSld>
+    <p:bg>
+      <p:bgPr>
+        <a:gradFill>
+          <a:gsLst>
+            <a:gs pos="0">
+              <a:schemeClr val="accent1">
+                <a:lumMod val="5000"/>
+                <a:lumOff val="95000"/>
+              </a:schemeClr>
+            </a:gs>
+            <a:gs pos="42000">
+              <a:schemeClr val="accent1">
+                <a:lumMod val="45000"/>
+                <a:lumOff val="55000"/>
+              </a:schemeClr>
+            </a:gs>
+            <a:gs pos="83000">
+              <a:schemeClr val="accent1">
+                <a:lumMod val="45000"/>
+                <a:lumOff val="55000"/>
+              </a:schemeClr>
+            </a:gs>
+            <a:gs pos="100000">
+              <a:schemeClr val="accent1">
+                <a:lumMod val="30000"/>
+                <a:lumOff val="70000"/>
+              </a:schemeClr>
+            </a:gs>
+          </a:gsLst>
+          <a:lin ang="5400000" scaled="1"/>
+        </a:gradFill>
+        <a:effectLst/>
+      </p:bgPr>
+    </p:bg>
+    <p:spTree>
+      <p:nvGrpSpPr>
+        <p:cNvPr id="1" name=""/>
+        <p:cNvGrpSpPr/>
+        <p:nvPr/>
+      </p:nvGrpSpPr>
+      <p:grpSpPr>
+        <a:xfrm>
+          <a:off x="0" y="0"/>
+          <a:ext cx="0" cy="0"/>
+          <a:chOff x="0" y="0"/>
+          <a:chExt cx="0" cy="0"/>
+        </a:xfrm>
+      </p:grpSpPr>
+      <p:sp>
+        <p:nvSpPr>
+          <p:cNvPr id="2" name="Title 1"/>
+          <p:cNvSpPr>
+            <a:spLocks noGrp="1"/>
+          </p:cNvSpPr>
+          <p:nvPr>
+            <p:ph type="title"/>
+          </p:nvPr>
+        </p:nvSpPr>
+        <p:spPr>
+          <a:xfrm>
+            <a:off x="723130" y="784994"/>
+            <a:ext cx="10515600" cy="4689683"/>
+          </a:xfrm>
+        </p:spPr>
+        <p:txBody>
+          <a:bodyPr>
+            <a:normAutofit/>
+          </a:bodyPr>
+          <a:lstStyle/>
+          <a:p>
+            <a:pPr algn="ctr"/>
+            <a:r>
+              <a:rPr lang="en-US" dirty="0"/>
+              <a:t>Thanks for attention</a:t>
+            </a:r>
+            <a:br>
+              <a:rPr lang="en-US" dirty="0"/>
+            </a:br>
+            <a:br>
+              <a:rPr lang="en-US" dirty="0"/>
+            </a:br>
+            <a:r>
+              <a:rPr lang="en-US" dirty="0"/>
+              <a:t>Evgeniy </a:t>
+            </a:r>
+            <a:r>
+              <a:rPr lang="en-US" dirty="0" err="1"/>
+              <a:t>Pilyaev</a:t>
+            </a:r>
+            <a:br>
+              <a:rPr lang="en-US" dirty="0"/>
+            </a:br>
+            <a:br>
+              <a:rPr lang="en-US" dirty="0"/>
+            </a:br>
+            <a:r>
+              <a:rPr lang="en-US" dirty="0">
+                <a:hlinkClick r:id="rId3"/>
+              </a:rPr>
+              <a:t>https://github.com/EPilyaev/ASPNetCoreMVC</a:t>
+            </a:r>
+            <a:br>
+              <a:rPr lang="en-US" dirty="0"/>
+            </a:br>
+            <a:br>
+              <a:rPr lang="en-US" dirty="0"/>
+            </a:br>
+            <a:r>
+              <a:rPr lang="en-US" dirty="0"/>
+              <a:t>(</a:t>
+            </a:r>
+            <a:r>
+              <a:rPr lang="en-US" dirty="0" err="1"/>
+              <a:t>Host&amp;Startup&amp;Di</a:t>
+            </a:r>
+            <a:r>
+              <a:rPr lang="en-US" dirty="0"/>
+              <a:t> presentation)</a:t>
+            </a:r>
+          </a:p>
+        </p:txBody>
+      </p:sp>
+    </p:spTree>
+    <p:extLst>
+      <p:ext uri="{BB962C8B-B14F-4D97-AF65-F5344CB8AC3E}">
+        <p14:creationId xmlns:p14="http://schemas.microsoft.com/office/powerpoint/2010/main" val="979259589"/>
       </p:ext>
     </p:extLst>
   </p:cSld>

--- a/Host&Startup&Di.pptx
+++ b/Host&Startup&Di.pptx
@@ -5,7 +5,7 @@
     <p:sldMasterId id="2147483648" r:id="rId1"/>
   </p:sldMasterIdLst>
   <p:notesMasterIdLst>
-    <p:notesMasterId r:id="rId37"/>
+    <p:notesMasterId r:id="rId39"/>
   </p:notesMasterIdLst>
   <p:sldIdLst>
     <p:sldId id="256" r:id="rId2"/>
@@ -41,8 +41,10 @@
     <p:sldId id="361" r:id="rId32"/>
     <p:sldId id="362" r:id="rId33"/>
     <p:sldId id="350" r:id="rId34"/>
-    <p:sldId id="351" r:id="rId35"/>
-    <p:sldId id="330" r:id="rId36"/>
+    <p:sldId id="363" r:id="rId35"/>
+    <p:sldId id="364" r:id="rId36"/>
+    <p:sldId id="351" r:id="rId37"/>
+    <p:sldId id="330" r:id="rId38"/>
   </p:sldIdLst>
   <p:sldSz cx="12192000" cy="6858000"/>
   <p:notesSz cx="6858000" cy="9144000"/>
@@ -231,7 +233,7 @@
           <a:p>
             <a:fld id="{1747B90C-FE49-44DE-93E7-FA9DDECBEA03}" type="datetimeFigureOut">
               <a:rPr lang="en-US" smtClean="0"/>
-              <a:t>11/26/2019</a:t>
+              <a:t>12/2/2019</a:t>
             </a:fld>
             <a:endParaRPr lang="en-US"/>
           </a:p>
@@ -2828,15 +2830,68 @@
           <a:bodyPr/>
           <a:lstStyle/>
           <a:p>
-            <a:endParaRPr lang="ru-RU" sz="1200" b="0" i="0" kern="1200" dirty="0">
-              <a:solidFill>
-                <a:schemeClr val="tx1"/>
-              </a:solidFill>
-              <a:effectLst/>
-              <a:latin typeface="+mn-lt"/>
-              <a:ea typeface="+mn-ea"/>
-              <a:cs typeface="+mn-cs"/>
-            </a:endParaRPr>
+            <a:r>
+              <a:rPr lang="en-US" sz="1200" b="0" i="0" kern="1200" dirty="0">
+                <a:solidFill>
+                  <a:schemeClr val="tx1"/>
+                </a:solidFill>
+                <a:effectLst/>
+                <a:latin typeface="+mn-lt"/>
+                <a:ea typeface="+mn-ea"/>
+                <a:cs typeface="+mn-cs"/>
+              </a:rPr>
+              <a:t>Call methods on the built </a:t>
+            </a:r>
+            <a:r>
+              <a:rPr lang="en-US" sz="1200" b="0" i="0" u="sng" kern="1200" dirty="0" err="1">
+                <a:solidFill>
+                  <a:schemeClr val="tx1"/>
+                </a:solidFill>
+                <a:effectLst/>
+                <a:latin typeface="+mn-lt"/>
+                <a:ea typeface="+mn-ea"/>
+                <a:cs typeface="+mn-cs"/>
+                <a:hlinkClick r:id="rId3"/>
+              </a:rPr>
+              <a:t>IHost</a:t>
+            </a:r>
+            <a:r>
+              <a:rPr lang="en-US" sz="1200" b="0" i="0" kern="1200" dirty="0">
+                <a:solidFill>
+                  <a:schemeClr val="tx1"/>
+                </a:solidFill>
+                <a:effectLst/>
+                <a:latin typeface="+mn-lt"/>
+                <a:ea typeface="+mn-ea"/>
+                <a:cs typeface="+mn-cs"/>
+              </a:rPr>
+              <a:t> implementation to start and stop the app. These methods affect all </a:t>
+            </a:r>
+            <a:r>
+              <a:rPr lang="en-US" sz="1200" b="0" i="0" u="sng" kern="1200" dirty="0" err="1">
+                <a:solidFill>
+                  <a:schemeClr val="tx1"/>
+                </a:solidFill>
+                <a:effectLst/>
+                <a:latin typeface="+mn-lt"/>
+                <a:ea typeface="+mn-ea"/>
+                <a:cs typeface="+mn-cs"/>
+                <a:hlinkClick r:id="rId4"/>
+              </a:rPr>
+              <a:t>IHostedService</a:t>
+            </a:r>
+            <a:r>
+              <a:rPr lang="en-US" sz="1200" b="0" i="0" kern="1200" dirty="0">
+                <a:solidFill>
+                  <a:schemeClr val="tx1"/>
+                </a:solidFill>
+                <a:effectLst/>
+                <a:latin typeface="+mn-lt"/>
+                <a:ea typeface="+mn-ea"/>
+                <a:cs typeface="+mn-cs"/>
+              </a:rPr>
+              <a:t> implementations that are registered in the service container.</a:t>
+            </a:r>
           </a:p>
         </p:txBody>
       </p:sp>
@@ -2920,7 +2975,24 @@
           <a:bodyPr/>
           <a:lstStyle/>
           <a:p>
-            <a:endParaRPr lang="ru-RU" sz="1200" b="0" i="0" kern="1200" dirty="0">
+            <a:pPr marL="0" marR="0" lvl="0" indent="0" algn="l" defTabSz="914400" rtl="0" eaLnBrk="1" fontAlgn="auto" latinLnBrk="0" hangingPunct="1">
+              <a:lnSpc>
+                <a:spcPct val="100000"/>
+              </a:lnSpc>
+              <a:spcBef>
+                <a:spcPts val="0"/>
+              </a:spcBef>
+              <a:spcAft>
+                <a:spcPts val="0"/>
+              </a:spcAft>
+              <a:buClrTx/>
+              <a:buSzTx/>
+              <a:buFontTx/>
+              <a:buNone/>
+              <a:tabLst/>
+              <a:defRPr/>
+            </a:pPr>
+            <a:endParaRPr lang="en-US" sz="1200" b="0" i="0" kern="1200" dirty="0">
               <a:solidFill>
                 <a:schemeClr val="tx1"/>
               </a:solidFill>
@@ -2958,7 +3030,7 @@
     </p:spTree>
     <p:extLst>
       <p:ext uri="{BB962C8B-B14F-4D97-AF65-F5344CB8AC3E}">
-        <p14:creationId xmlns:p14="http://schemas.microsoft.com/office/powerpoint/2010/main" val="3251060575"/>
+        <p14:creationId xmlns:p14="http://schemas.microsoft.com/office/powerpoint/2010/main" val="2046139047"/>
       </p:ext>
     </p:extLst>
   </p:cSld>
@@ -3012,7 +3084,15 @@
           <a:bodyPr/>
           <a:lstStyle/>
           <a:p>
-            <a:endParaRPr lang="en-US" dirty="0"/>
+            <a:endParaRPr lang="en-US" sz="1200" b="0" i="0" kern="1200" dirty="0">
+              <a:solidFill>
+                <a:schemeClr val="tx1"/>
+              </a:solidFill>
+              <a:effectLst/>
+              <a:latin typeface="+mn-lt"/>
+              <a:ea typeface="+mn-ea"/>
+              <a:cs typeface="+mn-cs"/>
+            </a:endParaRPr>
           </a:p>
         </p:txBody>
       </p:sp>
@@ -3034,6 +3114,194 @@
             <a:fld id="{BA1D5B97-ACF5-4677-A104-92B2393AA446}" type="slidenum">
               <a:rPr lang="en-US" smtClean="0"/>
               <a:t>35</a:t>
+            </a:fld>
+            <a:endParaRPr lang="en-US"/>
+          </a:p>
+        </p:txBody>
+      </p:sp>
+    </p:spTree>
+    <p:extLst>
+      <p:ext uri="{BB962C8B-B14F-4D97-AF65-F5344CB8AC3E}">
+        <p14:creationId xmlns:p14="http://schemas.microsoft.com/office/powerpoint/2010/main" val="1476101376"/>
+      </p:ext>
+    </p:extLst>
+  </p:cSld>
+  <p:clrMapOvr>
+    <a:masterClrMapping/>
+  </p:clrMapOvr>
+</p:notes>
+</file>
+
+<file path=ppt/notesSlides/notesSlide33.xml><?xml version="1.0" encoding="utf-8"?>
+<p:notes xmlns:a="http://schemas.openxmlformats.org/drawingml/2006/main" xmlns:r="http://schemas.openxmlformats.org/officeDocument/2006/relationships" xmlns:p="http://schemas.openxmlformats.org/presentationml/2006/main">
+  <p:cSld>
+    <p:spTree>
+      <p:nvGrpSpPr>
+        <p:cNvPr id="1" name=""/>
+        <p:cNvGrpSpPr/>
+        <p:nvPr/>
+      </p:nvGrpSpPr>
+      <p:grpSpPr>
+        <a:xfrm>
+          <a:off x="0" y="0"/>
+          <a:ext cx="0" cy="0"/>
+          <a:chOff x="0" y="0"/>
+          <a:chExt cx="0" cy="0"/>
+        </a:xfrm>
+      </p:grpSpPr>
+      <p:sp>
+        <p:nvSpPr>
+          <p:cNvPr id="2" name="Slide Image Placeholder 1"/>
+          <p:cNvSpPr>
+            <a:spLocks noGrp="1" noRot="1" noChangeAspect="1"/>
+          </p:cNvSpPr>
+          <p:nvPr>
+            <p:ph type="sldImg"/>
+          </p:nvPr>
+        </p:nvSpPr>
+        <p:spPr/>
+      </p:sp>
+      <p:sp>
+        <p:nvSpPr>
+          <p:cNvPr id="3" name="Notes Placeholder 2"/>
+          <p:cNvSpPr>
+            <a:spLocks noGrp="1"/>
+          </p:cNvSpPr>
+          <p:nvPr>
+            <p:ph type="body" idx="1"/>
+          </p:nvPr>
+        </p:nvSpPr>
+        <p:spPr/>
+        <p:txBody>
+          <a:bodyPr/>
+          <a:lstStyle/>
+          <a:p>
+            <a:r>
+              <a:rPr lang="en-US" sz="1200" b="0" i="0" kern="1200" dirty="0">
+                <a:solidFill>
+                  <a:schemeClr val="tx1"/>
+                </a:solidFill>
+                <a:effectLst/>
+                <a:latin typeface="+mn-lt"/>
+                <a:ea typeface="+mn-ea"/>
+                <a:cs typeface="+mn-cs"/>
+              </a:rPr>
+              <a:t>Direct control of the host lifetime can be achieved using methods that can be called externally:</a:t>
+            </a:r>
+            <a:endParaRPr lang="ru-RU" sz="1200" b="0" i="0" kern="1200" dirty="0">
+              <a:solidFill>
+                <a:schemeClr val="tx1"/>
+              </a:solidFill>
+              <a:effectLst/>
+              <a:latin typeface="+mn-lt"/>
+              <a:ea typeface="+mn-ea"/>
+              <a:cs typeface="+mn-cs"/>
+            </a:endParaRPr>
+          </a:p>
+        </p:txBody>
+      </p:sp>
+      <p:sp>
+        <p:nvSpPr>
+          <p:cNvPr id="4" name="Slide Number Placeholder 3"/>
+          <p:cNvSpPr>
+            <a:spLocks noGrp="1"/>
+          </p:cNvSpPr>
+          <p:nvPr>
+            <p:ph type="sldNum" sz="quarter" idx="10"/>
+          </p:nvPr>
+        </p:nvSpPr>
+        <p:spPr/>
+        <p:txBody>
+          <a:bodyPr/>
+          <a:lstStyle/>
+          <a:p>
+            <a:fld id="{BA1D5B97-ACF5-4677-A104-92B2393AA446}" type="slidenum">
+              <a:rPr lang="en-US" smtClean="0"/>
+              <a:t>36</a:t>
+            </a:fld>
+            <a:endParaRPr lang="en-US"/>
+          </a:p>
+        </p:txBody>
+      </p:sp>
+    </p:spTree>
+    <p:extLst>
+      <p:ext uri="{BB962C8B-B14F-4D97-AF65-F5344CB8AC3E}">
+        <p14:creationId xmlns:p14="http://schemas.microsoft.com/office/powerpoint/2010/main" val="3251060575"/>
+      </p:ext>
+    </p:extLst>
+  </p:cSld>
+  <p:clrMapOvr>
+    <a:masterClrMapping/>
+  </p:clrMapOvr>
+</p:notes>
+</file>
+
+<file path=ppt/notesSlides/notesSlide34.xml><?xml version="1.0" encoding="utf-8"?>
+<p:notes xmlns:a="http://schemas.openxmlformats.org/drawingml/2006/main" xmlns:r="http://schemas.openxmlformats.org/officeDocument/2006/relationships" xmlns:p="http://schemas.openxmlformats.org/presentationml/2006/main">
+  <p:cSld>
+    <p:spTree>
+      <p:nvGrpSpPr>
+        <p:cNvPr id="1" name=""/>
+        <p:cNvGrpSpPr/>
+        <p:nvPr/>
+      </p:nvGrpSpPr>
+      <p:grpSpPr>
+        <a:xfrm>
+          <a:off x="0" y="0"/>
+          <a:ext cx="0" cy="0"/>
+          <a:chOff x="0" y="0"/>
+          <a:chExt cx="0" cy="0"/>
+        </a:xfrm>
+      </p:grpSpPr>
+      <p:sp>
+        <p:nvSpPr>
+          <p:cNvPr id="2" name="Slide Image Placeholder 1"/>
+          <p:cNvSpPr>
+            <a:spLocks noGrp="1" noRot="1" noChangeAspect="1"/>
+          </p:cNvSpPr>
+          <p:nvPr>
+            <p:ph type="sldImg"/>
+          </p:nvPr>
+        </p:nvSpPr>
+        <p:spPr/>
+      </p:sp>
+      <p:sp>
+        <p:nvSpPr>
+          <p:cNvPr id="3" name="Notes Placeholder 2"/>
+          <p:cNvSpPr>
+            <a:spLocks noGrp="1"/>
+          </p:cNvSpPr>
+          <p:nvPr>
+            <p:ph type="body" idx="1"/>
+          </p:nvPr>
+        </p:nvSpPr>
+        <p:spPr/>
+        <p:txBody>
+          <a:bodyPr/>
+          <a:lstStyle/>
+          <a:p>
+            <a:endParaRPr lang="en-US" dirty="0"/>
+          </a:p>
+        </p:txBody>
+      </p:sp>
+      <p:sp>
+        <p:nvSpPr>
+          <p:cNvPr id="4" name="Slide Number Placeholder 3"/>
+          <p:cNvSpPr>
+            <a:spLocks noGrp="1"/>
+          </p:cNvSpPr>
+          <p:nvPr>
+            <p:ph type="sldNum" sz="quarter" idx="10"/>
+          </p:nvPr>
+        </p:nvSpPr>
+        <p:spPr/>
+        <p:txBody>
+          <a:bodyPr/>
+          <a:lstStyle/>
+          <a:p>
+            <a:fld id="{BA1D5B97-ACF5-4677-A104-92B2393AA446}" type="slidenum">
+              <a:rPr lang="en-US" smtClean="0"/>
+              <a:t>37</a:t>
             </a:fld>
             <a:endParaRPr lang="en-US"/>
           </a:p>
@@ -4071,7 +4339,7 @@
           <a:p>
             <a:fld id="{622E22BE-79DE-4FFF-A515-BF1CA8DF801A}" type="datetimeFigureOut">
               <a:rPr lang="en-US" smtClean="0"/>
-              <a:t>11/26/2019</a:t>
+              <a:t>12/2/2019</a:t>
             </a:fld>
             <a:endParaRPr lang="en-US"/>
           </a:p>
@@ -4239,7 +4507,7 @@
           <a:p>
             <a:fld id="{622E22BE-79DE-4FFF-A515-BF1CA8DF801A}" type="datetimeFigureOut">
               <a:rPr lang="en-US" smtClean="0"/>
-              <a:t>11/26/2019</a:t>
+              <a:t>12/2/2019</a:t>
             </a:fld>
             <a:endParaRPr lang="en-US"/>
           </a:p>
@@ -4417,7 +4685,7 @@
           <a:p>
             <a:fld id="{622E22BE-79DE-4FFF-A515-BF1CA8DF801A}" type="datetimeFigureOut">
               <a:rPr lang="en-US" smtClean="0"/>
-              <a:t>11/26/2019</a:t>
+              <a:t>12/2/2019</a:t>
             </a:fld>
             <a:endParaRPr lang="en-US"/>
           </a:p>
@@ -4585,7 +4853,7 @@
           <a:p>
             <a:fld id="{622E22BE-79DE-4FFF-A515-BF1CA8DF801A}" type="datetimeFigureOut">
               <a:rPr lang="en-US" smtClean="0"/>
-              <a:t>11/26/2019</a:t>
+              <a:t>12/2/2019</a:t>
             </a:fld>
             <a:endParaRPr lang="en-US"/>
           </a:p>
@@ -4830,7 +5098,7 @@
           <a:p>
             <a:fld id="{622E22BE-79DE-4FFF-A515-BF1CA8DF801A}" type="datetimeFigureOut">
               <a:rPr lang="en-US" smtClean="0"/>
-              <a:t>11/26/2019</a:t>
+              <a:t>12/2/2019</a:t>
             </a:fld>
             <a:endParaRPr lang="en-US"/>
           </a:p>
@@ -5059,7 +5327,7 @@
           <a:p>
             <a:fld id="{622E22BE-79DE-4FFF-A515-BF1CA8DF801A}" type="datetimeFigureOut">
               <a:rPr lang="en-US" smtClean="0"/>
-              <a:t>11/26/2019</a:t>
+              <a:t>12/2/2019</a:t>
             </a:fld>
             <a:endParaRPr lang="en-US"/>
           </a:p>
@@ -5423,7 +5691,7 @@
           <a:p>
             <a:fld id="{622E22BE-79DE-4FFF-A515-BF1CA8DF801A}" type="datetimeFigureOut">
               <a:rPr lang="en-US" smtClean="0"/>
-              <a:t>11/26/2019</a:t>
+              <a:t>12/2/2019</a:t>
             </a:fld>
             <a:endParaRPr lang="en-US"/>
           </a:p>
@@ -5540,7 +5808,7 @@
           <a:p>
             <a:fld id="{622E22BE-79DE-4FFF-A515-BF1CA8DF801A}" type="datetimeFigureOut">
               <a:rPr lang="en-US" smtClean="0"/>
-              <a:t>11/26/2019</a:t>
+              <a:t>12/2/2019</a:t>
             </a:fld>
             <a:endParaRPr lang="en-US"/>
           </a:p>
@@ -5635,7 +5903,7 @@
           <a:p>
             <a:fld id="{622E22BE-79DE-4FFF-A515-BF1CA8DF801A}" type="datetimeFigureOut">
               <a:rPr lang="en-US" smtClean="0"/>
-              <a:t>11/26/2019</a:t>
+              <a:t>12/2/2019</a:t>
             </a:fld>
             <a:endParaRPr lang="en-US"/>
           </a:p>
@@ -5910,7 +6178,7 @@
           <a:p>
             <a:fld id="{622E22BE-79DE-4FFF-A515-BF1CA8DF801A}" type="datetimeFigureOut">
               <a:rPr lang="en-US" smtClean="0"/>
-              <a:t>11/26/2019</a:t>
+              <a:t>12/2/2019</a:t>
             </a:fld>
             <a:endParaRPr lang="en-US"/>
           </a:p>
@@ -6162,7 +6430,7 @@
           <a:p>
             <a:fld id="{622E22BE-79DE-4FFF-A515-BF1CA8DF801A}" type="datetimeFigureOut">
               <a:rPr lang="en-US" smtClean="0"/>
-              <a:t>11/26/2019</a:t>
+              <a:t>12/2/2019</a:t>
             </a:fld>
             <a:endParaRPr lang="en-US"/>
           </a:p>
@@ -6373,7 +6641,7 @@
           <a:p>
             <a:fld id="{622E22BE-79DE-4FFF-A515-BF1CA8DF801A}" type="datetimeFigureOut">
               <a:rPr lang="en-US" smtClean="0"/>
-              <a:t>11/26/2019</a:t>
+              <a:t>12/2/2019</a:t>
             </a:fld>
             <a:endParaRPr lang="en-US"/>
           </a:p>
@@ -11879,7 +12147,7 @@
           <a:p>
             <a:r>
               <a:rPr lang="en-US" dirty="0"/>
-              <a:t>Header</a:t>
+              <a:t>Manage the host lifetime</a:t>
             </a:r>
           </a:p>
         </p:txBody>
@@ -11898,8 +12166,8 @@
         </p:nvSpPr>
         <p:spPr>
           <a:xfrm>
-            <a:off x="474785" y="1659285"/>
-            <a:ext cx="11224846" cy="523220"/>
+            <a:off x="322385" y="1846854"/>
+            <a:ext cx="11869615" cy="4524315"/>
           </a:xfrm>
           <a:prstGeom prst="rect">
             <a:avLst/>
@@ -11912,10 +12180,79 @@
           </a:bodyPr>
           <a:lstStyle/>
           <a:p>
+            <a:pPr marL="457200" indent="-457200">
+              <a:buFont typeface="Arial" panose="020B0604020202020204" pitchFamily="34" charset="0"/>
+              <a:buChar char="•"/>
+            </a:pPr>
             <a:r>
               <a:rPr lang="en-US" sz="2800" dirty="0"/>
-              <a:t>text</a:t>
-            </a:r>
+              <a:t>Run</a:t>
+            </a:r>
+          </a:p>
+          <a:p>
+            <a:r>
+              <a:rPr lang="en-US" sz="2400" dirty="0"/>
+              <a:t>	Runs the app and blocks the calling thread until the host is shut down.</a:t>
+            </a:r>
+          </a:p>
+          <a:p>
+            <a:endParaRPr lang="en-US" sz="2400" dirty="0"/>
+          </a:p>
+          <a:p>
+            <a:pPr marL="457200" indent="-457200">
+              <a:buFont typeface="Arial" panose="020B0604020202020204" pitchFamily="34" charset="0"/>
+              <a:buChar char="•"/>
+            </a:pPr>
+            <a:r>
+              <a:rPr lang="en-US" sz="2800" dirty="0" err="1"/>
+              <a:t>RunAsync</a:t>
+            </a:r>
+            <a:endParaRPr lang="en-US" sz="2800" dirty="0"/>
+          </a:p>
+          <a:p>
+            <a:r>
+              <a:rPr lang="en-US" sz="2400" dirty="0"/>
+              <a:t>	Runs the app and returns a Task that completes when the cancellation token or shutdown is triggered.</a:t>
+            </a:r>
+          </a:p>
+          <a:p>
+            <a:endParaRPr lang="en-US" sz="2800" dirty="0"/>
+          </a:p>
+          <a:p>
+            <a:pPr marL="457200" indent="-457200">
+              <a:buFont typeface="Arial" panose="020B0604020202020204" pitchFamily="34" charset="0"/>
+              <a:buChar char="•"/>
+            </a:pPr>
+            <a:r>
+              <a:rPr lang="en-US" sz="2800" dirty="0" err="1"/>
+              <a:t>RunConsoleAsync</a:t>
+            </a:r>
+            <a:endParaRPr lang="en-US" sz="2800" dirty="0"/>
+          </a:p>
+          <a:p>
+            <a:r>
+              <a:rPr lang="en-US" sz="2800" dirty="0"/>
+              <a:t>	</a:t>
+            </a:r>
+            <a:r>
+              <a:rPr lang="en-US" sz="2400" dirty="0"/>
+              <a:t>Enables console support, builds and starts the host, and waits for </a:t>
+            </a:r>
+            <a:r>
+              <a:rPr lang="en-US" sz="2400" dirty="0" err="1"/>
+              <a:t>Ctrl+C</a:t>
+            </a:r>
+            <a:r>
+              <a:rPr lang="en-US" sz="2400" dirty="0"/>
+              <a:t>/SIGINT or SIGTERM to shut down.</a:t>
+            </a:r>
+          </a:p>
+          <a:p>
+            <a:pPr marL="457200" indent="-457200">
+              <a:buFont typeface="Arial" panose="020B0604020202020204" pitchFamily="34" charset="0"/>
+              <a:buChar char="•"/>
+            </a:pPr>
+            <a:endParaRPr lang="en-US" sz="2800" dirty="0"/>
           </a:p>
         </p:txBody>
       </p:sp>
@@ -12005,7 +12342,7 @@
           <a:p>
             <a:r>
               <a:rPr lang="en-US" dirty="0"/>
-              <a:t>Header</a:t>
+              <a:t>Manage the host lifetime</a:t>
             </a:r>
           </a:p>
         </p:txBody>
@@ -12024,7 +12361,449 @@
         </p:nvSpPr>
         <p:spPr>
           <a:xfrm>
-            <a:off x="474785" y="1659285"/>
+            <a:off x="483577" y="1026238"/>
+            <a:ext cx="11224846" cy="5570756"/>
+          </a:xfrm>
+          <a:prstGeom prst="rect">
+            <a:avLst/>
+          </a:prstGeom>
+          <a:noFill/>
+        </p:spPr>
+        <p:txBody>
+          <a:bodyPr wrap="square" rtlCol="0">
+            <a:spAutoFit/>
+          </a:bodyPr>
+          <a:lstStyle/>
+          <a:p>
+            <a:endParaRPr lang="en-US" sz="2800" dirty="0"/>
+          </a:p>
+          <a:p>
+            <a:pPr marL="457200" indent="-457200">
+              <a:buFont typeface="Arial" panose="020B0604020202020204" pitchFamily="34" charset="0"/>
+              <a:buChar char="•"/>
+            </a:pPr>
+            <a:r>
+              <a:rPr lang="en-US" sz="2800" dirty="0"/>
+              <a:t>Start</a:t>
+            </a:r>
+          </a:p>
+          <a:p>
+            <a:r>
+              <a:rPr lang="en-US" sz="2800" dirty="0"/>
+              <a:t>	</a:t>
+            </a:r>
+            <a:r>
+              <a:rPr lang="en-US" sz="2400" dirty="0"/>
+              <a:t>Starts the host synchronously.</a:t>
+            </a:r>
+          </a:p>
+          <a:p>
+            <a:endParaRPr lang="en-US" sz="2800" dirty="0"/>
+          </a:p>
+          <a:p>
+            <a:pPr marL="457200" indent="-457200">
+              <a:buFont typeface="Arial" panose="020B0604020202020204" pitchFamily="34" charset="0"/>
+              <a:buChar char="•"/>
+            </a:pPr>
+            <a:r>
+              <a:rPr lang="en-US" sz="2800" dirty="0" err="1"/>
+              <a:t>StartAsync</a:t>
+            </a:r>
+            <a:endParaRPr lang="en-US" sz="2800" dirty="0"/>
+          </a:p>
+          <a:p>
+            <a:r>
+              <a:rPr lang="ru-RU" sz="2800" dirty="0"/>
+              <a:t>	</a:t>
+            </a:r>
+            <a:r>
+              <a:rPr lang="en-US" sz="2400" dirty="0"/>
+              <a:t>Starts the host and returns a Task that completes when the cancellation token or shutdown is triggered.</a:t>
+            </a:r>
+          </a:p>
+          <a:p>
+            <a:endParaRPr lang="en-US" sz="2800" dirty="0"/>
+          </a:p>
+          <a:p>
+            <a:pPr marL="457200" indent="-457200">
+              <a:buFont typeface="Arial" panose="020B0604020202020204" pitchFamily="34" charset="0"/>
+              <a:buChar char="•"/>
+            </a:pPr>
+            <a:r>
+              <a:rPr lang="en-US" sz="2800" dirty="0" err="1"/>
+              <a:t>WaitForStartAsync</a:t>
+            </a:r>
+            <a:endParaRPr lang="en-US" sz="2800" dirty="0"/>
+          </a:p>
+          <a:p>
+            <a:pPr lvl="0">
+              <a:defRPr/>
+            </a:pPr>
+            <a:r>
+              <a:rPr lang="ru-RU" sz="2800" dirty="0"/>
+              <a:t>	</a:t>
+            </a:r>
+            <a:r>
+              <a:rPr lang="en-US" sz="2400" dirty="0"/>
+              <a:t>Is called at the start of </a:t>
+            </a:r>
+            <a:r>
+              <a:rPr lang="en-US" sz="2400" dirty="0" err="1"/>
+              <a:t>StartAsync</a:t>
+            </a:r>
+            <a:r>
+              <a:rPr lang="en-US" sz="2400" dirty="0"/>
+              <a:t>, which waits until it's complete before continuing. This can be used to delay startup until signaled by an external event.</a:t>
+            </a:r>
+          </a:p>
+          <a:p>
+            <a:pPr lvl="0">
+              <a:defRPr/>
+            </a:pPr>
+            <a:endParaRPr lang="en-US" sz="2800" dirty="0"/>
+          </a:p>
+          <a:p>
+            <a:endParaRPr lang="en-US" sz="2800" dirty="0"/>
+          </a:p>
+        </p:txBody>
+      </p:sp>
+    </p:spTree>
+    <p:extLst>
+      <p:ext uri="{BB962C8B-B14F-4D97-AF65-F5344CB8AC3E}">
+        <p14:creationId xmlns:p14="http://schemas.microsoft.com/office/powerpoint/2010/main" val="2035202936"/>
+      </p:ext>
+    </p:extLst>
+  </p:cSld>
+  <p:clrMapOvr>
+    <a:masterClrMapping/>
+  </p:clrMapOvr>
+</p:sld>
+</file>
+
+<file path=ppt/slides/slide35.xml><?xml version="1.0" encoding="utf-8"?>
+<p:sld xmlns:a="http://schemas.openxmlformats.org/drawingml/2006/main" xmlns:r="http://schemas.openxmlformats.org/officeDocument/2006/relationships" xmlns:p="http://schemas.openxmlformats.org/presentationml/2006/main">
+  <p:cSld>
+    <p:bg>
+      <p:bgPr>
+        <a:gradFill>
+          <a:gsLst>
+            <a:gs pos="0">
+              <a:schemeClr val="accent1">
+                <a:lumMod val="5000"/>
+                <a:lumOff val="95000"/>
+              </a:schemeClr>
+            </a:gs>
+            <a:gs pos="42000">
+              <a:schemeClr val="accent1">
+                <a:lumMod val="45000"/>
+                <a:lumOff val="55000"/>
+              </a:schemeClr>
+            </a:gs>
+            <a:gs pos="83000">
+              <a:schemeClr val="accent1">
+                <a:lumMod val="45000"/>
+                <a:lumOff val="55000"/>
+              </a:schemeClr>
+            </a:gs>
+            <a:gs pos="100000">
+              <a:schemeClr val="accent1">
+                <a:lumMod val="30000"/>
+                <a:lumOff val="70000"/>
+              </a:schemeClr>
+            </a:gs>
+          </a:gsLst>
+          <a:lin ang="5400000" scaled="1"/>
+        </a:gradFill>
+        <a:effectLst/>
+      </p:bgPr>
+    </p:bg>
+    <p:spTree>
+      <p:nvGrpSpPr>
+        <p:cNvPr id="1" name=""/>
+        <p:cNvGrpSpPr/>
+        <p:nvPr/>
+      </p:nvGrpSpPr>
+      <p:grpSpPr>
+        <a:xfrm>
+          <a:off x="0" y="0"/>
+          <a:ext cx="0" cy="0"/>
+          <a:chOff x="0" y="0"/>
+          <a:chExt cx="0" cy="0"/>
+        </a:xfrm>
+      </p:grpSpPr>
+      <p:sp>
+        <p:nvSpPr>
+          <p:cNvPr id="2" name="Title 1"/>
+          <p:cNvSpPr>
+            <a:spLocks noGrp="1"/>
+          </p:cNvSpPr>
+          <p:nvPr>
+            <p:ph type="title"/>
+          </p:nvPr>
+        </p:nvSpPr>
+        <p:spPr>
+          <a:xfrm>
+            <a:off x="181708" y="60325"/>
+            <a:ext cx="10515600" cy="1325563"/>
+          </a:xfrm>
+        </p:spPr>
+        <p:txBody>
+          <a:bodyPr/>
+          <a:lstStyle/>
+          <a:p>
+            <a:r>
+              <a:rPr lang="en-US" dirty="0"/>
+              <a:t>Manage the host lifetime</a:t>
+            </a:r>
+          </a:p>
+        </p:txBody>
+      </p:sp>
+      <p:sp>
+        <p:nvSpPr>
+          <p:cNvPr id="3" name="TextBox 2">
+            <a:extLst>
+              <a:ext uri="{FF2B5EF4-FFF2-40B4-BE49-F238E27FC236}">
+                <a16:creationId xmlns:a16="http://schemas.microsoft.com/office/drawing/2014/main" id="{ADDF9C7B-D1A4-43C4-8257-A0442BD6194E}"/>
+              </a:ext>
+            </a:extLst>
+          </p:cNvPr>
+          <p:cNvSpPr txBox="1"/>
+          <p:nvPr/>
+        </p:nvSpPr>
+        <p:spPr>
+          <a:xfrm>
+            <a:off x="363416" y="1108298"/>
+            <a:ext cx="11828584" cy="5262979"/>
+          </a:xfrm>
+          <a:prstGeom prst="rect">
+            <a:avLst/>
+          </a:prstGeom>
+          <a:noFill/>
+        </p:spPr>
+        <p:txBody>
+          <a:bodyPr wrap="square" rtlCol="0">
+            <a:spAutoFit/>
+          </a:bodyPr>
+          <a:lstStyle/>
+          <a:p>
+            <a:pPr marL="457200" indent="-457200">
+              <a:buFont typeface="Arial" panose="020B0604020202020204" pitchFamily="34" charset="0"/>
+              <a:buChar char="•"/>
+            </a:pPr>
+            <a:endParaRPr lang="en-US" sz="2800" dirty="0"/>
+          </a:p>
+          <a:p>
+            <a:pPr marL="457200" indent="-457200">
+              <a:buFont typeface="Arial" panose="020B0604020202020204" pitchFamily="34" charset="0"/>
+              <a:buChar char="•"/>
+            </a:pPr>
+            <a:r>
+              <a:rPr lang="en-US" sz="2800" dirty="0" err="1"/>
+              <a:t>StopAsync</a:t>
+            </a:r>
+            <a:endParaRPr lang="ru-RU" sz="2800" dirty="0"/>
+          </a:p>
+          <a:p>
+            <a:r>
+              <a:rPr lang="ru-RU" sz="2800" dirty="0"/>
+              <a:t>	</a:t>
+            </a:r>
+            <a:r>
+              <a:rPr lang="en-US" sz="2400" dirty="0"/>
+              <a:t>Attempts to stop the host within the provided timeout.</a:t>
+            </a:r>
+          </a:p>
+          <a:p>
+            <a:endParaRPr lang="en-US" sz="2800" dirty="0"/>
+          </a:p>
+          <a:p>
+            <a:pPr marL="457200" indent="-457200">
+              <a:buFont typeface="Arial" panose="020B0604020202020204" pitchFamily="34" charset="0"/>
+              <a:buChar char="•"/>
+            </a:pPr>
+            <a:r>
+              <a:rPr lang="en-US" sz="2800" dirty="0" err="1"/>
+              <a:t>WaitForShutdown</a:t>
+            </a:r>
+            <a:endParaRPr lang="ru-RU" sz="2800" dirty="0"/>
+          </a:p>
+          <a:p>
+            <a:r>
+              <a:rPr lang="ru-RU" sz="2800" dirty="0"/>
+              <a:t>	</a:t>
+            </a:r>
+            <a:r>
+              <a:rPr lang="en-US" sz="2400" dirty="0"/>
+              <a:t>Blocks the calling thread until shutdown is triggered by the </a:t>
+            </a:r>
+            <a:r>
+              <a:rPr lang="en-US" sz="2400" dirty="0" err="1"/>
+              <a:t>IHostLifetime</a:t>
+            </a:r>
+            <a:r>
+              <a:rPr lang="en-US" sz="2400" dirty="0"/>
+              <a:t>, such as via </a:t>
+            </a:r>
+            <a:r>
+              <a:rPr lang="en-US" sz="2400" dirty="0" err="1"/>
+              <a:t>Ctrl+C</a:t>
+            </a:r>
+            <a:r>
+              <a:rPr lang="en-US" sz="2400" dirty="0"/>
+              <a:t>/SIGINT or SIGTERM.</a:t>
+            </a:r>
+          </a:p>
+          <a:p>
+            <a:pPr marL="914400" lvl="1" indent="-457200">
+              <a:buFont typeface="Arial" panose="020B0604020202020204" pitchFamily="34" charset="0"/>
+              <a:buChar char="•"/>
+            </a:pPr>
+            <a:endParaRPr lang="en-US" sz="2800" dirty="0"/>
+          </a:p>
+          <a:p>
+            <a:pPr marL="457200" indent="-457200">
+              <a:buFont typeface="Arial" panose="020B0604020202020204" pitchFamily="34" charset="0"/>
+              <a:buChar char="•"/>
+            </a:pPr>
+            <a:r>
+              <a:rPr lang="en-US" sz="2800" dirty="0" err="1"/>
+              <a:t>WaitForShutdownAsync</a:t>
+            </a:r>
+            <a:endParaRPr lang="ru-RU" sz="2800" dirty="0"/>
+          </a:p>
+          <a:p>
+            <a:r>
+              <a:rPr lang="ru-RU" sz="2800" dirty="0"/>
+              <a:t>	</a:t>
+            </a:r>
+            <a:r>
+              <a:rPr lang="en-US" sz="2400" dirty="0"/>
+              <a:t>Returns a Task that completes when shutdown is triggered via the given token and calls </a:t>
+            </a:r>
+            <a:r>
+              <a:rPr lang="en-US" sz="2400" dirty="0" err="1"/>
+              <a:t>StopAsync</a:t>
+            </a:r>
+            <a:r>
+              <a:rPr lang="en-US" sz="2400" dirty="0"/>
+              <a:t>.</a:t>
+            </a:r>
+          </a:p>
+          <a:p>
+            <a:pPr marL="457200" indent="-457200">
+              <a:buFont typeface="Arial" panose="020B0604020202020204" pitchFamily="34" charset="0"/>
+              <a:buChar char="•"/>
+            </a:pPr>
+            <a:endParaRPr lang="en-US" sz="2800" dirty="0"/>
+          </a:p>
+        </p:txBody>
+      </p:sp>
+    </p:spTree>
+    <p:extLst>
+      <p:ext uri="{BB962C8B-B14F-4D97-AF65-F5344CB8AC3E}">
+        <p14:creationId xmlns:p14="http://schemas.microsoft.com/office/powerpoint/2010/main" val="1834143067"/>
+      </p:ext>
+    </p:extLst>
+  </p:cSld>
+  <p:clrMapOvr>
+    <a:masterClrMapping/>
+  </p:clrMapOvr>
+</p:sld>
+</file>
+
+<file path=ppt/slides/slide36.xml><?xml version="1.0" encoding="utf-8"?>
+<p:sld xmlns:a="http://schemas.openxmlformats.org/drawingml/2006/main" xmlns:r="http://schemas.openxmlformats.org/officeDocument/2006/relationships" xmlns:p="http://schemas.openxmlformats.org/presentationml/2006/main">
+  <p:cSld>
+    <p:bg>
+      <p:bgPr>
+        <a:gradFill>
+          <a:gsLst>
+            <a:gs pos="0">
+              <a:schemeClr val="accent1">
+                <a:lumMod val="5000"/>
+                <a:lumOff val="95000"/>
+              </a:schemeClr>
+            </a:gs>
+            <a:gs pos="42000">
+              <a:schemeClr val="accent1">
+                <a:lumMod val="45000"/>
+                <a:lumOff val="55000"/>
+              </a:schemeClr>
+            </a:gs>
+            <a:gs pos="83000">
+              <a:schemeClr val="accent1">
+                <a:lumMod val="45000"/>
+                <a:lumOff val="55000"/>
+              </a:schemeClr>
+            </a:gs>
+            <a:gs pos="100000">
+              <a:schemeClr val="accent1">
+                <a:lumMod val="30000"/>
+                <a:lumOff val="70000"/>
+              </a:schemeClr>
+            </a:gs>
+          </a:gsLst>
+          <a:lin ang="5400000" scaled="1"/>
+        </a:gradFill>
+        <a:effectLst/>
+      </p:bgPr>
+    </p:bg>
+    <p:spTree>
+      <p:nvGrpSpPr>
+        <p:cNvPr id="1" name=""/>
+        <p:cNvGrpSpPr/>
+        <p:nvPr/>
+      </p:nvGrpSpPr>
+      <p:grpSpPr>
+        <a:xfrm>
+          <a:off x="0" y="0"/>
+          <a:ext cx="0" cy="0"/>
+          <a:chOff x="0" y="0"/>
+          <a:chExt cx="0" cy="0"/>
+        </a:xfrm>
+      </p:grpSpPr>
+      <p:sp>
+        <p:nvSpPr>
+          <p:cNvPr id="2" name="Title 1"/>
+          <p:cNvSpPr>
+            <a:spLocks noGrp="1"/>
+          </p:cNvSpPr>
+          <p:nvPr>
+            <p:ph type="title"/>
+          </p:nvPr>
+        </p:nvSpPr>
+        <p:spPr>
+          <a:xfrm>
+            <a:off x="181708" y="60325"/>
+            <a:ext cx="10515600" cy="1325563"/>
+          </a:xfrm>
+        </p:spPr>
+        <p:txBody>
+          <a:bodyPr/>
+          <a:lstStyle/>
+          <a:p>
+            <a:r>
+              <a:rPr lang="en-US" dirty="0"/>
+              <a:t>External control</a:t>
+            </a:r>
+          </a:p>
+        </p:txBody>
+      </p:sp>
+      <p:sp>
+        <p:nvSpPr>
+          <p:cNvPr id="3" name="TextBox 2">
+            <a:extLst>
+              <a:ext uri="{FF2B5EF4-FFF2-40B4-BE49-F238E27FC236}">
+                <a16:creationId xmlns:a16="http://schemas.microsoft.com/office/drawing/2014/main" id="{ADDF9C7B-D1A4-43C4-8257-A0442BD6194E}"/>
+              </a:ext>
+            </a:extLst>
+          </p:cNvPr>
+          <p:cNvSpPr txBox="1"/>
+          <p:nvPr/>
+        </p:nvSpPr>
+        <p:spPr>
+          <a:xfrm>
+            <a:off x="334108" y="1694454"/>
             <a:ext cx="11224846" cy="523220"/>
           </a:xfrm>
           <a:prstGeom prst="rect">
@@ -12038,13 +12817,70 @@
           </a:bodyPr>
           <a:lstStyle/>
           <a:p>
-            <a:r>
-              <a:rPr lang="en-US" sz="2800" dirty="0"/>
-              <a:t>text</a:t>
-            </a:r>
-          </a:p>
-        </p:txBody>
-      </p:sp>
+            <a:endParaRPr lang="en-US" sz="2800" dirty="0"/>
+          </a:p>
+        </p:txBody>
+      </p:sp>
+      <p:pic>
+        <p:nvPicPr>
+          <p:cNvPr id="6" name="Picture 5">
+            <a:extLst>
+              <a:ext uri="{FF2B5EF4-FFF2-40B4-BE49-F238E27FC236}">
+                <a16:creationId xmlns:a16="http://schemas.microsoft.com/office/drawing/2014/main" id="{79FB82AF-8CF2-4041-AA57-F88632310159}"/>
+              </a:ext>
+            </a:extLst>
+          </p:cNvPr>
+          <p:cNvPicPr>
+            <a:picLocks noChangeAspect="1"/>
+          </p:cNvPicPr>
+          <p:nvPr/>
+        </p:nvPicPr>
+        <p:blipFill>
+          <a:blip r:embed="rId3"/>
+          <a:stretch>
+            <a:fillRect/>
+          </a:stretch>
+        </p:blipFill>
+        <p:spPr>
+          <a:xfrm>
+            <a:off x="181708" y="1197039"/>
+            <a:ext cx="4254505" cy="2925530"/>
+          </a:xfrm>
+          <a:prstGeom prst="rect">
+            <a:avLst/>
+          </a:prstGeom>
+        </p:spPr>
+      </p:pic>
+      <p:pic>
+        <p:nvPicPr>
+          <p:cNvPr id="7" name="Picture 6">
+            <a:extLst>
+              <a:ext uri="{FF2B5EF4-FFF2-40B4-BE49-F238E27FC236}">
+                <a16:creationId xmlns:a16="http://schemas.microsoft.com/office/drawing/2014/main" id="{21F03F82-29D9-4FCA-B904-2C5744002DFA}"/>
+              </a:ext>
+            </a:extLst>
+          </p:cNvPr>
+          <p:cNvPicPr>
+            <a:picLocks noChangeAspect="1"/>
+          </p:cNvPicPr>
+          <p:nvPr/>
+        </p:nvPicPr>
+        <p:blipFill>
+          <a:blip r:embed="rId4"/>
+          <a:stretch>
+            <a:fillRect/>
+          </a:stretch>
+        </p:blipFill>
+        <p:spPr>
+          <a:xfrm>
+            <a:off x="4436213" y="3194538"/>
+            <a:ext cx="7574079" cy="3570121"/>
+          </a:xfrm>
+          <a:prstGeom prst="rect">
+            <a:avLst/>
+          </a:prstGeom>
+        </p:spPr>
+      </p:pic>
     </p:spTree>
     <p:extLst>
       <p:ext uri="{BB962C8B-B14F-4D97-AF65-F5344CB8AC3E}">
@@ -12058,7 +12894,7 @@
 </p:sld>
 </file>
 
-<file path=ppt/slides/slide35.xml><?xml version="1.0" encoding="utf-8"?>
+<file path=ppt/slides/slide37.xml><?xml version="1.0" encoding="utf-8"?>
 <p:sld xmlns:a="http://schemas.openxmlformats.org/drawingml/2006/main" xmlns:r="http://schemas.openxmlformats.org/officeDocument/2006/relationships" xmlns:p="http://schemas.openxmlformats.org/presentationml/2006/main">
   <p:cSld>
     <p:bg>
